--- a/Presentation/Slides-day-1.pptx
+++ b/Presentation/Slides-day-1.pptx
@@ -45,6 +45,11 @@
     <p:sldId id="293" r:id="rId43"/>
     <p:sldId id="294" r:id="rId44"/>
     <p:sldId id="295" r:id="rId45"/>
+    <p:sldId id="296" r:id="rId46"/>
+    <p:sldId id="297" r:id="rId47"/>
+    <p:sldId id="298" r:id="rId48"/>
+    <p:sldId id="299" r:id="rId49"/>
+    <p:sldId id="300" r:id="rId50"/>
   </p:sldIdLst>
   <p:sldSz cx="12192000" cy="6858000"/>
   <p:notesSz cx="6858000" cy="9144000"/>
@@ -5133,6 +5138,261 @@
 </p:sld>
 </file>
 
+<file path=ppt/slides/slide41.xml><?xml version="1.0" encoding="utf-8"?>
+<p:sld xmlns:a="http://schemas.openxmlformats.org/drawingml/2006/main" xmlns:r="http://schemas.openxmlformats.org/officeDocument/2006/relationships" xmlns:p="http://schemas.openxmlformats.org/presentationml/2006/main">
+  <p:cSld>
+    <p:spTree>
+      <p:nvGrpSpPr>
+        <p:cNvPr id="1" name=""/>
+        <p:cNvGrpSpPr/>
+        <p:nvPr/>
+      </p:nvGrpSpPr>
+      <p:grpSpPr>
+        <a:xfrm>
+          <a:off x="0" y="0"/>
+          <a:ext cx="0" cy="0"/>
+          <a:chOff x="0" y="0"/>
+          <a:chExt cx="0" cy="0"/>
+        </a:xfrm>
+      </p:grpSpPr>
+      <p:pic xmlns:a="http://schemas.openxmlformats.org/drawingml/2006/main" xmlns:r="http://schemas.openxmlformats.org/officeDocument/2006/relationships" xmlns:p="http://schemas.openxmlformats.org/presentationml/2006/main">
+        <p:nvPicPr>
+          <p:cNvPr id="2" name="" descr=""/>
+          <p:cNvPicPr>
+            <a:picLocks noGrp="1"/>
+          </p:cNvPicPr>
+          <p:nvPr>
+            <p:ph/>
+          </p:nvPr>
+        </p:nvPicPr>
+        <p:blipFill>
+          <a:blip cstate="print" r:embed="rId2"/>
+          <a:stretch>
+            <a:fillRect/>
+          </a:stretch>
+        </p:blipFill>
+        <p:spPr>
+          <a:xfrm>
+            <a:off x="0" y="0"/>
+            <a:ext cx="12192000" cy="6858000"/>
+          </a:xfrm>
+          <a:prstGeom prst="rect">
+            <a:avLst/>
+          </a:prstGeom>
+        </p:spPr>
+      </p:pic>
+    </p:spTree>
+  </p:cSld>
+  <p:clrMapOvr>
+    <a:masterClrMapping/>
+  </p:clrMapOvr>
+</p:sld>
+</file>
+
+<file path=ppt/slides/slide42.xml><?xml version="1.0" encoding="utf-8"?>
+<p:sld xmlns:a="http://schemas.openxmlformats.org/drawingml/2006/main" xmlns:r="http://schemas.openxmlformats.org/officeDocument/2006/relationships" xmlns:p="http://schemas.openxmlformats.org/presentationml/2006/main">
+  <p:cSld>
+    <p:spTree>
+      <p:nvGrpSpPr>
+        <p:cNvPr id="1" name=""/>
+        <p:cNvGrpSpPr/>
+        <p:nvPr/>
+      </p:nvGrpSpPr>
+      <p:grpSpPr>
+        <a:xfrm>
+          <a:off x="0" y="0"/>
+          <a:ext cx="0" cy="0"/>
+          <a:chOff x="0" y="0"/>
+          <a:chExt cx="0" cy="0"/>
+        </a:xfrm>
+      </p:grpSpPr>
+      <p:pic xmlns:a="http://schemas.openxmlformats.org/drawingml/2006/main" xmlns:r="http://schemas.openxmlformats.org/officeDocument/2006/relationships" xmlns:p="http://schemas.openxmlformats.org/presentationml/2006/main">
+        <p:nvPicPr>
+          <p:cNvPr id="2" name="" descr=""/>
+          <p:cNvPicPr>
+            <a:picLocks noGrp="1"/>
+          </p:cNvPicPr>
+          <p:nvPr>
+            <p:ph/>
+          </p:nvPr>
+        </p:nvPicPr>
+        <p:blipFill>
+          <a:blip cstate="print" r:embed="rId2"/>
+          <a:stretch>
+            <a:fillRect/>
+          </a:stretch>
+        </p:blipFill>
+        <p:spPr>
+          <a:xfrm>
+            <a:off x="0" y="0"/>
+            <a:ext cx="12192000" cy="6858000"/>
+          </a:xfrm>
+          <a:prstGeom prst="rect">
+            <a:avLst/>
+          </a:prstGeom>
+        </p:spPr>
+      </p:pic>
+    </p:spTree>
+  </p:cSld>
+  <p:clrMapOvr>
+    <a:masterClrMapping/>
+  </p:clrMapOvr>
+</p:sld>
+</file>
+
+<file path=ppt/slides/slide43.xml><?xml version="1.0" encoding="utf-8"?>
+<p:sld xmlns:a="http://schemas.openxmlformats.org/drawingml/2006/main" xmlns:r="http://schemas.openxmlformats.org/officeDocument/2006/relationships" xmlns:p="http://schemas.openxmlformats.org/presentationml/2006/main">
+  <p:cSld>
+    <p:spTree>
+      <p:nvGrpSpPr>
+        <p:cNvPr id="1" name=""/>
+        <p:cNvGrpSpPr/>
+        <p:nvPr/>
+      </p:nvGrpSpPr>
+      <p:grpSpPr>
+        <a:xfrm>
+          <a:off x="0" y="0"/>
+          <a:ext cx="0" cy="0"/>
+          <a:chOff x="0" y="0"/>
+          <a:chExt cx="0" cy="0"/>
+        </a:xfrm>
+      </p:grpSpPr>
+      <p:pic xmlns:a="http://schemas.openxmlformats.org/drawingml/2006/main" xmlns:r="http://schemas.openxmlformats.org/officeDocument/2006/relationships" xmlns:p="http://schemas.openxmlformats.org/presentationml/2006/main">
+        <p:nvPicPr>
+          <p:cNvPr id="2" name="" descr=""/>
+          <p:cNvPicPr>
+            <a:picLocks noGrp="1"/>
+          </p:cNvPicPr>
+          <p:nvPr>
+            <p:ph/>
+          </p:nvPr>
+        </p:nvPicPr>
+        <p:blipFill>
+          <a:blip cstate="print" r:embed="rId2"/>
+          <a:stretch>
+            <a:fillRect/>
+          </a:stretch>
+        </p:blipFill>
+        <p:spPr>
+          <a:xfrm>
+            <a:off x="0" y="0"/>
+            <a:ext cx="12192000" cy="6858000"/>
+          </a:xfrm>
+          <a:prstGeom prst="rect">
+            <a:avLst/>
+          </a:prstGeom>
+        </p:spPr>
+      </p:pic>
+    </p:spTree>
+  </p:cSld>
+  <p:clrMapOvr>
+    <a:masterClrMapping/>
+  </p:clrMapOvr>
+</p:sld>
+</file>
+
+<file path=ppt/slides/slide44.xml><?xml version="1.0" encoding="utf-8"?>
+<p:sld xmlns:a="http://schemas.openxmlformats.org/drawingml/2006/main" xmlns:r="http://schemas.openxmlformats.org/officeDocument/2006/relationships" xmlns:p="http://schemas.openxmlformats.org/presentationml/2006/main">
+  <p:cSld>
+    <p:spTree>
+      <p:nvGrpSpPr>
+        <p:cNvPr id="1" name=""/>
+        <p:cNvGrpSpPr/>
+        <p:nvPr/>
+      </p:nvGrpSpPr>
+      <p:grpSpPr>
+        <a:xfrm>
+          <a:off x="0" y="0"/>
+          <a:ext cx="0" cy="0"/>
+          <a:chOff x="0" y="0"/>
+          <a:chExt cx="0" cy="0"/>
+        </a:xfrm>
+      </p:grpSpPr>
+      <p:pic xmlns:a="http://schemas.openxmlformats.org/drawingml/2006/main" xmlns:r="http://schemas.openxmlformats.org/officeDocument/2006/relationships" xmlns:p="http://schemas.openxmlformats.org/presentationml/2006/main">
+        <p:nvPicPr>
+          <p:cNvPr id="2" name="" descr=""/>
+          <p:cNvPicPr>
+            <a:picLocks noGrp="1"/>
+          </p:cNvPicPr>
+          <p:nvPr>
+            <p:ph/>
+          </p:nvPr>
+        </p:nvPicPr>
+        <p:blipFill>
+          <a:blip cstate="print" r:embed="rId2"/>
+          <a:stretch>
+            <a:fillRect/>
+          </a:stretch>
+        </p:blipFill>
+        <p:spPr>
+          <a:xfrm>
+            <a:off x="0" y="0"/>
+            <a:ext cx="12192000" cy="6858000"/>
+          </a:xfrm>
+          <a:prstGeom prst="rect">
+            <a:avLst/>
+          </a:prstGeom>
+        </p:spPr>
+      </p:pic>
+    </p:spTree>
+  </p:cSld>
+  <p:clrMapOvr>
+    <a:masterClrMapping/>
+  </p:clrMapOvr>
+</p:sld>
+</file>
+
+<file path=ppt/slides/slide45.xml><?xml version="1.0" encoding="utf-8"?>
+<p:sld xmlns:a="http://schemas.openxmlformats.org/drawingml/2006/main" xmlns:r="http://schemas.openxmlformats.org/officeDocument/2006/relationships" xmlns:p="http://schemas.openxmlformats.org/presentationml/2006/main">
+  <p:cSld>
+    <p:spTree>
+      <p:nvGrpSpPr>
+        <p:cNvPr id="1" name=""/>
+        <p:cNvGrpSpPr/>
+        <p:nvPr/>
+      </p:nvGrpSpPr>
+      <p:grpSpPr>
+        <a:xfrm>
+          <a:off x="0" y="0"/>
+          <a:ext cx="0" cy="0"/>
+          <a:chOff x="0" y="0"/>
+          <a:chExt cx="0" cy="0"/>
+        </a:xfrm>
+      </p:grpSpPr>
+      <p:pic xmlns:a="http://schemas.openxmlformats.org/drawingml/2006/main" xmlns:r="http://schemas.openxmlformats.org/officeDocument/2006/relationships" xmlns:p="http://schemas.openxmlformats.org/presentationml/2006/main">
+        <p:nvPicPr>
+          <p:cNvPr id="2" name="" descr=""/>
+          <p:cNvPicPr>
+            <a:picLocks noGrp="1"/>
+          </p:cNvPicPr>
+          <p:nvPr>
+            <p:ph/>
+          </p:nvPr>
+        </p:nvPicPr>
+        <p:blipFill>
+          <a:blip cstate="print" r:embed="rId2"/>
+          <a:stretch>
+            <a:fillRect/>
+          </a:stretch>
+        </p:blipFill>
+        <p:spPr>
+          <a:xfrm>
+            <a:off x="0" y="0"/>
+            <a:ext cx="12192000" cy="6858000"/>
+          </a:xfrm>
+          <a:prstGeom prst="rect">
+            <a:avLst/>
+          </a:prstGeom>
+        </p:spPr>
+      </p:pic>
+    </p:spTree>
+  </p:cSld>
+  <p:clrMapOvr>
+    <a:masterClrMapping/>
+  </p:clrMapOvr>
+</p:sld>
+</file>
+
 <file path=ppt/slides/slide5.xml><?xml version="1.0" encoding="utf-8"?>
 <p:sld xmlns:a="http://schemas.openxmlformats.org/drawingml/2006/main" xmlns:r="http://schemas.openxmlformats.org/officeDocument/2006/relationships" xmlns:p="http://schemas.openxmlformats.org/presentationml/2006/main">
   <p:cSld>

--- a/Presentation/Slides-day-1.pptx
+++ b/Presentation/Slides-day-1.pptx
@@ -50,6 +50,10 @@
     <p:sldId id="298" r:id="rId48"/>
     <p:sldId id="299" r:id="rId49"/>
     <p:sldId id="300" r:id="rId50"/>
+    <p:sldId id="301" r:id="rId51"/>
+    <p:sldId id="302" r:id="rId52"/>
+    <p:sldId id="303" r:id="rId53"/>
+    <p:sldId id="304" r:id="rId54"/>
   </p:sldIdLst>
   <p:sldSz cx="12192000" cy="6858000"/>
   <p:notesSz cx="6858000" cy="9144000"/>
@@ -5393,6 +5397,210 @@
 </p:sld>
 </file>
 
+<file path=ppt/slides/slide46.xml><?xml version="1.0" encoding="utf-8"?>
+<p:sld xmlns:a="http://schemas.openxmlformats.org/drawingml/2006/main" xmlns:r="http://schemas.openxmlformats.org/officeDocument/2006/relationships" xmlns:p="http://schemas.openxmlformats.org/presentationml/2006/main">
+  <p:cSld>
+    <p:spTree>
+      <p:nvGrpSpPr>
+        <p:cNvPr id="1" name=""/>
+        <p:cNvGrpSpPr/>
+        <p:nvPr/>
+      </p:nvGrpSpPr>
+      <p:grpSpPr>
+        <a:xfrm>
+          <a:off x="0" y="0"/>
+          <a:ext cx="0" cy="0"/>
+          <a:chOff x="0" y="0"/>
+          <a:chExt cx="0" cy="0"/>
+        </a:xfrm>
+      </p:grpSpPr>
+      <p:pic xmlns:a="http://schemas.openxmlformats.org/drawingml/2006/main" xmlns:r="http://schemas.openxmlformats.org/officeDocument/2006/relationships" xmlns:p="http://schemas.openxmlformats.org/presentationml/2006/main">
+        <p:nvPicPr>
+          <p:cNvPr id="2" name="" descr=""/>
+          <p:cNvPicPr>
+            <a:picLocks noGrp="1"/>
+          </p:cNvPicPr>
+          <p:nvPr>
+            <p:ph/>
+          </p:nvPr>
+        </p:nvPicPr>
+        <p:blipFill>
+          <a:blip cstate="print" r:embed="rId2"/>
+          <a:stretch>
+            <a:fillRect/>
+          </a:stretch>
+        </p:blipFill>
+        <p:spPr>
+          <a:xfrm>
+            <a:off x="0" y="0"/>
+            <a:ext cx="12192000" cy="6858000"/>
+          </a:xfrm>
+          <a:prstGeom prst="rect">
+            <a:avLst/>
+          </a:prstGeom>
+        </p:spPr>
+      </p:pic>
+    </p:spTree>
+  </p:cSld>
+  <p:clrMapOvr>
+    <a:masterClrMapping/>
+  </p:clrMapOvr>
+</p:sld>
+</file>
+
+<file path=ppt/slides/slide47.xml><?xml version="1.0" encoding="utf-8"?>
+<p:sld xmlns:a="http://schemas.openxmlformats.org/drawingml/2006/main" xmlns:r="http://schemas.openxmlformats.org/officeDocument/2006/relationships" xmlns:p="http://schemas.openxmlformats.org/presentationml/2006/main">
+  <p:cSld>
+    <p:spTree>
+      <p:nvGrpSpPr>
+        <p:cNvPr id="1" name=""/>
+        <p:cNvGrpSpPr/>
+        <p:nvPr/>
+      </p:nvGrpSpPr>
+      <p:grpSpPr>
+        <a:xfrm>
+          <a:off x="0" y="0"/>
+          <a:ext cx="0" cy="0"/>
+          <a:chOff x="0" y="0"/>
+          <a:chExt cx="0" cy="0"/>
+        </a:xfrm>
+      </p:grpSpPr>
+      <p:pic xmlns:a="http://schemas.openxmlformats.org/drawingml/2006/main" xmlns:r="http://schemas.openxmlformats.org/officeDocument/2006/relationships" xmlns:p="http://schemas.openxmlformats.org/presentationml/2006/main">
+        <p:nvPicPr>
+          <p:cNvPr id="2" name="" descr=""/>
+          <p:cNvPicPr>
+            <a:picLocks noGrp="1"/>
+          </p:cNvPicPr>
+          <p:nvPr>
+            <p:ph/>
+          </p:nvPr>
+        </p:nvPicPr>
+        <p:blipFill>
+          <a:blip cstate="print" r:embed="rId2"/>
+          <a:stretch>
+            <a:fillRect/>
+          </a:stretch>
+        </p:blipFill>
+        <p:spPr>
+          <a:xfrm>
+            <a:off x="0" y="0"/>
+            <a:ext cx="12192000" cy="6858000"/>
+          </a:xfrm>
+          <a:prstGeom prst="rect">
+            <a:avLst/>
+          </a:prstGeom>
+        </p:spPr>
+      </p:pic>
+    </p:spTree>
+  </p:cSld>
+  <p:clrMapOvr>
+    <a:masterClrMapping/>
+  </p:clrMapOvr>
+</p:sld>
+</file>
+
+<file path=ppt/slides/slide48.xml><?xml version="1.0" encoding="utf-8"?>
+<p:sld xmlns:a="http://schemas.openxmlformats.org/drawingml/2006/main" xmlns:r="http://schemas.openxmlformats.org/officeDocument/2006/relationships" xmlns:p="http://schemas.openxmlformats.org/presentationml/2006/main">
+  <p:cSld>
+    <p:spTree>
+      <p:nvGrpSpPr>
+        <p:cNvPr id="1" name=""/>
+        <p:cNvGrpSpPr/>
+        <p:nvPr/>
+      </p:nvGrpSpPr>
+      <p:grpSpPr>
+        <a:xfrm>
+          <a:off x="0" y="0"/>
+          <a:ext cx="0" cy="0"/>
+          <a:chOff x="0" y="0"/>
+          <a:chExt cx="0" cy="0"/>
+        </a:xfrm>
+      </p:grpSpPr>
+      <p:pic xmlns:a="http://schemas.openxmlformats.org/drawingml/2006/main" xmlns:r="http://schemas.openxmlformats.org/officeDocument/2006/relationships" xmlns:p="http://schemas.openxmlformats.org/presentationml/2006/main">
+        <p:nvPicPr>
+          <p:cNvPr id="2" name="" descr=""/>
+          <p:cNvPicPr>
+            <a:picLocks noGrp="1"/>
+          </p:cNvPicPr>
+          <p:nvPr>
+            <p:ph/>
+          </p:nvPr>
+        </p:nvPicPr>
+        <p:blipFill>
+          <a:blip cstate="print" r:embed="rId2"/>
+          <a:stretch>
+            <a:fillRect/>
+          </a:stretch>
+        </p:blipFill>
+        <p:spPr>
+          <a:xfrm>
+            <a:off x="0" y="0"/>
+            <a:ext cx="12192000" cy="6858000"/>
+          </a:xfrm>
+          <a:prstGeom prst="rect">
+            <a:avLst/>
+          </a:prstGeom>
+        </p:spPr>
+      </p:pic>
+    </p:spTree>
+  </p:cSld>
+  <p:clrMapOvr>
+    <a:masterClrMapping/>
+  </p:clrMapOvr>
+</p:sld>
+</file>
+
+<file path=ppt/slides/slide49.xml><?xml version="1.0" encoding="utf-8"?>
+<p:sld xmlns:a="http://schemas.openxmlformats.org/drawingml/2006/main" xmlns:r="http://schemas.openxmlformats.org/officeDocument/2006/relationships" xmlns:p="http://schemas.openxmlformats.org/presentationml/2006/main">
+  <p:cSld>
+    <p:spTree>
+      <p:nvGrpSpPr>
+        <p:cNvPr id="1" name=""/>
+        <p:cNvGrpSpPr/>
+        <p:nvPr/>
+      </p:nvGrpSpPr>
+      <p:grpSpPr>
+        <a:xfrm>
+          <a:off x="0" y="0"/>
+          <a:ext cx="0" cy="0"/>
+          <a:chOff x="0" y="0"/>
+          <a:chExt cx="0" cy="0"/>
+        </a:xfrm>
+      </p:grpSpPr>
+      <p:pic xmlns:a="http://schemas.openxmlformats.org/drawingml/2006/main" xmlns:r="http://schemas.openxmlformats.org/officeDocument/2006/relationships" xmlns:p="http://schemas.openxmlformats.org/presentationml/2006/main">
+        <p:nvPicPr>
+          <p:cNvPr id="2" name="" descr=""/>
+          <p:cNvPicPr>
+            <a:picLocks noGrp="1"/>
+          </p:cNvPicPr>
+          <p:nvPr>
+            <p:ph/>
+          </p:nvPr>
+        </p:nvPicPr>
+        <p:blipFill>
+          <a:blip cstate="print" r:embed="rId2"/>
+          <a:stretch>
+            <a:fillRect/>
+          </a:stretch>
+        </p:blipFill>
+        <p:spPr>
+          <a:xfrm>
+            <a:off x="0" y="0"/>
+            <a:ext cx="12192000" cy="6858000"/>
+          </a:xfrm>
+          <a:prstGeom prst="rect">
+            <a:avLst/>
+          </a:prstGeom>
+        </p:spPr>
+      </p:pic>
+    </p:spTree>
+  </p:cSld>
+  <p:clrMapOvr>
+    <a:masterClrMapping/>
+  </p:clrMapOvr>
+</p:sld>
+</file>
+
 <file path=ppt/slides/slide5.xml><?xml version="1.0" encoding="utf-8"?>
 <p:sld xmlns:a="http://schemas.openxmlformats.org/drawingml/2006/main" xmlns:r="http://schemas.openxmlformats.org/officeDocument/2006/relationships" xmlns:p="http://schemas.openxmlformats.org/presentationml/2006/main">
   <p:cSld>

--- a/Presentation/Slides-day-1.pptx
+++ b/Presentation/Slides-day-1.pptx
@@ -1,68 +1,68 @@
 
 <file path=ppt/presentation.xml><?xml version="1.0" encoding="utf-8"?>
-<p:presentation xmlns:a="http://schemas.openxmlformats.org/drawingml/2006/main" xmlns:r="http://schemas.openxmlformats.org/officeDocument/2006/relationships" xmlns:p="http://schemas.openxmlformats.org/presentationml/2006/main" saveSubsetFonts="1" autoCompressPictures="0">
+<p:presentation xmlns:a="http://schemas.openxmlformats.org/drawingml/2006/main" xmlns:p="http://schemas.openxmlformats.org/presentationml/2006/main" xmlns:r="http://schemas.openxmlformats.org/officeDocument/2006/relationships" autoCompressPictures="0" saveSubsetFonts="1">
   <p:sldMasterIdLst>
     <p:sldMasterId id="2147483648" r:id="rId1"/>
   </p:sldMasterIdLst>
-  <p:sldIdLst xmlns:a="http://schemas.openxmlformats.org/drawingml/2006/main" xmlns:r="http://schemas.openxmlformats.org/officeDocument/2006/relationships" xmlns:p="http://schemas.openxmlformats.org/presentationml/2006/main">
-    <p:sldId id="256" r:id="rId6"/>
-    <p:sldId id="257" r:id="rId7"/>
-    <p:sldId id="258" r:id="rId8"/>
-    <p:sldId id="259" r:id="rId9"/>
-    <p:sldId id="260" r:id="rId10"/>
-    <p:sldId id="261" r:id="rId11"/>
-    <p:sldId id="262" r:id="rId12"/>
-    <p:sldId id="263" r:id="rId13"/>
-    <p:sldId id="264" r:id="rId14"/>
-    <p:sldId id="265" r:id="rId15"/>
-    <p:sldId id="266" r:id="rId16"/>
-    <p:sldId id="267" r:id="rId17"/>
-    <p:sldId id="268" r:id="rId18"/>
-    <p:sldId id="269" r:id="rId19"/>
-    <p:sldId id="270" r:id="rId20"/>
-    <p:sldId id="271" r:id="rId21"/>
-    <p:sldId id="272" r:id="rId22"/>
-    <p:sldId id="273" r:id="rId23"/>
-    <p:sldId id="274" r:id="rId24"/>
-    <p:sldId id="275" r:id="rId25"/>
-    <p:sldId id="276" r:id="rId26"/>
-    <p:sldId id="277" r:id="rId27"/>
-    <p:sldId id="278" r:id="rId28"/>
-    <p:sldId id="279" r:id="rId29"/>
-    <p:sldId id="280" r:id="rId30"/>
-    <p:sldId id="281" r:id="rId31"/>
-    <p:sldId id="282" r:id="rId32"/>
-    <p:sldId id="283" r:id="rId33"/>
-    <p:sldId id="284" r:id="rId34"/>
-    <p:sldId id="285" r:id="rId35"/>
-    <p:sldId id="286" r:id="rId36"/>
-    <p:sldId id="287" r:id="rId37"/>
-    <p:sldId id="288" r:id="rId38"/>
-    <p:sldId id="289" r:id="rId39"/>
-    <p:sldId id="290" r:id="rId40"/>
-    <p:sldId id="291" r:id="rId41"/>
-    <p:sldId id="292" r:id="rId42"/>
-    <p:sldId id="293" r:id="rId43"/>
-    <p:sldId id="294" r:id="rId44"/>
-    <p:sldId id="295" r:id="rId45"/>
-    <p:sldId id="296" r:id="rId46"/>
-    <p:sldId id="297" r:id="rId47"/>
-    <p:sldId id="298" r:id="rId48"/>
-    <p:sldId id="299" r:id="rId49"/>
-    <p:sldId id="300" r:id="rId50"/>
-    <p:sldId id="301" r:id="rId51"/>
-    <p:sldId id="302" r:id="rId52"/>
-    <p:sldId id="303" r:id="rId53"/>
-    <p:sldId id="304" r:id="rId54"/>
+  <p:sldIdLst>
+    <p:sldId id="256" r:id="rId2"/>
+    <p:sldId id="257" r:id="rId3"/>
+    <p:sldId id="258" r:id="rId4"/>
+    <p:sldId id="259" r:id="rId5"/>
+    <p:sldId id="260" r:id="rId6"/>
+    <p:sldId id="261" r:id="rId7"/>
+    <p:sldId id="262" r:id="rId8"/>
+    <p:sldId id="263" r:id="rId9"/>
+    <p:sldId id="264" r:id="rId10"/>
+    <p:sldId id="265" r:id="rId11"/>
+    <p:sldId id="266" r:id="rId12"/>
+    <p:sldId id="267" r:id="rId13"/>
+    <p:sldId id="268" r:id="rId14"/>
+    <p:sldId id="269" r:id="rId15"/>
+    <p:sldId id="270" r:id="rId16"/>
+    <p:sldId id="271" r:id="rId17"/>
+    <p:sldId id="272" r:id="rId18"/>
+    <p:sldId id="273" r:id="rId19"/>
+    <p:sldId id="274" r:id="rId20"/>
+    <p:sldId id="275" r:id="rId21"/>
+    <p:sldId id="276" r:id="rId22"/>
+    <p:sldId id="277" r:id="rId23"/>
+    <p:sldId id="278" r:id="rId24"/>
+    <p:sldId id="279" r:id="rId25"/>
+    <p:sldId id="280" r:id="rId26"/>
+    <p:sldId id="281" r:id="rId27"/>
+    <p:sldId id="282" r:id="rId28"/>
+    <p:sldId id="283" r:id="rId29"/>
+    <p:sldId id="284" r:id="rId30"/>
+    <p:sldId id="285" r:id="rId31"/>
+    <p:sldId id="286" r:id="rId32"/>
+    <p:sldId id="287" r:id="rId33"/>
+    <p:sldId id="288" r:id="rId34"/>
+    <p:sldId id="289" r:id="rId35"/>
+    <p:sldId id="290" r:id="rId36"/>
+    <p:sldId id="291" r:id="rId37"/>
+    <p:sldId id="292" r:id="rId38"/>
+    <p:sldId id="293" r:id="rId39"/>
+    <p:sldId id="294" r:id="rId40"/>
+    <p:sldId id="295" r:id="rId41"/>
+    <p:sldId id="296" r:id="rId42"/>
+    <p:sldId id="297" r:id="rId43"/>
+    <p:sldId id="298" r:id="rId44"/>
+    <p:sldId id="299" r:id="rId45"/>
+    <p:sldId id="300" r:id="rId46"/>
+    <p:sldId id="301" r:id="rId47"/>
+    <p:sldId id="302" r:id="rId48"/>
+    <p:sldId id="303" r:id="rId49"/>
+    <p:sldId id="304" r:id="rId50"/>
   </p:sldIdLst>
-  <p:sldSz cx="12192000" cy="6858000"/>
+  <p:sldSz cx="9144000" cy="6858000" type="screen4x3"/>
   <p:notesSz cx="6858000" cy="9144000"/>
   <p:defaultTextStyle>
     <a:defPPr>
       <a:defRPr lang="en-US"/>
     </a:defPPr>
-    <a:lvl1pPr marL="0" algn="l" defTabSz="914400" rtl="0" eaLnBrk="1" latinLnBrk="0" hangingPunct="1">
-      <a:defRPr sz="1800" kern="1200">
+    <a:lvl1pPr algn="l" defTabSz="457200" eaLnBrk="1" hangingPunct="1" latinLnBrk="0" marL="0" rtl="0">
+      <a:defRPr kern="1200" sz="1800">
         <a:solidFill>
           <a:schemeClr val="tx1"/>
         </a:solidFill>
@@ -71,8 +71,8 @@
         <a:cs typeface="+mn-cs"/>
       </a:defRPr>
     </a:lvl1pPr>
-    <a:lvl2pPr marL="457200" algn="l" defTabSz="914400" rtl="0" eaLnBrk="1" latinLnBrk="0" hangingPunct="1">
-      <a:defRPr sz="1800" kern="1200">
+    <a:lvl2pPr algn="l" defTabSz="457200" eaLnBrk="1" hangingPunct="1" latinLnBrk="0" marL="457200" rtl="0">
+      <a:defRPr kern="1200" sz="1800">
         <a:solidFill>
           <a:schemeClr val="tx1"/>
         </a:solidFill>
@@ -81,8 +81,8 @@
         <a:cs typeface="+mn-cs"/>
       </a:defRPr>
     </a:lvl2pPr>
-    <a:lvl3pPr marL="914400" algn="l" defTabSz="914400" rtl="0" eaLnBrk="1" latinLnBrk="0" hangingPunct="1">
-      <a:defRPr sz="1800" kern="1200">
+    <a:lvl3pPr algn="l" defTabSz="457200" eaLnBrk="1" hangingPunct="1" latinLnBrk="0" marL="914400" rtl="0">
+      <a:defRPr kern="1200" sz="1800">
         <a:solidFill>
           <a:schemeClr val="tx1"/>
         </a:solidFill>
@@ -91,8 +91,8 @@
         <a:cs typeface="+mn-cs"/>
       </a:defRPr>
     </a:lvl3pPr>
-    <a:lvl4pPr marL="1371600" algn="l" defTabSz="914400" rtl="0" eaLnBrk="1" latinLnBrk="0" hangingPunct="1">
-      <a:defRPr sz="1800" kern="1200">
+    <a:lvl4pPr algn="l" defTabSz="457200" eaLnBrk="1" hangingPunct="1" latinLnBrk="0" marL="1371600" rtl="0">
+      <a:defRPr kern="1200" sz="1800">
         <a:solidFill>
           <a:schemeClr val="tx1"/>
         </a:solidFill>
@@ -101,8 +101,8 @@
         <a:cs typeface="+mn-cs"/>
       </a:defRPr>
     </a:lvl4pPr>
-    <a:lvl5pPr marL="1828800" algn="l" defTabSz="914400" rtl="0" eaLnBrk="1" latinLnBrk="0" hangingPunct="1">
-      <a:defRPr sz="1800" kern="1200">
+    <a:lvl5pPr algn="l" defTabSz="457200" eaLnBrk="1" hangingPunct="1" latinLnBrk="0" marL="1828800" rtl="0">
+      <a:defRPr kern="1200" sz="1800">
         <a:solidFill>
           <a:schemeClr val="tx1"/>
         </a:solidFill>
@@ -111,8 +111,8 @@
         <a:cs typeface="+mn-cs"/>
       </a:defRPr>
     </a:lvl5pPr>
-    <a:lvl6pPr marL="2286000" algn="l" defTabSz="914400" rtl="0" eaLnBrk="1" latinLnBrk="0" hangingPunct="1">
-      <a:defRPr sz="1800" kern="1200">
+    <a:lvl6pPr algn="l" defTabSz="457200" eaLnBrk="1" hangingPunct="1" latinLnBrk="0" marL="2286000" rtl="0">
+      <a:defRPr kern="1200" sz="1800">
         <a:solidFill>
           <a:schemeClr val="tx1"/>
         </a:solidFill>
@@ -121,8 +121,8 @@
         <a:cs typeface="+mn-cs"/>
       </a:defRPr>
     </a:lvl6pPr>
-    <a:lvl7pPr marL="2743200" algn="l" defTabSz="914400" rtl="0" eaLnBrk="1" latinLnBrk="0" hangingPunct="1">
-      <a:defRPr sz="1800" kern="1200">
+    <a:lvl7pPr algn="l" defTabSz="457200" eaLnBrk="1" hangingPunct="1" latinLnBrk="0" marL="2743200" rtl="0">
+      <a:defRPr kern="1200" sz="1800">
         <a:solidFill>
           <a:schemeClr val="tx1"/>
         </a:solidFill>
@@ -131,8 +131,8 @@
         <a:cs typeface="+mn-cs"/>
       </a:defRPr>
     </a:lvl7pPr>
-    <a:lvl8pPr marL="3200400" algn="l" defTabSz="914400" rtl="0" eaLnBrk="1" latinLnBrk="0" hangingPunct="1">
-      <a:defRPr sz="1800" kern="1200">
+    <a:lvl8pPr algn="l" defTabSz="457200" eaLnBrk="1" hangingPunct="1" latinLnBrk="0" marL="3200400" rtl="0">
+      <a:defRPr kern="1200" sz="1800">
         <a:solidFill>
           <a:schemeClr val="tx1"/>
         </a:solidFill>
@@ -141,8 +141,8 @@
         <a:cs typeface="+mn-cs"/>
       </a:defRPr>
     </a:lvl8pPr>
-    <a:lvl9pPr marL="3657600" algn="l" defTabSz="914400" rtl="0" eaLnBrk="1" latinLnBrk="0" hangingPunct="1">
-      <a:defRPr sz="1800" kern="1200">
+    <a:lvl9pPr algn="l" defTabSz="457200" eaLnBrk="1" hangingPunct="1" latinLnBrk="0" marL="3657600" rtl="0">
+      <a:defRPr kern="1200" sz="1800">
         <a:solidFill>
           <a:schemeClr val="tx1"/>
         </a:solidFill>
@@ -154,7 +154,18 @@
   </p:defaultTextStyle>
   <p:extLst>
     <p:ext uri="{EFAFB233-063F-42B5-8137-9DF3F51BA10A}">
-      <p15:sldGuideLst xmlns:p15="http://schemas.microsoft.com/office/powerpoint/2012/main"/>
+      <p15:sldGuideLst xmlns:p15="http://schemas.microsoft.com/office/powerpoint/2012/main">
+        <p15:guide id="1" orient="horz" pos="2160">
+          <p15:clr>
+            <a:srgbClr val="A4A3A4"/>
+          </p15:clr>
+        </p15:guide>
+        <p15:guide id="2" pos="2880">
+          <p15:clr>
+            <a:srgbClr val="A4A3A4"/>
+          </p15:clr>
+        </p15:guide>
+      </p15:sldGuideLst>
     </p:ext>
   </p:extLst>
 </p:presentation>
@@ -179,13 +190,7 @@
       </p:grpSpPr>
       <p:sp>
         <p:nvSpPr>
-          <p:cNvPr id="2" name="Title 1">
-            <a:extLst>
-              <a:ext uri="{FF2B5EF4-FFF2-40B4-BE49-F238E27FC236}">
-                <a16:creationId xmlns:a16="http://schemas.microsoft.com/office/drawing/2014/main" id="{BDB31419-F786-464F-8D16-A8FA9B228EC3}"/>
-              </a:ext>
-            </a:extLst>
-          </p:cNvPr>
+          <p:cNvPr id="2" name="Title 1"/>
           <p:cNvSpPr>
             <a:spLocks noGrp="1"/>
           </p:cNvSpPr>
@@ -195,34 +200,25 @@
         </p:nvSpPr>
         <p:spPr>
           <a:xfrm>
-            <a:off x="1524000" y="1122363"/>
-            <a:ext cx="9144000" cy="2387600"/>
-          </a:xfrm>
-        </p:spPr>
-        <p:txBody>
-          <a:bodyPr anchor="b"/>
-          <a:lstStyle>
-            <a:lvl1pPr algn="ctr">
-              <a:defRPr sz="6000"/>
-            </a:lvl1pPr>
-          </a:lstStyle>
-          <a:p>
-            <a:r>
-              <a:rPr lang="en-US"/>
+            <a:off x="685800" y="2130425"/>
+            <a:ext cx="7772400" cy="1470025"/>
+          </a:xfrm>
+        </p:spPr>
+        <p:txBody>
+          <a:bodyPr/>
+          <a:lstStyle/>
+          <a:p>
+            <a:r>
+              <a:rPr lang="en-US" smtClean="0"/>
               <a:t>Click to edit Master title style</a:t>
             </a:r>
-          </a:p>
-        </p:txBody>
-      </p:sp>
-      <p:sp>
-        <p:nvSpPr>
-          <p:cNvPr id="3" name="Subtitle 2">
-            <a:extLst>
-              <a:ext uri="{FF2B5EF4-FFF2-40B4-BE49-F238E27FC236}">
-                <a16:creationId xmlns:a16="http://schemas.microsoft.com/office/drawing/2014/main" id="{F98ADA2F-1231-BC43-9CB7-217C1964CA1F}"/>
-              </a:ext>
-            </a:extLst>
-          </p:cNvPr>
+            <a:endParaRPr lang="en-US"/>
+          </a:p>
+        </p:txBody>
+      </p:sp>
+      <p:sp>
+        <p:nvSpPr>
+          <p:cNvPr id="3" name="Subtitle 2"/>
           <p:cNvSpPr>
             <a:spLocks noGrp="1"/>
           </p:cNvSpPr>
@@ -232,8 +228,8 @@
         </p:nvSpPr>
         <p:spPr>
           <a:xfrm>
-            <a:off x="1524000" y="3602038"/>
-            <a:ext cx="9144000" cy="1655762"/>
+            <a:off x="1371600" y="3886200"/>
+            <a:ext cx="6400800" cy="1752600"/>
           </a:xfrm>
         </p:spPr>
         <p:txBody>
@@ -241,58 +237,107 @@
           <a:lstStyle>
             <a:lvl1pPr marL="0" indent="0" algn="ctr">
               <a:buNone/>
-              <a:defRPr sz="2400"/>
+              <a:defRPr>
+                <a:solidFill>
+                  <a:schemeClr val="tx1">
+                    <a:tint val="75000"/>
+                  </a:schemeClr>
+                </a:solidFill>
+              </a:defRPr>
             </a:lvl1pPr>
             <a:lvl2pPr marL="457200" indent="0" algn="ctr">
               <a:buNone/>
-              <a:defRPr sz="2000"/>
+              <a:defRPr>
+                <a:solidFill>
+                  <a:schemeClr val="tx1">
+                    <a:tint val="75000"/>
+                  </a:schemeClr>
+                </a:solidFill>
+              </a:defRPr>
             </a:lvl2pPr>
             <a:lvl3pPr marL="914400" indent="0" algn="ctr">
               <a:buNone/>
-              <a:defRPr sz="1800"/>
+              <a:defRPr>
+                <a:solidFill>
+                  <a:schemeClr val="tx1">
+                    <a:tint val="75000"/>
+                  </a:schemeClr>
+                </a:solidFill>
+              </a:defRPr>
             </a:lvl3pPr>
             <a:lvl4pPr marL="1371600" indent="0" algn="ctr">
               <a:buNone/>
-              <a:defRPr sz="1600"/>
+              <a:defRPr>
+                <a:solidFill>
+                  <a:schemeClr val="tx1">
+                    <a:tint val="75000"/>
+                  </a:schemeClr>
+                </a:solidFill>
+              </a:defRPr>
             </a:lvl4pPr>
             <a:lvl5pPr marL="1828800" indent="0" algn="ctr">
               <a:buNone/>
-              <a:defRPr sz="1600"/>
+              <a:defRPr>
+                <a:solidFill>
+                  <a:schemeClr val="tx1">
+                    <a:tint val="75000"/>
+                  </a:schemeClr>
+                </a:solidFill>
+              </a:defRPr>
             </a:lvl5pPr>
             <a:lvl6pPr marL="2286000" indent="0" algn="ctr">
               <a:buNone/>
-              <a:defRPr sz="1600"/>
+              <a:defRPr>
+                <a:solidFill>
+                  <a:schemeClr val="tx1">
+                    <a:tint val="75000"/>
+                  </a:schemeClr>
+                </a:solidFill>
+              </a:defRPr>
             </a:lvl6pPr>
             <a:lvl7pPr marL="2743200" indent="0" algn="ctr">
               <a:buNone/>
-              <a:defRPr sz="1600"/>
+              <a:defRPr>
+                <a:solidFill>
+                  <a:schemeClr val="tx1">
+                    <a:tint val="75000"/>
+                  </a:schemeClr>
+                </a:solidFill>
+              </a:defRPr>
             </a:lvl7pPr>
             <a:lvl8pPr marL="3200400" indent="0" algn="ctr">
               <a:buNone/>
-              <a:defRPr sz="1600"/>
+              <a:defRPr>
+                <a:solidFill>
+                  <a:schemeClr val="tx1">
+                    <a:tint val="75000"/>
+                  </a:schemeClr>
+                </a:solidFill>
+              </a:defRPr>
             </a:lvl8pPr>
             <a:lvl9pPr marL="3657600" indent="0" algn="ctr">
               <a:buNone/>
-              <a:defRPr sz="1600"/>
+              <a:defRPr>
+                <a:solidFill>
+                  <a:schemeClr val="tx1">
+                    <a:tint val="75000"/>
+                  </a:schemeClr>
+                </a:solidFill>
+              </a:defRPr>
             </a:lvl9pPr>
           </a:lstStyle>
           <a:p>
             <a:r>
-              <a:rPr lang="en-US"/>
+              <a:rPr lang="en-US" smtClean="0"/>
               <a:t>Click to edit Master subtitle style</a:t>
             </a:r>
-          </a:p>
-        </p:txBody>
-      </p:sp>
-      <p:sp>
-        <p:nvSpPr>
-          <p:cNvPr id="4" name="Date Placeholder 3">
-            <a:extLst>
-              <a:ext uri="{FF2B5EF4-FFF2-40B4-BE49-F238E27FC236}">
-                <a16:creationId xmlns:a16="http://schemas.microsoft.com/office/drawing/2014/main" id="{E138A291-D391-4A44-9C2C-B4E7C4D34713}"/>
-              </a:ext>
-            </a:extLst>
-          </p:cNvPr>
+            <a:endParaRPr lang="en-US"/>
+          </a:p>
+        </p:txBody>
+      </p:sp>
+      <p:sp>
+        <p:nvSpPr>
+          <p:cNvPr id="4" name="Date Placeholder 3"/>
           <p:cNvSpPr>
             <a:spLocks noGrp="1"/>
           </p:cNvSpPr>
@@ -305,9 +350,9 @@
           <a:bodyPr/>
           <a:lstStyle/>
           <a:p>
-            <a:fld id="{40C84C83-717C-4E47-AD04-EAD7706A69A9}" type="datetimeFigureOut">
-              <a:rPr lang="en-US" smtClean="0"/>
-              <a:t>2/25/21</a:t>
+            <a:fld id="{241EB5C9-1307-BA42-ABA2-0BC069CD8E7F}" type="datetimeFigureOut">
+              <a:rPr lang="en-US" smtClean="0"/>
+              <a:t>4/5/2019</a:t>
             </a:fld>
             <a:endParaRPr lang="en-US"/>
           </a:p>
@@ -315,13 +360,7 @@
       </p:sp>
       <p:sp>
         <p:nvSpPr>
-          <p:cNvPr id="5" name="Footer Placeholder 4">
-            <a:extLst>
-              <a:ext uri="{FF2B5EF4-FFF2-40B4-BE49-F238E27FC236}">
-                <a16:creationId xmlns:a16="http://schemas.microsoft.com/office/drawing/2014/main" id="{B90302B0-7E3C-F545-AB3D-E7539D75B37B}"/>
-              </a:ext>
-            </a:extLst>
-          </p:cNvPr>
+          <p:cNvPr id="5" name="Footer Placeholder 4"/>
           <p:cNvSpPr>
             <a:spLocks noGrp="1"/>
           </p:cNvSpPr>
@@ -340,13 +379,7 @@
       </p:sp>
       <p:sp>
         <p:nvSpPr>
-          <p:cNvPr id="6" name="Slide Number Placeholder 5">
-            <a:extLst>
-              <a:ext uri="{FF2B5EF4-FFF2-40B4-BE49-F238E27FC236}">
-                <a16:creationId xmlns:a16="http://schemas.microsoft.com/office/drawing/2014/main" id="{C5D9E828-2486-E740-86B4-81E9D48D7DAF}"/>
-              </a:ext>
-            </a:extLst>
-          </p:cNvPr>
+          <p:cNvPr id="6" name="Slide Number Placeholder 5"/>
           <p:cNvSpPr>
             <a:spLocks noGrp="1"/>
           </p:cNvSpPr>
@@ -359,7 +392,7 @@
           <a:bodyPr/>
           <a:lstStyle/>
           <a:p>
-            <a:fld id="{1C34DDE0-8D9E-9D49-A545-48CF20040F1D}" type="slidenum">
+            <a:fld id="{C5EF2332-01BF-834F-8236-50238282D533}" type="slidenum">
               <a:rPr lang="en-US" smtClean="0"/>
               <a:t>‹#›</a:t>
             </a:fld>
@@ -370,7 +403,7 @@
     </p:spTree>
     <p:extLst>
       <p:ext uri="{BB962C8B-B14F-4D97-AF65-F5344CB8AC3E}">
-        <p14:creationId xmlns:p14="http://schemas.microsoft.com/office/powerpoint/2010/main" val="1588968436"/>
+        <p14:creationId xmlns:p14="http://schemas.microsoft.com/office/powerpoint/2010/main" val="1444357513"/>
       </p:ext>
     </p:extLst>
   </p:cSld>
@@ -399,13 +432,7 @@
       </p:grpSpPr>
       <p:sp>
         <p:nvSpPr>
-          <p:cNvPr id="2" name="Title 1">
-            <a:extLst>
-              <a:ext uri="{FF2B5EF4-FFF2-40B4-BE49-F238E27FC236}">
-                <a16:creationId xmlns:a16="http://schemas.microsoft.com/office/drawing/2014/main" id="{09C07B0C-6EF3-2E45-BD23-33798CF0635C}"/>
-              </a:ext>
-            </a:extLst>
-          </p:cNvPr>
+          <p:cNvPr id="2" name="Title 1"/>
           <p:cNvSpPr>
             <a:spLocks noGrp="1"/>
           </p:cNvSpPr>
@@ -419,21 +446,16 @@
           <a:lstStyle/>
           <a:p>
             <a:r>
-              <a:rPr lang="en-US"/>
+              <a:rPr lang="en-US" smtClean="0"/>
               <a:t>Click to edit Master title style</a:t>
             </a:r>
-          </a:p>
-        </p:txBody>
-      </p:sp>
-      <p:sp>
-        <p:nvSpPr>
-          <p:cNvPr id="3" name="Vertical Text Placeholder 2">
-            <a:extLst>
-              <a:ext uri="{FF2B5EF4-FFF2-40B4-BE49-F238E27FC236}">
-                <a16:creationId xmlns:a16="http://schemas.microsoft.com/office/drawing/2014/main" id="{492859D3-1F96-D24F-B553-9A642D2E9EB6}"/>
-              </a:ext>
-            </a:extLst>
-          </p:cNvPr>
+            <a:endParaRPr lang="en-US"/>
+          </a:p>
+        </p:txBody>
+      </p:sp>
+      <p:sp>
+        <p:nvSpPr>
+          <p:cNvPr id="3" name="Vertical Text Placeholder 2"/>
           <p:cNvSpPr>
             <a:spLocks noGrp="1"/>
           </p:cNvSpPr>
@@ -448,49 +470,44 @@
           <a:p>
             <a:pPr lvl="0"/>
             <a:r>
-              <a:rPr lang="en-US"/>
+              <a:rPr lang="en-US" smtClean="0"/>
               <a:t>Click to edit Master text styles</a:t>
             </a:r>
           </a:p>
           <a:p>
             <a:pPr lvl="1"/>
             <a:r>
-              <a:rPr lang="en-US"/>
+              <a:rPr lang="en-US" smtClean="0"/>
               <a:t>Second level</a:t>
             </a:r>
           </a:p>
           <a:p>
             <a:pPr lvl="2"/>
             <a:r>
-              <a:rPr lang="en-US"/>
+              <a:rPr lang="en-US" smtClean="0"/>
               <a:t>Third level</a:t>
             </a:r>
           </a:p>
           <a:p>
             <a:pPr lvl="3"/>
             <a:r>
-              <a:rPr lang="en-US"/>
+              <a:rPr lang="en-US" smtClean="0"/>
               <a:t>Fourth level</a:t>
             </a:r>
           </a:p>
           <a:p>
             <a:pPr lvl="4"/>
             <a:r>
-              <a:rPr lang="en-US"/>
+              <a:rPr lang="en-US" smtClean="0"/>
               <a:t>Fifth level</a:t>
             </a:r>
-          </a:p>
-        </p:txBody>
-      </p:sp>
-      <p:sp>
-        <p:nvSpPr>
-          <p:cNvPr id="4" name="Date Placeholder 3">
-            <a:extLst>
-              <a:ext uri="{FF2B5EF4-FFF2-40B4-BE49-F238E27FC236}">
-                <a16:creationId xmlns:a16="http://schemas.microsoft.com/office/drawing/2014/main" id="{0F92661E-737A-7A4E-BCF0-D8E605872A88}"/>
-              </a:ext>
-            </a:extLst>
-          </p:cNvPr>
+            <a:endParaRPr lang="en-US"/>
+          </a:p>
+        </p:txBody>
+      </p:sp>
+      <p:sp>
+        <p:nvSpPr>
+          <p:cNvPr id="4" name="Date Placeholder 3"/>
           <p:cNvSpPr>
             <a:spLocks noGrp="1"/>
           </p:cNvSpPr>
@@ -503,9 +520,9 @@
           <a:bodyPr/>
           <a:lstStyle/>
           <a:p>
-            <a:fld id="{40C84C83-717C-4E47-AD04-EAD7706A69A9}" type="datetimeFigureOut">
-              <a:rPr lang="en-US" smtClean="0"/>
-              <a:t>2/25/21</a:t>
+            <a:fld id="{241EB5C9-1307-BA42-ABA2-0BC069CD8E7F}" type="datetimeFigureOut">
+              <a:rPr lang="en-US" smtClean="0"/>
+              <a:t>4/5/2019</a:t>
             </a:fld>
             <a:endParaRPr lang="en-US"/>
           </a:p>
@@ -513,13 +530,7 @@
       </p:sp>
       <p:sp>
         <p:nvSpPr>
-          <p:cNvPr id="5" name="Footer Placeholder 4">
-            <a:extLst>
-              <a:ext uri="{FF2B5EF4-FFF2-40B4-BE49-F238E27FC236}">
-                <a16:creationId xmlns:a16="http://schemas.microsoft.com/office/drawing/2014/main" id="{C4E3337E-399F-C040-8E62-BA4EEAA703DD}"/>
-              </a:ext>
-            </a:extLst>
-          </p:cNvPr>
+          <p:cNvPr id="5" name="Footer Placeholder 4"/>
           <p:cNvSpPr>
             <a:spLocks noGrp="1"/>
           </p:cNvSpPr>
@@ -538,13 +549,7 @@
       </p:sp>
       <p:sp>
         <p:nvSpPr>
-          <p:cNvPr id="6" name="Slide Number Placeholder 5">
-            <a:extLst>
-              <a:ext uri="{FF2B5EF4-FFF2-40B4-BE49-F238E27FC236}">
-                <a16:creationId xmlns:a16="http://schemas.microsoft.com/office/drawing/2014/main" id="{9AA06CD5-7E3B-8E43-A3FB-2930BA23102F}"/>
-              </a:ext>
-            </a:extLst>
-          </p:cNvPr>
+          <p:cNvPr id="6" name="Slide Number Placeholder 5"/>
           <p:cNvSpPr>
             <a:spLocks noGrp="1"/>
           </p:cNvSpPr>
@@ -557,7 +562,7 @@
           <a:bodyPr/>
           <a:lstStyle/>
           <a:p>
-            <a:fld id="{1C34DDE0-8D9E-9D49-A545-48CF20040F1D}" type="slidenum">
+            <a:fld id="{C5EF2332-01BF-834F-8236-50238282D533}" type="slidenum">
               <a:rPr lang="en-US" smtClean="0"/>
               <a:t>‹#›</a:t>
             </a:fld>
@@ -568,7 +573,7 @@
     </p:spTree>
     <p:extLst>
       <p:ext uri="{BB962C8B-B14F-4D97-AF65-F5344CB8AC3E}">
-        <p14:creationId xmlns:p14="http://schemas.microsoft.com/office/powerpoint/2010/main" val="1729824688"/>
+        <p14:creationId xmlns:p14="http://schemas.microsoft.com/office/powerpoint/2010/main" val="313914798"/>
       </p:ext>
     </p:extLst>
   </p:cSld>
@@ -597,13 +602,7 @@
       </p:grpSpPr>
       <p:sp>
         <p:nvSpPr>
-          <p:cNvPr id="2" name="Vertical Title 1">
-            <a:extLst>
-              <a:ext uri="{FF2B5EF4-FFF2-40B4-BE49-F238E27FC236}">
-                <a16:creationId xmlns:a16="http://schemas.microsoft.com/office/drawing/2014/main" id="{8A637907-CCE6-2841-BB69-04FDA5931EBC}"/>
-              </a:ext>
-            </a:extLst>
-          </p:cNvPr>
+          <p:cNvPr id="2" name="Vertical Title 1"/>
           <p:cNvSpPr>
             <a:spLocks noGrp="1"/>
           </p:cNvSpPr>
@@ -613,8 +612,8 @@
         </p:nvSpPr>
         <p:spPr>
           <a:xfrm>
-            <a:off x="8724900" y="365125"/>
-            <a:ext cx="2628900" cy="5811838"/>
+            <a:off x="6629400" y="274638"/>
+            <a:ext cx="2057400" cy="5851525"/>
           </a:xfrm>
         </p:spPr>
         <p:txBody>
@@ -622,21 +621,16 @@
           <a:lstStyle/>
           <a:p>
             <a:r>
-              <a:rPr lang="en-US"/>
+              <a:rPr lang="en-US" smtClean="0"/>
               <a:t>Click to edit Master title style</a:t>
             </a:r>
-          </a:p>
-        </p:txBody>
-      </p:sp>
-      <p:sp>
-        <p:nvSpPr>
-          <p:cNvPr id="3" name="Vertical Text Placeholder 2">
-            <a:extLst>
-              <a:ext uri="{FF2B5EF4-FFF2-40B4-BE49-F238E27FC236}">
-                <a16:creationId xmlns:a16="http://schemas.microsoft.com/office/drawing/2014/main" id="{01A9B85E-F76E-0F4E-B554-1BC9A8288BA7}"/>
-              </a:ext>
-            </a:extLst>
-          </p:cNvPr>
+            <a:endParaRPr lang="en-US"/>
+          </a:p>
+        </p:txBody>
+      </p:sp>
+      <p:sp>
+        <p:nvSpPr>
+          <p:cNvPr id="3" name="Vertical Text Placeholder 2"/>
           <p:cNvSpPr>
             <a:spLocks noGrp="1"/>
           </p:cNvSpPr>
@@ -646,8 +640,8 @@
         </p:nvSpPr>
         <p:spPr>
           <a:xfrm>
-            <a:off x="838200" y="365125"/>
-            <a:ext cx="7734300" cy="5811838"/>
+            <a:off x="457200" y="274638"/>
+            <a:ext cx="6019800" cy="5851525"/>
           </a:xfrm>
         </p:spPr>
         <p:txBody>
@@ -656,49 +650,44 @@
           <a:p>
             <a:pPr lvl="0"/>
             <a:r>
-              <a:rPr lang="en-US"/>
+              <a:rPr lang="en-US" smtClean="0"/>
               <a:t>Click to edit Master text styles</a:t>
             </a:r>
           </a:p>
           <a:p>
             <a:pPr lvl="1"/>
             <a:r>
-              <a:rPr lang="en-US"/>
+              <a:rPr lang="en-US" smtClean="0"/>
               <a:t>Second level</a:t>
             </a:r>
           </a:p>
           <a:p>
             <a:pPr lvl="2"/>
             <a:r>
-              <a:rPr lang="en-US"/>
+              <a:rPr lang="en-US" smtClean="0"/>
               <a:t>Third level</a:t>
             </a:r>
           </a:p>
           <a:p>
             <a:pPr lvl="3"/>
             <a:r>
-              <a:rPr lang="en-US"/>
+              <a:rPr lang="en-US" smtClean="0"/>
               <a:t>Fourth level</a:t>
             </a:r>
           </a:p>
           <a:p>
             <a:pPr lvl="4"/>
             <a:r>
-              <a:rPr lang="en-US"/>
+              <a:rPr lang="en-US" smtClean="0"/>
               <a:t>Fifth level</a:t>
             </a:r>
-          </a:p>
-        </p:txBody>
-      </p:sp>
-      <p:sp>
-        <p:nvSpPr>
-          <p:cNvPr id="4" name="Date Placeholder 3">
-            <a:extLst>
-              <a:ext uri="{FF2B5EF4-FFF2-40B4-BE49-F238E27FC236}">
-                <a16:creationId xmlns:a16="http://schemas.microsoft.com/office/drawing/2014/main" id="{6E623221-4877-F24D-9151-38F0978E38F0}"/>
-              </a:ext>
-            </a:extLst>
-          </p:cNvPr>
+            <a:endParaRPr lang="en-US"/>
+          </a:p>
+        </p:txBody>
+      </p:sp>
+      <p:sp>
+        <p:nvSpPr>
+          <p:cNvPr id="4" name="Date Placeholder 3"/>
           <p:cNvSpPr>
             <a:spLocks noGrp="1"/>
           </p:cNvSpPr>
@@ -711,9 +700,9 @@
           <a:bodyPr/>
           <a:lstStyle/>
           <a:p>
-            <a:fld id="{40C84C83-717C-4E47-AD04-EAD7706A69A9}" type="datetimeFigureOut">
-              <a:rPr lang="en-US" smtClean="0"/>
-              <a:t>2/25/21</a:t>
+            <a:fld id="{241EB5C9-1307-BA42-ABA2-0BC069CD8E7F}" type="datetimeFigureOut">
+              <a:rPr lang="en-US" smtClean="0"/>
+              <a:t>4/5/2019</a:t>
             </a:fld>
             <a:endParaRPr lang="en-US"/>
           </a:p>
@@ -721,13 +710,7 @@
       </p:sp>
       <p:sp>
         <p:nvSpPr>
-          <p:cNvPr id="5" name="Footer Placeholder 4">
-            <a:extLst>
-              <a:ext uri="{FF2B5EF4-FFF2-40B4-BE49-F238E27FC236}">
-                <a16:creationId xmlns:a16="http://schemas.microsoft.com/office/drawing/2014/main" id="{CF5D75EF-4722-7746-AF41-9618841AA867}"/>
-              </a:ext>
-            </a:extLst>
-          </p:cNvPr>
+          <p:cNvPr id="5" name="Footer Placeholder 4"/>
           <p:cNvSpPr>
             <a:spLocks noGrp="1"/>
           </p:cNvSpPr>
@@ -746,13 +729,7 @@
       </p:sp>
       <p:sp>
         <p:nvSpPr>
-          <p:cNvPr id="6" name="Slide Number Placeholder 5">
-            <a:extLst>
-              <a:ext uri="{FF2B5EF4-FFF2-40B4-BE49-F238E27FC236}">
-                <a16:creationId xmlns:a16="http://schemas.microsoft.com/office/drawing/2014/main" id="{F64E9140-D2F7-914A-8A61-7600A19FFF92}"/>
-              </a:ext>
-            </a:extLst>
-          </p:cNvPr>
+          <p:cNvPr id="6" name="Slide Number Placeholder 5"/>
           <p:cNvSpPr>
             <a:spLocks noGrp="1"/>
           </p:cNvSpPr>
@@ -765,7 +742,7 @@
           <a:bodyPr/>
           <a:lstStyle/>
           <a:p>
-            <a:fld id="{1C34DDE0-8D9E-9D49-A545-48CF20040F1D}" type="slidenum">
+            <a:fld id="{C5EF2332-01BF-834F-8236-50238282D533}" type="slidenum">
               <a:rPr lang="en-US" smtClean="0"/>
               <a:t>‹#›</a:t>
             </a:fld>
@@ -776,7 +753,7 @@
     </p:spTree>
     <p:extLst>
       <p:ext uri="{BB962C8B-B14F-4D97-AF65-F5344CB8AC3E}">
-        <p14:creationId xmlns:p14="http://schemas.microsoft.com/office/powerpoint/2010/main" val="2756624512"/>
+        <p14:creationId xmlns:p14="http://schemas.microsoft.com/office/powerpoint/2010/main" val="2581529045"/>
       </p:ext>
     </p:extLst>
   </p:cSld>
@@ -805,13 +782,7 @@
       </p:grpSpPr>
       <p:sp>
         <p:nvSpPr>
-          <p:cNvPr id="2" name="Title 1">
-            <a:extLst>
-              <a:ext uri="{FF2B5EF4-FFF2-40B4-BE49-F238E27FC236}">
-                <a16:creationId xmlns:a16="http://schemas.microsoft.com/office/drawing/2014/main" id="{B074978D-7E8E-244F-87CF-DCAAAC9C38F4}"/>
-              </a:ext>
-            </a:extLst>
-          </p:cNvPr>
+          <p:cNvPr id="2" name="Title 1"/>
           <p:cNvSpPr>
             <a:spLocks noGrp="1"/>
           </p:cNvSpPr>
@@ -825,21 +796,16 @@
           <a:lstStyle/>
           <a:p>
             <a:r>
-              <a:rPr lang="en-US"/>
+              <a:rPr lang="en-US" smtClean="0"/>
               <a:t>Click to edit Master title style</a:t>
             </a:r>
-          </a:p>
-        </p:txBody>
-      </p:sp>
-      <p:sp>
-        <p:nvSpPr>
-          <p:cNvPr id="3" name="Content Placeholder 2">
-            <a:extLst>
-              <a:ext uri="{FF2B5EF4-FFF2-40B4-BE49-F238E27FC236}">
-                <a16:creationId xmlns:a16="http://schemas.microsoft.com/office/drawing/2014/main" id="{370D5D0F-0F78-0241-9805-475597D95C5C}"/>
-              </a:ext>
-            </a:extLst>
-          </p:cNvPr>
+            <a:endParaRPr lang="en-US"/>
+          </a:p>
+        </p:txBody>
+      </p:sp>
+      <p:sp>
+        <p:nvSpPr>
+          <p:cNvPr id="3" name="Content Placeholder 2"/>
           <p:cNvSpPr>
             <a:spLocks noGrp="1"/>
           </p:cNvSpPr>
@@ -854,49 +820,44 @@
           <a:p>
             <a:pPr lvl="0"/>
             <a:r>
-              <a:rPr lang="en-US"/>
+              <a:rPr lang="en-US" smtClean="0"/>
               <a:t>Click to edit Master text styles</a:t>
             </a:r>
           </a:p>
           <a:p>
             <a:pPr lvl="1"/>
             <a:r>
-              <a:rPr lang="en-US"/>
+              <a:rPr lang="en-US" smtClean="0"/>
               <a:t>Second level</a:t>
             </a:r>
           </a:p>
           <a:p>
             <a:pPr lvl="2"/>
             <a:r>
-              <a:rPr lang="en-US"/>
+              <a:rPr lang="en-US" smtClean="0"/>
               <a:t>Third level</a:t>
             </a:r>
           </a:p>
           <a:p>
             <a:pPr lvl="3"/>
             <a:r>
-              <a:rPr lang="en-US"/>
+              <a:rPr lang="en-US" smtClean="0"/>
               <a:t>Fourth level</a:t>
             </a:r>
           </a:p>
           <a:p>
             <a:pPr lvl="4"/>
             <a:r>
-              <a:rPr lang="en-US"/>
+              <a:rPr lang="en-US" smtClean="0"/>
               <a:t>Fifth level</a:t>
             </a:r>
-          </a:p>
-        </p:txBody>
-      </p:sp>
-      <p:sp>
-        <p:nvSpPr>
-          <p:cNvPr id="4" name="Date Placeholder 3">
-            <a:extLst>
-              <a:ext uri="{FF2B5EF4-FFF2-40B4-BE49-F238E27FC236}">
-                <a16:creationId xmlns:a16="http://schemas.microsoft.com/office/drawing/2014/main" id="{A5F042B8-767B-DD4D-B3CB-D914A808DA0A}"/>
-              </a:ext>
-            </a:extLst>
-          </p:cNvPr>
+            <a:endParaRPr lang="en-US"/>
+          </a:p>
+        </p:txBody>
+      </p:sp>
+      <p:sp>
+        <p:nvSpPr>
+          <p:cNvPr id="4" name="Date Placeholder 3"/>
           <p:cNvSpPr>
             <a:spLocks noGrp="1"/>
           </p:cNvSpPr>
@@ -909,9 +870,9 @@
           <a:bodyPr/>
           <a:lstStyle/>
           <a:p>
-            <a:fld id="{40C84C83-717C-4E47-AD04-EAD7706A69A9}" type="datetimeFigureOut">
-              <a:rPr lang="en-US" smtClean="0"/>
-              <a:t>2/25/21</a:t>
+            <a:fld id="{241EB5C9-1307-BA42-ABA2-0BC069CD8E7F}" type="datetimeFigureOut">
+              <a:rPr lang="en-US" smtClean="0"/>
+              <a:t>4/5/2019</a:t>
             </a:fld>
             <a:endParaRPr lang="en-US"/>
           </a:p>
@@ -919,13 +880,7 @@
       </p:sp>
       <p:sp>
         <p:nvSpPr>
-          <p:cNvPr id="5" name="Footer Placeholder 4">
-            <a:extLst>
-              <a:ext uri="{FF2B5EF4-FFF2-40B4-BE49-F238E27FC236}">
-                <a16:creationId xmlns:a16="http://schemas.microsoft.com/office/drawing/2014/main" id="{EC574888-FA50-794E-8464-B40782054ACA}"/>
-              </a:ext>
-            </a:extLst>
-          </p:cNvPr>
+          <p:cNvPr id="5" name="Footer Placeholder 4"/>
           <p:cNvSpPr>
             <a:spLocks noGrp="1"/>
           </p:cNvSpPr>
@@ -944,13 +899,7 @@
       </p:sp>
       <p:sp>
         <p:nvSpPr>
-          <p:cNvPr id="6" name="Slide Number Placeholder 5">
-            <a:extLst>
-              <a:ext uri="{FF2B5EF4-FFF2-40B4-BE49-F238E27FC236}">
-                <a16:creationId xmlns:a16="http://schemas.microsoft.com/office/drawing/2014/main" id="{A5F40604-5638-244C-83DD-A53476E004F4}"/>
-              </a:ext>
-            </a:extLst>
-          </p:cNvPr>
+          <p:cNvPr id="6" name="Slide Number Placeholder 5"/>
           <p:cNvSpPr>
             <a:spLocks noGrp="1"/>
           </p:cNvSpPr>
@@ -963,7 +912,7 @@
           <a:bodyPr/>
           <a:lstStyle/>
           <a:p>
-            <a:fld id="{1C34DDE0-8D9E-9D49-A545-48CF20040F1D}" type="slidenum">
+            <a:fld id="{C5EF2332-01BF-834F-8236-50238282D533}" type="slidenum">
               <a:rPr lang="en-US" smtClean="0"/>
               <a:t>‹#›</a:t>
             </a:fld>
@@ -974,7 +923,7 @@
     </p:spTree>
     <p:extLst>
       <p:ext uri="{BB962C8B-B14F-4D97-AF65-F5344CB8AC3E}">
-        <p14:creationId xmlns:p14="http://schemas.microsoft.com/office/powerpoint/2010/main" val="3439861895"/>
+        <p14:creationId xmlns:p14="http://schemas.microsoft.com/office/powerpoint/2010/main" val="338346009"/>
       </p:ext>
     </p:extLst>
   </p:cSld>
@@ -1003,13 +952,7 @@
       </p:grpSpPr>
       <p:sp>
         <p:nvSpPr>
-          <p:cNvPr id="2" name="Title 1">
-            <a:extLst>
-              <a:ext uri="{FF2B5EF4-FFF2-40B4-BE49-F238E27FC236}">
-                <a16:creationId xmlns:a16="http://schemas.microsoft.com/office/drawing/2014/main" id="{BA05F7A2-E979-1143-B568-29172AF55C8C}"/>
-              </a:ext>
-            </a:extLst>
-          </p:cNvPr>
+          <p:cNvPr id="2" name="Title 1"/>
           <p:cNvSpPr>
             <a:spLocks noGrp="1"/>
           </p:cNvSpPr>
@@ -1019,53 +962,48 @@
         </p:nvSpPr>
         <p:spPr>
           <a:xfrm>
-            <a:off x="831850" y="1709738"/>
-            <a:ext cx="10515600" cy="2852737"/>
+            <a:off x="722313" y="4406900"/>
+            <a:ext cx="7772400" cy="1362075"/>
+          </a:xfrm>
+        </p:spPr>
+        <p:txBody>
+          <a:bodyPr anchor="t"/>
+          <a:lstStyle>
+            <a:lvl1pPr algn="l">
+              <a:defRPr sz="4000" b="1" cap="all"/>
+            </a:lvl1pPr>
+          </a:lstStyle>
+          <a:p>
+            <a:r>
+              <a:rPr lang="en-US" smtClean="0"/>
+              <a:t>Click to edit Master title style</a:t>
+            </a:r>
+            <a:endParaRPr lang="en-US"/>
+          </a:p>
+        </p:txBody>
+      </p:sp>
+      <p:sp>
+        <p:nvSpPr>
+          <p:cNvPr id="3" name="Text Placeholder 2"/>
+          <p:cNvSpPr>
+            <a:spLocks noGrp="1"/>
+          </p:cNvSpPr>
+          <p:nvPr>
+            <p:ph type="body" idx="1"/>
+          </p:nvPr>
+        </p:nvSpPr>
+        <p:spPr>
+          <a:xfrm>
+            <a:off x="722313" y="2906713"/>
+            <a:ext cx="7772400" cy="1500187"/>
           </a:xfrm>
         </p:spPr>
         <p:txBody>
           <a:bodyPr anchor="b"/>
           <a:lstStyle>
-            <a:lvl1pPr>
-              <a:defRPr sz="6000"/>
-            </a:lvl1pPr>
-          </a:lstStyle>
-          <a:p>
-            <a:r>
-              <a:rPr lang="en-US"/>
-              <a:t>Click to edit Master title style</a:t>
-            </a:r>
-          </a:p>
-        </p:txBody>
-      </p:sp>
-      <p:sp>
-        <p:nvSpPr>
-          <p:cNvPr id="3" name="Text Placeholder 2">
-            <a:extLst>
-              <a:ext uri="{FF2B5EF4-FFF2-40B4-BE49-F238E27FC236}">
-                <a16:creationId xmlns:a16="http://schemas.microsoft.com/office/drawing/2014/main" id="{58E424BC-1957-B547-8EC0-539AF2638AAD}"/>
-              </a:ext>
-            </a:extLst>
-          </p:cNvPr>
-          <p:cNvSpPr>
-            <a:spLocks noGrp="1"/>
-          </p:cNvSpPr>
-          <p:nvPr>
-            <p:ph type="body" idx="1"/>
-          </p:nvPr>
-        </p:nvSpPr>
-        <p:spPr>
-          <a:xfrm>
-            <a:off x="831850" y="4589463"/>
-            <a:ext cx="10515600" cy="1500187"/>
-          </a:xfrm>
-        </p:spPr>
-        <p:txBody>
-          <a:bodyPr/>
-          <a:lstStyle>
             <a:lvl1pPr marL="0" indent="0">
               <a:buNone/>
-              <a:defRPr sz="2400">
+              <a:defRPr sz="2000">
                 <a:solidFill>
                   <a:schemeClr val="tx1">
                     <a:tint val="75000"/>
@@ -1075,7 +1013,7 @@
             </a:lvl1pPr>
             <a:lvl2pPr marL="457200" indent="0">
               <a:buNone/>
-              <a:defRPr sz="2000">
+              <a:defRPr sz="1800">
                 <a:solidFill>
                   <a:schemeClr val="tx1">
                     <a:tint val="75000"/>
@@ -1085,7 +1023,7 @@
             </a:lvl2pPr>
             <a:lvl3pPr marL="914400" indent="0">
               <a:buNone/>
-              <a:defRPr sz="1800">
+              <a:defRPr sz="1600">
                 <a:solidFill>
                   <a:schemeClr val="tx1">
                     <a:tint val="75000"/>
@@ -1095,7 +1033,7 @@
             </a:lvl3pPr>
             <a:lvl4pPr marL="1371600" indent="0">
               <a:buNone/>
-              <a:defRPr sz="1600">
+              <a:defRPr sz="1400">
                 <a:solidFill>
                   <a:schemeClr val="tx1">
                     <a:tint val="75000"/>
@@ -1105,7 +1043,7 @@
             </a:lvl4pPr>
             <a:lvl5pPr marL="1828800" indent="0">
               <a:buNone/>
-              <a:defRPr sz="1600">
+              <a:defRPr sz="1400">
                 <a:solidFill>
                   <a:schemeClr val="tx1">
                     <a:tint val="75000"/>
@@ -1115,7 +1053,7 @@
             </a:lvl5pPr>
             <a:lvl6pPr marL="2286000" indent="0">
               <a:buNone/>
-              <a:defRPr sz="1600">
+              <a:defRPr sz="1400">
                 <a:solidFill>
                   <a:schemeClr val="tx1">
                     <a:tint val="75000"/>
@@ -1125,7 +1063,7 @@
             </a:lvl6pPr>
             <a:lvl7pPr marL="2743200" indent="0">
               <a:buNone/>
-              <a:defRPr sz="1600">
+              <a:defRPr sz="1400">
                 <a:solidFill>
                   <a:schemeClr val="tx1">
                     <a:tint val="75000"/>
@@ -1135,7 +1073,7 @@
             </a:lvl7pPr>
             <a:lvl8pPr marL="3200400" indent="0">
               <a:buNone/>
-              <a:defRPr sz="1600">
+              <a:defRPr sz="1400">
                 <a:solidFill>
                   <a:schemeClr val="tx1">
                     <a:tint val="75000"/>
@@ -1145,7 +1083,7 @@
             </a:lvl8pPr>
             <a:lvl9pPr marL="3657600" indent="0">
               <a:buNone/>
-              <a:defRPr sz="1600">
+              <a:defRPr sz="1400">
                 <a:solidFill>
                   <a:schemeClr val="tx1">
                     <a:tint val="75000"/>
@@ -1157,7 +1095,7 @@
           <a:p>
             <a:pPr lvl="0"/>
             <a:r>
-              <a:rPr lang="en-US"/>
+              <a:rPr lang="en-US" smtClean="0"/>
               <a:t>Click to edit Master text styles</a:t>
             </a:r>
           </a:p>
@@ -1165,13 +1103,7 @@
       </p:sp>
       <p:sp>
         <p:nvSpPr>
-          <p:cNvPr id="4" name="Date Placeholder 3">
-            <a:extLst>
-              <a:ext uri="{FF2B5EF4-FFF2-40B4-BE49-F238E27FC236}">
-                <a16:creationId xmlns:a16="http://schemas.microsoft.com/office/drawing/2014/main" id="{CF163FCE-7B84-C840-8829-EF59B999173E}"/>
-              </a:ext>
-            </a:extLst>
-          </p:cNvPr>
+          <p:cNvPr id="4" name="Date Placeholder 3"/>
           <p:cNvSpPr>
             <a:spLocks noGrp="1"/>
           </p:cNvSpPr>
@@ -1184,9 +1116,9 @@
           <a:bodyPr/>
           <a:lstStyle/>
           <a:p>
-            <a:fld id="{40C84C83-717C-4E47-AD04-EAD7706A69A9}" type="datetimeFigureOut">
-              <a:rPr lang="en-US" smtClean="0"/>
-              <a:t>2/25/21</a:t>
+            <a:fld id="{241EB5C9-1307-BA42-ABA2-0BC069CD8E7F}" type="datetimeFigureOut">
+              <a:rPr lang="en-US" smtClean="0"/>
+              <a:t>4/5/2019</a:t>
             </a:fld>
             <a:endParaRPr lang="en-US"/>
           </a:p>
@@ -1194,13 +1126,7 @@
       </p:sp>
       <p:sp>
         <p:nvSpPr>
-          <p:cNvPr id="5" name="Footer Placeholder 4">
-            <a:extLst>
-              <a:ext uri="{FF2B5EF4-FFF2-40B4-BE49-F238E27FC236}">
-                <a16:creationId xmlns:a16="http://schemas.microsoft.com/office/drawing/2014/main" id="{E162AA23-E6D6-B34A-BE59-FC9045159BCF}"/>
-              </a:ext>
-            </a:extLst>
-          </p:cNvPr>
+          <p:cNvPr id="5" name="Footer Placeholder 4"/>
           <p:cNvSpPr>
             <a:spLocks noGrp="1"/>
           </p:cNvSpPr>
@@ -1219,13 +1145,7 @@
       </p:sp>
       <p:sp>
         <p:nvSpPr>
-          <p:cNvPr id="6" name="Slide Number Placeholder 5">
-            <a:extLst>
-              <a:ext uri="{FF2B5EF4-FFF2-40B4-BE49-F238E27FC236}">
-                <a16:creationId xmlns:a16="http://schemas.microsoft.com/office/drawing/2014/main" id="{31DF0CC0-8370-3D44-B9B8-716E78A5D7E6}"/>
-              </a:ext>
-            </a:extLst>
-          </p:cNvPr>
+          <p:cNvPr id="6" name="Slide Number Placeholder 5"/>
           <p:cNvSpPr>
             <a:spLocks noGrp="1"/>
           </p:cNvSpPr>
@@ -1238,7 +1158,7 @@
           <a:bodyPr/>
           <a:lstStyle/>
           <a:p>
-            <a:fld id="{1C34DDE0-8D9E-9D49-A545-48CF20040F1D}" type="slidenum">
+            <a:fld id="{C5EF2332-01BF-834F-8236-50238282D533}" type="slidenum">
               <a:rPr lang="en-US" smtClean="0"/>
               <a:t>‹#›</a:t>
             </a:fld>
@@ -1249,7 +1169,7 @@
     </p:spTree>
     <p:extLst>
       <p:ext uri="{BB962C8B-B14F-4D97-AF65-F5344CB8AC3E}">
-        <p14:creationId xmlns:p14="http://schemas.microsoft.com/office/powerpoint/2010/main" val="48602231"/>
+        <p14:creationId xmlns:p14="http://schemas.microsoft.com/office/powerpoint/2010/main" val="1073069076"/>
       </p:ext>
     </p:extLst>
   </p:cSld>
@@ -1278,13 +1198,7 @@
       </p:grpSpPr>
       <p:sp>
         <p:nvSpPr>
-          <p:cNvPr id="2" name="Title 1">
-            <a:extLst>
-              <a:ext uri="{FF2B5EF4-FFF2-40B4-BE49-F238E27FC236}">
-                <a16:creationId xmlns:a16="http://schemas.microsoft.com/office/drawing/2014/main" id="{4B30DC29-212D-4946-88C2-FDB1A3725489}"/>
-              </a:ext>
-            </a:extLst>
-          </p:cNvPr>
+          <p:cNvPr id="2" name="Title 1"/>
           <p:cNvSpPr>
             <a:spLocks noGrp="1"/>
           </p:cNvSpPr>
@@ -1298,21 +1212,16 @@
           <a:lstStyle/>
           <a:p>
             <a:r>
-              <a:rPr lang="en-US"/>
+              <a:rPr lang="en-US" smtClean="0"/>
               <a:t>Click to edit Master title style</a:t>
             </a:r>
-          </a:p>
-        </p:txBody>
-      </p:sp>
-      <p:sp>
-        <p:nvSpPr>
-          <p:cNvPr id="3" name="Content Placeholder 2">
-            <a:extLst>
-              <a:ext uri="{FF2B5EF4-FFF2-40B4-BE49-F238E27FC236}">
-                <a16:creationId xmlns:a16="http://schemas.microsoft.com/office/drawing/2014/main" id="{4B3E5580-A4D0-AD4D-9FE6-5B61217A0882}"/>
-              </a:ext>
-            </a:extLst>
-          </p:cNvPr>
+            <a:endParaRPr lang="en-US"/>
+          </a:p>
+        </p:txBody>
+      </p:sp>
+      <p:sp>
+        <p:nvSpPr>
+          <p:cNvPr id="3" name="Content Placeholder 2"/>
           <p:cNvSpPr>
             <a:spLocks noGrp="1"/>
           </p:cNvSpPr>
@@ -1322,126 +1231,214 @@
         </p:nvSpPr>
         <p:spPr>
           <a:xfrm>
-            <a:off x="838200" y="1825625"/>
-            <a:ext cx="5181600" cy="4351338"/>
-          </a:xfrm>
-        </p:spPr>
+            <a:off x="457200" y="1600200"/>
+            <a:ext cx="4038600" cy="4525963"/>
+          </a:xfrm>
+        </p:spPr>
+        <p:txBody>
+          <a:bodyPr/>
+          <a:lstStyle>
+            <a:lvl1pPr>
+              <a:defRPr sz="2800"/>
+            </a:lvl1pPr>
+            <a:lvl2pPr>
+              <a:defRPr sz="2400"/>
+            </a:lvl2pPr>
+            <a:lvl3pPr>
+              <a:defRPr sz="2000"/>
+            </a:lvl3pPr>
+            <a:lvl4pPr>
+              <a:defRPr sz="1800"/>
+            </a:lvl4pPr>
+            <a:lvl5pPr>
+              <a:defRPr sz="1800"/>
+            </a:lvl5pPr>
+            <a:lvl6pPr>
+              <a:defRPr sz="1800"/>
+            </a:lvl6pPr>
+            <a:lvl7pPr>
+              <a:defRPr sz="1800"/>
+            </a:lvl7pPr>
+            <a:lvl8pPr>
+              <a:defRPr sz="1800"/>
+            </a:lvl8pPr>
+            <a:lvl9pPr>
+              <a:defRPr sz="1800"/>
+            </a:lvl9pPr>
+          </a:lstStyle>
+          <a:p>
+            <a:pPr lvl="0"/>
+            <a:r>
+              <a:rPr lang="en-US" smtClean="0"/>
+              <a:t>Click to edit Master text styles</a:t>
+            </a:r>
+          </a:p>
+          <a:p>
+            <a:pPr lvl="1"/>
+            <a:r>
+              <a:rPr lang="en-US" smtClean="0"/>
+              <a:t>Second level</a:t>
+            </a:r>
+          </a:p>
+          <a:p>
+            <a:pPr lvl="2"/>
+            <a:r>
+              <a:rPr lang="en-US" smtClean="0"/>
+              <a:t>Third level</a:t>
+            </a:r>
+          </a:p>
+          <a:p>
+            <a:pPr lvl="3"/>
+            <a:r>
+              <a:rPr lang="en-US" smtClean="0"/>
+              <a:t>Fourth level</a:t>
+            </a:r>
+          </a:p>
+          <a:p>
+            <a:pPr lvl="4"/>
+            <a:r>
+              <a:rPr lang="en-US" smtClean="0"/>
+              <a:t>Fifth level</a:t>
+            </a:r>
+            <a:endParaRPr lang="en-US"/>
+          </a:p>
+        </p:txBody>
+      </p:sp>
+      <p:sp>
+        <p:nvSpPr>
+          <p:cNvPr id="4" name="Content Placeholder 3"/>
+          <p:cNvSpPr>
+            <a:spLocks noGrp="1"/>
+          </p:cNvSpPr>
+          <p:nvPr>
+            <p:ph sz="half" idx="2"/>
+          </p:nvPr>
+        </p:nvSpPr>
+        <p:spPr>
+          <a:xfrm>
+            <a:off x="4648200" y="1600200"/>
+            <a:ext cx="4038600" cy="4525963"/>
+          </a:xfrm>
+        </p:spPr>
+        <p:txBody>
+          <a:bodyPr/>
+          <a:lstStyle>
+            <a:lvl1pPr>
+              <a:defRPr sz="2800"/>
+            </a:lvl1pPr>
+            <a:lvl2pPr>
+              <a:defRPr sz="2400"/>
+            </a:lvl2pPr>
+            <a:lvl3pPr>
+              <a:defRPr sz="2000"/>
+            </a:lvl3pPr>
+            <a:lvl4pPr>
+              <a:defRPr sz="1800"/>
+            </a:lvl4pPr>
+            <a:lvl5pPr>
+              <a:defRPr sz="1800"/>
+            </a:lvl5pPr>
+            <a:lvl6pPr>
+              <a:defRPr sz="1800"/>
+            </a:lvl6pPr>
+            <a:lvl7pPr>
+              <a:defRPr sz="1800"/>
+            </a:lvl7pPr>
+            <a:lvl8pPr>
+              <a:defRPr sz="1800"/>
+            </a:lvl8pPr>
+            <a:lvl9pPr>
+              <a:defRPr sz="1800"/>
+            </a:lvl9pPr>
+          </a:lstStyle>
+          <a:p>
+            <a:pPr lvl="0"/>
+            <a:r>
+              <a:rPr lang="en-US" smtClean="0"/>
+              <a:t>Click to edit Master text styles</a:t>
+            </a:r>
+          </a:p>
+          <a:p>
+            <a:pPr lvl="1"/>
+            <a:r>
+              <a:rPr lang="en-US" smtClean="0"/>
+              <a:t>Second level</a:t>
+            </a:r>
+          </a:p>
+          <a:p>
+            <a:pPr lvl="2"/>
+            <a:r>
+              <a:rPr lang="en-US" smtClean="0"/>
+              <a:t>Third level</a:t>
+            </a:r>
+          </a:p>
+          <a:p>
+            <a:pPr lvl="3"/>
+            <a:r>
+              <a:rPr lang="en-US" smtClean="0"/>
+              <a:t>Fourth level</a:t>
+            </a:r>
+          </a:p>
+          <a:p>
+            <a:pPr lvl="4"/>
+            <a:r>
+              <a:rPr lang="en-US" smtClean="0"/>
+              <a:t>Fifth level</a:t>
+            </a:r>
+            <a:endParaRPr lang="en-US"/>
+          </a:p>
+        </p:txBody>
+      </p:sp>
+      <p:sp>
+        <p:nvSpPr>
+          <p:cNvPr id="5" name="Date Placeholder 4"/>
+          <p:cNvSpPr>
+            <a:spLocks noGrp="1"/>
+          </p:cNvSpPr>
+          <p:nvPr>
+            <p:ph type="dt" sz="half" idx="10"/>
+          </p:nvPr>
+        </p:nvSpPr>
+        <p:spPr/>
         <p:txBody>
           <a:bodyPr/>
           <a:lstStyle/>
           <a:p>
-            <a:pPr lvl="0"/>
-            <a:r>
-              <a:rPr lang="en-US"/>
-              <a:t>Click to edit Master text styles</a:t>
-            </a:r>
-          </a:p>
-          <a:p>
-            <a:pPr lvl="1"/>
-            <a:r>
-              <a:rPr lang="en-US"/>
-              <a:t>Second level</a:t>
-            </a:r>
-          </a:p>
-          <a:p>
-            <a:pPr lvl="2"/>
-            <a:r>
-              <a:rPr lang="en-US"/>
-              <a:t>Third level</a:t>
-            </a:r>
-          </a:p>
-          <a:p>
-            <a:pPr lvl="3"/>
-            <a:r>
-              <a:rPr lang="en-US"/>
-              <a:t>Fourth level</a:t>
-            </a:r>
-          </a:p>
-          <a:p>
-            <a:pPr lvl="4"/>
-            <a:r>
-              <a:rPr lang="en-US"/>
-              <a:t>Fifth level</a:t>
-            </a:r>
-          </a:p>
-        </p:txBody>
-      </p:sp>
-      <p:sp>
-        <p:nvSpPr>
-          <p:cNvPr id="4" name="Content Placeholder 3">
-            <a:extLst>
-              <a:ext uri="{FF2B5EF4-FFF2-40B4-BE49-F238E27FC236}">
-                <a16:creationId xmlns:a16="http://schemas.microsoft.com/office/drawing/2014/main" id="{73CA0321-F5F5-3D47-B2F3-538D0F9F83A7}"/>
-              </a:ext>
-            </a:extLst>
-          </p:cNvPr>
-          <p:cNvSpPr>
-            <a:spLocks noGrp="1"/>
-          </p:cNvSpPr>
-          <p:nvPr>
-            <p:ph sz="half" idx="2"/>
-          </p:nvPr>
-        </p:nvSpPr>
-        <p:spPr>
-          <a:xfrm>
-            <a:off x="6172200" y="1825625"/>
-            <a:ext cx="5181600" cy="4351338"/>
-          </a:xfrm>
-        </p:spPr>
+            <a:fld id="{241EB5C9-1307-BA42-ABA2-0BC069CD8E7F}" type="datetimeFigureOut">
+              <a:rPr lang="en-US" smtClean="0"/>
+              <a:t>4/5/2019</a:t>
+            </a:fld>
+            <a:endParaRPr lang="en-US"/>
+          </a:p>
+        </p:txBody>
+      </p:sp>
+      <p:sp>
+        <p:nvSpPr>
+          <p:cNvPr id="6" name="Footer Placeholder 5"/>
+          <p:cNvSpPr>
+            <a:spLocks noGrp="1"/>
+          </p:cNvSpPr>
+          <p:nvPr>
+            <p:ph type="ftr" sz="quarter" idx="11"/>
+          </p:nvPr>
+        </p:nvSpPr>
+        <p:spPr/>
         <p:txBody>
           <a:bodyPr/>
           <a:lstStyle/>
           <a:p>
-            <a:pPr lvl="0"/>
-            <a:r>
-              <a:rPr lang="en-US"/>
-              <a:t>Click to edit Master text styles</a:t>
-            </a:r>
-          </a:p>
-          <a:p>
-            <a:pPr lvl="1"/>
-            <a:r>
-              <a:rPr lang="en-US"/>
-              <a:t>Second level</a:t>
-            </a:r>
-          </a:p>
-          <a:p>
-            <a:pPr lvl="2"/>
-            <a:r>
-              <a:rPr lang="en-US"/>
-              <a:t>Third level</a:t>
-            </a:r>
-          </a:p>
-          <a:p>
-            <a:pPr lvl="3"/>
-            <a:r>
-              <a:rPr lang="en-US"/>
-              <a:t>Fourth level</a:t>
-            </a:r>
-          </a:p>
-          <a:p>
-            <a:pPr lvl="4"/>
-            <a:r>
-              <a:rPr lang="en-US"/>
-              <a:t>Fifth level</a:t>
-            </a:r>
-          </a:p>
-        </p:txBody>
-      </p:sp>
-      <p:sp>
-        <p:nvSpPr>
-          <p:cNvPr id="5" name="Date Placeholder 4">
-            <a:extLst>
-              <a:ext uri="{FF2B5EF4-FFF2-40B4-BE49-F238E27FC236}">
-                <a16:creationId xmlns:a16="http://schemas.microsoft.com/office/drawing/2014/main" id="{98D7786B-42E8-2D43-B4CF-943EBF945025}"/>
-              </a:ext>
-            </a:extLst>
-          </p:cNvPr>
-          <p:cNvSpPr>
-            <a:spLocks noGrp="1"/>
-          </p:cNvSpPr>
-          <p:nvPr>
-            <p:ph type="dt" sz="half" idx="10"/>
+            <a:endParaRPr lang="en-US"/>
+          </a:p>
+        </p:txBody>
+      </p:sp>
+      <p:sp>
+        <p:nvSpPr>
+          <p:cNvPr id="7" name="Slide Number Placeholder 6"/>
+          <p:cNvSpPr>
+            <a:spLocks noGrp="1"/>
+          </p:cNvSpPr>
+          <p:nvPr>
+            <p:ph type="sldNum" sz="quarter" idx="12"/>
           </p:nvPr>
         </p:nvSpPr>
         <p:spPr/>
@@ -1449,61 +1446,7 @@
           <a:bodyPr/>
           <a:lstStyle/>
           <a:p>
-            <a:fld id="{40C84C83-717C-4E47-AD04-EAD7706A69A9}" type="datetimeFigureOut">
-              <a:rPr lang="en-US" smtClean="0"/>
-              <a:t>2/25/21</a:t>
-            </a:fld>
-            <a:endParaRPr lang="en-US"/>
-          </a:p>
-        </p:txBody>
-      </p:sp>
-      <p:sp>
-        <p:nvSpPr>
-          <p:cNvPr id="6" name="Footer Placeholder 5">
-            <a:extLst>
-              <a:ext uri="{FF2B5EF4-FFF2-40B4-BE49-F238E27FC236}">
-                <a16:creationId xmlns:a16="http://schemas.microsoft.com/office/drawing/2014/main" id="{9EC83A34-70F7-1A45-930D-255C38F7DD12}"/>
-              </a:ext>
-            </a:extLst>
-          </p:cNvPr>
-          <p:cNvSpPr>
-            <a:spLocks noGrp="1"/>
-          </p:cNvSpPr>
-          <p:nvPr>
-            <p:ph type="ftr" sz="quarter" idx="11"/>
-          </p:nvPr>
-        </p:nvSpPr>
-        <p:spPr/>
-        <p:txBody>
-          <a:bodyPr/>
-          <a:lstStyle/>
-          <a:p>
-            <a:endParaRPr lang="en-US"/>
-          </a:p>
-        </p:txBody>
-      </p:sp>
-      <p:sp>
-        <p:nvSpPr>
-          <p:cNvPr id="7" name="Slide Number Placeholder 6">
-            <a:extLst>
-              <a:ext uri="{FF2B5EF4-FFF2-40B4-BE49-F238E27FC236}">
-                <a16:creationId xmlns:a16="http://schemas.microsoft.com/office/drawing/2014/main" id="{B0F53BFC-60D3-BB48-96A5-B2D9DAC0124C}"/>
-              </a:ext>
-            </a:extLst>
-          </p:cNvPr>
-          <p:cNvSpPr>
-            <a:spLocks noGrp="1"/>
-          </p:cNvSpPr>
-          <p:nvPr>
-            <p:ph type="sldNum" sz="quarter" idx="12"/>
-          </p:nvPr>
-        </p:nvSpPr>
-        <p:spPr/>
-        <p:txBody>
-          <a:bodyPr/>
-          <a:lstStyle/>
-          <a:p>
-            <a:fld id="{1C34DDE0-8D9E-9D49-A545-48CF20040F1D}" type="slidenum">
+            <a:fld id="{C5EF2332-01BF-834F-8236-50238282D533}" type="slidenum">
               <a:rPr lang="en-US" smtClean="0"/>
               <a:t>‹#›</a:t>
             </a:fld>
@@ -1514,7 +1457,7 @@
     </p:spTree>
     <p:extLst>
       <p:ext uri="{BB962C8B-B14F-4D97-AF65-F5344CB8AC3E}">
-        <p14:creationId xmlns:p14="http://schemas.microsoft.com/office/powerpoint/2010/main" val="4110977301"/>
+        <p14:creationId xmlns:p14="http://schemas.microsoft.com/office/powerpoint/2010/main" val="2619886245"/>
       </p:ext>
     </p:extLst>
   </p:cSld>
@@ -1543,13 +1486,7 @@
       </p:grpSpPr>
       <p:sp>
         <p:nvSpPr>
-          <p:cNvPr id="2" name="Title 1">
-            <a:extLst>
-              <a:ext uri="{FF2B5EF4-FFF2-40B4-BE49-F238E27FC236}">
-                <a16:creationId xmlns:a16="http://schemas.microsoft.com/office/drawing/2014/main" id="{BCBBA671-4710-C945-B91B-278AF18CE6CC}"/>
-              </a:ext>
-            </a:extLst>
-          </p:cNvPr>
+          <p:cNvPr id="2" name="Title 1"/>
           <p:cNvSpPr>
             <a:spLocks noGrp="1"/>
           </p:cNvSpPr>
@@ -1557,43 +1494,37 @@
             <p:ph type="title"/>
           </p:nvPr>
         </p:nvSpPr>
+        <p:spPr/>
+        <p:txBody>
+          <a:bodyPr/>
+          <a:lstStyle>
+            <a:lvl1pPr>
+              <a:defRPr/>
+            </a:lvl1pPr>
+          </a:lstStyle>
+          <a:p>
+            <a:r>
+              <a:rPr lang="en-US" smtClean="0"/>
+              <a:t>Click to edit Master title style</a:t>
+            </a:r>
+            <a:endParaRPr lang="en-US"/>
+          </a:p>
+        </p:txBody>
+      </p:sp>
+      <p:sp>
+        <p:nvSpPr>
+          <p:cNvPr id="3" name="Text Placeholder 2"/>
+          <p:cNvSpPr>
+            <a:spLocks noGrp="1"/>
+          </p:cNvSpPr>
+          <p:nvPr>
+            <p:ph type="body" idx="1"/>
+          </p:nvPr>
+        </p:nvSpPr>
         <p:spPr>
           <a:xfrm>
-            <a:off x="839788" y="365125"/>
-            <a:ext cx="10515600" cy="1325563"/>
-          </a:xfrm>
-        </p:spPr>
-        <p:txBody>
-          <a:bodyPr/>
-          <a:lstStyle/>
-          <a:p>
-            <a:r>
-              <a:rPr lang="en-US"/>
-              <a:t>Click to edit Master title style</a:t>
-            </a:r>
-          </a:p>
-        </p:txBody>
-      </p:sp>
-      <p:sp>
-        <p:nvSpPr>
-          <p:cNvPr id="3" name="Text Placeholder 2">
-            <a:extLst>
-              <a:ext uri="{FF2B5EF4-FFF2-40B4-BE49-F238E27FC236}">
-                <a16:creationId xmlns:a16="http://schemas.microsoft.com/office/drawing/2014/main" id="{13DDA9EF-FCD8-4D43-A360-18056E2C2999}"/>
-              </a:ext>
-            </a:extLst>
-          </p:cNvPr>
-          <p:cNvSpPr>
-            <a:spLocks noGrp="1"/>
-          </p:cNvSpPr>
-          <p:nvPr>
-            <p:ph type="body" idx="1"/>
-          </p:nvPr>
-        </p:nvSpPr>
-        <p:spPr>
-          <a:xfrm>
-            <a:off x="839788" y="1681163"/>
-            <a:ext cx="5157787" cy="823912"/>
+            <a:off x="457200" y="1535113"/>
+            <a:ext cx="4040188" cy="639762"/>
           </a:xfrm>
         </p:spPr>
         <p:txBody>
@@ -1639,7 +1570,7 @@
           <a:p>
             <a:pPr lvl="0"/>
             <a:r>
-              <a:rPr lang="en-US"/>
+              <a:rPr lang="en-US" smtClean="0"/>
               <a:t>Click to edit Master text styles</a:t>
             </a:r>
           </a:p>
@@ -1647,13 +1578,7 @@
       </p:sp>
       <p:sp>
         <p:nvSpPr>
-          <p:cNvPr id="4" name="Content Placeholder 3">
-            <a:extLst>
-              <a:ext uri="{FF2B5EF4-FFF2-40B4-BE49-F238E27FC236}">
-                <a16:creationId xmlns:a16="http://schemas.microsoft.com/office/drawing/2014/main" id="{AC658753-D33D-FA4D-A861-82010504B2B2}"/>
-              </a:ext>
-            </a:extLst>
-          </p:cNvPr>
+          <p:cNvPr id="4" name="Content Placeholder 3"/>
           <p:cNvSpPr>
             <a:spLocks noGrp="1"/>
           </p:cNvSpPr>
@@ -1663,59 +1588,82 @@
         </p:nvSpPr>
         <p:spPr>
           <a:xfrm>
-            <a:off x="839788" y="2505075"/>
-            <a:ext cx="5157787" cy="3684588"/>
+            <a:off x="457200" y="2174875"/>
+            <a:ext cx="4040188" cy="3951288"/>
           </a:xfrm>
         </p:spPr>
         <p:txBody>
           <a:bodyPr/>
-          <a:lstStyle/>
+          <a:lstStyle>
+            <a:lvl1pPr>
+              <a:defRPr sz="2400"/>
+            </a:lvl1pPr>
+            <a:lvl2pPr>
+              <a:defRPr sz="2000"/>
+            </a:lvl2pPr>
+            <a:lvl3pPr>
+              <a:defRPr sz="1800"/>
+            </a:lvl3pPr>
+            <a:lvl4pPr>
+              <a:defRPr sz="1600"/>
+            </a:lvl4pPr>
+            <a:lvl5pPr>
+              <a:defRPr sz="1600"/>
+            </a:lvl5pPr>
+            <a:lvl6pPr>
+              <a:defRPr sz="1600"/>
+            </a:lvl6pPr>
+            <a:lvl7pPr>
+              <a:defRPr sz="1600"/>
+            </a:lvl7pPr>
+            <a:lvl8pPr>
+              <a:defRPr sz="1600"/>
+            </a:lvl8pPr>
+            <a:lvl9pPr>
+              <a:defRPr sz="1600"/>
+            </a:lvl9pPr>
+          </a:lstStyle>
           <a:p>
             <a:pPr lvl="0"/>
             <a:r>
-              <a:rPr lang="en-US"/>
+              <a:rPr lang="en-US" smtClean="0"/>
               <a:t>Click to edit Master text styles</a:t>
             </a:r>
           </a:p>
           <a:p>
             <a:pPr lvl="1"/>
             <a:r>
-              <a:rPr lang="en-US"/>
+              <a:rPr lang="en-US" smtClean="0"/>
               <a:t>Second level</a:t>
             </a:r>
           </a:p>
           <a:p>
             <a:pPr lvl="2"/>
             <a:r>
-              <a:rPr lang="en-US"/>
+              <a:rPr lang="en-US" smtClean="0"/>
               <a:t>Third level</a:t>
             </a:r>
           </a:p>
           <a:p>
             <a:pPr lvl="3"/>
             <a:r>
-              <a:rPr lang="en-US"/>
+              <a:rPr lang="en-US" smtClean="0"/>
               <a:t>Fourth level</a:t>
             </a:r>
           </a:p>
           <a:p>
             <a:pPr lvl="4"/>
             <a:r>
-              <a:rPr lang="en-US"/>
+              <a:rPr lang="en-US" smtClean="0"/>
               <a:t>Fifth level</a:t>
             </a:r>
-          </a:p>
-        </p:txBody>
-      </p:sp>
-      <p:sp>
-        <p:nvSpPr>
-          <p:cNvPr id="5" name="Text Placeholder 4">
-            <a:extLst>
-              <a:ext uri="{FF2B5EF4-FFF2-40B4-BE49-F238E27FC236}">
-                <a16:creationId xmlns:a16="http://schemas.microsoft.com/office/drawing/2014/main" id="{C34310F8-AFD2-9C45-BBCA-74E63A249E5F}"/>
-              </a:ext>
-            </a:extLst>
-          </p:cNvPr>
+            <a:endParaRPr lang="en-US"/>
+          </a:p>
+        </p:txBody>
+      </p:sp>
+      <p:sp>
+        <p:nvSpPr>
+          <p:cNvPr id="5" name="Text Placeholder 4"/>
           <p:cNvSpPr>
             <a:spLocks noGrp="1"/>
           </p:cNvSpPr>
@@ -1725,8 +1673,8 @@
         </p:nvSpPr>
         <p:spPr>
           <a:xfrm>
-            <a:off x="6172200" y="1681163"/>
-            <a:ext cx="5183188" cy="823912"/>
+            <a:off x="4645025" y="1535113"/>
+            <a:ext cx="4041775" cy="639762"/>
           </a:xfrm>
         </p:spPr>
         <p:txBody>
@@ -1772,7 +1720,7 @@
           <a:p>
             <a:pPr lvl="0"/>
             <a:r>
-              <a:rPr lang="en-US"/>
+              <a:rPr lang="en-US" smtClean="0"/>
               <a:t>Click to edit Master text styles</a:t>
             </a:r>
           </a:p>
@@ -1780,13 +1728,7 @@
       </p:sp>
       <p:sp>
         <p:nvSpPr>
-          <p:cNvPr id="6" name="Content Placeholder 5">
-            <a:extLst>
-              <a:ext uri="{FF2B5EF4-FFF2-40B4-BE49-F238E27FC236}">
-                <a16:creationId xmlns:a16="http://schemas.microsoft.com/office/drawing/2014/main" id="{2A765311-48E1-C24F-8C18-78FD493512CB}"/>
-              </a:ext>
-            </a:extLst>
-          </p:cNvPr>
+          <p:cNvPr id="6" name="Content Placeholder 5"/>
           <p:cNvSpPr>
             <a:spLocks noGrp="1"/>
           </p:cNvSpPr>
@@ -1796,64 +1738,110 @@
         </p:nvSpPr>
         <p:spPr>
           <a:xfrm>
-            <a:off x="6172200" y="2505075"/>
-            <a:ext cx="5183188" cy="3684588"/>
-          </a:xfrm>
-        </p:spPr>
+            <a:off x="4645025" y="2174875"/>
+            <a:ext cx="4041775" cy="3951288"/>
+          </a:xfrm>
+        </p:spPr>
+        <p:txBody>
+          <a:bodyPr/>
+          <a:lstStyle>
+            <a:lvl1pPr>
+              <a:defRPr sz="2400"/>
+            </a:lvl1pPr>
+            <a:lvl2pPr>
+              <a:defRPr sz="2000"/>
+            </a:lvl2pPr>
+            <a:lvl3pPr>
+              <a:defRPr sz="1800"/>
+            </a:lvl3pPr>
+            <a:lvl4pPr>
+              <a:defRPr sz="1600"/>
+            </a:lvl4pPr>
+            <a:lvl5pPr>
+              <a:defRPr sz="1600"/>
+            </a:lvl5pPr>
+            <a:lvl6pPr>
+              <a:defRPr sz="1600"/>
+            </a:lvl6pPr>
+            <a:lvl7pPr>
+              <a:defRPr sz="1600"/>
+            </a:lvl7pPr>
+            <a:lvl8pPr>
+              <a:defRPr sz="1600"/>
+            </a:lvl8pPr>
+            <a:lvl9pPr>
+              <a:defRPr sz="1600"/>
+            </a:lvl9pPr>
+          </a:lstStyle>
+          <a:p>
+            <a:pPr lvl="0"/>
+            <a:r>
+              <a:rPr lang="en-US" smtClean="0"/>
+              <a:t>Click to edit Master text styles</a:t>
+            </a:r>
+          </a:p>
+          <a:p>
+            <a:pPr lvl="1"/>
+            <a:r>
+              <a:rPr lang="en-US" smtClean="0"/>
+              <a:t>Second level</a:t>
+            </a:r>
+          </a:p>
+          <a:p>
+            <a:pPr lvl="2"/>
+            <a:r>
+              <a:rPr lang="en-US" smtClean="0"/>
+              <a:t>Third level</a:t>
+            </a:r>
+          </a:p>
+          <a:p>
+            <a:pPr lvl="3"/>
+            <a:r>
+              <a:rPr lang="en-US" smtClean="0"/>
+              <a:t>Fourth level</a:t>
+            </a:r>
+          </a:p>
+          <a:p>
+            <a:pPr lvl="4"/>
+            <a:r>
+              <a:rPr lang="en-US" smtClean="0"/>
+              <a:t>Fifth level</a:t>
+            </a:r>
+            <a:endParaRPr lang="en-US"/>
+          </a:p>
+        </p:txBody>
+      </p:sp>
+      <p:sp>
+        <p:nvSpPr>
+          <p:cNvPr id="7" name="Date Placeholder 6"/>
+          <p:cNvSpPr>
+            <a:spLocks noGrp="1"/>
+          </p:cNvSpPr>
+          <p:nvPr>
+            <p:ph type="dt" sz="half" idx="10"/>
+          </p:nvPr>
+        </p:nvSpPr>
+        <p:spPr/>
         <p:txBody>
           <a:bodyPr/>
           <a:lstStyle/>
           <a:p>
-            <a:pPr lvl="0"/>
-            <a:r>
-              <a:rPr lang="en-US"/>
-              <a:t>Click to edit Master text styles</a:t>
-            </a:r>
-          </a:p>
-          <a:p>
-            <a:pPr lvl="1"/>
-            <a:r>
-              <a:rPr lang="en-US"/>
-              <a:t>Second level</a:t>
-            </a:r>
-          </a:p>
-          <a:p>
-            <a:pPr lvl="2"/>
-            <a:r>
-              <a:rPr lang="en-US"/>
-              <a:t>Third level</a:t>
-            </a:r>
-          </a:p>
-          <a:p>
-            <a:pPr lvl="3"/>
-            <a:r>
-              <a:rPr lang="en-US"/>
-              <a:t>Fourth level</a:t>
-            </a:r>
-          </a:p>
-          <a:p>
-            <a:pPr lvl="4"/>
-            <a:r>
-              <a:rPr lang="en-US"/>
-              <a:t>Fifth level</a:t>
-            </a:r>
-          </a:p>
-        </p:txBody>
-      </p:sp>
-      <p:sp>
-        <p:nvSpPr>
-          <p:cNvPr id="7" name="Date Placeholder 6">
-            <a:extLst>
-              <a:ext uri="{FF2B5EF4-FFF2-40B4-BE49-F238E27FC236}">
-                <a16:creationId xmlns:a16="http://schemas.microsoft.com/office/drawing/2014/main" id="{BF9D0A8F-ACE1-2F46-8C70-A065C895DB1F}"/>
-              </a:ext>
-            </a:extLst>
-          </p:cNvPr>
-          <p:cNvSpPr>
-            <a:spLocks noGrp="1"/>
-          </p:cNvSpPr>
-          <p:nvPr>
-            <p:ph type="dt" sz="half" idx="10"/>
+            <a:fld id="{241EB5C9-1307-BA42-ABA2-0BC069CD8E7F}" type="datetimeFigureOut">
+              <a:rPr lang="en-US" smtClean="0"/>
+              <a:t>4/5/2019</a:t>
+            </a:fld>
+            <a:endParaRPr lang="en-US"/>
+          </a:p>
+        </p:txBody>
+      </p:sp>
+      <p:sp>
+        <p:nvSpPr>
+          <p:cNvPr id="8" name="Footer Placeholder 7"/>
+          <p:cNvSpPr>
+            <a:spLocks noGrp="1"/>
+          </p:cNvSpPr>
+          <p:nvPr>
+            <p:ph type="ftr" sz="quarter" idx="11"/>
           </p:nvPr>
         </p:nvSpPr>
         <p:spPr/>
@@ -1861,28 +1849,18 @@
           <a:bodyPr/>
           <a:lstStyle/>
           <a:p>
-            <a:fld id="{40C84C83-717C-4E47-AD04-EAD7706A69A9}" type="datetimeFigureOut">
-              <a:rPr lang="en-US" smtClean="0"/>
-              <a:t>2/25/21</a:t>
-            </a:fld>
             <a:endParaRPr lang="en-US"/>
           </a:p>
         </p:txBody>
       </p:sp>
       <p:sp>
         <p:nvSpPr>
-          <p:cNvPr id="8" name="Footer Placeholder 7">
-            <a:extLst>
-              <a:ext uri="{FF2B5EF4-FFF2-40B4-BE49-F238E27FC236}">
-                <a16:creationId xmlns:a16="http://schemas.microsoft.com/office/drawing/2014/main" id="{8A90BFF7-F3E2-594D-8E75-CC7A7F3FA014}"/>
-              </a:ext>
-            </a:extLst>
-          </p:cNvPr>
-          <p:cNvSpPr>
-            <a:spLocks noGrp="1"/>
-          </p:cNvSpPr>
-          <p:nvPr>
-            <p:ph type="ftr" sz="quarter" idx="11"/>
+          <p:cNvPr id="9" name="Slide Number Placeholder 8"/>
+          <p:cNvSpPr>
+            <a:spLocks noGrp="1"/>
+          </p:cNvSpPr>
+          <p:nvPr>
+            <p:ph type="sldNum" sz="quarter" idx="12"/>
           </p:nvPr>
         </p:nvSpPr>
         <p:spPr/>
@@ -1890,32 +1868,7 @@
           <a:bodyPr/>
           <a:lstStyle/>
           <a:p>
-            <a:endParaRPr lang="en-US"/>
-          </a:p>
-        </p:txBody>
-      </p:sp>
-      <p:sp>
-        <p:nvSpPr>
-          <p:cNvPr id="9" name="Slide Number Placeholder 8">
-            <a:extLst>
-              <a:ext uri="{FF2B5EF4-FFF2-40B4-BE49-F238E27FC236}">
-                <a16:creationId xmlns:a16="http://schemas.microsoft.com/office/drawing/2014/main" id="{E5E30F4D-6472-EF45-BFD3-0BB5F06F10CA}"/>
-              </a:ext>
-            </a:extLst>
-          </p:cNvPr>
-          <p:cNvSpPr>
-            <a:spLocks noGrp="1"/>
-          </p:cNvSpPr>
-          <p:nvPr>
-            <p:ph type="sldNum" sz="quarter" idx="12"/>
-          </p:nvPr>
-        </p:nvSpPr>
-        <p:spPr/>
-        <p:txBody>
-          <a:bodyPr/>
-          <a:lstStyle/>
-          <a:p>
-            <a:fld id="{1C34DDE0-8D9E-9D49-A545-48CF20040F1D}" type="slidenum">
+            <a:fld id="{C5EF2332-01BF-834F-8236-50238282D533}" type="slidenum">
               <a:rPr lang="en-US" smtClean="0"/>
               <a:t>‹#›</a:t>
             </a:fld>
@@ -1926,7 +1879,7 @@
     </p:spTree>
     <p:extLst>
       <p:ext uri="{BB962C8B-B14F-4D97-AF65-F5344CB8AC3E}">
-        <p14:creationId xmlns:p14="http://schemas.microsoft.com/office/powerpoint/2010/main" val="631073377"/>
+        <p14:creationId xmlns:p14="http://schemas.microsoft.com/office/powerpoint/2010/main" val="2535793967"/>
       </p:ext>
     </p:extLst>
   </p:cSld>
@@ -1955,13 +1908,7 @@
       </p:grpSpPr>
       <p:sp>
         <p:nvSpPr>
-          <p:cNvPr id="2" name="Title 1">
-            <a:extLst>
-              <a:ext uri="{FF2B5EF4-FFF2-40B4-BE49-F238E27FC236}">
-                <a16:creationId xmlns:a16="http://schemas.microsoft.com/office/drawing/2014/main" id="{F23A9DB8-17BE-F34A-8C74-7AEA2D56A0FC}"/>
-              </a:ext>
-            </a:extLst>
-          </p:cNvPr>
+          <p:cNvPr id="2" name="Title 1"/>
           <p:cNvSpPr>
             <a:spLocks noGrp="1"/>
           </p:cNvSpPr>
@@ -1975,21 +1922,16 @@
           <a:lstStyle/>
           <a:p>
             <a:r>
-              <a:rPr lang="en-US"/>
+              <a:rPr lang="en-US" smtClean="0"/>
               <a:t>Click to edit Master title style</a:t>
             </a:r>
-          </a:p>
-        </p:txBody>
-      </p:sp>
-      <p:sp>
-        <p:nvSpPr>
-          <p:cNvPr id="3" name="Date Placeholder 2">
-            <a:extLst>
-              <a:ext uri="{FF2B5EF4-FFF2-40B4-BE49-F238E27FC236}">
-                <a16:creationId xmlns:a16="http://schemas.microsoft.com/office/drawing/2014/main" id="{F2A603E3-D290-4C40-A4FB-3D745A339242}"/>
-              </a:ext>
-            </a:extLst>
-          </p:cNvPr>
+            <a:endParaRPr lang="en-US"/>
+          </a:p>
+        </p:txBody>
+      </p:sp>
+      <p:sp>
+        <p:nvSpPr>
+          <p:cNvPr id="3" name="Date Placeholder 2"/>
           <p:cNvSpPr>
             <a:spLocks noGrp="1"/>
           </p:cNvSpPr>
@@ -2002,9 +1944,9 @@
           <a:bodyPr/>
           <a:lstStyle/>
           <a:p>
-            <a:fld id="{40C84C83-717C-4E47-AD04-EAD7706A69A9}" type="datetimeFigureOut">
-              <a:rPr lang="en-US" smtClean="0"/>
-              <a:t>2/25/21</a:t>
+            <a:fld id="{241EB5C9-1307-BA42-ABA2-0BC069CD8E7F}" type="datetimeFigureOut">
+              <a:rPr lang="en-US" smtClean="0"/>
+              <a:t>4/5/2019</a:t>
             </a:fld>
             <a:endParaRPr lang="en-US"/>
           </a:p>
@@ -2012,13 +1954,7 @@
       </p:sp>
       <p:sp>
         <p:nvSpPr>
-          <p:cNvPr id="4" name="Footer Placeholder 3">
-            <a:extLst>
-              <a:ext uri="{FF2B5EF4-FFF2-40B4-BE49-F238E27FC236}">
-                <a16:creationId xmlns:a16="http://schemas.microsoft.com/office/drawing/2014/main" id="{C08A9869-E5B7-8643-A8C1-E625351B537C}"/>
-              </a:ext>
-            </a:extLst>
-          </p:cNvPr>
+          <p:cNvPr id="4" name="Footer Placeholder 3"/>
           <p:cNvSpPr>
             <a:spLocks noGrp="1"/>
           </p:cNvSpPr>
@@ -2037,13 +1973,7 @@
       </p:sp>
       <p:sp>
         <p:nvSpPr>
-          <p:cNvPr id="5" name="Slide Number Placeholder 4">
-            <a:extLst>
-              <a:ext uri="{FF2B5EF4-FFF2-40B4-BE49-F238E27FC236}">
-                <a16:creationId xmlns:a16="http://schemas.microsoft.com/office/drawing/2014/main" id="{C108E6A9-7A50-224C-A3E6-1DE6B8C6EA63}"/>
-              </a:ext>
-            </a:extLst>
-          </p:cNvPr>
+          <p:cNvPr id="5" name="Slide Number Placeholder 4"/>
           <p:cNvSpPr>
             <a:spLocks noGrp="1"/>
           </p:cNvSpPr>
@@ -2056,7 +1986,7 @@
           <a:bodyPr/>
           <a:lstStyle/>
           <a:p>
-            <a:fld id="{1C34DDE0-8D9E-9D49-A545-48CF20040F1D}" type="slidenum">
+            <a:fld id="{C5EF2332-01BF-834F-8236-50238282D533}" type="slidenum">
               <a:rPr lang="en-US" smtClean="0"/>
               <a:t>‹#›</a:t>
             </a:fld>
@@ -2067,7 +1997,7 @@
     </p:spTree>
     <p:extLst>
       <p:ext uri="{BB962C8B-B14F-4D97-AF65-F5344CB8AC3E}">
-        <p14:creationId xmlns:p14="http://schemas.microsoft.com/office/powerpoint/2010/main" val="4052569989"/>
+        <p14:creationId xmlns:p14="http://schemas.microsoft.com/office/powerpoint/2010/main" val="3472721253"/>
       </p:ext>
     </p:extLst>
   </p:cSld>
@@ -2096,13 +2026,7 @@
       </p:grpSpPr>
       <p:sp>
         <p:nvSpPr>
-          <p:cNvPr id="2" name="Date Placeholder 1">
-            <a:extLst>
-              <a:ext uri="{FF2B5EF4-FFF2-40B4-BE49-F238E27FC236}">
-                <a16:creationId xmlns:a16="http://schemas.microsoft.com/office/drawing/2014/main" id="{81F759B7-2E2B-C44F-8330-2F5C20C42D96}"/>
-              </a:ext>
-            </a:extLst>
-          </p:cNvPr>
+          <p:cNvPr id="2" name="Date Placeholder 1"/>
           <p:cNvSpPr>
             <a:spLocks noGrp="1"/>
           </p:cNvSpPr>
@@ -2115,9 +2039,9 @@
           <a:bodyPr/>
           <a:lstStyle/>
           <a:p>
-            <a:fld id="{40C84C83-717C-4E47-AD04-EAD7706A69A9}" type="datetimeFigureOut">
-              <a:rPr lang="en-US" smtClean="0"/>
-              <a:t>2/25/21</a:t>
+            <a:fld id="{241EB5C9-1307-BA42-ABA2-0BC069CD8E7F}" type="datetimeFigureOut">
+              <a:rPr lang="en-US" smtClean="0"/>
+              <a:t>4/5/2019</a:t>
             </a:fld>
             <a:endParaRPr lang="en-US"/>
           </a:p>
@@ -2125,13 +2049,7 @@
       </p:sp>
       <p:sp>
         <p:nvSpPr>
-          <p:cNvPr id="3" name="Footer Placeholder 2">
-            <a:extLst>
-              <a:ext uri="{FF2B5EF4-FFF2-40B4-BE49-F238E27FC236}">
-                <a16:creationId xmlns:a16="http://schemas.microsoft.com/office/drawing/2014/main" id="{517787B3-85BF-694F-A36F-362640913545}"/>
-              </a:ext>
-            </a:extLst>
-          </p:cNvPr>
+          <p:cNvPr id="3" name="Footer Placeholder 2"/>
           <p:cNvSpPr>
             <a:spLocks noGrp="1"/>
           </p:cNvSpPr>
@@ -2150,13 +2068,7 @@
       </p:sp>
       <p:sp>
         <p:nvSpPr>
-          <p:cNvPr id="4" name="Slide Number Placeholder 3">
-            <a:extLst>
-              <a:ext uri="{FF2B5EF4-FFF2-40B4-BE49-F238E27FC236}">
-                <a16:creationId xmlns:a16="http://schemas.microsoft.com/office/drawing/2014/main" id="{8FB8F665-B619-194A-BEB4-16FBBFCCB55F}"/>
-              </a:ext>
-            </a:extLst>
-          </p:cNvPr>
+          <p:cNvPr id="4" name="Slide Number Placeholder 3"/>
           <p:cNvSpPr>
             <a:spLocks noGrp="1"/>
           </p:cNvSpPr>
@@ -2169,7 +2081,7 @@
           <a:bodyPr/>
           <a:lstStyle/>
           <a:p>
-            <a:fld id="{1C34DDE0-8D9E-9D49-A545-48CF20040F1D}" type="slidenum">
+            <a:fld id="{C5EF2332-01BF-834F-8236-50238282D533}" type="slidenum">
               <a:rPr lang="en-US" smtClean="0"/>
               <a:t>‹#›</a:t>
             </a:fld>
@@ -2180,7 +2092,7 @@
     </p:spTree>
     <p:extLst>
       <p:ext uri="{BB962C8B-B14F-4D97-AF65-F5344CB8AC3E}">
-        <p14:creationId xmlns:p14="http://schemas.microsoft.com/office/powerpoint/2010/main" val="1730105611"/>
+        <p14:creationId xmlns:p14="http://schemas.microsoft.com/office/powerpoint/2010/main" val="2130901097"/>
       </p:ext>
     </p:extLst>
   </p:cSld>
@@ -2209,13 +2121,7 @@
       </p:grpSpPr>
       <p:sp>
         <p:nvSpPr>
-          <p:cNvPr id="2" name="Title 1">
-            <a:extLst>
-              <a:ext uri="{FF2B5EF4-FFF2-40B4-BE49-F238E27FC236}">
-                <a16:creationId xmlns:a16="http://schemas.microsoft.com/office/drawing/2014/main" id="{5D762FA8-E091-D249-A97C-FF210AF1B98A}"/>
-              </a:ext>
-            </a:extLst>
-          </p:cNvPr>
+          <p:cNvPr id="2" name="Title 1"/>
           <p:cNvSpPr>
             <a:spLocks noGrp="1"/>
           </p:cNvSpPr>
@@ -2225,34 +2131,29 @@
         </p:nvSpPr>
         <p:spPr>
           <a:xfrm>
-            <a:off x="839788" y="457200"/>
-            <a:ext cx="3932237" cy="1600200"/>
+            <a:off x="457200" y="273050"/>
+            <a:ext cx="3008313" cy="1162050"/>
           </a:xfrm>
         </p:spPr>
         <p:txBody>
           <a:bodyPr anchor="b"/>
           <a:lstStyle>
-            <a:lvl1pPr>
-              <a:defRPr sz="3200"/>
+            <a:lvl1pPr algn="l">
+              <a:defRPr sz="2000" b="1"/>
             </a:lvl1pPr>
           </a:lstStyle>
           <a:p>
             <a:r>
-              <a:rPr lang="en-US"/>
+              <a:rPr lang="en-US" smtClean="0"/>
               <a:t>Click to edit Master title style</a:t>
             </a:r>
-          </a:p>
-        </p:txBody>
-      </p:sp>
-      <p:sp>
-        <p:nvSpPr>
-          <p:cNvPr id="3" name="Content Placeholder 2">
-            <a:extLst>
-              <a:ext uri="{FF2B5EF4-FFF2-40B4-BE49-F238E27FC236}">
-                <a16:creationId xmlns:a16="http://schemas.microsoft.com/office/drawing/2014/main" id="{2CC69001-C6D5-7847-AEE4-62622639E3E1}"/>
-              </a:ext>
-            </a:extLst>
-          </p:cNvPr>
+            <a:endParaRPr lang="en-US"/>
+          </a:p>
+        </p:txBody>
+      </p:sp>
+      <p:sp>
+        <p:nvSpPr>
+          <p:cNvPr id="3" name="Content Placeholder 2"/>
           <p:cNvSpPr>
             <a:spLocks noGrp="1"/>
           </p:cNvSpPr>
@@ -2262,8 +2163,8 @@
         </p:nvSpPr>
         <p:spPr>
           <a:xfrm>
-            <a:off x="5183188" y="987425"/>
-            <a:ext cx="6172200" cy="4873625"/>
+            <a:off x="3575050" y="273050"/>
+            <a:ext cx="5111750" cy="5853113"/>
           </a:xfrm>
         </p:spPr>
         <p:txBody>
@@ -2300,49 +2201,44 @@
           <a:p>
             <a:pPr lvl="0"/>
             <a:r>
-              <a:rPr lang="en-US"/>
+              <a:rPr lang="en-US" smtClean="0"/>
               <a:t>Click to edit Master text styles</a:t>
             </a:r>
           </a:p>
           <a:p>
             <a:pPr lvl="1"/>
             <a:r>
-              <a:rPr lang="en-US"/>
+              <a:rPr lang="en-US" smtClean="0"/>
               <a:t>Second level</a:t>
             </a:r>
           </a:p>
           <a:p>
             <a:pPr lvl="2"/>
             <a:r>
-              <a:rPr lang="en-US"/>
+              <a:rPr lang="en-US" smtClean="0"/>
               <a:t>Third level</a:t>
             </a:r>
           </a:p>
           <a:p>
             <a:pPr lvl="3"/>
             <a:r>
-              <a:rPr lang="en-US"/>
+              <a:rPr lang="en-US" smtClean="0"/>
               <a:t>Fourth level</a:t>
             </a:r>
           </a:p>
           <a:p>
             <a:pPr lvl="4"/>
             <a:r>
-              <a:rPr lang="en-US"/>
+              <a:rPr lang="en-US" smtClean="0"/>
               <a:t>Fifth level</a:t>
             </a:r>
-          </a:p>
-        </p:txBody>
-      </p:sp>
-      <p:sp>
-        <p:nvSpPr>
-          <p:cNvPr id="4" name="Text Placeholder 3">
-            <a:extLst>
-              <a:ext uri="{FF2B5EF4-FFF2-40B4-BE49-F238E27FC236}">
-                <a16:creationId xmlns:a16="http://schemas.microsoft.com/office/drawing/2014/main" id="{97CB4F7B-AAC1-9549-A2EC-F546B55A936B}"/>
-              </a:ext>
-            </a:extLst>
-          </p:cNvPr>
+            <a:endParaRPr lang="en-US"/>
+          </a:p>
+        </p:txBody>
+      </p:sp>
+      <p:sp>
+        <p:nvSpPr>
+          <p:cNvPr id="4" name="Text Placeholder 3"/>
           <p:cNvSpPr>
             <a:spLocks noGrp="1"/>
           </p:cNvSpPr>
@@ -2352,8 +2248,8 @@
         </p:nvSpPr>
         <p:spPr>
           <a:xfrm>
-            <a:off x="839788" y="2057400"/>
-            <a:ext cx="3932237" cy="3811588"/>
+            <a:off x="457200" y="1435100"/>
+            <a:ext cx="3008313" cy="4691063"/>
           </a:xfrm>
         </p:spPr>
         <p:txBody>
@@ -2361,45 +2257,45 @@
           <a:lstStyle>
             <a:lvl1pPr marL="0" indent="0">
               <a:buNone/>
-              <a:defRPr sz="1600"/>
+              <a:defRPr sz="1400"/>
             </a:lvl1pPr>
             <a:lvl2pPr marL="457200" indent="0">
               <a:buNone/>
-              <a:defRPr sz="1400"/>
+              <a:defRPr sz="1200"/>
             </a:lvl2pPr>
             <a:lvl3pPr marL="914400" indent="0">
               <a:buNone/>
-              <a:defRPr sz="1200"/>
+              <a:defRPr sz="1000"/>
             </a:lvl3pPr>
             <a:lvl4pPr marL="1371600" indent="0">
               <a:buNone/>
-              <a:defRPr sz="1000"/>
+              <a:defRPr sz="900"/>
             </a:lvl4pPr>
             <a:lvl5pPr marL="1828800" indent="0">
               <a:buNone/>
-              <a:defRPr sz="1000"/>
+              <a:defRPr sz="900"/>
             </a:lvl5pPr>
             <a:lvl6pPr marL="2286000" indent="0">
               <a:buNone/>
-              <a:defRPr sz="1000"/>
+              <a:defRPr sz="900"/>
             </a:lvl6pPr>
             <a:lvl7pPr marL="2743200" indent="0">
               <a:buNone/>
-              <a:defRPr sz="1000"/>
+              <a:defRPr sz="900"/>
             </a:lvl7pPr>
             <a:lvl8pPr marL="3200400" indent="0">
               <a:buNone/>
-              <a:defRPr sz="1000"/>
+              <a:defRPr sz="900"/>
             </a:lvl8pPr>
             <a:lvl9pPr marL="3657600" indent="0">
               <a:buNone/>
-              <a:defRPr sz="1000"/>
+              <a:defRPr sz="900"/>
             </a:lvl9pPr>
           </a:lstStyle>
           <a:p>
             <a:pPr lvl="0"/>
             <a:r>
-              <a:rPr lang="en-US"/>
+              <a:rPr lang="en-US" smtClean="0"/>
               <a:t>Click to edit Master text styles</a:t>
             </a:r>
           </a:p>
@@ -2407,13 +2303,7 @@
       </p:sp>
       <p:sp>
         <p:nvSpPr>
-          <p:cNvPr id="5" name="Date Placeholder 4">
-            <a:extLst>
-              <a:ext uri="{FF2B5EF4-FFF2-40B4-BE49-F238E27FC236}">
-                <a16:creationId xmlns:a16="http://schemas.microsoft.com/office/drawing/2014/main" id="{6FA8A538-49EB-CE41-8C99-35AB4B19BE07}"/>
-              </a:ext>
-            </a:extLst>
-          </p:cNvPr>
+          <p:cNvPr id="5" name="Date Placeholder 4"/>
           <p:cNvSpPr>
             <a:spLocks noGrp="1"/>
           </p:cNvSpPr>
@@ -2426,9 +2316,9 @@
           <a:bodyPr/>
           <a:lstStyle/>
           <a:p>
-            <a:fld id="{40C84C83-717C-4E47-AD04-EAD7706A69A9}" type="datetimeFigureOut">
-              <a:rPr lang="en-US" smtClean="0"/>
-              <a:t>2/25/21</a:t>
+            <a:fld id="{241EB5C9-1307-BA42-ABA2-0BC069CD8E7F}" type="datetimeFigureOut">
+              <a:rPr lang="en-US" smtClean="0"/>
+              <a:t>4/5/2019</a:t>
             </a:fld>
             <a:endParaRPr lang="en-US"/>
           </a:p>
@@ -2436,13 +2326,7 @@
       </p:sp>
       <p:sp>
         <p:nvSpPr>
-          <p:cNvPr id="6" name="Footer Placeholder 5">
-            <a:extLst>
-              <a:ext uri="{FF2B5EF4-FFF2-40B4-BE49-F238E27FC236}">
-                <a16:creationId xmlns:a16="http://schemas.microsoft.com/office/drawing/2014/main" id="{5BD03D2F-3A6B-7E47-AB8C-77348B1B5C7E}"/>
-              </a:ext>
-            </a:extLst>
-          </p:cNvPr>
+          <p:cNvPr id="6" name="Footer Placeholder 5"/>
           <p:cNvSpPr>
             <a:spLocks noGrp="1"/>
           </p:cNvSpPr>
@@ -2461,13 +2345,7 @@
       </p:sp>
       <p:sp>
         <p:nvSpPr>
-          <p:cNvPr id="7" name="Slide Number Placeholder 6">
-            <a:extLst>
-              <a:ext uri="{FF2B5EF4-FFF2-40B4-BE49-F238E27FC236}">
-                <a16:creationId xmlns:a16="http://schemas.microsoft.com/office/drawing/2014/main" id="{305E3E02-4B5C-1D46-B24E-C44502AAD085}"/>
-              </a:ext>
-            </a:extLst>
-          </p:cNvPr>
+          <p:cNvPr id="7" name="Slide Number Placeholder 6"/>
           <p:cNvSpPr>
             <a:spLocks noGrp="1"/>
           </p:cNvSpPr>
@@ -2480,7 +2358,7 @@
           <a:bodyPr/>
           <a:lstStyle/>
           <a:p>
-            <a:fld id="{1C34DDE0-8D9E-9D49-A545-48CF20040F1D}" type="slidenum">
+            <a:fld id="{C5EF2332-01BF-834F-8236-50238282D533}" type="slidenum">
               <a:rPr lang="en-US" smtClean="0"/>
               <a:t>‹#›</a:t>
             </a:fld>
@@ -2491,7 +2369,7 @@
     </p:spTree>
     <p:extLst>
       <p:ext uri="{BB962C8B-B14F-4D97-AF65-F5344CB8AC3E}">
-        <p14:creationId xmlns:p14="http://schemas.microsoft.com/office/powerpoint/2010/main" val="2044955830"/>
+        <p14:creationId xmlns:p14="http://schemas.microsoft.com/office/powerpoint/2010/main" val="3540895647"/>
       </p:ext>
     </p:extLst>
   </p:cSld>
@@ -2520,13 +2398,7 @@
       </p:grpSpPr>
       <p:sp>
         <p:nvSpPr>
-          <p:cNvPr id="2" name="Title 1">
-            <a:extLst>
-              <a:ext uri="{FF2B5EF4-FFF2-40B4-BE49-F238E27FC236}">
-                <a16:creationId xmlns:a16="http://schemas.microsoft.com/office/drawing/2014/main" id="{B83870BB-FF63-D64C-B300-63C6692BA024}"/>
-              </a:ext>
-            </a:extLst>
-          </p:cNvPr>
+          <p:cNvPr id="2" name="Title 1"/>
           <p:cNvSpPr>
             <a:spLocks noGrp="1"/>
           </p:cNvSpPr>
@@ -2536,34 +2408,29 @@
         </p:nvSpPr>
         <p:spPr>
           <a:xfrm>
-            <a:off x="839788" y="457200"/>
-            <a:ext cx="3932237" cy="1600200"/>
+            <a:off x="1792288" y="4800600"/>
+            <a:ext cx="5486400" cy="566738"/>
           </a:xfrm>
         </p:spPr>
         <p:txBody>
           <a:bodyPr anchor="b"/>
           <a:lstStyle>
-            <a:lvl1pPr>
-              <a:defRPr sz="3200"/>
+            <a:lvl1pPr algn="l">
+              <a:defRPr sz="2000" b="1"/>
             </a:lvl1pPr>
           </a:lstStyle>
           <a:p>
             <a:r>
-              <a:rPr lang="en-US"/>
+              <a:rPr lang="en-US" smtClean="0"/>
               <a:t>Click to edit Master title style</a:t>
             </a:r>
-          </a:p>
-        </p:txBody>
-      </p:sp>
-      <p:sp>
-        <p:nvSpPr>
-          <p:cNvPr id="3" name="Picture Placeholder 2">
-            <a:extLst>
-              <a:ext uri="{FF2B5EF4-FFF2-40B4-BE49-F238E27FC236}">
-                <a16:creationId xmlns:a16="http://schemas.microsoft.com/office/drawing/2014/main" id="{4E031879-228E-2E4A-B157-FCF9AFA6FFF8}"/>
-              </a:ext>
-            </a:extLst>
-          </p:cNvPr>
+            <a:endParaRPr lang="en-US"/>
+          </a:p>
+        </p:txBody>
+      </p:sp>
+      <p:sp>
+        <p:nvSpPr>
+          <p:cNvPr id="3" name="Picture Placeholder 2"/>
           <p:cNvSpPr>
             <a:spLocks noGrp="1"/>
           </p:cNvSpPr>
@@ -2573,8 +2440,8 @@
         </p:nvSpPr>
         <p:spPr>
           <a:xfrm>
-            <a:off x="5183188" y="987425"/>
-            <a:ext cx="6172200" cy="4873625"/>
+            <a:off x="1792288" y="612775"/>
+            <a:ext cx="5486400" cy="4114800"/>
           </a:xfrm>
         </p:spPr>
         <p:txBody>
@@ -2624,13 +2491,7 @@
       </p:sp>
       <p:sp>
         <p:nvSpPr>
-          <p:cNvPr id="4" name="Text Placeholder 3">
-            <a:extLst>
-              <a:ext uri="{FF2B5EF4-FFF2-40B4-BE49-F238E27FC236}">
-                <a16:creationId xmlns:a16="http://schemas.microsoft.com/office/drawing/2014/main" id="{19316E41-4B27-814B-8E04-1D692527FD27}"/>
-              </a:ext>
-            </a:extLst>
-          </p:cNvPr>
+          <p:cNvPr id="4" name="Text Placeholder 3"/>
           <p:cNvSpPr>
             <a:spLocks noGrp="1"/>
           </p:cNvSpPr>
@@ -2640,8 +2501,8 @@
         </p:nvSpPr>
         <p:spPr>
           <a:xfrm>
-            <a:off x="839788" y="2057400"/>
-            <a:ext cx="3932237" cy="3811588"/>
+            <a:off x="1792288" y="5367338"/>
+            <a:ext cx="5486400" cy="804862"/>
           </a:xfrm>
         </p:spPr>
         <p:txBody>
@@ -2649,45 +2510,45 @@
           <a:lstStyle>
             <a:lvl1pPr marL="0" indent="0">
               <a:buNone/>
-              <a:defRPr sz="1600"/>
+              <a:defRPr sz="1400"/>
             </a:lvl1pPr>
             <a:lvl2pPr marL="457200" indent="0">
               <a:buNone/>
-              <a:defRPr sz="1400"/>
+              <a:defRPr sz="1200"/>
             </a:lvl2pPr>
             <a:lvl3pPr marL="914400" indent="0">
               <a:buNone/>
-              <a:defRPr sz="1200"/>
+              <a:defRPr sz="1000"/>
             </a:lvl3pPr>
             <a:lvl4pPr marL="1371600" indent="0">
               <a:buNone/>
-              <a:defRPr sz="1000"/>
+              <a:defRPr sz="900"/>
             </a:lvl4pPr>
             <a:lvl5pPr marL="1828800" indent="0">
               <a:buNone/>
-              <a:defRPr sz="1000"/>
+              <a:defRPr sz="900"/>
             </a:lvl5pPr>
             <a:lvl6pPr marL="2286000" indent="0">
               <a:buNone/>
-              <a:defRPr sz="1000"/>
+              <a:defRPr sz="900"/>
             </a:lvl6pPr>
             <a:lvl7pPr marL="2743200" indent="0">
               <a:buNone/>
-              <a:defRPr sz="1000"/>
+              <a:defRPr sz="900"/>
             </a:lvl7pPr>
             <a:lvl8pPr marL="3200400" indent="0">
               <a:buNone/>
-              <a:defRPr sz="1000"/>
+              <a:defRPr sz="900"/>
             </a:lvl8pPr>
             <a:lvl9pPr marL="3657600" indent="0">
               <a:buNone/>
-              <a:defRPr sz="1000"/>
+              <a:defRPr sz="900"/>
             </a:lvl9pPr>
           </a:lstStyle>
           <a:p>
             <a:pPr lvl="0"/>
             <a:r>
-              <a:rPr lang="en-US"/>
+              <a:rPr lang="en-US" smtClean="0"/>
               <a:t>Click to edit Master text styles</a:t>
             </a:r>
           </a:p>
@@ -2695,13 +2556,7 @@
       </p:sp>
       <p:sp>
         <p:nvSpPr>
-          <p:cNvPr id="5" name="Date Placeholder 4">
-            <a:extLst>
-              <a:ext uri="{FF2B5EF4-FFF2-40B4-BE49-F238E27FC236}">
-                <a16:creationId xmlns:a16="http://schemas.microsoft.com/office/drawing/2014/main" id="{74D3FA3B-7BFF-A148-B006-7505B9B4D497}"/>
-              </a:ext>
-            </a:extLst>
-          </p:cNvPr>
+          <p:cNvPr id="5" name="Date Placeholder 4"/>
           <p:cNvSpPr>
             <a:spLocks noGrp="1"/>
           </p:cNvSpPr>
@@ -2714,9 +2569,9 @@
           <a:bodyPr/>
           <a:lstStyle/>
           <a:p>
-            <a:fld id="{40C84C83-717C-4E47-AD04-EAD7706A69A9}" type="datetimeFigureOut">
-              <a:rPr lang="en-US" smtClean="0"/>
-              <a:t>2/25/21</a:t>
+            <a:fld id="{241EB5C9-1307-BA42-ABA2-0BC069CD8E7F}" type="datetimeFigureOut">
+              <a:rPr lang="en-US" smtClean="0"/>
+              <a:t>4/5/2019</a:t>
             </a:fld>
             <a:endParaRPr lang="en-US"/>
           </a:p>
@@ -2724,13 +2579,7 @@
       </p:sp>
       <p:sp>
         <p:nvSpPr>
-          <p:cNvPr id="6" name="Footer Placeholder 5">
-            <a:extLst>
-              <a:ext uri="{FF2B5EF4-FFF2-40B4-BE49-F238E27FC236}">
-                <a16:creationId xmlns:a16="http://schemas.microsoft.com/office/drawing/2014/main" id="{AB31F8B4-3CF6-FA4C-AA4D-14C017D6B135}"/>
-              </a:ext>
-            </a:extLst>
-          </p:cNvPr>
+          <p:cNvPr id="6" name="Footer Placeholder 5"/>
           <p:cNvSpPr>
             <a:spLocks noGrp="1"/>
           </p:cNvSpPr>
@@ -2749,13 +2598,7 @@
       </p:sp>
       <p:sp>
         <p:nvSpPr>
-          <p:cNvPr id="7" name="Slide Number Placeholder 6">
-            <a:extLst>
-              <a:ext uri="{FF2B5EF4-FFF2-40B4-BE49-F238E27FC236}">
-                <a16:creationId xmlns:a16="http://schemas.microsoft.com/office/drawing/2014/main" id="{55BECC93-1982-4A4F-A669-2E414F958D30}"/>
-              </a:ext>
-            </a:extLst>
-          </p:cNvPr>
+          <p:cNvPr id="7" name="Slide Number Placeholder 6"/>
           <p:cNvSpPr>
             <a:spLocks noGrp="1"/>
           </p:cNvSpPr>
@@ -2768,7 +2611,7 @@
           <a:bodyPr/>
           <a:lstStyle/>
           <a:p>
-            <a:fld id="{1C34DDE0-8D9E-9D49-A545-48CF20040F1D}" type="slidenum">
+            <a:fld id="{C5EF2332-01BF-834F-8236-50238282D533}" type="slidenum">
               <a:rPr lang="en-US" smtClean="0"/>
               <a:t>‹#›</a:t>
             </a:fld>
@@ -2779,7 +2622,7 @@
     </p:spTree>
     <p:extLst>
       <p:ext uri="{BB962C8B-B14F-4D97-AF65-F5344CB8AC3E}">
-        <p14:creationId xmlns:p14="http://schemas.microsoft.com/office/powerpoint/2010/main" val="1733105964"/>
+        <p14:creationId xmlns:p14="http://schemas.microsoft.com/office/powerpoint/2010/main" val="3566899855"/>
       </p:ext>
     </p:extLst>
   </p:cSld>
@@ -2813,13 +2656,7 @@
       </p:grpSpPr>
       <p:sp>
         <p:nvSpPr>
-          <p:cNvPr id="2" name="Title Placeholder 1">
-            <a:extLst>
-              <a:ext uri="{FF2B5EF4-FFF2-40B4-BE49-F238E27FC236}">
-                <a16:creationId xmlns:a16="http://schemas.microsoft.com/office/drawing/2014/main" id="{4FA7DA20-5759-774D-B4BE-D36F18069629}"/>
-              </a:ext>
-            </a:extLst>
-          </p:cNvPr>
+          <p:cNvPr id="2" name="Title Placeholder 1"/>
           <p:cNvSpPr>
             <a:spLocks noGrp="1"/>
           </p:cNvSpPr>
@@ -2829,8 +2666,8 @@
         </p:nvSpPr>
         <p:spPr>
           <a:xfrm>
-            <a:off x="838200" y="365125"/>
-            <a:ext cx="10515600" cy="1325563"/>
+            <a:off x="457200" y="274638"/>
+            <a:ext cx="8229600" cy="1143000"/>
           </a:xfrm>
           <a:prstGeom prst="rect">
             <a:avLst/>
@@ -2843,21 +2680,16 @@
           <a:lstStyle/>
           <a:p>
             <a:r>
-              <a:rPr lang="en-US"/>
+              <a:rPr lang="en-US" smtClean="0"/>
               <a:t>Click to edit Master title style</a:t>
             </a:r>
-          </a:p>
-        </p:txBody>
-      </p:sp>
-      <p:sp>
-        <p:nvSpPr>
-          <p:cNvPr id="3" name="Text Placeholder 2">
-            <a:extLst>
-              <a:ext uri="{FF2B5EF4-FFF2-40B4-BE49-F238E27FC236}">
-                <a16:creationId xmlns:a16="http://schemas.microsoft.com/office/drawing/2014/main" id="{01396CF8-E1E5-384C-94CA-600A6C3EAEB5}"/>
-              </a:ext>
-            </a:extLst>
-          </p:cNvPr>
+            <a:endParaRPr lang="en-US"/>
+          </a:p>
+        </p:txBody>
+      </p:sp>
+      <p:sp>
+        <p:nvSpPr>
+          <p:cNvPr id="3" name="Text Placeholder 2"/>
           <p:cNvSpPr>
             <a:spLocks noGrp="1"/>
           </p:cNvSpPr>
@@ -2867,8 +2699,8 @@
         </p:nvSpPr>
         <p:spPr>
           <a:xfrm>
-            <a:off x="838200" y="1825625"/>
-            <a:ext cx="10515600" cy="4351338"/>
+            <a:off x="457200" y="1600200"/>
+            <a:ext cx="8229600" cy="4525963"/>
           </a:xfrm>
           <a:prstGeom prst="rect">
             <a:avLst/>
@@ -2882,49 +2714,44 @@
           <a:p>
             <a:pPr lvl="0"/>
             <a:r>
-              <a:rPr lang="en-US"/>
+              <a:rPr lang="en-US" smtClean="0"/>
               <a:t>Click to edit Master text styles</a:t>
             </a:r>
           </a:p>
           <a:p>
             <a:pPr lvl="1"/>
             <a:r>
-              <a:rPr lang="en-US"/>
+              <a:rPr lang="en-US" smtClean="0"/>
               <a:t>Second level</a:t>
             </a:r>
           </a:p>
           <a:p>
             <a:pPr lvl="2"/>
             <a:r>
-              <a:rPr lang="en-US"/>
+              <a:rPr lang="en-US" smtClean="0"/>
               <a:t>Third level</a:t>
             </a:r>
           </a:p>
           <a:p>
             <a:pPr lvl="3"/>
             <a:r>
-              <a:rPr lang="en-US"/>
+              <a:rPr lang="en-US" smtClean="0"/>
               <a:t>Fourth level</a:t>
             </a:r>
           </a:p>
           <a:p>
             <a:pPr lvl="4"/>
             <a:r>
-              <a:rPr lang="en-US"/>
+              <a:rPr lang="en-US" smtClean="0"/>
               <a:t>Fifth level</a:t>
             </a:r>
-          </a:p>
-        </p:txBody>
-      </p:sp>
-      <p:sp>
-        <p:nvSpPr>
-          <p:cNvPr id="4" name="Date Placeholder 3">
-            <a:extLst>
-              <a:ext uri="{FF2B5EF4-FFF2-40B4-BE49-F238E27FC236}">
-                <a16:creationId xmlns:a16="http://schemas.microsoft.com/office/drawing/2014/main" id="{B078A990-0624-2D44-ACB9-10BF1C7F8810}"/>
-              </a:ext>
-            </a:extLst>
-          </p:cNvPr>
+            <a:endParaRPr lang="en-US"/>
+          </a:p>
+        </p:txBody>
+      </p:sp>
+      <p:sp>
+        <p:nvSpPr>
+          <p:cNvPr id="4" name="Date Placeholder 3"/>
           <p:cNvSpPr>
             <a:spLocks noGrp="1"/>
           </p:cNvSpPr>
@@ -2934,8 +2761,8 @@
         </p:nvSpPr>
         <p:spPr>
           <a:xfrm>
-            <a:off x="838200" y="6356350"/>
-            <a:ext cx="2743200" cy="365125"/>
+            <a:off x="457200" y="6356350"/>
+            <a:ext cx="2133600" cy="365125"/>
           </a:xfrm>
           <a:prstGeom prst="rect">
             <a:avLst/>
@@ -2955,9 +2782,9 @@
             </a:lvl1pPr>
           </a:lstStyle>
           <a:p>
-            <a:fld id="{40C84C83-717C-4E47-AD04-EAD7706A69A9}" type="datetimeFigureOut">
-              <a:rPr lang="en-US" smtClean="0"/>
-              <a:t>2/25/21</a:t>
+            <a:fld id="{241EB5C9-1307-BA42-ABA2-0BC069CD8E7F}" type="datetimeFigureOut">
+              <a:rPr lang="en-US" smtClean="0"/>
+              <a:t>4/5/2019</a:t>
             </a:fld>
             <a:endParaRPr lang="en-US"/>
           </a:p>
@@ -2965,13 +2792,7 @@
       </p:sp>
       <p:sp>
         <p:nvSpPr>
-          <p:cNvPr id="5" name="Footer Placeholder 4">
-            <a:extLst>
-              <a:ext uri="{FF2B5EF4-FFF2-40B4-BE49-F238E27FC236}">
-                <a16:creationId xmlns:a16="http://schemas.microsoft.com/office/drawing/2014/main" id="{F4B3290D-8E9F-6D4A-8011-98F86B9D0276}"/>
-              </a:ext>
-            </a:extLst>
-          </p:cNvPr>
+          <p:cNvPr id="5" name="Footer Placeholder 4"/>
           <p:cNvSpPr>
             <a:spLocks noGrp="1"/>
           </p:cNvSpPr>
@@ -2981,8 +2802,8 @@
         </p:nvSpPr>
         <p:spPr>
           <a:xfrm>
-            <a:off x="4038600" y="6356350"/>
-            <a:ext cx="4114800" cy="365125"/>
+            <a:off x="3124200" y="6356350"/>
+            <a:ext cx="2895600" cy="365125"/>
           </a:xfrm>
           <a:prstGeom prst="rect">
             <a:avLst/>
@@ -3008,13 +2829,7 @@
       </p:sp>
       <p:sp>
         <p:nvSpPr>
-          <p:cNvPr id="6" name="Slide Number Placeholder 5">
-            <a:extLst>
-              <a:ext uri="{FF2B5EF4-FFF2-40B4-BE49-F238E27FC236}">
-                <a16:creationId xmlns:a16="http://schemas.microsoft.com/office/drawing/2014/main" id="{B75632F9-0A28-4C40-B8AD-41101FB19EC6}"/>
-              </a:ext>
-            </a:extLst>
-          </p:cNvPr>
+          <p:cNvPr id="6" name="Slide Number Placeholder 5"/>
           <p:cNvSpPr>
             <a:spLocks noGrp="1"/>
           </p:cNvSpPr>
@@ -3024,8 +2839,8 @@
         </p:nvSpPr>
         <p:spPr>
           <a:xfrm>
-            <a:off x="8610600" y="6356350"/>
-            <a:ext cx="2743200" cy="365125"/>
+            <a:off x="6553200" y="6356350"/>
+            <a:ext cx="2133600" cy="365125"/>
           </a:xfrm>
           <a:prstGeom prst="rect">
             <a:avLst/>
@@ -3045,7 +2860,7 @@
             </a:lvl1pPr>
           </a:lstStyle>
           <a:p>
-            <a:fld id="{1C34DDE0-8D9E-9D49-A545-48CF20040F1D}" type="slidenum">
+            <a:fld id="{C5EF2332-01BF-834F-8236-50238282D533}" type="slidenum">
               <a:rPr lang="en-US" smtClean="0"/>
               <a:t>‹#›</a:t>
             </a:fld>
@@ -3056,7 +2871,7 @@
     </p:spTree>
     <p:extLst>
       <p:ext uri="{BB962C8B-B14F-4D97-AF65-F5344CB8AC3E}">
-        <p14:creationId xmlns:p14="http://schemas.microsoft.com/office/powerpoint/2010/main" val="3198761812"/>
+        <p14:creationId xmlns:p14="http://schemas.microsoft.com/office/powerpoint/2010/main" val="3676200875"/>
       </p:ext>
     </p:extLst>
   </p:cSld>
@@ -3076,10 +2891,7 @@
   </p:sldLayoutIdLst>
   <p:txStyles>
     <p:titleStyle>
-      <a:lvl1pPr algn="l" defTabSz="914400" rtl="0" eaLnBrk="1" latinLnBrk="0" hangingPunct="1">
-        <a:lnSpc>
-          <a:spcPct val="90000"/>
-        </a:lnSpc>
+      <a:lvl1pPr algn="ctr" defTabSz="457200" rtl="0" eaLnBrk="1" latinLnBrk="0" hangingPunct="1">
         <a:spcBef>
           <a:spcPct val="0"/>
         </a:spcBef>
@@ -3095,15 +2907,27 @@
       </a:lvl1pPr>
     </p:titleStyle>
     <p:bodyStyle>
-      <a:lvl1pPr marL="228600" indent="-228600" algn="l" defTabSz="914400" rtl="0" eaLnBrk="1" latinLnBrk="0" hangingPunct="1">
-        <a:lnSpc>
-          <a:spcPct val="90000"/>
-        </a:lnSpc>
+      <a:lvl1pPr marL="342900" indent="-342900" algn="l" defTabSz="457200" rtl="0" eaLnBrk="1" latinLnBrk="0" hangingPunct="1">
         <a:spcBef>
-          <a:spcPts val="1000"/>
+          <a:spcPct val="20000"/>
         </a:spcBef>
-        <a:buFont typeface="Arial" panose="020B0604020202020204" pitchFamily="34" charset="0"/>
+        <a:buFont typeface="Arial"/>
         <a:buChar char="•"/>
+        <a:defRPr sz="3200" kern="1200">
+          <a:solidFill>
+            <a:schemeClr val="tx1"/>
+          </a:solidFill>
+          <a:latin typeface="+mn-lt"/>
+          <a:ea typeface="+mn-ea"/>
+          <a:cs typeface="+mn-cs"/>
+        </a:defRPr>
+      </a:lvl1pPr>
+      <a:lvl2pPr marL="742950" indent="-285750" algn="l" defTabSz="457200" rtl="0" eaLnBrk="1" latinLnBrk="0" hangingPunct="1">
+        <a:spcBef>
+          <a:spcPct val="20000"/>
+        </a:spcBef>
+        <a:buFont typeface="Arial"/>
+        <a:buChar char="–"/>
         <a:defRPr sz="2800" kern="1200">
           <a:solidFill>
             <a:schemeClr val="tx1"/>
@@ -3112,15 +2936,12 @@
           <a:ea typeface="+mn-ea"/>
           <a:cs typeface="+mn-cs"/>
         </a:defRPr>
-      </a:lvl1pPr>
-      <a:lvl2pPr marL="685800" indent="-228600" algn="l" defTabSz="914400" rtl="0" eaLnBrk="1" latinLnBrk="0" hangingPunct="1">
-        <a:lnSpc>
-          <a:spcPct val="90000"/>
-        </a:lnSpc>
+      </a:lvl2pPr>
+      <a:lvl3pPr marL="1143000" indent="-228600" algn="l" defTabSz="457200" rtl="0" eaLnBrk="1" latinLnBrk="0" hangingPunct="1">
         <a:spcBef>
-          <a:spcPts val="500"/>
+          <a:spcPct val="20000"/>
         </a:spcBef>
-        <a:buFont typeface="Arial" panose="020B0604020202020204" pitchFamily="34" charset="0"/>
+        <a:buFont typeface="Arial"/>
         <a:buChar char="•"/>
         <a:defRPr sz="2400" kern="1200">
           <a:solidFill>
@@ -3130,15 +2951,42 @@
           <a:ea typeface="+mn-ea"/>
           <a:cs typeface="+mn-cs"/>
         </a:defRPr>
-      </a:lvl2pPr>
-      <a:lvl3pPr marL="1143000" indent="-228600" algn="l" defTabSz="914400" rtl="0" eaLnBrk="1" latinLnBrk="0" hangingPunct="1">
-        <a:lnSpc>
-          <a:spcPct val="90000"/>
-        </a:lnSpc>
+      </a:lvl3pPr>
+      <a:lvl4pPr marL="1600200" indent="-228600" algn="l" defTabSz="457200" rtl="0" eaLnBrk="1" latinLnBrk="0" hangingPunct="1">
         <a:spcBef>
-          <a:spcPts val="500"/>
+          <a:spcPct val="20000"/>
         </a:spcBef>
-        <a:buFont typeface="Arial" panose="020B0604020202020204" pitchFamily="34" charset="0"/>
+        <a:buFont typeface="Arial"/>
+        <a:buChar char="–"/>
+        <a:defRPr sz="2000" kern="1200">
+          <a:solidFill>
+            <a:schemeClr val="tx1"/>
+          </a:solidFill>
+          <a:latin typeface="+mn-lt"/>
+          <a:ea typeface="+mn-ea"/>
+          <a:cs typeface="+mn-cs"/>
+        </a:defRPr>
+      </a:lvl4pPr>
+      <a:lvl5pPr marL="2057400" indent="-228600" algn="l" defTabSz="457200" rtl="0" eaLnBrk="1" latinLnBrk="0" hangingPunct="1">
+        <a:spcBef>
+          <a:spcPct val="20000"/>
+        </a:spcBef>
+        <a:buFont typeface="Arial"/>
+        <a:buChar char="»"/>
+        <a:defRPr sz="2000" kern="1200">
+          <a:solidFill>
+            <a:schemeClr val="tx1"/>
+          </a:solidFill>
+          <a:latin typeface="+mn-lt"/>
+          <a:ea typeface="+mn-ea"/>
+          <a:cs typeface="+mn-cs"/>
+        </a:defRPr>
+      </a:lvl5pPr>
+      <a:lvl6pPr marL="2514600" indent="-228600" algn="l" defTabSz="457200" rtl="0" eaLnBrk="1" latinLnBrk="0" hangingPunct="1">
+        <a:spcBef>
+          <a:spcPct val="20000"/>
+        </a:spcBef>
+        <a:buFont typeface="Arial"/>
         <a:buChar char="•"/>
         <a:defRPr sz="2000" kern="1200">
           <a:solidFill>
@@ -3148,71 +2996,14 @@
           <a:ea typeface="+mn-ea"/>
           <a:cs typeface="+mn-cs"/>
         </a:defRPr>
-      </a:lvl3pPr>
-      <a:lvl4pPr marL="1600200" indent="-228600" algn="l" defTabSz="914400" rtl="0" eaLnBrk="1" latinLnBrk="0" hangingPunct="1">
-        <a:lnSpc>
-          <a:spcPct val="90000"/>
-        </a:lnSpc>
+      </a:lvl6pPr>
+      <a:lvl7pPr marL="2971800" indent="-228600" algn="l" defTabSz="457200" rtl="0" eaLnBrk="1" latinLnBrk="0" hangingPunct="1">
         <a:spcBef>
-          <a:spcPts val="500"/>
+          <a:spcPct val="20000"/>
         </a:spcBef>
-        <a:buFont typeface="Arial" panose="020B0604020202020204" pitchFamily="34" charset="0"/>
+        <a:buFont typeface="Arial"/>
         <a:buChar char="•"/>
-        <a:defRPr sz="1800" kern="1200">
-          <a:solidFill>
-            <a:schemeClr val="tx1"/>
-          </a:solidFill>
-          <a:latin typeface="+mn-lt"/>
-          <a:ea typeface="+mn-ea"/>
-          <a:cs typeface="+mn-cs"/>
-        </a:defRPr>
-      </a:lvl4pPr>
-      <a:lvl5pPr marL="2057400" indent="-228600" algn="l" defTabSz="914400" rtl="0" eaLnBrk="1" latinLnBrk="0" hangingPunct="1">
-        <a:lnSpc>
-          <a:spcPct val="90000"/>
-        </a:lnSpc>
-        <a:spcBef>
-          <a:spcPts val="500"/>
-        </a:spcBef>
-        <a:buFont typeface="Arial" panose="020B0604020202020204" pitchFamily="34" charset="0"/>
-        <a:buChar char="•"/>
-        <a:defRPr sz="1800" kern="1200">
-          <a:solidFill>
-            <a:schemeClr val="tx1"/>
-          </a:solidFill>
-          <a:latin typeface="+mn-lt"/>
-          <a:ea typeface="+mn-ea"/>
-          <a:cs typeface="+mn-cs"/>
-        </a:defRPr>
-      </a:lvl5pPr>
-      <a:lvl6pPr marL="2514600" indent="-228600" algn="l" defTabSz="914400" rtl="0" eaLnBrk="1" latinLnBrk="0" hangingPunct="1">
-        <a:lnSpc>
-          <a:spcPct val="90000"/>
-        </a:lnSpc>
-        <a:spcBef>
-          <a:spcPts val="500"/>
-        </a:spcBef>
-        <a:buFont typeface="Arial" panose="020B0604020202020204" pitchFamily="34" charset="0"/>
-        <a:buChar char="•"/>
-        <a:defRPr sz="1800" kern="1200">
-          <a:solidFill>
-            <a:schemeClr val="tx1"/>
-          </a:solidFill>
-          <a:latin typeface="+mn-lt"/>
-          <a:ea typeface="+mn-ea"/>
-          <a:cs typeface="+mn-cs"/>
-        </a:defRPr>
-      </a:lvl6pPr>
-      <a:lvl7pPr marL="2971800" indent="-228600" algn="l" defTabSz="914400" rtl="0" eaLnBrk="1" latinLnBrk="0" hangingPunct="1">
-        <a:lnSpc>
-          <a:spcPct val="90000"/>
-        </a:lnSpc>
-        <a:spcBef>
-          <a:spcPts val="500"/>
-        </a:spcBef>
-        <a:buFont typeface="Arial" panose="020B0604020202020204" pitchFamily="34" charset="0"/>
-        <a:buChar char="•"/>
-        <a:defRPr sz="1800" kern="1200">
+        <a:defRPr sz="2000" kern="1200">
           <a:solidFill>
             <a:schemeClr val="tx1"/>
           </a:solidFill>
@@ -3221,16 +3012,13 @@
           <a:cs typeface="+mn-cs"/>
         </a:defRPr>
       </a:lvl7pPr>
-      <a:lvl8pPr marL="3429000" indent="-228600" algn="l" defTabSz="914400" rtl="0" eaLnBrk="1" latinLnBrk="0" hangingPunct="1">
-        <a:lnSpc>
-          <a:spcPct val="90000"/>
-        </a:lnSpc>
+      <a:lvl8pPr marL="3429000" indent="-228600" algn="l" defTabSz="457200" rtl="0" eaLnBrk="1" latinLnBrk="0" hangingPunct="1">
         <a:spcBef>
-          <a:spcPts val="500"/>
+          <a:spcPct val="20000"/>
         </a:spcBef>
-        <a:buFont typeface="Arial" panose="020B0604020202020204" pitchFamily="34" charset="0"/>
+        <a:buFont typeface="Arial"/>
         <a:buChar char="•"/>
-        <a:defRPr sz="1800" kern="1200">
+        <a:defRPr sz="2000" kern="1200">
           <a:solidFill>
             <a:schemeClr val="tx1"/>
           </a:solidFill>
@@ -3239,16 +3027,13 @@
           <a:cs typeface="+mn-cs"/>
         </a:defRPr>
       </a:lvl8pPr>
-      <a:lvl9pPr marL="3886200" indent="-228600" algn="l" defTabSz="914400" rtl="0" eaLnBrk="1" latinLnBrk="0" hangingPunct="1">
-        <a:lnSpc>
-          <a:spcPct val="90000"/>
-        </a:lnSpc>
+      <a:lvl9pPr marL="3886200" indent="-228600" algn="l" defTabSz="457200" rtl="0" eaLnBrk="1" latinLnBrk="0" hangingPunct="1">
         <a:spcBef>
-          <a:spcPts val="500"/>
+          <a:spcPct val="20000"/>
         </a:spcBef>
-        <a:buFont typeface="Arial" panose="020B0604020202020204" pitchFamily="34" charset="0"/>
+        <a:buFont typeface="Arial"/>
         <a:buChar char="•"/>
-        <a:defRPr sz="1800" kern="1200">
+        <a:defRPr sz="2000" kern="1200">
           <a:solidFill>
             <a:schemeClr val="tx1"/>
           </a:solidFill>
@@ -3262,7 +3047,7 @@
       <a:defPPr>
         <a:defRPr lang="en-US"/>
       </a:defPPr>
-      <a:lvl1pPr marL="0" algn="l" defTabSz="914400" rtl="0" eaLnBrk="1" latinLnBrk="0" hangingPunct="1">
+      <a:lvl1pPr marL="0" algn="l" defTabSz="457200" rtl="0" eaLnBrk="1" latinLnBrk="0" hangingPunct="1">
         <a:defRPr sz="1800" kern="1200">
           <a:solidFill>
             <a:schemeClr val="tx1"/>
@@ -3272,7 +3057,7 @@
           <a:cs typeface="+mn-cs"/>
         </a:defRPr>
       </a:lvl1pPr>
-      <a:lvl2pPr marL="457200" algn="l" defTabSz="914400" rtl="0" eaLnBrk="1" latinLnBrk="0" hangingPunct="1">
+      <a:lvl2pPr marL="457200" algn="l" defTabSz="457200" rtl="0" eaLnBrk="1" latinLnBrk="0" hangingPunct="1">
         <a:defRPr sz="1800" kern="1200">
           <a:solidFill>
             <a:schemeClr val="tx1"/>
@@ -3282,7 +3067,7 @@
           <a:cs typeface="+mn-cs"/>
         </a:defRPr>
       </a:lvl2pPr>
-      <a:lvl3pPr marL="914400" algn="l" defTabSz="914400" rtl="0" eaLnBrk="1" latinLnBrk="0" hangingPunct="1">
+      <a:lvl3pPr marL="914400" algn="l" defTabSz="457200" rtl="0" eaLnBrk="1" latinLnBrk="0" hangingPunct="1">
         <a:defRPr sz="1800" kern="1200">
           <a:solidFill>
             <a:schemeClr val="tx1"/>
@@ -3292,7 +3077,7 @@
           <a:cs typeface="+mn-cs"/>
         </a:defRPr>
       </a:lvl3pPr>
-      <a:lvl4pPr marL="1371600" algn="l" defTabSz="914400" rtl="0" eaLnBrk="1" latinLnBrk="0" hangingPunct="1">
+      <a:lvl4pPr marL="1371600" algn="l" defTabSz="457200" rtl="0" eaLnBrk="1" latinLnBrk="0" hangingPunct="1">
         <a:defRPr sz="1800" kern="1200">
           <a:solidFill>
             <a:schemeClr val="tx1"/>
@@ -3302,7 +3087,7 @@
           <a:cs typeface="+mn-cs"/>
         </a:defRPr>
       </a:lvl4pPr>
-      <a:lvl5pPr marL="1828800" algn="l" defTabSz="914400" rtl="0" eaLnBrk="1" latinLnBrk="0" hangingPunct="1">
+      <a:lvl5pPr marL="1828800" algn="l" defTabSz="457200" rtl="0" eaLnBrk="1" latinLnBrk="0" hangingPunct="1">
         <a:defRPr sz="1800" kern="1200">
           <a:solidFill>
             <a:schemeClr val="tx1"/>
@@ -3312,7 +3097,7 @@
           <a:cs typeface="+mn-cs"/>
         </a:defRPr>
       </a:lvl5pPr>
-      <a:lvl6pPr marL="2286000" algn="l" defTabSz="914400" rtl="0" eaLnBrk="1" latinLnBrk="0" hangingPunct="1">
+      <a:lvl6pPr marL="2286000" algn="l" defTabSz="457200" rtl="0" eaLnBrk="1" latinLnBrk="0" hangingPunct="1">
         <a:defRPr sz="1800" kern="1200">
           <a:solidFill>
             <a:schemeClr val="tx1"/>
@@ -3322,7 +3107,7 @@
           <a:cs typeface="+mn-cs"/>
         </a:defRPr>
       </a:lvl6pPr>
-      <a:lvl7pPr marL="2743200" algn="l" defTabSz="914400" rtl="0" eaLnBrk="1" latinLnBrk="0" hangingPunct="1">
+      <a:lvl7pPr marL="2743200" algn="l" defTabSz="457200" rtl="0" eaLnBrk="1" latinLnBrk="0" hangingPunct="1">
         <a:defRPr sz="1800" kern="1200">
           <a:solidFill>
             <a:schemeClr val="tx1"/>
@@ -3332,7 +3117,7 @@
           <a:cs typeface="+mn-cs"/>
         </a:defRPr>
       </a:lvl7pPr>
-      <a:lvl8pPr marL="3200400" algn="l" defTabSz="914400" rtl="0" eaLnBrk="1" latinLnBrk="0" hangingPunct="1">
+      <a:lvl8pPr marL="3200400" algn="l" defTabSz="457200" rtl="0" eaLnBrk="1" latinLnBrk="0" hangingPunct="1">
         <a:defRPr sz="1800" kern="1200">
           <a:solidFill>
             <a:schemeClr val="tx1"/>
@@ -3342,7 +3127,7 @@
           <a:cs typeface="+mn-cs"/>
         </a:defRPr>
       </a:lvl8pPr>
-      <a:lvl9pPr marL="3657600" algn="l" defTabSz="914400" rtl="0" eaLnBrk="1" latinLnBrk="0" hangingPunct="1">
+      <a:lvl9pPr marL="3657600" algn="l" defTabSz="457200" rtl="0" eaLnBrk="1" latinLnBrk="0" hangingPunct="1">
         <a:defRPr sz="1800" kern="1200">
           <a:solidFill>
             <a:schemeClr val="tx1"/>
@@ -3374,37 +3159,38 @@
           <a:chExt cx="0" cy="0"/>
         </a:xfrm>
       </p:grpSpPr>
-      <p:pic xmlns:a="http://schemas.openxmlformats.org/drawingml/2006/main" xmlns:r="http://schemas.openxmlformats.org/officeDocument/2006/relationships" xmlns:p="http://schemas.openxmlformats.org/presentationml/2006/main">
+      <p:pic>
         <p:nvPicPr>
-          <p:cNvPr id="2" name="" descr=""/>
+          <p:cNvPr descr="slides/slides_01.png" id="0" name="Picture 1"/>
           <p:cNvPicPr>
-            <a:picLocks noGrp="1"/>
+            <a:picLocks noGrp="1" noChangeAspect="1"/>
           </p:cNvPicPr>
-          <p:nvPr>
-            <p:ph/>
-          </p:nvPr>
+          <p:nvPr/>
         </p:nvPicPr>
         <p:blipFill>
-          <a:blip cstate="print" r:embed="rId2"/>
+          <a:blip r:embed="rId2"/>
           <a:stretch>
             <a:fillRect/>
           </a:stretch>
         </p:blipFill>
-        <p:spPr>
-          <a:xfrm>
-            <a:off x="0" y="0"/>
-            <a:ext cx="12192000" cy="6858000"/>
+        <p:spPr bwMode="auto">
+          <a:xfrm>
+            <a:off x="558800" y="1600200"/>
+            <a:ext cx="8039100" cy="4521200"/>
           </a:xfrm>
           <a:prstGeom prst="rect">
             <a:avLst/>
           </a:prstGeom>
+          <a:noFill/>
+          <a:ln w="9525">
+            <a:noFill/>
+            <a:headEnd/>
+            <a:tailEnd/>
+          </a:ln>
         </p:spPr>
       </p:pic>
     </p:spTree>
   </p:cSld>
-  <p:clrMapOvr>
-    <a:masterClrMapping/>
-  </p:clrMapOvr>
 </p:sld>
 </file>
 
@@ -3425,37 +3211,38 @@
           <a:chExt cx="0" cy="0"/>
         </a:xfrm>
       </p:grpSpPr>
-      <p:pic xmlns:a="http://schemas.openxmlformats.org/drawingml/2006/main" xmlns:r="http://schemas.openxmlformats.org/officeDocument/2006/relationships" xmlns:p="http://schemas.openxmlformats.org/presentationml/2006/main">
+      <p:pic>
         <p:nvPicPr>
-          <p:cNvPr id="2" name="" descr=""/>
+          <p:cNvPr descr="slides/slides_10.png" id="0" name="Picture 1"/>
           <p:cNvPicPr>
-            <a:picLocks noGrp="1"/>
+            <a:picLocks noGrp="1" noChangeAspect="1"/>
           </p:cNvPicPr>
-          <p:nvPr>
-            <p:ph/>
-          </p:nvPr>
+          <p:nvPr/>
         </p:nvPicPr>
         <p:blipFill>
-          <a:blip cstate="print" r:embed="rId2"/>
+          <a:blip r:embed="rId2"/>
           <a:stretch>
             <a:fillRect/>
           </a:stretch>
         </p:blipFill>
-        <p:spPr>
-          <a:xfrm>
-            <a:off x="0" y="0"/>
-            <a:ext cx="12192000" cy="6858000"/>
+        <p:spPr bwMode="auto">
+          <a:xfrm>
+            <a:off x="558800" y="1600200"/>
+            <a:ext cx="8039100" cy="4521200"/>
           </a:xfrm>
           <a:prstGeom prst="rect">
             <a:avLst/>
           </a:prstGeom>
+          <a:noFill/>
+          <a:ln w="9525">
+            <a:noFill/>
+            <a:headEnd/>
+            <a:tailEnd/>
+          </a:ln>
         </p:spPr>
       </p:pic>
     </p:spTree>
   </p:cSld>
-  <p:clrMapOvr>
-    <a:masterClrMapping/>
-  </p:clrMapOvr>
 </p:sld>
 </file>
 
@@ -3476,37 +3263,38 @@
           <a:chExt cx="0" cy="0"/>
         </a:xfrm>
       </p:grpSpPr>
-      <p:pic xmlns:a="http://schemas.openxmlformats.org/drawingml/2006/main" xmlns:r="http://schemas.openxmlformats.org/officeDocument/2006/relationships" xmlns:p="http://schemas.openxmlformats.org/presentationml/2006/main">
+      <p:pic>
         <p:nvPicPr>
-          <p:cNvPr id="2" name="" descr=""/>
+          <p:cNvPr descr="slides/slides_11.png" id="0" name="Picture 1"/>
           <p:cNvPicPr>
-            <a:picLocks noGrp="1"/>
+            <a:picLocks noGrp="1" noChangeAspect="1"/>
           </p:cNvPicPr>
-          <p:nvPr>
-            <p:ph/>
-          </p:nvPr>
+          <p:nvPr/>
         </p:nvPicPr>
         <p:blipFill>
-          <a:blip cstate="print" r:embed="rId2"/>
+          <a:blip r:embed="rId2"/>
           <a:stretch>
             <a:fillRect/>
           </a:stretch>
         </p:blipFill>
-        <p:spPr>
-          <a:xfrm>
-            <a:off x="0" y="0"/>
-            <a:ext cx="12192000" cy="6858000"/>
+        <p:spPr bwMode="auto">
+          <a:xfrm>
+            <a:off x="558800" y="1600200"/>
+            <a:ext cx="8039100" cy="4521200"/>
           </a:xfrm>
           <a:prstGeom prst="rect">
             <a:avLst/>
           </a:prstGeom>
+          <a:noFill/>
+          <a:ln w="9525">
+            <a:noFill/>
+            <a:headEnd/>
+            <a:tailEnd/>
+          </a:ln>
         </p:spPr>
       </p:pic>
     </p:spTree>
   </p:cSld>
-  <p:clrMapOvr>
-    <a:masterClrMapping/>
-  </p:clrMapOvr>
 </p:sld>
 </file>
 
@@ -3527,37 +3315,38 @@
           <a:chExt cx="0" cy="0"/>
         </a:xfrm>
       </p:grpSpPr>
-      <p:pic xmlns:a="http://schemas.openxmlformats.org/drawingml/2006/main" xmlns:r="http://schemas.openxmlformats.org/officeDocument/2006/relationships" xmlns:p="http://schemas.openxmlformats.org/presentationml/2006/main">
+      <p:pic>
         <p:nvPicPr>
-          <p:cNvPr id="2" name="" descr=""/>
+          <p:cNvPr descr="slides/slides_12.png" id="0" name="Picture 1"/>
           <p:cNvPicPr>
-            <a:picLocks noGrp="1"/>
+            <a:picLocks noGrp="1" noChangeAspect="1"/>
           </p:cNvPicPr>
-          <p:nvPr>
-            <p:ph/>
-          </p:nvPr>
+          <p:nvPr/>
         </p:nvPicPr>
         <p:blipFill>
-          <a:blip cstate="print" r:embed="rId2"/>
+          <a:blip r:embed="rId2"/>
           <a:stretch>
             <a:fillRect/>
           </a:stretch>
         </p:blipFill>
-        <p:spPr>
-          <a:xfrm>
-            <a:off x="0" y="0"/>
-            <a:ext cx="12192000" cy="6858000"/>
+        <p:spPr bwMode="auto">
+          <a:xfrm>
+            <a:off x="558800" y="1600200"/>
+            <a:ext cx="8039100" cy="4521200"/>
           </a:xfrm>
           <a:prstGeom prst="rect">
             <a:avLst/>
           </a:prstGeom>
+          <a:noFill/>
+          <a:ln w="9525">
+            <a:noFill/>
+            <a:headEnd/>
+            <a:tailEnd/>
+          </a:ln>
         </p:spPr>
       </p:pic>
     </p:spTree>
   </p:cSld>
-  <p:clrMapOvr>
-    <a:masterClrMapping/>
-  </p:clrMapOvr>
 </p:sld>
 </file>
 
@@ -3578,37 +3367,38 @@
           <a:chExt cx="0" cy="0"/>
         </a:xfrm>
       </p:grpSpPr>
-      <p:pic xmlns:a="http://schemas.openxmlformats.org/drawingml/2006/main" xmlns:r="http://schemas.openxmlformats.org/officeDocument/2006/relationships" xmlns:p="http://schemas.openxmlformats.org/presentationml/2006/main">
+      <p:pic>
         <p:nvPicPr>
-          <p:cNvPr id="2" name="" descr=""/>
+          <p:cNvPr descr="slides/slides_13.png" id="0" name="Picture 1"/>
           <p:cNvPicPr>
-            <a:picLocks noGrp="1"/>
+            <a:picLocks noGrp="1" noChangeAspect="1"/>
           </p:cNvPicPr>
-          <p:nvPr>
-            <p:ph/>
-          </p:nvPr>
+          <p:nvPr/>
         </p:nvPicPr>
         <p:blipFill>
-          <a:blip cstate="print" r:embed="rId2"/>
+          <a:blip r:embed="rId2"/>
           <a:stretch>
             <a:fillRect/>
           </a:stretch>
         </p:blipFill>
-        <p:spPr>
-          <a:xfrm>
-            <a:off x="0" y="0"/>
-            <a:ext cx="12192000" cy="6858000"/>
+        <p:spPr bwMode="auto">
+          <a:xfrm>
+            <a:off x="558800" y="1600200"/>
+            <a:ext cx="8039100" cy="4521200"/>
           </a:xfrm>
           <a:prstGeom prst="rect">
             <a:avLst/>
           </a:prstGeom>
+          <a:noFill/>
+          <a:ln w="9525">
+            <a:noFill/>
+            <a:headEnd/>
+            <a:tailEnd/>
+          </a:ln>
         </p:spPr>
       </p:pic>
     </p:spTree>
   </p:cSld>
-  <p:clrMapOvr>
-    <a:masterClrMapping/>
-  </p:clrMapOvr>
 </p:sld>
 </file>
 
@@ -3629,37 +3419,38 @@
           <a:chExt cx="0" cy="0"/>
         </a:xfrm>
       </p:grpSpPr>
-      <p:pic xmlns:a="http://schemas.openxmlformats.org/drawingml/2006/main" xmlns:r="http://schemas.openxmlformats.org/officeDocument/2006/relationships" xmlns:p="http://schemas.openxmlformats.org/presentationml/2006/main">
+      <p:pic>
         <p:nvPicPr>
-          <p:cNvPr id="2" name="" descr=""/>
+          <p:cNvPr descr="slides/slides_14.png" id="0" name="Picture 1"/>
           <p:cNvPicPr>
-            <a:picLocks noGrp="1"/>
+            <a:picLocks noGrp="1" noChangeAspect="1"/>
           </p:cNvPicPr>
-          <p:nvPr>
-            <p:ph/>
-          </p:nvPr>
+          <p:nvPr/>
         </p:nvPicPr>
         <p:blipFill>
-          <a:blip cstate="print" r:embed="rId2"/>
+          <a:blip r:embed="rId2"/>
           <a:stretch>
             <a:fillRect/>
           </a:stretch>
         </p:blipFill>
-        <p:spPr>
-          <a:xfrm>
-            <a:off x="0" y="0"/>
-            <a:ext cx="12192000" cy="6858000"/>
+        <p:spPr bwMode="auto">
+          <a:xfrm>
+            <a:off x="558800" y="1600200"/>
+            <a:ext cx="8039100" cy="4521200"/>
           </a:xfrm>
           <a:prstGeom prst="rect">
             <a:avLst/>
           </a:prstGeom>
+          <a:noFill/>
+          <a:ln w="9525">
+            <a:noFill/>
+            <a:headEnd/>
+            <a:tailEnd/>
+          </a:ln>
         </p:spPr>
       </p:pic>
     </p:spTree>
   </p:cSld>
-  <p:clrMapOvr>
-    <a:masterClrMapping/>
-  </p:clrMapOvr>
 </p:sld>
 </file>
 
@@ -3680,37 +3471,38 @@
           <a:chExt cx="0" cy="0"/>
         </a:xfrm>
       </p:grpSpPr>
-      <p:pic xmlns:a="http://schemas.openxmlformats.org/drawingml/2006/main" xmlns:r="http://schemas.openxmlformats.org/officeDocument/2006/relationships" xmlns:p="http://schemas.openxmlformats.org/presentationml/2006/main">
+      <p:pic>
         <p:nvPicPr>
-          <p:cNvPr id="2" name="" descr=""/>
+          <p:cNvPr descr="slides/slides_15.png" id="0" name="Picture 1"/>
           <p:cNvPicPr>
-            <a:picLocks noGrp="1"/>
+            <a:picLocks noGrp="1" noChangeAspect="1"/>
           </p:cNvPicPr>
-          <p:nvPr>
-            <p:ph/>
-          </p:nvPr>
+          <p:nvPr/>
         </p:nvPicPr>
         <p:blipFill>
-          <a:blip cstate="print" r:embed="rId2"/>
+          <a:blip r:embed="rId2"/>
           <a:stretch>
             <a:fillRect/>
           </a:stretch>
         </p:blipFill>
-        <p:spPr>
-          <a:xfrm>
-            <a:off x="0" y="0"/>
-            <a:ext cx="12192000" cy="6858000"/>
+        <p:spPr bwMode="auto">
+          <a:xfrm>
+            <a:off x="558800" y="1600200"/>
+            <a:ext cx="8039100" cy="4521200"/>
           </a:xfrm>
           <a:prstGeom prst="rect">
             <a:avLst/>
           </a:prstGeom>
+          <a:noFill/>
+          <a:ln w="9525">
+            <a:noFill/>
+            <a:headEnd/>
+            <a:tailEnd/>
+          </a:ln>
         </p:spPr>
       </p:pic>
     </p:spTree>
   </p:cSld>
-  <p:clrMapOvr>
-    <a:masterClrMapping/>
-  </p:clrMapOvr>
 </p:sld>
 </file>
 
@@ -3731,37 +3523,38 @@
           <a:chExt cx="0" cy="0"/>
         </a:xfrm>
       </p:grpSpPr>
-      <p:pic xmlns:a="http://schemas.openxmlformats.org/drawingml/2006/main" xmlns:r="http://schemas.openxmlformats.org/officeDocument/2006/relationships" xmlns:p="http://schemas.openxmlformats.org/presentationml/2006/main">
+      <p:pic>
         <p:nvPicPr>
-          <p:cNvPr id="2" name="" descr=""/>
+          <p:cNvPr descr="slides/slides_16.png" id="0" name="Picture 1"/>
           <p:cNvPicPr>
-            <a:picLocks noGrp="1"/>
+            <a:picLocks noGrp="1" noChangeAspect="1"/>
           </p:cNvPicPr>
-          <p:nvPr>
-            <p:ph/>
-          </p:nvPr>
+          <p:nvPr/>
         </p:nvPicPr>
         <p:blipFill>
-          <a:blip cstate="print" r:embed="rId2"/>
+          <a:blip r:embed="rId2"/>
           <a:stretch>
             <a:fillRect/>
           </a:stretch>
         </p:blipFill>
-        <p:spPr>
-          <a:xfrm>
-            <a:off x="0" y="0"/>
-            <a:ext cx="12192000" cy="6858000"/>
+        <p:spPr bwMode="auto">
+          <a:xfrm>
+            <a:off x="558800" y="1600200"/>
+            <a:ext cx="8039100" cy="4521200"/>
           </a:xfrm>
           <a:prstGeom prst="rect">
             <a:avLst/>
           </a:prstGeom>
+          <a:noFill/>
+          <a:ln w="9525">
+            <a:noFill/>
+            <a:headEnd/>
+            <a:tailEnd/>
+          </a:ln>
         </p:spPr>
       </p:pic>
     </p:spTree>
   </p:cSld>
-  <p:clrMapOvr>
-    <a:masterClrMapping/>
-  </p:clrMapOvr>
 </p:sld>
 </file>
 
@@ -3782,37 +3575,38 @@
           <a:chExt cx="0" cy="0"/>
         </a:xfrm>
       </p:grpSpPr>
-      <p:pic xmlns:a="http://schemas.openxmlformats.org/drawingml/2006/main" xmlns:r="http://schemas.openxmlformats.org/officeDocument/2006/relationships" xmlns:p="http://schemas.openxmlformats.org/presentationml/2006/main">
+      <p:pic>
         <p:nvPicPr>
-          <p:cNvPr id="2" name="" descr=""/>
+          <p:cNvPr descr="slides/slides_17.png" id="0" name="Picture 1"/>
           <p:cNvPicPr>
-            <a:picLocks noGrp="1"/>
+            <a:picLocks noGrp="1" noChangeAspect="1"/>
           </p:cNvPicPr>
-          <p:nvPr>
-            <p:ph/>
-          </p:nvPr>
+          <p:nvPr/>
         </p:nvPicPr>
         <p:blipFill>
-          <a:blip cstate="print" r:embed="rId2"/>
+          <a:blip r:embed="rId2"/>
           <a:stretch>
             <a:fillRect/>
           </a:stretch>
         </p:blipFill>
-        <p:spPr>
-          <a:xfrm>
-            <a:off x="0" y="0"/>
-            <a:ext cx="12192000" cy="6858000"/>
+        <p:spPr bwMode="auto">
+          <a:xfrm>
+            <a:off x="558800" y="1600200"/>
+            <a:ext cx="8039100" cy="4521200"/>
           </a:xfrm>
           <a:prstGeom prst="rect">
             <a:avLst/>
           </a:prstGeom>
+          <a:noFill/>
+          <a:ln w="9525">
+            <a:noFill/>
+            <a:headEnd/>
+            <a:tailEnd/>
+          </a:ln>
         </p:spPr>
       </p:pic>
     </p:spTree>
   </p:cSld>
-  <p:clrMapOvr>
-    <a:masterClrMapping/>
-  </p:clrMapOvr>
 </p:sld>
 </file>
 
@@ -3833,37 +3627,38 @@
           <a:chExt cx="0" cy="0"/>
         </a:xfrm>
       </p:grpSpPr>
-      <p:pic xmlns:a="http://schemas.openxmlformats.org/drawingml/2006/main" xmlns:r="http://schemas.openxmlformats.org/officeDocument/2006/relationships" xmlns:p="http://schemas.openxmlformats.org/presentationml/2006/main">
+      <p:pic>
         <p:nvPicPr>
-          <p:cNvPr id="2" name="" descr=""/>
+          <p:cNvPr descr="slides/slides_18.png" id="0" name="Picture 1"/>
           <p:cNvPicPr>
-            <a:picLocks noGrp="1"/>
+            <a:picLocks noGrp="1" noChangeAspect="1"/>
           </p:cNvPicPr>
-          <p:nvPr>
-            <p:ph/>
-          </p:nvPr>
+          <p:nvPr/>
         </p:nvPicPr>
         <p:blipFill>
-          <a:blip cstate="print" r:embed="rId2"/>
+          <a:blip r:embed="rId2"/>
           <a:stretch>
             <a:fillRect/>
           </a:stretch>
         </p:blipFill>
-        <p:spPr>
-          <a:xfrm>
-            <a:off x="0" y="0"/>
-            <a:ext cx="12192000" cy="6858000"/>
+        <p:spPr bwMode="auto">
+          <a:xfrm>
+            <a:off x="558800" y="1600200"/>
+            <a:ext cx="8039100" cy="4521200"/>
           </a:xfrm>
           <a:prstGeom prst="rect">
             <a:avLst/>
           </a:prstGeom>
+          <a:noFill/>
+          <a:ln w="9525">
+            <a:noFill/>
+            <a:headEnd/>
+            <a:tailEnd/>
+          </a:ln>
         </p:spPr>
       </p:pic>
     </p:spTree>
   </p:cSld>
-  <p:clrMapOvr>
-    <a:masterClrMapping/>
-  </p:clrMapOvr>
 </p:sld>
 </file>
 
@@ -3884,37 +3679,38 @@
           <a:chExt cx="0" cy="0"/>
         </a:xfrm>
       </p:grpSpPr>
-      <p:pic xmlns:a="http://schemas.openxmlformats.org/drawingml/2006/main" xmlns:r="http://schemas.openxmlformats.org/officeDocument/2006/relationships" xmlns:p="http://schemas.openxmlformats.org/presentationml/2006/main">
+      <p:pic>
         <p:nvPicPr>
-          <p:cNvPr id="2" name="" descr=""/>
+          <p:cNvPr descr="slides/slides_19.png" id="0" name="Picture 1"/>
           <p:cNvPicPr>
-            <a:picLocks noGrp="1"/>
+            <a:picLocks noGrp="1" noChangeAspect="1"/>
           </p:cNvPicPr>
-          <p:nvPr>
-            <p:ph/>
-          </p:nvPr>
+          <p:nvPr/>
         </p:nvPicPr>
         <p:blipFill>
-          <a:blip cstate="print" r:embed="rId2"/>
+          <a:blip r:embed="rId2"/>
           <a:stretch>
             <a:fillRect/>
           </a:stretch>
         </p:blipFill>
-        <p:spPr>
-          <a:xfrm>
-            <a:off x="0" y="0"/>
-            <a:ext cx="12192000" cy="6858000"/>
+        <p:spPr bwMode="auto">
+          <a:xfrm>
+            <a:off x="558800" y="1600200"/>
+            <a:ext cx="8039100" cy="4521200"/>
           </a:xfrm>
           <a:prstGeom prst="rect">
             <a:avLst/>
           </a:prstGeom>
+          <a:noFill/>
+          <a:ln w="9525">
+            <a:noFill/>
+            <a:headEnd/>
+            <a:tailEnd/>
+          </a:ln>
         </p:spPr>
       </p:pic>
     </p:spTree>
   </p:cSld>
-  <p:clrMapOvr>
-    <a:masterClrMapping/>
-  </p:clrMapOvr>
 </p:sld>
 </file>
 
@@ -3935,37 +3731,38 @@
           <a:chExt cx="0" cy="0"/>
         </a:xfrm>
       </p:grpSpPr>
-      <p:pic xmlns:a="http://schemas.openxmlformats.org/drawingml/2006/main" xmlns:r="http://schemas.openxmlformats.org/officeDocument/2006/relationships" xmlns:p="http://schemas.openxmlformats.org/presentationml/2006/main">
+      <p:pic>
         <p:nvPicPr>
-          <p:cNvPr id="2" name="" descr=""/>
+          <p:cNvPr descr="slides/slides_02.png" id="0" name="Picture 1"/>
           <p:cNvPicPr>
-            <a:picLocks noGrp="1"/>
+            <a:picLocks noGrp="1" noChangeAspect="1"/>
           </p:cNvPicPr>
-          <p:nvPr>
-            <p:ph/>
-          </p:nvPr>
+          <p:nvPr/>
         </p:nvPicPr>
         <p:blipFill>
-          <a:blip cstate="print" r:embed="rId2"/>
+          <a:blip r:embed="rId2"/>
           <a:stretch>
             <a:fillRect/>
           </a:stretch>
         </p:blipFill>
-        <p:spPr>
-          <a:xfrm>
-            <a:off x="0" y="0"/>
-            <a:ext cx="12192000" cy="6858000"/>
+        <p:spPr bwMode="auto">
+          <a:xfrm>
+            <a:off x="558800" y="1600200"/>
+            <a:ext cx="8039100" cy="4521200"/>
           </a:xfrm>
           <a:prstGeom prst="rect">
             <a:avLst/>
           </a:prstGeom>
+          <a:noFill/>
+          <a:ln w="9525">
+            <a:noFill/>
+            <a:headEnd/>
+            <a:tailEnd/>
+          </a:ln>
         </p:spPr>
       </p:pic>
     </p:spTree>
   </p:cSld>
-  <p:clrMapOvr>
-    <a:masterClrMapping/>
-  </p:clrMapOvr>
 </p:sld>
 </file>
 
@@ -3986,37 +3783,38 @@
           <a:chExt cx="0" cy="0"/>
         </a:xfrm>
       </p:grpSpPr>
-      <p:pic xmlns:a="http://schemas.openxmlformats.org/drawingml/2006/main" xmlns:r="http://schemas.openxmlformats.org/officeDocument/2006/relationships" xmlns:p="http://schemas.openxmlformats.org/presentationml/2006/main">
+      <p:pic>
         <p:nvPicPr>
-          <p:cNvPr id="2" name="" descr=""/>
+          <p:cNvPr descr="slides/slides_20.png" id="0" name="Picture 1"/>
           <p:cNvPicPr>
-            <a:picLocks noGrp="1"/>
+            <a:picLocks noGrp="1" noChangeAspect="1"/>
           </p:cNvPicPr>
-          <p:nvPr>
-            <p:ph/>
-          </p:nvPr>
+          <p:nvPr/>
         </p:nvPicPr>
         <p:blipFill>
-          <a:blip cstate="print" r:embed="rId2"/>
+          <a:blip r:embed="rId2"/>
           <a:stretch>
             <a:fillRect/>
           </a:stretch>
         </p:blipFill>
-        <p:spPr>
-          <a:xfrm>
-            <a:off x="0" y="0"/>
-            <a:ext cx="12192000" cy="6858000"/>
+        <p:spPr bwMode="auto">
+          <a:xfrm>
+            <a:off x="558800" y="1600200"/>
+            <a:ext cx="8039100" cy="4521200"/>
           </a:xfrm>
           <a:prstGeom prst="rect">
             <a:avLst/>
           </a:prstGeom>
+          <a:noFill/>
+          <a:ln w="9525">
+            <a:noFill/>
+            <a:headEnd/>
+            <a:tailEnd/>
+          </a:ln>
         </p:spPr>
       </p:pic>
     </p:spTree>
   </p:cSld>
-  <p:clrMapOvr>
-    <a:masterClrMapping/>
-  </p:clrMapOvr>
 </p:sld>
 </file>
 
@@ -4037,37 +3835,38 @@
           <a:chExt cx="0" cy="0"/>
         </a:xfrm>
       </p:grpSpPr>
-      <p:pic xmlns:a="http://schemas.openxmlformats.org/drawingml/2006/main" xmlns:r="http://schemas.openxmlformats.org/officeDocument/2006/relationships" xmlns:p="http://schemas.openxmlformats.org/presentationml/2006/main">
+      <p:pic>
         <p:nvPicPr>
-          <p:cNvPr id="2" name="" descr=""/>
+          <p:cNvPr descr="slides/slides_21.png" id="0" name="Picture 1"/>
           <p:cNvPicPr>
-            <a:picLocks noGrp="1"/>
+            <a:picLocks noGrp="1" noChangeAspect="1"/>
           </p:cNvPicPr>
-          <p:nvPr>
-            <p:ph/>
-          </p:nvPr>
+          <p:nvPr/>
         </p:nvPicPr>
         <p:blipFill>
-          <a:blip cstate="print" r:embed="rId2"/>
+          <a:blip r:embed="rId2"/>
           <a:stretch>
             <a:fillRect/>
           </a:stretch>
         </p:blipFill>
-        <p:spPr>
-          <a:xfrm>
-            <a:off x="0" y="0"/>
-            <a:ext cx="12192000" cy="6858000"/>
+        <p:spPr bwMode="auto">
+          <a:xfrm>
+            <a:off x="558800" y="1600200"/>
+            <a:ext cx="8039100" cy="4521200"/>
           </a:xfrm>
           <a:prstGeom prst="rect">
             <a:avLst/>
           </a:prstGeom>
+          <a:noFill/>
+          <a:ln w="9525">
+            <a:noFill/>
+            <a:headEnd/>
+            <a:tailEnd/>
+          </a:ln>
         </p:spPr>
       </p:pic>
     </p:spTree>
   </p:cSld>
-  <p:clrMapOvr>
-    <a:masterClrMapping/>
-  </p:clrMapOvr>
 </p:sld>
 </file>
 
@@ -4088,37 +3887,38 @@
           <a:chExt cx="0" cy="0"/>
         </a:xfrm>
       </p:grpSpPr>
-      <p:pic xmlns:a="http://schemas.openxmlformats.org/drawingml/2006/main" xmlns:r="http://schemas.openxmlformats.org/officeDocument/2006/relationships" xmlns:p="http://schemas.openxmlformats.org/presentationml/2006/main">
+      <p:pic>
         <p:nvPicPr>
-          <p:cNvPr id="2" name="" descr=""/>
+          <p:cNvPr descr="slides/slides_22.png" id="0" name="Picture 1"/>
           <p:cNvPicPr>
-            <a:picLocks noGrp="1"/>
+            <a:picLocks noGrp="1" noChangeAspect="1"/>
           </p:cNvPicPr>
-          <p:nvPr>
-            <p:ph/>
-          </p:nvPr>
+          <p:nvPr/>
         </p:nvPicPr>
         <p:blipFill>
-          <a:blip cstate="print" r:embed="rId2"/>
+          <a:blip r:embed="rId2"/>
           <a:stretch>
             <a:fillRect/>
           </a:stretch>
         </p:blipFill>
-        <p:spPr>
-          <a:xfrm>
-            <a:off x="0" y="0"/>
-            <a:ext cx="12192000" cy="6858000"/>
+        <p:spPr bwMode="auto">
+          <a:xfrm>
+            <a:off x="558800" y="1600200"/>
+            <a:ext cx="8039100" cy="4521200"/>
           </a:xfrm>
           <a:prstGeom prst="rect">
             <a:avLst/>
           </a:prstGeom>
+          <a:noFill/>
+          <a:ln w="9525">
+            <a:noFill/>
+            <a:headEnd/>
+            <a:tailEnd/>
+          </a:ln>
         </p:spPr>
       </p:pic>
     </p:spTree>
   </p:cSld>
-  <p:clrMapOvr>
-    <a:masterClrMapping/>
-  </p:clrMapOvr>
 </p:sld>
 </file>
 
@@ -4139,37 +3939,38 @@
           <a:chExt cx="0" cy="0"/>
         </a:xfrm>
       </p:grpSpPr>
-      <p:pic xmlns:a="http://schemas.openxmlformats.org/drawingml/2006/main" xmlns:r="http://schemas.openxmlformats.org/officeDocument/2006/relationships" xmlns:p="http://schemas.openxmlformats.org/presentationml/2006/main">
+      <p:pic>
         <p:nvPicPr>
-          <p:cNvPr id="2" name="" descr=""/>
+          <p:cNvPr descr="slides/slides_23.png" id="0" name="Picture 1"/>
           <p:cNvPicPr>
-            <a:picLocks noGrp="1"/>
+            <a:picLocks noGrp="1" noChangeAspect="1"/>
           </p:cNvPicPr>
-          <p:nvPr>
-            <p:ph/>
-          </p:nvPr>
+          <p:nvPr/>
         </p:nvPicPr>
         <p:blipFill>
-          <a:blip cstate="print" r:embed="rId2"/>
+          <a:blip r:embed="rId2"/>
           <a:stretch>
             <a:fillRect/>
           </a:stretch>
         </p:blipFill>
-        <p:spPr>
-          <a:xfrm>
-            <a:off x="0" y="0"/>
-            <a:ext cx="12192000" cy="6858000"/>
+        <p:spPr bwMode="auto">
+          <a:xfrm>
+            <a:off x="558800" y="1600200"/>
+            <a:ext cx="8039100" cy="4521200"/>
           </a:xfrm>
           <a:prstGeom prst="rect">
             <a:avLst/>
           </a:prstGeom>
+          <a:noFill/>
+          <a:ln w="9525">
+            <a:noFill/>
+            <a:headEnd/>
+            <a:tailEnd/>
+          </a:ln>
         </p:spPr>
       </p:pic>
     </p:spTree>
   </p:cSld>
-  <p:clrMapOvr>
-    <a:masterClrMapping/>
-  </p:clrMapOvr>
 </p:sld>
 </file>
 
@@ -4190,37 +3991,38 @@
           <a:chExt cx="0" cy="0"/>
         </a:xfrm>
       </p:grpSpPr>
-      <p:pic xmlns:a="http://schemas.openxmlformats.org/drawingml/2006/main" xmlns:r="http://schemas.openxmlformats.org/officeDocument/2006/relationships" xmlns:p="http://schemas.openxmlformats.org/presentationml/2006/main">
+      <p:pic>
         <p:nvPicPr>
-          <p:cNvPr id="2" name="" descr=""/>
+          <p:cNvPr descr="slides/slides_24.png" id="0" name="Picture 1"/>
           <p:cNvPicPr>
-            <a:picLocks noGrp="1"/>
+            <a:picLocks noGrp="1" noChangeAspect="1"/>
           </p:cNvPicPr>
-          <p:nvPr>
-            <p:ph/>
-          </p:nvPr>
+          <p:nvPr/>
         </p:nvPicPr>
         <p:blipFill>
-          <a:blip cstate="print" r:embed="rId2"/>
+          <a:blip r:embed="rId2"/>
           <a:stretch>
             <a:fillRect/>
           </a:stretch>
         </p:blipFill>
-        <p:spPr>
-          <a:xfrm>
-            <a:off x="0" y="0"/>
-            <a:ext cx="12192000" cy="6858000"/>
+        <p:spPr bwMode="auto">
+          <a:xfrm>
+            <a:off x="558800" y="1600200"/>
+            <a:ext cx="8039100" cy="4521200"/>
           </a:xfrm>
           <a:prstGeom prst="rect">
             <a:avLst/>
           </a:prstGeom>
+          <a:noFill/>
+          <a:ln w="9525">
+            <a:noFill/>
+            <a:headEnd/>
+            <a:tailEnd/>
+          </a:ln>
         </p:spPr>
       </p:pic>
     </p:spTree>
   </p:cSld>
-  <p:clrMapOvr>
-    <a:masterClrMapping/>
-  </p:clrMapOvr>
 </p:sld>
 </file>
 
@@ -4241,37 +4043,38 @@
           <a:chExt cx="0" cy="0"/>
         </a:xfrm>
       </p:grpSpPr>
-      <p:pic xmlns:a="http://schemas.openxmlformats.org/drawingml/2006/main" xmlns:r="http://schemas.openxmlformats.org/officeDocument/2006/relationships" xmlns:p="http://schemas.openxmlformats.org/presentationml/2006/main">
+      <p:pic>
         <p:nvPicPr>
-          <p:cNvPr id="2" name="" descr=""/>
+          <p:cNvPr descr="slides/slides_25.png" id="0" name="Picture 1"/>
           <p:cNvPicPr>
-            <a:picLocks noGrp="1"/>
+            <a:picLocks noGrp="1" noChangeAspect="1"/>
           </p:cNvPicPr>
-          <p:nvPr>
-            <p:ph/>
-          </p:nvPr>
+          <p:nvPr/>
         </p:nvPicPr>
         <p:blipFill>
-          <a:blip cstate="print" r:embed="rId2"/>
+          <a:blip r:embed="rId2"/>
           <a:stretch>
             <a:fillRect/>
           </a:stretch>
         </p:blipFill>
-        <p:spPr>
-          <a:xfrm>
-            <a:off x="0" y="0"/>
-            <a:ext cx="12192000" cy="6858000"/>
+        <p:spPr bwMode="auto">
+          <a:xfrm>
+            <a:off x="558800" y="1600200"/>
+            <a:ext cx="8039100" cy="4521200"/>
           </a:xfrm>
           <a:prstGeom prst="rect">
             <a:avLst/>
           </a:prstGeom>
+          <a:noFill/>
+          <a:ln w="9525">
+            <a:noFill/>
+            <a:headEnd/>
+            <a:tailEnd/>
+          </a:ln>
         </p:spPr>
       </p:pic>
     </p:spTree>
   </p:cSld>
-  <p:clrMapOvr>
-    <a:masterClrMapping/>
-  </p:clrMapOvr>
 </p:sld>
 </file>
 
@@ -4292,37 +4095,38 @@
           <a:chExt cx="0" cy="0"/>
         </a:xfrm>
       </p:grpSpPr>
-      <p:pic xmlns:a="http://schemas.openxmlformats.org/drawingml/2006/main" xmlns:r="http://schemas.openxmlformats.org/officeDocument/2006/relationships" xmlns:p="http://schemas.openxmlformats.org/presentationml/2006/main">
+      <p:pic>
         <p:nvPicPr>
-          <p:cNvPr id="2" name="" descr=""/>
+          <p:cNvPr descr="slides/slides_26.png" id="0" name="Picture 1"/>
           <p:cNvPicPr>
-            <a:picLocks noGrp="1"/>
+            <a:picLocks noGrp="1" noChangeAspect="1"/>
           </p:cNvPicPr>
-          <p:nvPr>
-            <p:ph/>
-          </p:nvPr>
+          <p:nvPr/>
         </p:nvPicPr>
         <p:blipFill>
-          <a:blip cstate="print" r:embed="rId2"/>
+          <a:blip r:embed="rId2"/>
           <a:stretch>
             <a:fillRect/>
           </a:stretch>
         </p:blipFill>
-        <p:spPr>
-          <a:xfrm>
-            <a:off x="0" y="0"/>
-            <a:ext cx="12192000" cy="6858000"/>
+        <p:spPr bwMode="auto">
+          <a:xfrm>
+            <a:off x="558800" y="1600200"/>
+            <a:ext cx="8039100" cy="4521200"/>
           </a:xfrm>
           <a:prstGeom prst="rect">
             <a:avLst/>
           </a:prstGeom>
+          <a:noFill/>
+          <a:ln w="9525">
+            <a:noFill/>
+            <a:headEnd/>
+            <a:tailEnd/>
+          </a:ln>
         </p:spPr>
       </p:pic>
     </p:spTree>
   </p:cSld>
-  <p:clrMapOvr>
-    <a:masterClrMapping/>
-  </p:clrMapOvr>
 </p:sld>
 </file>
 
@@ -4343,37 +4147,38 @@
           <a:chExt cx="0" cy="0"/>
         </a:xfrm>
       </p:grpSpPr>
-      <p:pic xmlns:a="http://schemas.openxmlformats.org/drawingml/2006/main" xmlns:r="http://schemas.openxmlformats.org/officeDocument/2006/relationships" xmlns:p="http://schemas.openxmlformats.org/presentationml/2006/main">
+      <p:pic>
         <p:nvPicPr>
-          <p:cNvPr id="2" name="" descr=""/>
+          <p:cNvPr descr="slides/slides_27.png" id="0" name="Picture 1"/>
           <p:cNvPicPr>
-            <a:picLocks noGrp="1"/>
+            <a:picLocks noGrp="1" noChangeAspect="1"/>
           </p:cNvPicPr>
-          <p:nvPr>
-            <p:ph/>
-          </p:nvPr>
+          <p:nvPr/>
         </p:nvPicPr>
         <p:blipFill>
-          <a:blip cstate="print" r:embed="rId2"/>
+          <a:blip r:embed="rId2"/>
           <a:stretch>
             <a:fillRect/>
           </a:stretch>
         </p:blipFill>
-        <p:spPr>
-          <a:xfrm>
-            <a:off x="0" y="0"/>
-            <a:ext cx="12192000" cy="6858000"/>
+        <p:spPr bwMode="auto">
+          <a:xfrm>
+            <a:off x="558800" y="1600200"/>
+            <a:ext cx="8039100" cy="4521200"/>
           </a:xfrm>
           <a:prstGeom prst="rect">
             <a:avLst/>
           </a:prstGeom>
+          <a:noFill/>
+          <a:ln w="9525">
+            <a:noFill/>
+            <a:headEnd/>
+            <a:tailEnd/>
+          </a:ln>
         </p:spPr>
       </p:pic>
     </p:spTree>
   </p:cSld>
-  <p:clrMapOvr>
-    <a:masterClrMapping/>
-  </p:clrMapOvr>
 </p:sld>
 </file>
 
@@ -4394,37 +4199,38 @@
           <a:chExt cx="0" cy="0"/>
         </a:xfrm>
       </p:grpSpPr>
-      <p:pic xmlns:a="http://schemas.openxmlformats.org/drawingml/2006/main" xmlns:r="http://schemas.openxmlformats.org/officeDocument/2006/relationships" xmlns:p="http://schemas.openxmlformats.org/presentationml/2006/main">
+      <p:pic>
         <p:nvPicPr>
-          <p:cNvPr id="2" name="" descr=""/>
+          <p:cNvPr descr="slides/slides_28.png" id="0" name="Picture 1"/>
           <p:cNvPicPr>
-            <a:picLocks noGrp="1"/>
+            <a:picLocks noGrp="1" noChangeAspect="1"/>
           </p:cNvPicPr>
-          <p:nvPr>
-            <p:ph/>
-          </p:nvPr>
+          <p:nvPr/>
         </p:nvPicPr>
         <p:blipFill>
-          <a:blip cstate="print" r:embed="rId2"/>
+          <a:blip r:embed="rId2"/>
           <a:stretch>
             <a:fillRect/>
           </a:stretch>
         </p:blipFill>
-        <p:spPr>
-          <a:xfrm>
-            <a:off x="0" y="0"/>
-            <a:ext cx="12192000" cy="6858000"/>
+        <p:spPr bwMode="auto">
+          <a:xfrm>
+            <a:off x="558800" y="1600200"/>
+            <a:ext cx="8039100" cy="4521200"/>
           </a:xfrm>
           <a:prstGeom prst="rect">
             <a:avLst/>
           </a:prstGeom>
+          <a:noFill/>
+          <a:ln w="9525">
+            <a:noFill/>
+            <a:headEnd/>
+            <a:tailEnd/>
+          </a:ln>
         </p:spPr>
       </p:pic>
     </p:spTree>
   </p:cSld>
-  <p:clrMapOvr>
-    <a:masterClrMapping/>
-  </p:clrMapOvr>
 </p:sld>
 </file>
 
@@ -4445,37 +4251,38 @@
           <a:chExt cx="0" cy="0"/>
         </a:xfrm>
       </p:grpSpPr>
-      <p:pic xmlns:a="http://schemas.openxmlformats.org/drawingml/2006/main" xmlns:r="http://schemas.openxmlformats.org/officeDocument/2006/relationships" xmlns:p="http://schemas.openxmlformats.org/presentationml/2006/main">
+      <p:pic>
         <p:nvPicPr>
-          <p:cNvPr id="2" name="" descr=""/>
+          <p:cNvPr descr="slides/slides_29.png" id="0" name="Picture 1"/>
           <p:cNvPicPr>
-            <a:picLocks noGrp="1"/>
+            <a:picLocks noGrp="1" noChangeAspect="1"/>
           </p:cNvPicPr>
-          <p:nvPr>
-            <p:ph/>
-          </p:nvPr>
+          <p:nvPr/>
         </p:nvPicPr>
         <p:blipFill>
-          <a:blip cstate="print" r:embed="rId2"/>
+          <a:blip r:embed="rId2"/>
           <a:stretch>
             <a:fillRect/>
           </a:stretch>
         </p:blipFill>
-        <p:spPr>
-          <a:xfrm>
-            <a:off x="0" y="0"/>
-            <a:ext cx="12192000" cy="6858000"/>
+        <p:spPr bwMode="auto">
+          <a:xfrm>
+            <a:off x="558800" y="1600200"/>
+            <a:ext cx="8039100" cy="4521200"/>
           </a:xfrm>
           <a:prstGeom prst="rect">
             <a:avLst/>
           </a:prstGeom>
+          <a:noFill/>
+          <a:ln w="9525">
+            <a:noFill/>
+            <a:headEnd/>
+            <a:tailEnd/>
+          </a:ln>
         </p:spPr>
       </p:pic>
     </p:spTree>
   </p:cSld>
-  <p:clrMapOvr>
-    <a:masterClrMapping/>
-  </p:clrMapOvr>
 </p:sld>
 </file>
 
@@ -4496,37 +4303,38 @@
           <a:chExt cx="0" cy="0"/>
         </a:xfrm>
       </p:grpSpPr>
-      <p:pic xmlns:a="http://schemas.openxmlformats.org/drawingml/2006/main" xmlns:r="http://schemas.openxmlformats.org/officeDocument/2006/relationships" xmlns:p="http://schemas.openxmlformats.org/presentationml/2006/main">
+      <p:pic>
         <p:nvPicPr>
-          <p:cNvPr id="2" name="" descr=""/>
+          <p:cNvPr descr="slides/slides_03.png" id="0" name="Picture 1"/>
           <p:cNvPicPr>
-            <a:picLocks noGrp="1"/>
+            <a:picLocks noGrp="1" noChangeAspect="1"/>
           </p:cNvPicPr>
-          <p:nvPr>
-            <p:ph/>
-          </p:nvPr>
+          <p:nvPr/>
         </p:nvPicPr>
         <p:blipFill>
-          <a:blip cstate="print" r:embed="rId2"/>
+          <a:blip r:embed="rId2"/>
           <a:stretch>
             <a:fillRect/>
           </a:stretch>
         </p:blipFill>
-        <p:spPr>
-          <a:xfrm>
-            <a:off x="0" y="0"/>
-            <a:ext cx="12192000" cy="6858000"/>
+        <p:spPr bwMode="auto">
+          <a:xfrm>
+            <a:off x="558800" y="1600200"/>
+            <a:ext cx="8039100" cy="4521200"/>
           </a:xfrm>
           <a:prstGeom prst="rect">
             <a:avLst/>
           </a:prstGeom>
+          <a:noFill/>
+          <a:ln w="9525">
+            <a:noFill/>
+            <a:headEnd/>
+            <a:tailEnd/>
+          </a:ln>
         </p:spPr>
       </p:pic>
     </p:spTree>
   </p:cSld>
-  <p:clrMapOvr>
-    <a:masterClrMapping/>
-  </p:clrMapOvr>
 </p:sld>
 </file>
 
@@ -4547,37 +4355,38 @@
           <a:chExt cx="0" cy="0"/>
         </a:xfrm>
       </p:grpSpPr>
-      <p:pic xmlns:a="http://schemas.openxmlformats.org/drawingml/2006/main" xmlns:r="http://schemas.openxmlformats.org/officeDocument/2006/relationships" xmlns:p="http://schemas.openxmlformats.org/presentationml/2006/main">
+      <p:pic>
         <p:nvPicPr>
-          <p:cNvPr id="2" name="" descr=""/>
+          <p:cNvPr descr="slides/slides_30.png" id="0" name="Picture 1"/>
           <p:cNvPicPr>
-            <a:picLocks noGrp="1"/>
+            <a:picLocks noGrp="1" noChangeAspect="1"/>
           </p:cNvPicPr>
-          <p:nvPr>
-            <p:ph/>
-          </p:nvPr>
+          <p:nvPr/>
         </p:nvPicPr>
         <p:blipFill>
-          <a:blip cstate="print" r:embed="rId2"/>
+          <a:blip r:embed="rId2"/>
           <a:stretch>
             <a:fillRect/>
           </a:stretch>
         </p:blipFill>
-        <p:spPr>
-          <a:xfrm>
-            <a:off x="0" y="0"/>
-            <a:ext cx="12192000" cy="6858000"/>
+        <p:spPr bwMode="auto">
+          <a:xfrm>
+            <a:off x="558800" y="1600200"/>
+            <a:ext cx="8039100" cy="4521200"/>
           </a:xfrm>
           <a:prstGeom prst="rect">
             <a:avLst/>
           </a:prstGeom>
+          <a:noFill/>
+          <a:ln w="9525">
+            <a:noFill/>
+            <a:headEnd/>
+            <a:tailEnd/>
+          </a:ln>
         </p:spPr>
       </p:pic>
     </p:spTree>
   </p:cSld>
-  <p:clrMapOvr>
-    <a:masterClrMapping/>
-  </p:clrMapOvr>
 </p:sld>
 </file>
 
@@ -4598,37 +4407,38 @@
           <a:chExt cx="0" cy="0"/>
         </a:xfrm>
       </p:grpSpPr>
-      <p:pic xmlns:a="http://schemas.openxmlformats.org/drawingml/2006/main" xmlns:r="http://schemas.openxmlformats.org/officeDocument/2006/relationships" xmlns:p="http://schemas.openxmlformats.org/presentationml/2006/main">
+      <p:pic>
         <p:nvPicPr>
-          <p:cNvPr id="2" name="" descr=""/>
+          <p:cNvPr descr="slides/slides_31.png" id="0" name="Picture 1"/>
           <p:cNvPicPr>
-            <a:picLocks noGrp="1"/>
+            <a:picLocks noGrp="1" noChangeAspect="1"/>
           </p:cNvPicPr>
-          <p:nvPr>
-            <p:ph/>
-          </p:nvPr>
+          <p:nvPr/>
         </p:nvPicPr>
         <p:blipFill>
-          <a:blip cstate="print" r:embed="rId2"/>
+          <a:blip r:embed="rId2"/>
           <a:stretch>
             <a:fillRect/>
           </a:stretch>
         </p:blipFill>
-        <p:spPr>
-          <a:xfrm>
-            <a:off x="0" y="0"/>
-            <a:ext cx="12192000" cy="6858000"/>
+        <p:spPr bwMode="auto">
+          <a:xfrm>
+            <a:off x="558800" y="1600200"/>
+            <a:ext cx="8039100" cy="4521200"/>
           </a:xfrm>
           <a:prstGeom prst="rect">
             <a:avLst/>
           </a:prstGeom>
+          <a:noFill/>
+          <a:ln w="9525">
+            <a:noFill/>
+            <a:headEnd/>
+            <a:tailEnd/>
+          </a:ln>
         </p:spPr>
       </p:pic>
     </p:spTree>
   </p:cSld>
-  <p:clrMapOvr>
-    <a:masterClrMapping/>
-  </p:clrMapOvr>
 </p:sld>
 </file>
 
@@ -4649,37 +4459,38 @@
           <a:chExt cx="0" cy="0"/>
         </a:xfrm>
       </p:grpSpPr>
-      <p:pic xmlns:a="http://schemas.openxmlformats.org/drawingml/2006/main" xmlns:r="http://schemas.openxmlformats.org/officeDocument/2006/relationships" xmlns:p="http://schemas.openxmlformats.org/presentationml/2006/main">
+      <p:pic>
         <p:nvPicPr>
-          <p:cNvPr id="2" name="" descr=""/>
+          <p:cNvPr descr="slides/slides_32.png" id="0" name="Picture 1"/>
           <p:cNvPicPr>
-            <a:picLocks noGrp="1"/>
+            <a:picLocks noGrp="1" noChangeAspect="1"/>
           </p:cNvPicPr>
-          <p:nvPr>
-            <p:ph/>
-          </p:nvPr>
+          <p:nvPr/>
         </p:nvPicPr>
         <p:blipFill>
-          <a:blip cstate="print" r:embed="rId2"/>
+          <a:blip r:embed="rId2"/>
           <a:stretch>
             <a:fillRect/>
           </a:stretch>
         </p:blipFill>
-        <p:spPr>
-          <a:xfrm>
-            <a:off x="0" y="0"/>
-            <a:ext cx="12192000" cy="6858000"/>
+        <p:spPr bwMode="auto">
+          <a:xfrm>
+            <a:off x="558800" y="1600200"/>
+            <a:ext cx="8039100" cy="4521200"/>
           </a:xfrm>
           <a:prstGeom prst="rect">
             <a:avLst/>
           </a:prstGeom>
+          <a:noFill/>
+          <a:ln w="9525">
+            <a:noFill/>
+            <a:headEnd/>
+            <a:tailEnd/>
+          </a:ln>
         </p:spPr>
       </p:pic>
     </p:spTree>
   </p:cSld>
-  <p:clrMapOvr>
-    <a:masterClrMapping/>
-  </p:clrMapOvr>
 </p:sld>
 </file>
 
@@ -4700,37 +4511,38 @@
           <a:chExt cx="0" cy="0"/>
         </a:xfrm>
       </p:grpSpPr>
-      <p:pic xmlns:a="http://schemas.openxmlformats.org/drawingml/2006/main" xmlns:r="http://schemas.openxmlformats.org/officeDocument/2006/relationships" xmlns:p="http://schemas.openxmlformats.org/presentationml/2006/main">
+      <p:pic>
         <p:nvPicPr>
-          <p:cNvPr id="2" name="" descr=""/>
+          <p:cNvPr descr="slides/slides_33.png" id="0" name="Picture 1"/>
           <p:cNvPicPr>
-            <a:picLocks noGrp="1"/>
+            <a:picLocks noGrp="1" noChangeAspect="1"/>
           </p:cNvPicPr>
-          <p:nvPr>
-            <p:ph/>
-          </p:nvPr>
+          <p:nvPr/>
         </p:nvPicPr>
         <p:blipFill>
-          <a:blip cstate="print" r:embed="rId2"/>
+          <a:blip r:embed="rId2"/>
           <a:stretch>
             <a:fillRect/>
           </a:stretch>
         </p:blipFill>
-        <p:spPr>
-          <a:xfrm>
-            <a:off x="0" y="0"/>
-            <a:ext cx="12192000" cy="6858000"/>
+        <p:spPr bwMode="auto">
+          <a:xfrm>
+            <a:off x="558800" y="1600200"/>
+            <a:ext cx="8039100" cy="4521200"/>
           </a:xfrm>
           <a:prstGeom prst="rect">
             <a:avLst/>
           </a:prstGeom>
+          <a:noFill/>
+          <a:ln w="9525">
+            <a:noFill/>
+            <a:headEnd/>
+            <a:tailEnd/>
+          </a:ln>
         </p:spPr>
       </p:pic>
     </p:spTree>
   </p:cSld>
-  <p:clrMapOvr>
-    <a:masterClrMapping/>
-  </p:clrMapOvr>
 </p:sld>
 </file>
 
@@ -4751,37 +4563,38 @@
           <a:chExt cx="0" cy="0"/>
         </a:xfrm>
       </p:grpSpPr>
-      <p:pic xmlns:a="http://schemas.openxmlformats.org/drawingml/2006/main" xmlns:r="http://schemas.openxmlformats.org/officeDocument/2006/relationships" xmlns:p="http://schemas.openxmlformats.org/presentationml/2006/main">
+      <p:pic>
         <p:nvPicPr>
-          <p:cNvPr id="2" name="" descr=""/>
+          <p:cNvPr descr="slides/slides_34.png" id="0" name="Picture 1"/>
           <p:cNvPicPr>
-            <a:picLocks noGrp="1"/>
+            <a:picLocks noGrp="1" noChangeAspect="1"/>
           </p:cNvPicPr>
-          <p:nvPr>
-            <p:ph/>
-          </p:nvPr>
+          <p:nvPr/>
         </p:nvPicPr>
         <p:blipFill>
-          <a:blip cstate="print" r:embed="rId2"/>
+          <a:blip r:embed="rId2"/>
           <a:stretch>
             <a:fillRect/>
           </a:stretch>
         </p:blipFill>
-        <p:spPr>
-          <a:xfrm>
-            <a:off x="0" y="0"/>
-            <a:ext cx="12192000" cy="6858000"/>
+        <p:spPr bwMode="auto">
+          <a:xfrm>
+            <a:off x="558800" y="1600200"/>
+            <a:ext cx="8039100" cy="4521200"/>
           </a:xfrm>
           <a:prstGeom prst="rect">
             <a:avLst/>
           </a:prstGeom>
+          <a:noFill/>
+          <a:ln w="9525">
+            <a:noFill/>
+            <a:headEnd/>
+            <a:tailEnd/>
+          </a:ln>
         </p:spPr>
       </p:pic>
     </p:spTree>
   </p:cSld>
-  <p:clrMapOvr>
-    <a:masterClrMapping/>
-  </p:clrMapOvr>
 </p:sld>
 </file>
 
@@ -4802,37 +4615,38 @@
           <a:chExt cx="0" cy="0"/>
         </a:xfrm>
       </p:grpSpPr>
-      <p:pic xmlns:a="http://schemas.openxmlformats.org/drawingml/2006/main" xmlns:r="http://schemas.openxmlformats.org/officeDocument/2006/relationships" xmlns:p="http://schemas.openxmlformats.org/presentationml/2006/main">
+      <p:pic>
         <p:nvPicPr>
-          <p:cNvPr id="2" name="" descr=""/>
+          <p:cNvPr descr="slides/slides_35.png" id="0" name="Picture 1"/>
           <p:cNvPicPr>
-            <a:picLocks noGrp="1"/>
+            <a:picLocks noGrp="1" noChangeAspect="1"/>
           </p:cNvPicPr>
-          <p:nvPr>
-            <p:ph/>
-          </p:nvPr>
+          <p:nvPr/>
         </p:nvPicPr>
         <p:blipFill>
-          <a:blip cstate="print" r:embed="rId2"/>
+          <a:blip r:embed="rId2"/>
           <a:stretch>
             <a:fillRect/>
           </a:stretch>
         </p:blipFill>
-        <p:spPr>
-          <a:xfrm>
-            <a:off x="0" y="0"/>
-            <a:ext cx="12192000" cy="6858000"/>
+        <p:spPr bwMode="auto">
+          <a:xfrm>
+            <a:off x="558800" y="1600200"/>
+            <a:ext cx="8039100" cy="4521200"/>
           </a:xfrm>
           <a:prstGeom prst="rect">
             <a:avLst/>
           </a:prstGeom>
+          <a:noFill/>
+          <a:ln w="9525">
+            <a:noFill/>
+            <a:headEnd/>
+            <a:tailEnd/>
+          </a:ln>
         </p:spPr>
       </p:pic>
     </p:spTree>
   </p:cSld>
-  <p:clrMapOvr>
-    <a:masterClrMapping/>
-  </p:clrMapOvr>
 </p:sld>
 </file>
 
@@ -4853,37 +4667,38 @@
           <a:chExt cx="0" cy="0"/>
         </a:xfrm>
       </p:grpSpPr>
-      <p:pic xmlns:a="http://schemas.openxmlformats.org/drawingml/2006/main" xmlns:r="http://schemas.openxmlformats.org/officeDocument/2006/relationships" xmlns:p="http://schemas.openxmlformats.org/presentationml/2006/main">
+      <p:pic>
         <p:nvPicPr>
-          <p:cNvPr id="2" name="" descr=""/>
+          <p:cNvPr descr="slides/slides_36.png" id="0" name="Picture 1"/>
           <p:cNvPicPr>
-            <a:picLocks noGrp="1"/>
+            <a:picLocks noGrp="1" noChangeAspect="1"/>
           </p:cNvPicPr>
-          <p:nvPr>
-            <p:ph/>
-          </p:nvPr>
+          <p:nvPr/>
         </p:nvPicPr>
         <p:blipFill>
-          <a:blip cstate="print" r:embed="rId2"/>
+          <a:blip r:embed="rId2"/>
           <a:stretch>
             <a:fillRect/>
           </a:stretch>
         </p:blipFill>
-        <p:spPr>
-          <a:xfrm>
-            <a:off x="0" y="0"/>
-            <a:ext cx="12192000" cy="6858000"/>
+        <p:spPr bwMode="auto">
+          <a:xfrm>
+            <a:off x="558800" y="1600200"/>
+            <a:ext cx="8039100" cy="4521200"/>
           </a:xfrm>
           <a:prstGeom prst="rect">
             <a:avLst/>
           </a:prstGeom>
+          <a:noFill/>
+          <a:ln w="9525">
+            <a:noFill/>
+            <a:headEnd/>
+            <a:tailEnd/>
+          </a:ln>
         </p:spPr>
       </p:pic>
     </p:spTree>
   </p:cSld>
-  <p:clrMapOvr>
-    <a:masterClrMapping/>
-  </p:clrMapOvr>
 </p:sld>
 </file>
 
@@ -4904,37 +4719,38 @@
           <a:chExt cx="0" cy="0"/>
         </a:xfrm>
       </p:grpSpPr>
-      <p:pic xmlns:a="http://schemas.openxmlformats.org/drawingml/2006/main" xmlns:r="http://schemas.openxmlformats.org/officeDocument/2006/relationships" xmlns:p="http://schemas.openxmlformats.org/presentationml/2006/main">
+      <p:pic>
         <p:nvPicPr>
-          <p:cNvPr id="2" name="" descr=""/>
+          <p:cNvPr descr="slides/slides_37.png" id="0" name="Picture 1"/>
           <p:cNvPicPr>
-            <a:picLocks noGrp="1"/>
+            <a:picLocks noGrp="1" noChangeAspect="1"/>
           </p:cNvPicPr>
-          <p:nvPr>
-            <p:ph/>
-          </p:nvPr>
+          <p:nvPr/>
         </p:nvPicPr>
         <p:blipFill>
-          <a:blip cstate="print" r:embed="rId2"/>
+          <a:blip r:embed="rId2"/>
           <a:stretch>
             <a:fillRect/>
           </a:stretch>
         </p:blipFill>
-        <p:spPr>
-          <a:xfrm>
-            <a:off x="0" y="0"/>
-            <a:ext cx="12192000" cy="6858000"/>
+        <p:spPr bwMode="auto">
+          <a:xfrm>
+            <a:off x="558800" y="1600200"/>
+            <a:ext cx="8039100" cy="4521200"/>
           </a:xfrm>
           <a:prstGeom prst="rect">
             <a:avLst/>
           </a:prstGeom>
+          <a:noFill/>
+          <a:ln w="9525">
+            <a:noFill/>
+            <a:headEnd/>
+            <a:tailEnd/>
+          </a:ln>
         </p:spPr>
       </p:pic>
     </p:spTree>
   </p:cSld>
-  <p:clrMapOvr>
-    <a:masterClrMapping/>
-  </p:clrMapOvr>
 </p:sld>
 </file>
 
@@ -4955,37 +4771,38 @@
           <a:chExt cx="0" cy="0"/>
         </a:xfrm>
       </p:grpSpPr>
-      <p:pic xmlns:a="http://schemas.openxmlformats.org/drawingml/2006/main" xmlns:r="http://schemas.openxmlformats.org/officeDocument/2006/relationships" xmlns:p="http://schemas.openxmlformats.org/presentationml/2006/main">
+      <p:pic>
         <p:nvPicPr>
-          <p:cNvPr id="2" name="" descr=""/>
+          <p:cNvPr descr="slides/slides_38.png" id="0" name="Picture 1"/>
           <p:cNvPicPr>
-            <a:picLocks noGrp="1"/>
+            <a:picLocks noGrp="1" noChangeAspect="1"/>
           </p:cNvPicPr>
-          <p:nvPr>
-            <p:ph/>
-          </p:nvPr>
+          <p:nvPr/>
         </p:nvPicPr>
         <p:blipFill>
-          <a:blip cstate="print" r:embed="rId2"/>
+          <a:blip r:embed="rId2"/>
           <a:stretch>
             <a:fillRect/>
           </a:stretch>
         </p:blipFill>
-        <p:spPr>
-          <a:xfrm>
-            <a:off x="0" y="0"/>
-            <a:ext cx="12192000" cy="6858000"/>
+        <p:spPr bwMode="auto">
+          <a:xfrm>
+            <a:off x="558800" y="1600200"/>
+            <a:ext cx="8039100" cy="4521200"/>
           </a:xfrm>
           <a:prstGeom prst="rect">
             <a:avLst/>
           </a:prstGeom>
+          <a:noFill/>
+          <a:ln w="9525">
+            <a:noFill/>
+            <a:headEnd/>
+            <a:tailEnd/>
+          </a:ln>
         </p:spPr>
       </p:pic>
     </p:spTree>
   </p:cSld>
-  <p:clrMapOvr>
-    <a:masterClrMapping/>
-  </p:clrMapOvr>
 </p:sld>
 </file>
 
@@ -5006,37 +4823,38 @@
           <a:chExt cx="0" cy="0"/>
         </a:xfrm>
       </p:grpSpPr>
-      <p:pic xmlns:a="http://schemas.openxmlformats.org/drawingml/2006/main" xmlns:r="http://schemas.openxmlformats.org/officeDocument/2006/relationships" xmlns:p="http://schemas.openxmlformats.org/presentationml/2006/main">
+      <p:pic>
         <p:nvPicPr>
-          <p:cNvPr id="2" name="" descr=""/>
+          <p:cNvPr descr="slides/slides_39.png" id="0" name="Picture 1"/>
           <p:cNvPicPr>
-            <a:picLocks noGrp="1"/>
+            <a:picLocks noGrp="1" noChangeAspect="1"/>
           </p:cNvPicPr>
-          <p:nvPr>
-            <p:ph/>
-          </p:nvPr>
+          <p:nvPr/>
         </p:nvPicPr>
         <p:blipFill>
-          <a:blip cstate="print" r:embed="rId2"/>
+          <a:blip r:embed="rId2"/>
           <a:stretch>
             <a:fillRect/>
           </a:stretch>
         </p:blipFill>
-        <p:spPr>
-          <a:xfrm>
-            <a:off x="0" y="0"/>
-            <a:ext cx="12192000" cy="6858000"/>
+        <p:spPr bwMode="auto">
+          <a:xfrm>
+            <a:off x="558800" y="1600200"/>
+            <a:ext cx="8039100" cy="4521200"/>
           </a:xfrm>
           <a:prstGeom prst="rect">
             <a:avLst/>
           </a:prstGeom>
+          <a:noFill/>
+          <a:ln w="9525">
+            <a:noFill/>
+            <a:headEnd/>
+            <a:tailEnd/>
+          </a:ln>
         </p:spPr>
       </p:pic>
     </p:spTree>
   </p:cSld>
-  <p:clrMapOvr>
-    <a:masterClrMapping/>
-  </p:clrMapOvr>
 </p:sld>
 </file>
 
@@ -5057,37 +4875,38 @@
           <a:chExt cx="0" cy="0"/>
         </a:xfrm>
       </p:grpSpPr>
-      <p:pic xmlns:a="http://schemas.openxmlformats.org/drawingml/2006/main" xmlns:r="http://schemas.openxmlformats.org/officeDocument/2006/relationships" xmlns:p="http://schemas.openxmlformats.org/presentationml/2006/main">
+      <p:pic>
         <p:nvPicPr>
-          <p:cNvPr id="2" name="" descr=""/>
+          <p:cNvPr descr="slides/slides_04.png" id="0" name="Picture 1"/>
           <p:cNvPicPr>
-            <a:picLocks noGrp="1"/>
+            <a:picLocks noGrp="1" noChangeAspect="1"/>
           </p:cNvPicPr>
-          <p:nvPr>
-            <p:ph/>
-          </p:nvPr>
+          <p:nvPr/>
         </p:nvPicPr>
         <p:blipFill>
-          <a:blip cstate="print" r:embed="rId2"/>
+          <a:blip r:embed="rId2"/>
           <a:stretch>
             <a:fillRect/>
           </a:stretch>
         </p:blipFill>
-        <p:spPr>
-          <a:xfrm>
-            <a:off x="0" y="0"/>
-            <a:ext cx="12192000" cy="6858000"/>
+        <p:spPr bwMode="auto">
+          <a:xfrm>
+            <a:off x="558800" y="1600200"/>
+            <a:ext cx="8039100" cy="4521200"/>
           </a:xfrm>
           <a:prstGeom prst="rect">
             <a:avLst/>
           </a:prstGeom>
+          <a:noFill/>
+          <a:ln w="9525">
+            <a:noFill/>
+            <a:headEnd/>
+            <a:tailEnd/>
+          </a:ln>
         </p:spPr>
       </p:pic>
     </p:spTree>
   </p:cSld>
-  <p:clrMapOvr>
-    <a:masterClrMapping/>
-  </p:clrMapOvr>
 </p:sld>
 </file>
 
@@ -5108,37 +4927,38 @@
           <a:chExt cx="0" cy="0"/>
         </a:xfrm>
       </p:grpSpPr>
-      <p:pic xmlns:a="http://schemas.openxmlformats.org/drawingml/2006/main" xmlns:r="http://schemas.openxmlformats.org/officeDocument/2006/relationships" xmlns:p="http://schemas.openxmlformats.org/presentationml/2006/main">
+      <p:pic>
         <p:nvPicPr>
-          <p:cNvPr id="2" name="" descr=""/>
+          <p:cNvPr descr="slides/slides_40.png" id="0" name="Picture 1"/>
           <p:cNvPicPr>
-            <a:picLocks noGrp="1"/>
+            <a:picLocks noGrp="1" noChangeAspect="1"/>
           </p:cNvPicPr>
-          <p:nvPr>
-            <p:ph/>
-          </p:nvPr>
+          <p:nvPr/>
         </p:nvPicPr>
         <p:blipFill>
-          <a:blip cstate="print" r:embed="rId2"/>
+          <a:blip r:embed="rId2"/>
           <a:stretch>
             <a:fillRect/>
           </a:stretch>
         </p:blipFill>
-        <p:spPr>
-          <a:xfrm>
-            <a:off x="0" y="0"/>
-            <a:ext cx="12192000" cy="6858000"/>
+        <p:spPr bwMode="auto">
+          <a:xfrm>
+            <a:off x="558800" y="1600200"/>
+            <a:ext cx="8039100" cy="4521200"/>
           </a:xfrm>
           <a:prstGeom prst="rect">
             <a:avLst/>
           </a:prstGeom>
+          <a:noFill/>
+          <a:ln w="9525">
+            <a:noFill/>
+            <a:headEnd/>
+            <a:tailEnd/>
+          </a:ln>
         </p:spPr>
       </p:pic>
     </p:spTree>
   </p:cSld>
-  <p:clrMapOvr>
-    <a:masterClrMapping/>
-  </p:clrMapOvr>
 </p:sld>
 </file>
 
@@ -5159,37 +4979,38 @@
           <a:chExt cx="0" cy="0"/>
         </a:xfrm>
       </p:grpSpPr>
-      <p:pic xmlns:a="http://schemas.openxmlformats.org/drawingml/2006/main" xmlns:r="http://schemas.openxmlformats.org/officeDocument/2006/relationships" xmlns:p="http://schemas.openxmlformats.org/presentationml/2006/main">
+      <p:pic>
         <p:nvPicPr>
-          <p:cNvPr id="2" name="" descr=""/>
+          <p:cNvPr descr="slides/slides_41.png" id="0" name="Picture 1"/>
           <p:cNvPicPr>
-            <a:picLocks noGrp="1"/>
+            <a:picLocks noGrp="1" noChangeAspect="1"/>
           </p:cNvPicPr>
-          <p:nvPr>
-            <p:ph/>
-          </p:nvPr>
+          <p:nvPr/>
         </p:nvPicPr>
         <p:blipFill>
-          <a:blip cstate="print" r:embed="rId2"/>
+          <a:blip r:embed="rId2"/>
           <a:stretch>
             <a:fillRect/>
           </a:stretch>
         </p:blipFill>
-        <p:spPr>
-          <a:xfrm>
-            <a:off x="0" y="0"/>
-            <a:ext cx="12192000" cy="6858000"/>
+        <p:spPr bwMode="auto">
+          <a:xfrm>
+            <a:off x="558800" y="1600200"/>
+            <a:ext cx="8039100" cy="4521200"/>
           </a:xfrm>
           <a:prstGeom prst="rect">
             <a:avLst/>
           </a:prstGeom>
+          <a:noFill/>
+          <a:ln w="9525">
+            <a:noFill/>
+            <a:headEnd/>
+            <a:tailEnd/>
+          </a:ln>
         </p:spPr>
       </p:pic>
     </p:spTree>
   </p:cSld>
-  <p:clrMapOvr>
-    <a:masterClrMapping/>
-  </p:clrMapOvr>
 </p:sld>
 </file>
 
@@ -5210,37 +5031,38 @@
           <a:chExt cx="0" cy="0"/>
         </a:xfrm>
       </p:grpSpPr>
-      <p:pic xmlns:a="http://schemas.openxmlformats.org/drawingml/2006/main" xmlns:r="http://schemas.openxmlformats.org/officeDocument/2006/relationships" xmlns:p="http://schemas.openxmlformats.org/presentationml/2006/main">
+      <p:pic>
         <p:nvPicPr>
-          <p:cNvPr id="2" name="" descr=""/>
+          <p:cNvPr descr="slides/slides_42.png" id="0" name="Picture 1"/>
           <p:cNvPicPr>
-            <a:picLocks noGrp="1"/>
+            <a:picLocks noGrp="1" noChangeAspect="1"/>
           </p:cNvPicPr>
-          <p:nvPr>
-            <p:ph/>
-          </p:nvPr>
+          <p:nvPr/>
         </p:nvPicPr>
         <p:blipFill>
-          <a:blip cstate="print" r:embed="rId2"/>
+          <a:blip r:embed="rId2"/>
           <a:stretch>
             <a:fillRect/>
           </a:stretch>
         </p:blipFill>
-        <p:spPr>
-          <a:xfrm>
-            <a:off x="0" y="0"/>
-            <a:ext cx="12192000" cy="6858000"/>
+        <p:spPr bwMode="auto">
+          <a:xfrm>
+            <a:off x="558800" y="1600200"/>
+            <a:ext cx="8039100" cy="4521200"/>
           </a:xfrm>
           <a:prstGeom prst="rect">
             <a:avLst/>
           </a:prstGeom>
+          <a:noFill/>
+          <a:ln w="9525">
+            <a:noFill/>
+            <a:headEnd/>
+            <a:tailEnd/>
+          </a:ln>
         </p:spPr>
       </p:pic>
     </p:spTree>
   </p:cSld>
-  <p:clrMapOvr>
-    <a:masterClrMapping/>
-  </p:clrMapOvr>
 </p:sld>
 </file>
 
@@ -5261,37 +5083,38 @@
           <a:chExt cx="0" cy="0"/>
         </a:xfrm>
       </p:grpSpPr>
-      <p:pic xmlns:a="http://schemas.openxmlformats.org/drawingml/2006/main" xmlns:r="http://schemas.openxmlformats.org/officeDocument/2006/relationships" xmlns:p="http://schemas.openxmlformats.org/presentationml/2006/main">
+      <p:pic>
         <p:nvPicPr>
-          <p:cNvPr id="2" name="" descr=""/>
+          <p:cNvPr descr="slides/slides_43.png" id="0" name="Picture 1"/>
           <p:cNvPicPr>
-            <a:picLocks noGrp="1"/>
+            <a:picLocks noGrp="1" noChangeAspect="1"/>
           </p:cNvPicPr>
-          <p:nvPr>
-            <p:ph/>
-          </p:nvPr>
+          <p:nvPr/>
         </p:nvPicPr>
         <p:blipFill>
-          <a:blip cstate="print" r:embed="rId2"/>
+          <a:blip r:embed="rId2"/>
           <a:stretch>
             <a:fillRect/>
           </a:stretch>
         </p:blipFill>
-        <p:spPr>
-          <a:xfrm>
-            <a:off x="0" y="0"/>
-            <a:ext cx="12192000" cy="6858000"/>
+        <p:spPr bwMode="auto">
+          <a:xfrm>
+            <a:off x="558800" y="1600200"/>
+            <a:ext cx="8039100" cy="4521200"/>
           </a:xfrm>
           <a:prstGeom prst="rect">
             <a:avLst/>
           </a:prstGeom>
+          <a:noFill/>
+          <a:ln w="9525">
+            <a:noFill/>
+            <a:headEnd/>
+            <a:tailEnd/>
+          </a:ln>
         </p:spPr>
       </p:pic>
     </p:spTree>
   </p:cSld>
-  <p:clrMapOvr>
-    <a:masterClrMapping/>
-  </p:clrMapOvr>
 </p:sld>
 </file>
 
@@ -5312,37 +5135,38 @@
           <a:chExt cx="0" cy="0"/>
         </a:xfrm>
       </p:grpSpPr>
-      <p:pic xmlns:a="http://schemas.openxmlformats.org/drawingml/2006/main" xmlns:r="http://schemas.openxmlformats.org/officeDocument/2006/relationships" xmlns:p="http://schemas.openxmlformats.org/presentationml/2006/main">
+      <p:pic>
         <p:nvPicPr>
-          <p:cNvPr id="2" name="" descr=""/>
+          <p:cNvPr descr="slides/slides_44.png" id="0" name="Picture 1"/>
           <p:cNvPicPr>
-            <a:picLocks noGrp="1"/>
+            <a:picLocks noGrp="1" noChangeAspect="1"/>
           </p:cNvPicPr>
-          <p:nvPr>
-            <p:ph/>
-          </p:nvPr>
+          <p:nvPr/>
         </p:nvPicPr>
         <p:blipFill>
-          <a:blip cstate="print" r:embed="rId2"/>
+          <a:blip r:embed="rId2"/>
           <a:stretch>
             <a:fillRect/>
           </a:stretch>
         </p:blipFill>
-        <p:spPr>
-          <a:xfrm>
-            <a:off x="0" y="0"/>
-            <a:ext cx="12192000" cy="6858000"/>
+        <p:spPr bwMode="auto">
+          <a:xfrm>
+            <a:off x="558800" y="1600200"/>
+            <a:ext cx="8039100" cy="4521200"/>
           </a:xfrm>
           <a:prstGeom prst="rect">
             <a:avLst/>
           </a:prstGeom>
+          <a:noFill/>
+          <a:ln w="9525">
+            <a:noFill/>
+            <a:headEnd/>
+            <a:tailEnd/>
+          </a:ln>
         </p:spPr>
       </p:pic>
     </p:spTree>
   </p:cSld>
-  <p:clrMapOvr>
-    <a:masterClrMapping/>
-  </p:clrMapOvr>
 </p:sld>
 </file>
 
@@ -5363,37 +5187,38 @@
           <a:chExt cx="0" cy="0"/>
         </a:xfrm>
       </p:grpSpPr>
-      <p:pic xmlns:a="http://schemas.openxmlformats.org/drawingml/2006/main" xmlns:r="http://schemas.openxmlformats.org/officeDocument/2006/relationships" xmlns:p="http://schemas.openxmlformats.org/presentationml/2006/main">
+      <p:pic>
         <p:nvPicPr>
-          <p:cNvPr id="2" name="" descr=""/>
+          <p:cNvPr descr="slides/slides_45.png" id="0" name="Picture 1"/>
           <p:cNvPicPr>
-            <a:picLocks noGrp="1"/>
+            <a:picLocks noGrp="1" noChangeAspect="1"/>
           </p:cNvPicPr>
-          <p:nvPr>
-            <p:ph/>
-          </p:nvPr>
+          <p:nvPr/>
         </p:nvPicPr>
         <p:blipFill>
-          <a:blip cstate="print" r:embed="rId2"/>
+          <a:blip r:embed="rId2"/>
           <a:stretch>
             <a:fillRect/>
           </a:stretch>
         </p:blipFill>
-        <p:spPr>
-          <a:xfrm>
-            <a:off x="0" y="0"/>
-            <a:ext cx="12192000" cy="6858000"/>
+        <p:spPr bwMode="auto">
+          <a:xfrm>
+            <a:off x="558800" y="1600200"/>
+            <a:ext cx="8039100" cy="4521200"/>
           </a:xfrm>
           <a:prstGeom prst="rect">
             <a:avLst/>
           </a:prstGeom>
+          <a:noFill/>
+          <a:ln w="9525">
+            <a:noFill/>
+            <a:headEnd/>
+            <a:tailEnd/>
+          </a:ln>
         </p:spPr>
       </p:pic>
     </p:spTree>
   </p:cSld>
-  <p:clrMapOvr>
-    <a:masterClrMapping/>
-  </p:clrMapOvr>
 </p:sld>
 </file>
 
@@ -5414,37 +5239,38 @@
           <a:chExt cx="0" cy="0"/>
         </a:xfrm>
       </p:grpSpPr>
-      <p:pic xmlns:a="http://schemas.openxmlformats.org/drawingml/2006/main" xmlns:r="http://schemas.openxmlformats.org/officeDocument/2006/relationships" xmlns:p="http://schemas.openxmlformats.org/presentationml/2006/main">
+      <p:pic>
         <p:nvPicPr>
-          <p:cNvPr id="2" name="" descr=""/>
+          <p:cNvPr descr="slides/slides_46.png" id="0" name="Picture 1"/>
           <p:cNvPicPr>
-            <a:picLocks noGrp="1"/>
+            <a:picLocks noGrp="1" noChangeAspect="1"/>
           </p:cNvPicPr>
-          <p:nvPr>
-            <p:ph/>
-          </p:nvPr>
+          <p:nvPr/>
         </p:nvPicPr>
         <p:blipFill>
-          <a:blip cstate="print" r:embed="rId2"/>
+          <a:blip r:embed="rId2"/>
           <a:stretch>
             <a:fillRect/>
           </a:stretch>
         </p:blipFill>
-        <p:spPr>
-          <a:xfrm>
-            <a:off x="0" y="0"/>
-            <a:ext cx="12192000" cy="6858000"/>
+        <p:spPr bwMode="auto">
+          <a:xfrm>
+            <a:off x="558800" y="1600200"/>
+            <a:ext cx="8039100" cy="4521200"/>
           </a:xfrm>
           <a:prstGeom prst="rect">
             <a:avLst/>
           </a:prstGeom>
+          <a:noFill/>
+          <a:ln w="9525">
+            <a:noFill/>
+            <a:headEnd/>
+            <a:tailEnd/>
+          </a:ln>
         </p:spPr>
       </p:pic>
     </p:spTree>
   </p:cSld>
-  <p:clrMapOvr>
-    <a:masterClrMapping/>
-  </p:clrMapOvr>
 </p:sld>
 </file>
 
@@ -5465,37 +5291,38 @@
           <a:chExt cx="0" cy="0"/>
         </a:xfrm>
       </p:grpSpPr>
-      <p:pic xmlns:a="http://schemas.openxmlformats.org/drawingml/2006/main" xmlns:r="http://schemas.openxmlformats.org/officeDocument/2006/relationships" xmlns:p="http://schemas.openxmlformats.org/presentationml/2006/main">
+      <p:pic>
         <p:nvPicPr>
-          <p:cNvPr id="2" name="" descr=""/>
+          <p:cNvPr descr="slides/slides_47.png" id="0" name="Picture 1"/>
           <p:cNvPicPr>
-            <a:picLocks noGrp="1"/>
+            <a:picLocks noGrp="1" noChangeAspect="1"/>
           </p:cNvPicPr>
-          <p:nvPr>
-            <p:ph/>
-          </p:nvPr>
+          <p:nvPr/>
         </p:nvPicPr>
         <p:blipFill>
-          <a:blip cstate="print" r:embed="rId2"/>
+          <a:blip r:embed="rId2"/>
           <a:stretch>
             <a:fillRect/>
           </a:stretch>
         </p:blipFill>
-        <p:spPr>
-          <a:xfrm>
-            <a:off x="0" y="0"/>
-            <a:ext cx="12192000" cy="6858000"/>
+        <p:spPr bwMode="auto">
+          <a:xfrm>
+            <a:off x="558800" y="1600200"/>
+            <a:ext cx="8039100" cy="4521200"/>
           </a:xfrm>
           <a:prstGeom prst="rect">
             <a:avLst/>
           </a:prstGeom>
+          <a:noFill/>
+          <a:ln w="9525">
+            <a:noFill/>
+            <a:headEnd/>
+            <a:tailEnd/>
+          </a:ln>
         </p:spPr>
       </p:pic>
     </p:spTree>
   </p:cSld>
-  <p:clrMapOvr>
-    <a:masterClrMapping/>
-  </p:clrMapOvr>
 </p:sld>
 </file>
 
@@ -5516,37 +5343,38 @@
           <a:chExt cx="0" cy="0"/>
         </a:xfrm>
       </p:grpSpPr>
-      <p:pic xmlns:a="http://schemas.openxmlformats.org/drawingml/2006/main" xmlns:r="http://schemas.openxmlformats.org/officeDocument/2006/relationships" xmlns:p="http://schemas.openxmlformats.org/presentationml/2006/main">
+      <p:pic>
         <p:nvPicPr>
-          <p:cNvPr id="2" name="" descr=""/>
+          <p:cNvPr descr="slides/slides_48.png" id="0" name="Picture 1"/>
           <p:cNvPicPr>
-            <a:picLocks noGrp="1"/>
+            <a:picLocks noGrp="1" noChangeAspect="1"/>
           </p:cNvPicPr>
-          <p:nvPr>
-            <p:ph/>
-          </p:nvPr>
+          <p:nvPr/>
         </p:nvPicPr>
         <p:blipFill>
-          <a:blip cstate="print" r:embed="rId2"/>
+          <a:blip r:embed="rId2"/>
           <a:stretch>
             <a:fillRect/>
           </a:stretch>
         </p:blipFill>
-        <p:spPr>
-          <a:xfrm>
-            <a:off x="0" y="0"/>
-            <a:ext cx="12192000" cy="6858000"/>
+        <p:spPr bwMode="auto">
+          <a:xfrm>
+            <a:off x="558800" y="1600200"/>
+            <a:ext cx="8039100" cy="4521200"/>
           </a:xfrm>
           <a:prstGeom prst="rect">
             <a:avLst/>
           </a:prstGeom>
+          <a:noFill/>
+          <a:ln w="9525">
+            <a:noFill/>
+            <a:headEnd/>
+            <a:tailEnd/>
+          </a:ln>
         </p:spPr>
       </p:pic>
     </p:spTree>
   </p:cSld>
-  <p:clrMapOvr>
-    <a:masterClrMapping/>
-  </p:clrMapOvr>
 </p:sld>
 </file>
 
@@ -5567,37 +5395,38 @@
           <a:chExt cx="0" cy="0"/>
         </a:xfrm>
       </p:grpSpPr>
-      <p:pic xmlns:a="http://schemas.openxmlformats.org/drawingml/2006/main" xmlns:r="http://schemas.openxmlformats.org/officeDocument/2006/relationships" xmlns:p="http://schemas.openxmlformats.org/presentationml/2006/main">
+      <p:pic>
         <p:nvPicPr>
-          <p:cNvPr id="2" name="" descr=""/>
+          <p:cNvPr descr="slides/slides_49.png" id="0" name="Picture 1"/>
           <p:cNvPicPr>
-            <a:picLocks noGrp="1"/>
+            <a:picLocks noGrp="1" noChangeAspect="1"/>
           </p:cNvPicPr>
-          <p:nvPr>
-            <p:ph/>
-          </p:nvPr>
+          <p:nvPr/>
         </p:nvPicPr>
         <p:blipFill>
-          <a:blip cstate="print" r:embed="rId2"/>
+          <a:blip r:embed="rId2"/>
           <a:stretch>
             <a:fillRect/>
           </a:stretch>
         </p:blipFill>
-        <p:spPr>
-          <a:xfrm>
-            <a:off x="0" y="0"/>
-            <a:ext cx="12192000" cy="6858000"/>
+        <p:spPr bwMode="auto">
+          <a:xfrm>
+            <a:off x="558800" y="1600200"/>
+            <a:ext cx="8039100" cy="4521200"/>
           </a:xfrm>
           <a:prstGeom prst="rect">
             <a:avLst/>
           </a:prstGeom>
+          <a:noFill/>
+          <a:ln w="9525">
+            <a:noFill/>
+            <a:headEnd/>
+            <a:tailEnd/>
+          </a:ln>
         </p:spPr>
       </p:pic>
     </p:spTree>
   </p:cSld>
-  <p:clrMapOvr>
-    <a:masterClrMapping/>
-  </p:clrMapOvr>
 </p:sld>
 </file>
 
@@ -5618,37 +5447,38 @@
           <a:chExt cx="0" cy="0"/>
         </a:xfrm>
       </p:grpSpPr>
-      <p:pic xmlns:a="http://schemas.openxmlformats.org/drawingml/2006/main" xmlns:r="http://schemas.openxmlformats.org/officeDocument/2006/relationships" xmlns:p="http://schemas.openxmlformats.org/presentationml/2006/main">
+      <p:pic>
         <p:nvPicPr>
-          <p:cNvPr id="2" name="" descr=""/>
+          <p:cNvPr descr="slides/slides_05.png" id="0" name="Picture 1"/>
           <p:cNvPicPr>
-            <a:picLocks noGrp="1"/>
+            <a:picLocks noGrp="1" noChangeAspect="1"/>
           </p:cNvPicPr>
-          <p:nvPr>
-            <p:ph/>
-          </p:nvPr>
+          <p:nvPr/>
         </p:nvPicPr>
         <p:blipFill>
-          <a:blip cstate="print" r:embed="rId2"/>
+          <a:blip r:embed="rId2"/>
           <a:stretch>
             <a:fillRect/>
           </a:stretch>
         </p:blipFill>
-        <p:spPr>
-          <a:xfrm>
-            <a:off x="0" y="0"/>
-            <a:ext cx="12192000" cy="6858000"/>
+        <p:spPr bwMode="auto">
+          <a:xfrm>
+            <a:off x="558800" y="1600200"/>
+            <a:ext cx="8039100" cy="4521200"/>
           </a:xfrm>
           <a:prstGeom prst="rect">
             <a:avLst/>
           </a:prstGeom>
+          <a:noFill/>
+          <a:ln w="9525">
+            <a:noFill/>
+            <a:headEnd/>
+            <a:tailEnd/>
+          </a:ln>
         </p:spPr>
       </p:pic>
     </p:spTree>
   </p:cSld>
-  <p:clrMapOvr>
-    <a:masterClrMapping/>
-  </p:clrMapOvr>
 </p:sld>
 </file>
 
@@ -5669,37 +5499,38 @@
           <a:chExt cx="0" cy="0"/>
         </a:xfrm>
       </p:grpSpPr>
-      <p:pic xmlns:a="http://schemas.openxmlformats.org/drawingml/2006/main" xmlns:r="http://schemas.openxmlformats.org/officeDocument/2006/relationships" xmlns:p="http://schemas.openxmlformats.org/presentationml/2006/main">
+      <p:pic>
         <p:nvPicPr>
-          <p:cNvPr id="2" name="" descr=""/>
+          <p:cNvPr descr="slides/slides_06.png" id="0" name="Picture 1"/>
           <p:cNvPicPr>
-            <a:picLocks noGrp="1"/>
+            <a:picLocks noGrp="1" noChangeAspect="1"/>
           </p:cNvPicPr>
-          <p:nvPr>
-            <p:ph/>
-          </p:nvPr>
+          <p:nvPr/>
         </p:nvPicPr>
         <p:blipFill>
-          <a:blip cstate="print" r:embed="rId2"/>
+          <a:blip r:embed="rId2"/>
           <a:stretch>
             <a:fillRect/>
           </a:stretch>
         </p:blipFill>
-        <p:spPr>
-          <a:xfrm>
-            <a:off x="0" y="0"/>
-            <a:ext cx="12192000" cy="6858000"/>
+        <p:spPr bwMode="auto">
+          <a:xfrm>
+            <a:off x="558800" y="1600200"/>
+            <a:ext cx="8039100" cy="4521200"/>
           </a:xfrm>
           <a:prstGeom prst="rect">
             <a:avLst/>
           </a:prstGeom>
+          <a:noFill/>
+          <a:ln w="9525">
+            <a:noFill/>
+            <a:headEnd/>
+            <a:tailEnd/>
+          </a:ln>
         </p:spPr>
       </p:pic>
     </p:spTree>
   </p:cSld>
-  <p:clrMapOvr>
-    <a:masterClrMapping/>
-  </p:clrMapOvr>
 </p:sld>
 </file>
 
@@ -5720,37 +5551,38 @@
           <a:chExt cx="0" cy="0"/>
         </a:xfrm>
       </p:grpSpPr>
-      <p:pic xmlns:a="http://schemas.openxmlformats.org/drawingml/2006/main" xmlns:r="http://schemas.openxmlformats.org/officeDocument/2006/relationships" xmlns:p="http://schemas.openxmlformats.org/presentationml/2006/main">
+      <p:pic>
         <p:nvPicPr>
-          <p:cNvPr id="2" name="" descr=""/>
+          <p:cNvPr descr="slides/slides_07.png" id="0" name="Picture 1"/>
           <p:cNvPicPr>
-            <a:picLocks noGrp="1"/>
+            <a:picLocks noGrp="1" noChangeAspect="1"/>
           </p:cNvPicPr>
-          <p:nvPr>
-            <p:ph/>
-          </p:nvPr>
+          <p:nvPr/>
         </p:nvPicPr>
         <p:blipFill>
-          <a:blip cstate="print" r:embed="rId2"/>
+          <a:blip r:embed="rId2"/>
           <a:stretch>
             <a:fillRect/>
           </a:stretch>
         </p:blipFill>
-        <p:spPr>
-          <a:xfrm>
-            <a:off x="0" y="0"/>
-            <a:ext cx="12192000" cy="6858000"/>
+        <p:spPr bwMode="auto">
+          <a:xfrm>
+            <a:off x="558800" y="1600200"/>
+            <a:ext cx="8039100" cy="4521200"/>
           </a:xfrm>
           <a:prstGeom prst="rect">
             <a:avLst/>
           </a:prstGeom>
+          <a:noFill/>
+          <a:ln w="9525">
+            <a:noFill/>
+            <a:headEnd/>
+            <a:tailEnd/>
+          </a:ln>
         </p:spPr>
       </p:pic>
     </p:spTree>
   </p:cSld>
-  <p:clrMapOvr>
-    <a:masterClrMapping/>
-  </p:clrMapOvr>
 </p:sld>
 </file>
 
@@ -5771,37 +5603,38 @@
           <a:chExt cx="0" cy="0"/>
         </a:xfrm>
       </p:grpSpPr>
-      <p:pic xmlns:a="http://schemas.openxmlformats.org/drawingml/2006/main" xmlns:r="http://schemas.openxmlformats.org/officeDocument/2006/relationships" xmlns:p="http://schemas.openxmlformats.org/presentationml/2006/main">
+      <p:pic>
         <p:nvPicPr>
-          <p:cNvPr id="2" name="" descr=""/>
+          <p:cNvPr descr="slides/slides_08.png" id="0" name="Picture 1"/>
           <p:cNvPicPr>
-            <a:picLocks noGrp="1"/>
+            <a:picLocks noGrp="1" noChangeAspect="1"/>
           </p:cNvPicPr>
-          <p:nvPr>
-            <p:ph/>
-          </p:nvPr>
+          <p:nvPr/>
         </p:nvPicPr>
         <p:blipFill>
-          <a:blip cstate="print" r:embed="rId2"/>
+          <a:blip r:embed="rId2"/>
           <a:stretch>
             <a:fillRect/>
           </a:stretch>
         </p:blipFill>
-        <p:spPr>
-          <a:xfrm>
-            <a:off x="0" y="0"/>
-            <a:ext cx="12192000" cy="6858000"/>
+        <p:spPr bwMode="auto">
+          <a:xfrm>
+            <a:off x="558800" y="1600200"/>
+            <a:ext cx="8039100" cy="4521200"/>
           </a:xfrm>
           <a:prstGeom prst="rect">
             <a:avLst/>
           </a:prstGeom>
+          <a:noFill/>
+          <a:ln w="9525">
+            <a:noFill/>
+            <a:headEnd/>
+            <a:tailEnd/>
+          </a:ln>
         </p:spPr>
       </p:pic>
     </p:spTree>
   </p:cSld>
-  <p:clrMapOvr>
-    <a:masterClrMapping/>
-  </p:clrMapOvr>
 </p:sld>
 </file>
 
@@ -5822,37 +5655,38 @@
           <a:chExt cx="0" cy="0"/>
         </a:xfrm>
       </p:grpSpPr>
-      <p:pic xmlns:a="http://schemas.openxmlformats.org/drawingml/2006/main" xmlns:r="http://schemas.openxmlformats.org/officeDocument/2006/relationships" xmlns:p="http://schemas.openxmlformats.org/presentationml/2006/main">
+      <p:pic>
         <p:nvPicPr>
-          <p:cNvPr id="2" name="" descr=""/>
+          <p:cNvPr descr="slides/slides_09.png" id="0" name="Picture 1"/>
           <p:cNvPicPr>
-            <a:picLocks noGrp="1"/>
+            <a:picLocks noGrp="1" noChangeAspect="1"/>
           </p:cNvPicPr>
-          <p:nvPr>
-            <p:ph/>
-          </p:nvPr>
+          <p:nvPr/>
         </p:nvPicPr>
         <p:blipFill>
-          <a:blip cstate="print" r:embed="rId2"/>
+          <a:blip r:embed="rId2"/>
           <a:stretch>
             <a:fillRect/>
           </a:stretch>
         </p:blipFill>
-        <p:spPr>
-          <a:xfrm>
-            <a:off x="0" y="0"/>
-            <a:ext cx="12192000" cy="6858000"/>
+        <p:spPr bwMode="auto">
+          <a:xfrm>
+            <a:off x="558800" y="1600200"/>
+            <a:ext cx="8039100" cy="4521200"/>
           </a:xfrm>
           <a:prstGeom prst="rect">
             <a:avLst/>
           </a:prstGeom>
+          <a:noFill/>
+          <a:ln w="9525">
+            <a:noFill/>
+            <a:headEnd/>
+            <a:tailEnd/>
+          </a:ln>
         </p:spPr>
       </p:pic>
     </p:spTree>
   </p:cSld>
-  <p:clrMapOvr>
-    <a:masterClrMapping/>
-  </p:clrMapOvr>
 </p:sld>
 </file>
 
@@ -5867,44 +5701,44 @@
         <a:sysClr val="window" lastClr="FFFFFF"/>
       </a:lt1>
       <a:dk2>
-        <a:srgbClr val="44546A"/>
+        <a:srgbClr val="1F497D"/>
       </a:dk2>
       <a:lt2>
-        <a:srgbClr val="E7E6E6"/>
+        <a:srgbClr val="EEECE1"/>
       </a:lt2>
       <a:accent1>
-        <a:srgbClr val="4472C4"/>
+        <a:srgbClr val="4F81BD"/>
       </a:accent1>
       <a:accent2>
-        <a:srgbClr val="ED7D31"/>
+        <a:srgbClr val="C0504D"/>
       </a:accent2>
       <a:accent3>
-        <a:srgbClr val="A5A5A5"/>
+        <a:srgbClr val="9BBB59"/>
       </a:accent3>
       <a:accent4>
-        <a:srgbClr val="FFC000"/>
+        <a:srgbClr val="8064A2"/>
       </a:accent4>
       <a:accent5>
-        <a:srgbClr val="5B9BD5"/>
+        <a:srgbClr val="4BACC6"/>
       </a:accent5>
       <a:accent6>
-        <a:srgbClr val="70AD47"/>
+        <a:srgbClr val="F79646"/>
       </a:accent6>
       <a:hlink>
-        <a:srgbClr val="0563C1"/>
+        <a:srgbClr val="0000FF"/>
       </a:hlink>
       <a:folHlink>
-        <a:srgbClr val="954F72"/>
+        <a:srgbClr val="800080"/>
       </a:folHlink>
     </a:clrScheme>
     <a:fontScheme name="Office">
       <a:majorFont>
-        <a:latin typeface="Calibri Light" panose="020F0302020204030204"/>
+        <a:latin typeface="Calibri"/>
         <a:ea typeface=""/>
         <a:cs typeface=""/>
-        <a:font script="Jpan" typeface="游ゴシック Light"/>
+        <a:font script="Jpan" typeface="ＭＳ Ｐゴシック"/>
         <a:font script="Hang" typeface="맑은 고딕"/>
-        <a:font script="Hans" typeface="等线 Light"/>
+        <a:font script="Hans" typeface="宋体"/>
         <a:font script="Hant" typeface="新細明體"/>
         <a:font script="Arab" typeface="Times New Roman"/>
         <a:font script="Hebr" typeface="Times New Roman"/>
@@ -5932,31 +5766,14 @@
         <a:font script="Viet" typeface="Times New Roman"/>
         <a:font script="Uigh" typeface="Microsoft Uighur"/>
         <a:font script="Geor" typeface="Sylfaen"/>
-        <a:font script="Armn" typeface="Arial"/>
-        <a:font script="Bugi" typeface="Leelawadee UI"/>
-        <a:font script="Bopo" typeface="Microsoft JhengHei"/>
-        <a:font script="Java" typeface="Javanese Text"/>
-        <a:font script="Lisu" typeface="Segoe UI"/>
-        <a:font script="Mymr" typeface="Myanmar Text"/>
-        <a:font script="Nkoo" typeface="Ebrima"/>
-        <a:font script="Olck" typeface="Nirmala UI"/>
-        <a:font script="Osma" typeface="Ebrima"/>
-        <a:font script="Phag" typeface="Phagspa"/>
-        <a:font script="Syrn" typeface="Estrangelo Edessa"/>
-        <a:font script="Syrj" typeface="Estrangelo Edessa"/>
-        <a:font script="Syre" typeface="Estrangelo Edessa"/>
-        <a:font script="Sora" typeface="Nirmala UI"/>
-        <a:font script="Tale" typeface="Microsoft Tai Le"/>
-        <a:font script="Talu" typeface="Microsoft New Tai Lue"/>
-        <a:font script="Tfng" typeface="Ebrima"/>
       </a:majorFont>
       <a:minorFont>
-        <a:latin typeface="Calibri" panose="020F0502020204030204"/>
+        <a:latin typeface="Calibri"/>
         <a:ea typeface=""/>
         <a:cs typeface=""/>
-        <a:font script="Jpan" typeface="游ゴシック"/>
+        <a:font script="Jpan" typeface="ＭＳ Ｐゴシック"/>
         <a:font script="Hang" typeface="맑은 고딕"/>
-        <a:font script="Hans" typeface="等线"/>
+        <a:font script="Hans" typeface="宋体"/>
         <a:font script="Hant" typeface="新細明體"/>
         <a:font script="Arab" typeface="Arial"/>
         <a:font script="Hebr" typeface="Arial"/>
@@ -5984,23 +5801,6 @@
         <a:font script="Viet" typeface="Arial"/>
         <a:font script="Uigh" typeface="Microsoft Uighur"/>
         <a:font script="Geor" typeface="Sylfaen"/>
-        <a:font script="Armn" typeface="Arial"/>
-        <a:font script="Bugi" typeface="Leelawadee UI"/>
-        <a:font script="Bopo" typeface="Microsoft JhengHei"/>
-        <a:font script="Java" typeface="Javanese Text"/>
-        <a:font script="Lisu" typeface="Segoe UI"/>
-        <a:font script="Mymr" typeface="Myanmar Text"/>
-        <a:font script="Nkoo" typeface="Ebrima"/>
-        <a:font script="Olck" typeface="Nirmala UI"/>
-        <a:font script="Osma" typeface="Ebrima"/>
-        <a:font script="Phag" typeface="Phagspa"/>
-        <a:font script="Syrn" typeface="Estrangelo Edessa"/>
-        <a:font script="Syrj" typeface="Estrangelo Edessa"/>
-        <a:font script="Syre" typeface="Estrangelo Edessa"/>
-        <a:font script="Sora" typeface="Nirmala UI"/>
-        <a:font script="Tale" typeface="Microsoft Tai Le"/>
-        <a:font script="Talu" typeface="Microsoft New Tai Lue"/>
-        <a:font script="Tfng" typeface="Ebrima"/>
       </a:minorFont>
     </a:fontScheme>
     <a:fmtScheme name="Office">
@@ -6012,141 +5812,200 @@
           <a:gsLst>
             <a:gs pos="0">
               <a:schemeClr val="phClr">
-                <a:lumMod val="110000"/>
-                <a:satMod val="105000"/>
-                <a:tint val="67000"/>
+                <a:tint val="50000"/>
+                <a:satMod val="300000"/>
               </a:schemeClr>
             </a:gs>
-            <a:gs pos="50000">
+            <a:gs pos="35000">
               <a:schemeClr val="phClr">
-                <a:lumMod val="105000"/>
-                <a:satMod val="103000"/>
-                <a:tint val="73000"/>
+                <a:tint val="37000"/>
+                <a:satMod val="300000"/>
               </a:schemeClr>
             </a:gs>
             <a:gs pos="100000">
               <a:schemeClr val="phClr">
-                <a:lumMod val="105000"/>
-                <a:satMod val="109000"/>
-                <a:tint val="81000"/>
+                <a:tint val="15000"/>
+                <a:satMod val="350000"/>
               </a:schemeClr>
             </a:gs>
           </a:gsLst>
-          <a:lin ang="5400000" scaled="0"/>
+          <a:lin ang="16200000" scaled="1"/>
         </a:gradFill>
         <a:gradFill rotWithShape="1">
           <a:gsLst>
             <a:gs pos="0">
               <a:schemeClr val="phClr">
-                <a:satMod val="103000"/>
-                <a:lumMod val="102000"/>
-                <a:tint val="94000"/>
-              </a:schemeClr>
-            </a:gs>
-            <a:gs pos="50000">
-              <a:schemeClr val="phClr">
-                <a:satMod val="110000"/>
-                <a:lumMod val="100000"/>
+                <a:tint val="100000"/>
                 <a:shade val="100000"/>
+                <a:satMod val="130000"/>
               </a:schemeClr>
             </a:gs>
             <a:gs pos="100000">
               <a:schemeClr val="phClr">
-                <a:lumMod val="99000"/>
-                <a:satMod val="120000"/>
-                <a:shade val="78000"/>
+                <a:tint val="50000"/>
+                <a:shade val="100000"/>
+                <a:satMod val="350000"/>
               </a:schemeClr>
             </a:gs>
           </a:gsLst>
-          <a:lin ang="5400000" scaled="0"/>
+          <a:lin ang="16200000" scaled="0"/>
         </a:gradFill>
       </a:fillStyleLst>
       <a:lnStyleLst>
-        <a:ln w="6350" cap="flat" cmpd="sng" algn="ctr">
+        <a:ln w="9525" cap="flat" cmpd="sng" algn="ctr">
+          <a:solidFill>
+            <a:schemeClr val="phClr">
+              <a:shade val="95000"/>
+              <a:satMod val="105000"/>
+            </a:schemeClr>
+          </a:solidFill>
+          <a:prstDash val="solid"/>
+        </a:ln>
+        <a:ln w="25400" cap="flat" cmpd="sng" algn="ctr">
           <a:solidFill>
             <a:schemeClr val="phClr"/>
           </a:solidFill>
           <a:prstDash val="solid"/>
-          <a:miter lim="800000"/>
         </a:ln>
-        <a:ln w="12700" cap="flat" cmpd="sng" algn="ctr">
+        <a:ln w="38100" cap="flat" cmpd="sng" algn="ctr">
           <a:solidFill>
             <a:schemeClr val="phClr"/>
           </a:solidFill>
           <a:prstDash val="solid"/>
-          <a:miter lim="800000"/>
-        </a:ln>
-        <a:ln w="19050" cap="flat" cmpd="sng" algn="ctr">
-          <a:solidFill>
-            <a:schemeClr val="phClr"/>
-          </a:solidFill>
-          <a:prstDash val="solid"/>
-          <a:miter lim="800000"/>
         </a:ln>
       </a:lnStyleLst>
       <a:effectStyleLst>
         <a:effectStyle>
-          <a:effectLst/>
-        </a:effectStyle>
-        <a:effectStyle>
-          <a:effectLst/>
+          <a:effectLst>
+            <a:outerShdw blurRad="40000" dist="20000" dir="5400000" rotWithShape="0">
+              <a:srgbClr val="000000">
+                <a:alpha val="38000"/>
+              </a:srgbClr>
+            </a:outerShdw>
+          </a:effectLst>
         </a:effectStyle>
         <a:effectStyle>
           <a:effectLst>
-            <a:outerShdw blurRad="57150" dist="19050" dir="5400000" algn="ctr" rotWithShape="0">
+            <a:outerShdw blurRad="40000" dist="23000" dir="5400000" rotWithShape="0">
               <a:srgbClr val="000000">
-                <a:alpha val="63000"/>
+                <a:alpha val="35000"/>
               </a:srgbClr>
             </a:outerShdw>
           </a:effectLst>
+        </a:effectStyle>
+        <a:effectStyle>
+          <a:effectLst>
+            <a:outerShdw blurRad="40000" dist="23000" dir="5400000" rotWithShape="0">
+              <a:srgbClr val="000000">
+                <a:alpha val="35000"/>
+              </a:srgbClr>
+            </a:outerShdw>
+          </a:effectLst>
+          <a:scene3d>
+            <a:camera prst="orthographicFront">
+              <a:rot lat="0" lon="0" rev="0"/>
+            </a:camera>
+            <a:lightRig rig="threePt" dir="t">
+              <a:rot lat="0" lon="0" rev="1200000"/>
+            </a:lightRig>
+          </a:scene3d>
+          <a:sp3d>
+            <a:bevelT w="63500" h="25400"/>
+          </a:sp3d>
         </a:effectStyle>
       </a:effectStyleLst>
       <a:bgFillStyleLst>
         <a:solidFill>
           <a:schemeClr val="phClr"/>
         </a:solidFill>
-        <a:solidFill>
-          <a:schemeClr val="phClr">
-            <a:tint val="95000"/>
-            <a:satMod val="170000"/>
-          </a:schemeClr>
-        </a:solidFill>
         <a:gradFill rotWithShape="1">
           <a:gsLst>
             <a:gs pos="0">
               <a:schemeClr val="phClr">
-                <a:tint val="93000"/>
-                <a:satMod val="150000"/>
-                <a:shade val="98000"/>
-                <a:lumMod val="102000"/>
+                <a:tint val="40000"/>
+                <a:satMod val="350000"/>
               </a:schemeClr>
             </a:gs>
-            <a:gs pos="50000">
+            <a:gs pos="40000">
               <a:schemeClr val="phClr">
-                <a:tint val="98000"/>
-                <a:satMod val="130000"/>
-                <a:shade val="90000"/>
-                <a:lumMod val="103000"/>
+                <a:tint val="45000"/>
+                <a:shade val="99000"/>
+                <a:satMod val="350000"/>
               </a:schemeClr>
             </a:gs>
             <a:gs pos="100000">
               <a:schemeClr val="phClr">
-                <a:shade val="63000"/>
-                <a:satMod val="120000"/>
+                <a:shade val="20000"/>
+                <a:satMod val="255000"/>
               </a:schemeClr>
             </a:gs>
           </a:gsLst>
-          <a:lin ang="5400000" scaled="0"/>
+          <a:path path="circle">
+            <a:fillToRect l="50000" t="-80000" r="50000" b="180000"/>
+          </a:path>
+        </a:gradFill>
+        <a:gradFill rotWithShape="1">
+          <a:gsLst>
+            <a:gs pos="0">
+              <a:schemeClr val="phClr">
+                <a:tint val="80000"/>
+                <a:satMod val="300000"/>
+              </a:schemeClr>
+            </a:gs>
+            <a:gs pos="100000">
+              <a:schemeClr val="phClr">
+                <a:shade val="30000"/>
+                <a:satMod val="200000"/>
+              </a:schemeClr>
+            </a:gs>
+          </a:gsLst>
+          <a:path path="circle">
+            <a:fillToRect l="50000" t="50000" r="50000" b="50000"/>
+          </a:path>
         </a:gradFill>
       </a:bgFillStyleLst>
     </a:fmtScheme>
   </a:themeElements>
-  <a:objectDefaults/>
+  <a:objectDefaults>
+    <a:spDef>
+      <a:spPr/>
+      <a:bodyPr/>
+      <a:lstStyle/>
+      <a:style>
+        <a:lnRef idx="1">
+          <a:schemeClr val="accent1"/>
+        </a:lnRef>
+        <a:fillRef idx="3">
+          <a:schemeClr val="accent1"/>
+        </a:fillRef>
+        <a:effectRef idx="2">
+          <a:schemeClr val="accent1"/>
+        </a:effectRef>
+        <a:fontRef idx="minor">
+          <a:schemeClr val="lt1"/>
+        </a:fontRef>
+      </a:style>
+    </a:spDef>
+    <a:lnDef>
+      <a:spPr/>
+      <a:bodyPr/>
+      <a:lstStyle/>
+      <a:style>
+        <a:lnRef idx="2">
+          <a:schemeClr val="accent1"/>
+        </a:lnRef>
+        <a:fillRef idx="0">
+          <a:schemeClr val="accent1"/>
+        </a:fillRef>
+        <a:effectRef idx="1">
+          <a:schemeClr val="accent1"/>
+        </a:effectRef>
+        <a:fontRef idx="minor">
+          <a:schemeClr val="tx1"/>
+        </a:fontRef>
+      </a:style>
+    </a:lnDef>
+  </a:objectDefaults>
   <a:extraClrSchemeLst/>
-  <a:extLst>
-    <a:ext uri="{05A4C25C-085E-4340-85A3-A5531E510DB2}">
-      <thm15:themeFamily xmlns:thm15="http://schemas.microsoft.com/office/thememl/2012/main" name="Office Theme" id="{62F939B6-93AF-4DB8-9C6B-D6C7DFDC589F}" vid="{4A3C46E8-61CC-4603-A589-7422A47A8E4A}"/>
-    </a:ext>
-  </a:extLst>
 </a:theme>
 </file>
--- a/Presentation/Slides-day-1.pptx
+++ b/Presentation/Slides-day-1.pptx
@@ -1,68 +1,69 @@
 
 <file path=ppt/presentation.xml><?xml version="1.0" encoding="utf-8"?>
-<p:presentation xmlns:a="http://schemas.openxmlformats.org/drawingml/2006/main" xmlns:p="http://schemas.openxmlformats.org/presentationml/2006/main" xmlns:r="http://schemas.openxmlformats.org/officeDocument/2006/relationships" autoCompressPictures="0" saveSubsetFonts="1">
+<p:presentation xmlns:a="http://schemas.openxmlformats.org/drawingml/2006/main" xmlns:r="http://schemas.openxmlformats.org/officeDocument/2006/relationships" xmlns:p="http://schemas.openxmlformats.org/presentationml/2006/main" saveSubsetFonts="1" autoCompressPictures="0">
   <p:sldMasterIdLst>
     <p:sldMasterId id="2147483648" r:id="rId1"/>
   </p:sldMasterIdLst>
-  <p:sldIdLst>
-    <p:sldId id="256" r:id="rId2"/>
-    <p:sldId id="257" r:id="rId3"/>
-    <p:sldId id="258" r:id="rId4"/>
-    <p:sldId id="259" r:id="rId5"/>
-    <p:sldId id="260" r:id="rId6"/>
-    <p:sldId id="261" r:id="rId7"/>
-    <p:sldId id="262" r:id="rId8"/>
-    <p:sldId id="263" r:id="rId9"/>
-    <p:sldId id="264" r:id="rId10"/>
-    <p:sldId id="265" r:id="rId11"/>
-    <p:sldId id="266" r:id="rId12"/>
-    <p:sldId id="267" r:id="rId13"/>
-    <p:sldId id="268" r:id="rId14"/>
-    <p:sldId id="269" r:id="rId15"/>
-    <p:sldId id="270" r:id="rId16"/>
-    <p:sldId id="271" r:id="rId17"/>
-    <p:sldId id="272" r:id="rId18"/>
-    <p:sldId id="273" r:id="rId19"/>
-    <p:sldId id="274" r:id="rId20"/>
-    <p:sldId id="275" r:id="rId21"/>
-    <p:sldId id="276" r:id="rId22"/>
-    <p:sldId id="277" r:id="rId23"/>
-    <p:sldId id="278" r:id="rId24"/>
-    <p:sldId id="279" r:id="rId25"/>
-    <p:sldId id="280" r:id="rId26"/>
-    <p:sldId id="281" r:id="rId27"/>
-    <p:sldId id="282" r:id="rId28"/>
-    <p:sldId id="283" r:id="rId29"/>
-    <p:sldId id="284" r:id="rId30"/>
-    <p:sldId id="285" r:id="rId31"/>
-    <p:sldId id="286" r:id="rId32"/>
-    <p:sldId id="287" r:id="rId33"/>
-    <p:sldId id="288" r:id="rId34"/>
-    <p:sldId id="289" r:id="rId35"/>
-    <p:sldId id="290" r:id="rId36"/>
-    <p:sldId id="291" r:id="rId37"/>
-    <p:sldId id="292" r:id="rId38"/>
-    <p:sldId id="293" r:id="rId39"/>
-    <p:sldId id="294" r:id="rId40"/>
-    <p:sldId id="295" r:id="rId41"/>
-    <p:sldId id="296" r:id="rId42"/>
-    <p:sldId id="297" r:id="rId43"/>
-    <p:sldId id="298" r:id="rId44"/>
-    <p:sldId id="299" r:id="rId45"/>
-    <p:sldId id="300" r:id="rId46"/>
-    <p:sldId id="301" r:id="rId47"/>
-    <p:sldId id="302" r:id="rId48"/>
-    <p:sldId id="303" r:id="rId49"/>
-    <p:sldId id="304" r:id="rId50"/>
+  <p:sldIdLst xmlns:a="http://schemas.openxmlformats.org/drawingml/2006/main" xmlns:r="http://schemas.openxmlformats.org/officeDocument/2006/relationships" xmlns:p="http://schemas.openxmlformats.org/presentationml/2006/main">
+    <p:sldId id="256" r:id="rId6"/>
+    <p:sldId id="257" r:id="rId7"/>
+    <p:sldId id="258" r:id="rId8"/>
+    <p:sldId id="259" r:id="rId9"/>
+    <p:sldId id="260" r:id="rId10"/>
+    <p:sldId id="261" r:id="rId11"/>
+    <p:sldId id="262" r:id="rId12"/>
+    <p:sldId id="263" r:id="rId13"/>
+    <p:sldId id="264" r:id="rId14"/>
+    <p:sldId id="265" r:id="rId15"/>
+    <p:sldId id="266" r:id="rId16"/>
+    <p:sldId id="267" r:id="rId17"/>
+    <p:sldId id="268" r:id="rId18"/>
+    <p:sldId id="269" r:id="rId19"/>
+    <p:sldId id="270" r:id="rId20"/>
+    <p:sldId id="271" r:id="rId21"/>
+    <p:sldId id="272" r:id="rId22"/>
+    <p:sldId id="273" r:id="rId23"/>
+    <p:sldId id="274" r:id="rId24"/>
+    <p:sldId id="275" r:id="rId25"/>
+    <p:sldId id="276" r:id="rId26"/>
+    <p:sldId id="277" r:id="rId27"/>
+    <p:sldId id="278" r:id="rId28"/>
+    <p:sldId id="279" r:id="rId29"/>
+    <p:sldId id="280" r:id="rId30"/>
+    <p:sldId id="281" r:id="rId31"/>
+    <p:sldId id="282" r:id="rId32"/>
+    <p:sldId id="283" r:id="rId33"/>
+    <p:sldId id="284" r:id="rId34"/>
+    <p:sldId id="285" r:id="rId35"/>
+    <p:sldId id="286" r:id="rId36"/>
+    <p:sldId id="287" r:id="rId37"/>
+    <p:sldId id="288" r:id="rId38"/>
+    <p:sldId id="289" r:id="rId39"/>
+    <p:sldId id="290" r:id="rId40"/>
+    <p:sldId id="291" r:id="rId41"/>
+    <p:sldId id="292" r:id="rId42"/>
+    <p:sldId id="293" r:id="rId43"/>
+    <p:sldId id="294" r:id="rId44"/>
+    <p:sldId id="295" r:id="rId45"/>
+    <p:sldId id="296" r:id="rId46"/>
+    <p:sldId id="297" r:id="rId47"/>
+    <p:sldId id="298" r:id="rId48"/>
+    <p:sldId id="299" r:id="rId49"/>
+    <p:sldId id="300" r:id="rId50"/>
+    <p:sldId id="301" r:id="rId51"/>
+    <p:sldId id="302" r:id="rId52"/>
+    <p:sldId id="303" r:id="rId53"/>
+    <p:sldId id="304" r:id="rId54"/>
+    <p:sldId id="305" r:id="rId55"/>
   </p:sldIdLst>
-  <p:sldSz cx="9144000" cy="6858000" type="screen4x3"/>
+  <p:sldSz cx="12192000" cy="6858000"/>
   <p:notesSz cx="6858000" cy="9144000"/>
   <p:defaultTextStyle>
     <a:defPPr>
       <a:defRPr lang="en-US"/>
     </a:defPPr>
-    <a:lvl1pPr algn="l" defTabSz="457200" eaLnBrk="1" hangingPunct="1" latinLnBrk="0" marL="0" rtl="0">
-      <a:defRPr kern="1200" sz="1800">
+    <a:lvl1pPr marL="0" algn="l" defTabSz="914400" rtl="0" eaLnBrk="1" latinLnBrk="0" hangingPunct="1">
+      <a:defRPr sz="1800" kern="1200">
         <a:solidFill>
           <a:schemeClr val="tx1"/>
         </a:solidFill>
@@ -71,8 +72,8 @@
         <a:cs typeface="+mn-cs"/>
       </a:defRPr>
     </a:lvl1pPr>
-    <a:lvl2pPr algn="l" defTabSz="457200" eaLnBrk="1" hangingPunct="1" latinLnBrk="0" marL="457200" rtl="0">
-      <a:defRPr kern="1200" sz="1800">
+    <a:lvl2pPr marL="457200" algn="l" defTabSz="914400" rtl="0" eaLnBrk="1" latinLnBrk="0" hangingPunct="1">
+      <a:defRPr sz="1800" kern="1200">
         <a:solidFill>
           <a:schemeClr val="tx1"/>
         </a:solidFill>
@@ -81,8 +82,8 @@
         <a:cs typeface="+mn-cs"/>
       </a:defRPr>
     </a:lvl2pPr>
-    <a:lvl3pPr algn="l" defTabSz="457200" eaLnBrk="1" hangingPunct="1" latinLnBrk="0" marL="914400" rtl="0">
-      <a:defRPr kern="1200" sz="1800">
+    <a:lvl3pPr marL="914400" algn="l" defTabSz="914400" rtl="0" eaLnBrk="1" latinLnBrk="0" hangingPunct="1">
+      <a:defRPr sz="1800" kern="1200">
         <a:solidFill>
           <a:schemeClr val="tx1"/>
         </a:solidFill>
@@ -91,8 +92,8 @@
         <a:cs typeface="+mn-cs"/>
       </a:defRPr>
     </a:lvl3pPr>
-    <a:lvl4pPr algn="l" defTabSz="457200" eaLnBrk="1" hangingPunct="1" latinLnBrk="0" marL="1371600" rtl="0">
-      <a:defRPr kern="1200" sz="1800">
+    <a:lvl4pPr marL="1371600" algn="l" defTabSz="914400" rtl="0" eaLnBrk="1" latinLnBrk="0" hangingPunct="1">
+      <a:defRPr sz="1800" kern="1200">
         <a:solidFill>
           <a:schemeClr val="tx1"/>
         </a:solidFill>
@@ -101,8 +102,8 @@
         <a:cs typeface="+mn-cs"/>
       </a:defRPr>
     </a:lvl4pPr>
-    <a:lvl5pPr algn="l" defTabSz="457200" eaLnBrk="1" hangingPunct="1" latinLnBrk="0" marL="1828800" rtl="0">
-      <a:defRPr kern="1200" sz="1800">
+    <a:lvl5pPr marL="1828800" algn="l" defTabSz="914400" rtl="0" eaLnBrk="1" latinLnBrk="0" hangingPunct="1">
+      <a:defRPr sz="1800" kern="1200">
         <a:solidFill>
           <a:schemeClr val="tx1"/>
         </a:solidFill>
@@ -111,8 +112,8 @@
         <a:cs typeface="+mn-cs"/>
       </a:defRPr>
     </a:lvl5pPr>
-    <a:lvl6pPr algn="l" defTabSz="457200" eaLnBrk="1" hangingPunct="1" latinLnBrk="0" marL="2286000" rtl="0">
-      <a:defRPr kern="1200" sz="1800">
+    <a:lvl6pPr marL="2286000" algn="l" defTabSz="914400" rtl="0" eaLnBrk="1" latinLnBrk="0" hangingPunct="1">
+      <a:defRPr sz="1800" kern="1200">
         <a:solidFill>
           <a:schemeClr val="tx1"/>
         </a:solidFill>
@@ -121,8 +122,8 @@
         <a:cs typeface="+mn-cs"/>
       </a:defRPr>
     </a:lvl6pPr>
-    <a:lvl7pPr algn="l" defTabSz="457200" eaLnBrk="1" hangingPunct="1" latinLnBrk="0" marL="2743200" rtl="0">
-      <a:defRPr kern="1200" sz="1800">
+    <a:lvl7pPr marL="2743200" algn="l" defTabSz="914400" rtl="0" eaLnBrk="1" latinLnBrk="0" hangingPunct="1">
+      <a:defRPr sz="1800" kern="1200">
         <a:solidFill>
           <a:schemeClr val="tx1"/>
         </a:solidFill>
@@ -131,8 +132,8 @@
         <a:cs typeface="+mn-cs"/>
       </a:defRPr>
     </a:lvl7pPr>
-    <a:lvl8pPr algn="l" defTabSz="457200" eaLnBrk="1" hangingPunct="1" latinLnBrk="0" marL="3200400" rtl="0">
-      <a:defRPr kern="1200" sz="1800">
+    <a:lvl8pPr marL="3200400" algn="l" defTabSz="914400" rtl="0" eaLnBrk="1" latinLnBrk="0" hangingPunct="1">
+      <a:defRPr sz="1800" kern="1200">
         <a:solidFill>
           <a:schemeClr val="tx1"/>
         </a:solidFill>
@@ -141,8 +142,8 @@
         <a:cs typeface="+mn-cs"/>
       </a:defRPr>
     </a:lvl8pPr>
-    <a:lvl9pPr algn="l" defTabSz="457200" eaLnBrk="1" hangingPunct="1" latinLnBrk="0" marL="3657600" rtl="0">
-      <a:defRPr kern="1200" sz="1800">
+    <a:lvl9pPr marL="3657600" algn="l" defTabSz="914400" rtl="0" eaLnBrk="1" latinLnBrk="0" hangingPunct="1">
+      <a:defRPr sz="1800" kern="1200">
         <a:solidFill>
           <a:schemeClr val="tx1"/>
         </a:solidFill>
@@ -154,18 +155,7 @@
   </p:defaultTextStyle>
   <p:extLst>
     <p:ext uri="{EFAFB233-063F-42B5-8137-9DF3F51BA10A}">
-      <p15:sldGuideLst xmlns:p15="http://schemas.microsoft.com/office/powerpoint/2012/main">
-        <p15:guide id="1" orient="horz" pos="2160">
-          <p15:clr>
-            <a:srgbClr val="A4A3A4"/>
-          </p15:clr>
-        </p15:guide>
-        <p15:guide id="2" pos="2880">
-          <p15:clr>
-            <a:srgbClr val="A4A3A4"/>
-          </p15:clr>
-        </p15:guide>
-      </p15:sldGuideLst>
+      <p15:sldGuideLst xmlns:p15="http://schemas.microsoft.com/office/powerpoint/2012/main"/>
     </p:ext>
   </p:extLst>
 </p:presentation>
@@ -190,7 +180,13 @@
       </p:grpSpPr>
       <p:sp>
         <p:nvSpPr>
-          <p:cNvPr id="2" name="Title 1"/>
+          <p:cNvPr id="2" name="Title 1">
+            <a:extLst>
+              <a:ext uri="{FF2B5EF4-FFF2-40B4-BE49-F238E27FC236}">
+                <a16:creationId xmlns:a16="http://schemas.microsoft.com/office/drawing/2014/main" id="{BDB31419-F786-464F-8D16-A8FA9B228EC3}"/>
+              </a:ext>
+            </a:extLst>
+          </p:cNvPr>
           <p:cNvSpPr>
             <a:spLocks noGrp="1"/>
           </p:cNvSpPr>
@@ -200,25 +196,34 @@
         </p:nvSpPr>
         <p:spPr>
           <a:xfrm>
-            <a:off x="685800" y="2130425"/>
-            <a:ext cx="7772400" cy="1470025"/>
+            <a:off x="1524000" y="1122363"/>
+            <a:ext cx="9144000" cy="2387600"/>
           </a:xfrm>
         </p:spPr>
         <p:txBody>
-          <a:bodyPr/>
-          <a:lstStyle/>
+          <a:bodyPr anchor="b"/>
+          <a:lstStyle>
+            <a:lvl1pPr algn="ctr">
+              <a:defRPr sz="6000"/>
+            </a:lvl1pPr>
+          </a:lstStyle>
           <a:p>
             <a:r>
-              <a:rPr lang="en-US" smtClean="0"/>
+              <a:rPr lang="en-US"/>
               <a:t>Click to edit Master title style</a:t>
             </a:r>
-            <a:endParaRPr lang="en-US"/>
           </a:p>
         </p:txBody>
       </p:sp>
       <p:sp>
         <p:nvSpPr>
-          <p:cNvPr id="3" name="Subtitle 2"/>
+          <p:cNvPr id="3" name="Subtitle 2">
+            <a:extLst>
+              <a:ext uri="{FF2B5EF4-FFF2-40B4-BE49-F238E27FC236}">
+                <a16:creationId xmlns:a16="http://schemas.microsoft.com/office/drawing/2014/main" id="{F98ADA2F-1231-BC43-9CB7-217C1964CA1F}"/>
+              </a:ext>
+            </a:extLst>
+          </p:cNvPr>
           <p:cNvSpPr>
             <a:spLocks noGrp="1"/>
           </p:cNvSpPr>
@@ -228,8 +233,8 @@
         </p:nvSpPr>
         <p:spPr>
           <a:xfrm>
-            <a:off x="1371600" y="3886200"/>
-            <a:ext cx="6400800" cy="1752600"/>
+            <a:off x="1524000" y="3602038"/>
+            <a:ext cx="9144000" cy="1655762"/>
           </a:xfrm>
         </p:spPr>
         <p:txBody>
@@ -237,107 +242,58 @@
           <a:lstStyle>
             <a:lvl1pPr marL="0" indent="0" algn="ctr">
               <a:buNone/>
-              <a:defRPr>
-                <a:solidFill>
-                  <a:schemeClr val="tx1">
-                    <a:tint val="75000"/>
-                  </a:schemeClr>
-                </a:solidFill>
-              </a:defRPr>
+              <a:defRPr sz="2400"/>
             </a:lvl1pPr>
             <a:lvl2pPr marL="457200" indent="0" algn="ctr">
               <a:buNone/>
-              <a:defRPr>
-                <a:solidFill>
-                  <a:schemeClr val="tx1">
-                    <a:tint val="75000"/>
-                  </a:schemeClr>
-                </a:solidFill>
-              </a:defRPr>
+              <a:defRPr sz="2000"/>
             </a:lvl2pPr>
             <a:lvl3pPr marL="914400" indent="0" algn="ctr">
               <a:buNone/>
-              <a:defRPr>
-                <a:solidFill>
-                  <a:schemeClr val="tx1">
-                    <a:tint val="75000"/>
-                  </a:schemeClr>
-                </a:solidFill>
-              </a:defRPr>
+              <a:defRPr sz="1800"/>
             </a:lvl3pPr>
             <a:lvl4pPr marL="1371600" indent="0" algn="ctr">
               <a:buNone/>
-              <a:defRPr>
-                <a:solidFill>
-                  <a:schemeClr val="tx1">
-                    <a:tint val="75000"/>
-                  </a:schemeClr>
-                </a:solidFill>
-              </a:defRPr>
+              <a:defRPr sz="1600"/>
             </a:lvl4pPr>
             <a:lvl5pPr marL="1828800" indent="0" algn="ctr">
               <a:buNone/>
-              <a:defRPr>
-                <a:solidFill>
-                  <a:schemeClr val="tx1">
-                    <a:tint val="75000"/>
-                  </a:schemeClr>
-                </a:solidFill>
-              </a:defRPr>
+              <a:defRPr sz="1600"/>
             </a:lvl5pPr>
             <a:lvl6pPr marL="2286000" indent="0" algn="ctr">
               <a:buNone/>
-              <a:defRPr>
-                <a:solidFill>
-                  <a:schemeClr val="tx1">
-                    <a:tint val="75000"/>
-                  </a:schemeClr>
-                </a:solidFill>
-              </a:defRPr>
+              <a:defRPr sz="1600"/>
             </a:lvl6pPr>
             <a:lvl7pPr marL="2743200" indent="0" algn="ctr">
               <a:buNone/>
-              <a:defRPr>
-                <a:solidFill>
-                  <a:schemeClr val="tx1">
-                    <a:tint val="75000"/>
-                  </a:schemeClr>
-                </a:solidFill>
-              </a:defRPr>
+              <a:defRPr sz="1600"/>
             </a:lvl7pPr>
             <a:lvl8pPr marL="3200400" indent="0" algn="ctr">
               <a:buNone/>
-              <a:defRPr>
-                <a:solidFill>
-                  <a:schemeClr val="tx1">
-                    <a:tint val="75000"/>
-                  </a:schemeClr>
-                </a:solidFill>
-              </a:defRPr>
+              <a:defRPr sz="1600"/>
             </a:lvl8pPr>
             <a:lvl9pPr marL="3657600" indent="0" algn="ctr">
               <a:buNone/>
-              <a:defRPr>
-                <a:solidFill>
-                  <a:schemeClr val="tx1">
-                    <a:tint val="75000"/>
-                  </a:schemeClr>
-                </a:solidFill>
-              </a:defRPr>
+              <a:defRPr sz="1600"/>
             </a:lvl9pPr>
           </a:lstStyle>
           <a:p>
             <a:r>
-              <a:rPr lang="en-US" smtClean="0"/>
+              <a:rPr lang="en-US"/>
               <a:t>Click to edit Master subtitle style</a:t>
             </a:r>
-            <a:endParaRPr lang="en-US"/>
           </a:p>
         </p:txBody>
       </p:sp>
       <p:sp>
         <p:nvSpPr>
-          <p:cNvPr id="4" name="Date Placeholder 3"/>
+          <p:cNvPr id="4" name="Date Placeholder 3">
+            <a:extLst>
+              <a:ext uri="{FF2B5EF4-FFF2-40B4-BE49-F238E27FC236}">
+                <a16:creationId xmlns:a16="http://schemas.microsoft.com/office/drawing/2014/main" id="{E138A291-D391-4A44-9C2C-B4E7C4D34713}"/>
+              </a:ext>
+            </a:extLst>
+          </p:cNvPr>
           <p:cNvSpPr>
             <a:spLocks noGrp="1"/>
           </p:cNvSpPr>
@@ -350,9 +306,9 @@
           <a:bodyPr/>
           <a:lstStyle/>
           <a:p>
-            <a:fld id="{241EB5C9-1307-BA42-ABA2-0BC069CD8E7F}" type="datetimeFigureOut">
+            <a:fld id="{40C84C83-717C-4E47-AD04-EAD7706A69A9}" type="datetimeFigureOut">
               <a:rPr lang="en-US" smtClean="0"/>
-              <a:t>4/5/2019</a:t>
+              <a:t>2/25/21</a:t>
             </a:fld>
             <a:endParaRPr lang="en-US"/>
           </a:p>
@@ -360,7 +316,13 @@
       </p:sp>
       <p:sp>
         <p:nvSpPr>
-          <p:cNvPr id="5" name="Footer Placeholder 4"/>
+          <p:cNvPr id="5" name="Footer Placeholder 4">
+            <a:extLst>
+              <a:ext uri="{FF2B5EF4-FFF2-40B4-BE49-F238E27FC236}">
+                <a16:creationId xmlns:a16="http://schemas.microsoft.com/office/drawing/2014/main" id="{B90302B0-7E3C-F545-AB3D-E7539D75B37B}"/>
+              </a:ext>
+            </a:extLst>
+          </p:cNvPr>
           <p:cNvSpPr>
             <a:spLocks noGrp="1"/>
           </p:cNvSpPr>
@@ -379,7 +341,13 @@
       </p:sp>
       <p:sp>
         <p:nvSpPr>
-          <p:cNvPr id="6" name="Slide Number Placeholder 5"/>
+          <p:cNvPr id="6" name="Slide Number Placeholder 5">
+            <a:extLst>
+              <a:ext uri="{FF2B5EF4-FFF2-40B4-BE49-F238E27FC236}">
+                <a16:creationId xmlns:a16="http://schemas.microsoft.com/office/drawing/2014/main" id="{C5D9E828-2486-E740-86B4-81E9D48D7DAF}"/>
+              </a:ext>
+            </a:extLst>
+          </p:cNvPr>
           <p:cNvSpPr>
             <a:spLocks noGrp="1"/>
           </p:cNvSpPr>
@@ -392,7 +360,7 @@
           <a:bodyPr/>
           <a:lstStyle/>
           <a:p>
-            <a:fld id="{C5EF2332-01BF-834F-8236-50238282D533}" type="slidenum">
+            <a:fld id="{1C34DDE0-8D9E-9D49-A545-48CF20040F1D}" type="slidenum">
               <a:rPr lang="en-US" smtClean="0"/>
               <a:t>‹#›</a:t>
             </a:fld>
@@ -403,7 +371,7 @@
     </p:spTree>
     <p:extLst>
       <p:ext uri="{BB962C8B-B14F-4D97-AF65-F5344CB8AC3E}">
-        <p14:creationId xmlns:p14="http://schemas.microsoft.com/office/powerpoint/2010/main" val="1444357513"/>
+        <p14:creationId xmlns:p14="http://schemas.microsoft.com/office/powerpoint/2010/main" val="1588968436"/>
       </p:ext>
     </p:extLst>
   </p:cSld>
@@ -432,7 +400,13 @@
       </p:grpSpPr>
       <p:sp>
         <p:nvSpPr>
-          <p:cNvPr id="2" name="Title 1"/>
+          <p:cNvPr id="2" name="Title 1">
+            <a:extLst>
+              <a:ext uri="{FF2B5EF4-FFF2-40B4-BE49-F238E27FC236}">
+                <a16:creationId xmlns:a16="http://schemas.microsoft.com/office/drawing/2014/main" id="{09C07B0C-6EF3-2E45-BD23-33798CF0635C}"/>
+              </a:ext>
+            </a:extLst>
+          </p:cNvPr>
           <p:cNvSpPr>
             <a:spLocks noGrp="1"/>
           </p:cNvSpPr>
@@ -446,16 +420,21 @@
           <a:lstStyle/>
           <a:p>
             <a:r>
-              <a:rPr lang="en-US" smtClean="0"/>
+              <a:rPr lang="en-US"/>
               <a:t>Click to edit Master title style</a:t>
             </a:r>
-            <a:endParaRPr lang="en-US"/>
           </a:p>
         </p:txBody>
       </p:sp>
       <p:sp>
         <p:nvSpPr>
-          <p:cNvPr id="3" name="Vertical Text Placeholder 2"/>
+          <p:cNvPr id="3" name="Vertical Text Placeholder 2">
+            <a:extLst>
+              <a:ext uri="{FF2B5EF4-FFF2-40B4-BE49-F238E27FC236}">
+                <a16:creationId xmlns:a16="http://schemas.microsoft.com/office/drawing/2014/main" id="{492859D3-1F96-D24F-B553-9A642D2E9EB6}"/>
+              </a:ext>
+            </a:extLst>
+          </p:cNvPr>
           <p:cNvSpPr>
             <a:spLocks noGrp="1"/>
           </p:cNvSpPr>
@@ -470,44 +449,49 @@
           <a:p>
             <a:pPr lvl="0"/>
             <a:r>
-              <a:rPr lang="en-US" smtClean="0"/>
+              <a:rPr lang="en-US"/>
               <a:t>Click to edit Master text styles</a:t>
             </a:r>
           </a:p>
           <a:p>
             <a:pPr lvl="1"/>
             <a:r>
-              <a:rPr lang="en-US" smtClean="0"/>
+              <a:rPr lang="en-US"/>
               <a:t>Second level</a:t>
             </a:r>
           </a:p>
           <a:p>
             <a:pPr lvl="2"/>
             <a:r>
-              <a:rPr lang="en-US" smtClean="0"/>
+              <a:rPr lang="en-US"/>
               <a:t>Third level</a:t>
             </a:r>
           </a:p>
           <a:p>
             <a:pPr lvl="3"/>
             <a:r>
-              <a:rPr lang="en-US" smtClean="0"/>
+              <a:rPr lang="en-US"/>
               <a:t>Fourth level</a:t>
             </a:r>
           </a:p>
           <a:p>
             <a:pPr lvl="4"/>
             <a:r>
-              <a:rPr lang="en-US" smtClean="0"/>
+              <a:rPr lang="en-US"/>
               <a:t>Fifth level</a:t>
             </a:r>
-            <a:endParaRPr lang="en-US"/>
           </a:p>
         </p:txBody>
       </p:sp>
       <p:sp>
         <p:nvSpPr>
-          <p:cNvPr id="4" name="Date Placeholder 3"/>
+          <p:cNvPr id="4" name="Date Placeholder 3">
+            <a:extLst>
+              <a:ext uri="{FF2B5EF4-FFF2-40B4-BE49-F238E27FC236}">
+                <a16:creationId xmlns:a16="http://schemas.microsoft.com/office/drawing/2014/main" id="{0F92661E-737A-7A4E-BCF0-D8E605872A88}"/>
+              </a:ext>
+            </a:extLst>
+          </p:cNvPr>
           <p:cNvSpPr>
             <a:spLocks noGrp="1"/>
           </p:cNvSpPr>
@@ -520,9 +504,9 @@
           <a:bodyPr/>
           <a:lstStyle/>
           <a:p>
-            <a:fld id="{241EB5C9-1307-BA42-ABA2-0BC069CD8E7F}" type="datetimeFigureOut">
+            <a:fld id="{40C84C83-717C-4E47-AD04-EAD7706A69A9}" type="datetimeFigureOut">
               <a:rPr lang="en-US" smtClean="0"/>
-              <a:t>4/5/2019</a:t>
+              <a:t>2/25/21</a:t>
             </a:fld>
             <a:endParaRPr lang="en-US"/>
           </a:p>
@@ -530,7 +514,13 @@
       </p:sp>
       <p:sp>
         <p:nvSpPr>
-          <p:cNvPr id="5" name="Footer Placeholder 4"/>
+          <p:cNvPr id="5" name="Footer Placeholder 4">
+            <a:extLst>
+              <a:ext uri="{FF2B5EF4-FFF2-40B4-BE49-F238E27FC236}">
+                <a16:creationId xmlns:a16="http://schemas.microsoft.com/office/drawing/2014/main" id="{C4E3337E-399F-C040-8E62-BA4EEAA703DD}"/>
+              </a:ext>
+            </a:extLst>
+          </p:cNvPr>
           <p:cNvSpPr>
             <a:spLocks noGrp="1"/>
           </p:cNvSpPr>
@@ -549,7 +539,13 @@
       </p:sp>
       <p:sp>
         <p:nvSpPr>
-          <p:cNvPr id="6" name="Slide Number Placeholder 5"/>
+          <p:cNvPr id="6" name="Slide Number Placeholder 5">
+            <a:extLst>
+              <a:ext uri="{FF2B5EF4-FFF2-40B4-BE49-F238E27FC236}">
+                <a16:creationId xmlns:a16="http://schemas.microsoft.com/office/drawing/2014/main" id="{9AA06CD5-7E3B-8E43-A3FB-2930BA23102F}"/>
+              </a:ext>
+            </a:extLst>
+          </p:cNvPr>
           <p:cNvSpPr>
             <a:spLocks noGrp="1"/>
           </p:cNvSpPr>
@@ -562,7 +558,7 @@
           <a:bodyPr/>
           <a:lstStyle/>
           <a:p>
-            <a:fld id="{C5EF2332-01BF-834F-8236-50238282D533}" type="slidenum">
+            <a:fld id="{1C34DDE0-8D9E-9D49-A545-48CF20040F1D}" type="slidenum">
               <a:rPr lang="en-US" smtClean="0"/>
               <a:t>‹#›</a:t>
             </a:fld>
@@ -573,7 +569,7 @@
     </p:spTree>
     <p:extLst>
       <p:ext uri="{BB962C8B-B14F-4D97-AF65-F5344CB8AC3E}">
-        <p14:creationId xmlns:p14="http://schemas.microsoft.com/office/powerpoint/2010/main" val="313914798"/>
+        <p14:creationId xmlns:p14="http://schemas.microsoft.com/office/powerpoint/2010/main" val="1729824688"/>
       </p:ext>
     </p:extLst>
   </p:cSld>
@@ -602,7 +598,13 @@
       </p:grpSpPr>
       <p:sp>
         <p:nvSpPr>
-          <p:cNvPr id="2" name="Vertical Title 1"/>
+          <p:cNvPr id="2" name="Vertical Title 1">
+            <a:extLst>
+              <a:ext uri="{FF2B5EF4-FFF2-40B4-BE49-F238E27FC236}">
+                <a16:creationId xmlns:a16="http://schemas.microsoft.com/office/drawing/2014/main" id="{8A637907-CCE6-2841-BB69-04FDA5931EBC}"/>
+              </a:ext>
+            </a:extLst>
+          </p:cNvPr>
           <p:cNvSpPr>
             <a:spLocks noGrp="1"/>
           </p:cNvSpPr>
@@ -612,8 +614,8 @@
         </p:nvSpPr>
         <p:spPr>
           <a:xfrm>
-            <a:off x="6629400" y="274638"/>
-            <a:ext cx="2057400" cy="5851525"/>
+            <a:off x="8724900" y="365125"/>
+            <a:ext cx="2628900" cy="5811838"/>
           </a:xfrm>
         </p:spPr>
         <p:txBody>
@@ -621,16 +623,21 @@
           <a:lstStyle/>
           <a:p>
             <a:r>
-              <a:rPr lang="en-US" smtClean="0"/>
+              <a:rPr lang="en-US"/>
               <a:t>Click to edit Master title style</a:t>
             </a:r>
-            <a:endParaRPr lang="en-US"/>
           </a:p>
         </p:txBody>
       </p:sp>
       <p:sp>
         <p:nvSpPr>
-          <p:cNvPr id="3" name="Vertical Text Placeholder 2"/>
+          <p:cNvPr id="3" name="Vertical Text Placeholder 2">
+            <a:extLst>
+              <a:ext uri="{FF2B5EF4-FFF2-40B4-BE49-F238E27FC236}">
+                <a16:creationId xmlns:a16="http://schemas.microsoft.com/office/drawing/2014/main" id="{01A9B85E-F76E-0F4E-B554-1BC9A8288BA7}"/>
+              </a:ext>
+            </a:extLst>
+          </p:cNvPr>
           <p:cNvSpPr>
             <a:spLocks noGrp="1"/>
           </p:cNvSpPr>
@@ -640,8 +647,8 @@
         </p:nvSpPr>
         <p:spPr>
           <a:xfrm>
-            <a:off x="457200" y="274638"/>
-            <a:ext cx="6019800" cy="5851525"/>
+            <a:off x="838200" y="365125"/>
+            <a:ext cx="7734300" cy="5811838"/>
           </a:xfrm>
         </p:spPr>
         <p:txBody>
@@ -650,44 +657,49 @@
           <a:p>
             <a:pPr lvl="0"/>
             <a:r>
-              <a:rPr lang="en-US" smtClean="0"/>
+              <a:rPr lang="en-US"/>
               <a:t>Click to edit Master text styles</a:t>
             </a:r>
           </a:p>
           <a:p>
             <a:pPr lvl="1"/>
             <a:r>
-              <a:rPr lang="en-US" smtClean="0"/>
+              <a:rPr lang="en-US"/>
               <a:t>Second level</a:t>
             </a:r>
           </a:p>
           <a:p>
             <a:pPr lvl="2"/>
             <a:r>
-              <a:rPr lang="en-US" smtClean="0"/>
+              <a:rPr lang="en-US"/>
               <a:t>Third level</a:t>
             </a:r>
           </a:p>
           <a:p>
             <a:pPr lvl="3"/>
             <a:r>
-              <a:rPr lang="en-US" smtClean="0"/>
+              <a:rPr lang="en-US"/>
               <a:t>Fourth level</a:t>
             </a:r>
           </a:p>
           <a:p>
             <a:pPr lvl="4"/>
             <a:r>
-              <a:rPr lang="en-US" smtClean="0"/>
+              <a:rPr lang="en-US"/>
               <a:t>Fifth level</a:t>
             </a:r>
-            <a:endParaRPr lang="en-US"/>
           </a:p>
         </p:txBody>
       </p:sp>
       <p:sp>
         <p:nvSpPr>
-          <p:cNvPr id="4" name="Date Placeholder 3"/>
+          <p:cNvPr id="4" name="Date Placeholder 3">
+            <a:extLst>
+              <a:ext uri="{FF2B5EF4-FFF2-40B4-BE49-F238E27FC236}">
+                <a16:creationId xmlns:a16="http://schemas.microsoft.com/office/drawing/2014/main" id="{6E623221-4877-F24D-9151-38F0978E38F0}"/>
+              </a:ext>
+            </a:extLst>
+          </p:cNvPr>
           <p:cNvSpPr>
             <a:spLocks noGrp="1"/>
           </p:cNvSpPr>
@@ -700,9 +712,9 @@
           <a:bodyPr/>
           <a:lstStyle/>
           <a:p>
-            <a:fld id="{241EB5C9-1307-BA42-ABA2-0BC069CD8E7F}" type="datetimeFigureOut">
+            <a:fld id="{40C84C83-717C-4E47-AD04-EAD7706A69A9}" type="datetimeFigureOut">
               <a:rPr lang="en-US" smtClean="0"/>
-              <a:t>4/5/2019</a:t>
+              <a:t>2/25/21</a:t>
             </a:fld>
             <a:endParaRPr lang="en-US"/>
           </a:p>
@@ -710,7 +722,13 @@
       </p:sp>
       <p:sp>
         <p:nvSpPr>
-          <p:cNvPr id="5" name="Footer Placeholder 4"/>
+          <p:cNvPr id="5" name="Footer Placeholder 4">
+            <a:extLst>
+              <a:ext uri="{FF2B5EF4-FFF2-40B4-BE49-F238E27FC236}">
+                <a16:creationId xmlns:a16="http://schemas.microsoft.com/office/drawing/2014/main" id="{CF5D75EF-4722-7746-AF41-9618841AA867}"/>
+              </a:ext>
+            </a:extLst>
+          </p:cNvPr>
           <p:cNvSpPr>
             <a:spLocks noGrp="1"/>
           </p:cNvSpPr>
@@ -729,7 +747,13 @@
       </p:sp>
       <p:sp>
         <p:nvSpPr>
-          <p:cNvPr id="6" name="Slide Number Placeholder 5"/>
+          <p:cNvPr id="6" name="Slide Number Placeholder 5">
+            <a:extLst>
+              <a:ext uri="{FF2B5EF4-FFF2-40B4-BE49-F238E27FC236}">
+                <a16:creationId xmlns:a16="http://schemas.microsoft.com/office/drawing/2014/main" id="{F64E9140-D2F7-914A-8A61-7600A19FFF92}"/>
+              </a:ext>
+            </a:extLst>
+          </p:cNvPr>
           <p:cNvSpPr>
             <a:spLocks noGrp="1"/>
           </p:cNvSpPr>
@@ -742,7 +766,7 @@
           <a:bodyPr/>
           <a:lstStyle/>
           <a:p>
-            <a:fld id="{C5EF2332-01BF-834F-8236-50238282D533}" type="slidenum">
+            <a:fld id="{1C34DDE0-8D9E-9D49-A545-48CF20040F1D}" type="slidenum">
               <a:rPr lang="en-US" smtClean="0"/>
               <a:t>‹#›</a:t>
             </a:fld>
@@ -753,7 +777,7 @@
     </p:spTree>
     <p:extLst>
       <p:ext uri="{BB962C8B-B14F-4D97-AF65-F5344CB8AC3E}">
-        <p14:creationId xmlns:p14="http://schemas.microsoft.com/office/powerpoint/2010/main" val="2581529045"/>
+        <p14:creationId xmlns:p14="http://schemas.microsoft.com/office/powerpoint/2010/main" val="2756624512"/>
       </p:ext>
     </p:extLst>
   </p:cSld>
@@ -782,7 +806,13 @@
       </p:grpSpPr>
       <p:sp>
         <p:nvSpPr>
-          <p:cNvPr id="2" name="Title 1"/>
+          <p:cNvPr id="2" name="Title 1">
+            <a:extLst>
+              <a:ext uri="{FF2B5EF4-FFF2-40B4-BE49-F238E27FC236}">
+                <a16:creationId xmlns:a16="http://schemas.microsoft.com/office/drawing/2014/main" id="{B074978D-7E8E-244F-87CF-DCAAAC9C38F4}"/>
+              </a:ext>
+            </a:extLst>
+          </p:cNvPr>
           <p:cNvSpPr>
             <a:spLocks noGrp="1"/>
           </p:cNvSpPr>
@@ -796,16 +826,21 @@
           <a:lstStyle/>
           <a:p>
             <a:r>
-              <a:rPr lang="en-US" smtClean="0"/>
+              <a:rPr lang="en-US"/>
               <a:t>Click to edit Master title style</a:t>
             </a:r>
-            <a:endParaRPr lang="en-US"/>
           </a:p>
         </p:txBody>
       </p:sp>
       <p:sp>
         <p:nvSpPr>
-          <p:cNvPr id="3" name="Content Placeholder 2"/>
+          <p:cNvPr id="3" name="Content Placeholder 2">
+            <a:extLst>
+              <a:ext uri="{FF2B5EF4-FFF2-40B4-BE49-F238E27FC236}">
+                <a16:creationId xmlns:a16="http://schemas.microsoft.com/office/drawing/2014/main" id="{370D5D0F-0F78-0241-9805-475597D95C5C}"/>
+              </a:ext>
+            </a:extLst>
+          </p:cNvPr>
           <p:cNvSpPr>
             <a:spLocks noGrp="1"/>
           </p:cNvSpPr>
@@ -820,44 +855,49 @@
           <a:p>
             <a:pPr lvl="0"/>
             <a:r>
-              <a:rPr lang="en-US" smtClean="0"/>
+              <a:rPr lang="en-US"/>
               <a:t>Click to edit Master text styles</a:t>
             </a:r>
           </a:p>
           <a:p>
             <a:pPr lvl="1"/>
             <a:r>
-              <a:rPr lang="en-US" smtClean="0"/>
+              <a:rPr lang="en-US"/>
               <a:t>Second level</a:t>
             </a:r>
           </a:p>
           <a:p>
             <a:pPr lvl="2"/>
             <a:r>
-              <a:rPr lang="en-US" smtClean="0"/>
+              <a:rPr lang="en-US"/>
               <a:t>Third level</a:t>
             </a:r>
           </a:p>
           <a:p>
             <a:pPr lvl="3"/>
             <a:r>
-              <a:rPr lang="en-US" smtClean="0"/>
+              <a:rPr lang="en-US"/>
               <a:t>Fourth level</a:t>
             </a:r>
           </a:p>
           <a:p>
             <a:pPr lvl="4"/>
             <a:r>
-              <a:rPr lang="en-US" smtClean="0"/>
+              <a:rPr lang="en-US"/>
               <a:t>Fifth level</a:t>
             </a:r>
-            <a:endParaRPr lang="en-US"/>
           </a:p>
         </p:txBody>
       </p:sp>
       <p:sp>
         <p:nvSpPr>
-          <p:cNvPr id="4" name="Date Placeholder 3"/>
+          <p:cNvPr id="4" name="Date Placeholder 3">
+            <a:extLst>
+              <a:ext uri="{FF2B5EF4-FFF2-40B4-BE49-F238E27FC236}">
+                <a16:creationId xmlns:a16="http://schemas.microsoft.com/office/drawing/2014/main" id="{A5F042B8-767B-DD4D-B3CB-D914A808DA0A}"/>
+              </a:ext>
+            </a:extLst>
+          </p:cNvPr>
           <p:cNvSpPr>
             <a:spLocks noGrp="1"/>
           </p:cNvSpPr>
@@ -870,9 +910,9 @@
           <a:bodyPr/>
           <a:lstStyle/>
           <a:p>
-            <a:fld id="{241EB5C9-1307-BA42-ABA2-0BC069CD8E7F}" type="datetimeFigureOut">
+            <a:fld id="{40C84C83-717C-4E47-AD04-EAD7706A69A9}" type="datetimeFigureOut">
               <a:rPr lang="en-US" smtClean="0"/>
-              <a:t>4/5/2019</a:t>
+              <a:t>2/25/21</a:t>
             </a:fld>
             <a:endParaRPr lang="en-US"/>
           </a:p>
@@ -880,7 +920,13 @@
       </p:sp>
       <p:sp>
         <p:nvSpPr>
-          <p:cNvPr id="5" name="Footer Placeholder 4"/>
+          <p:cNvPr id="5" name="Footer Placeholder 4">
+            <a:extLst>
+              <a:ext uri="{FF2B5EF4-FFF2-40B4-BE49-F238E27FC236}">
+                <a16:creationId xmlns:a16="http://schemas.microsoft.com/office/drawing/2014/main" id="{EC574888-FA50-794E-8464-B40782054ACA}"/>
+              </a:ext>
+            </a:extLst>
+          </p:cNvPr>
           <p:cNvSpPr>
             <a:spLocks noGrp="1"/>
           </p:cNvSpPr>
@@ -899,7 +945,13 @@
       </p:sp>
       <p:sp>
         <p:nvSpPr>
-          <p:cNvPr id="6" name="Slide Number Placeholder 5"/>
+          <p:cNvPr id="6" name="Slide Number Placeholder 5">
+            <a:extLst>
+              <a:ext uri="{FF2B5EF4-FFF2-40B4-BE49-F238E27FC236}">
+                <a16:creationId xmlns:a16="http://schemas.microsoft.com/office/drawing/2014/main" id="{A5F40604-5638-244C-83DD-A53476E004F4}"/>
+              </a:ext>
+            </a:extLst>
+          </p:cNvPr>
           <p:cNvSpPr>
             <a:spLocks noGrp="1"/>
           </p:cNvSpPr>
@@ -912,7 +964,7 @@
           <a:bodyPr/>
           <a:lstStyle/>
           <a:p>
-            <a:fld id="{C5EF2332-01BF-834F-8236-50238282D533}" type="slidenum">
+            <a:fld id="{1C34DDE0-8D9E-9D49-A545-48CF20040F1D}" type="slidenum">
               <a:rPr lang="en-US" smtClean="0"/>
               <a:t>‹#›</a:t>
             </a:fld>
@@ -923,7 +975,7 @@
     </p:spTree>
     <p:extLst>
       <p:ext uri="{BB962C8B-B14F-4D97-AF65-F5344CB8AC3E}">
-        <p14:creationId xmlns:p14="http://schemas.microsoft.com/office/powerpoint/2010/main" val="338346009"/>
+        <p14:creationId xmlns:p14="http://schemas.microsoft.com/office/powerpoint/2010/main" val="3439861895"/>
       </p:ext>
     </p:extLst>
   </p:cSld>
@@ -952,7 +1004,13 @@
       </p:grpSpPr>
       <p:sp>
         <p:nvSpPr>
-          <p:cNvPr id="2" name="Title 1"/>
+          <p:cNvPr id="2" name="Title 1">
+            <a:extLst>
+              <a:ext uri="{FF2B5EF4-FFF2-40B4-BE49-F238E27FC236}">
+                <a16:creationId xmlns:a16="http://schemas.microsoft.com/office/drawing/2014/main" id="{BA05F7A2-E979-1143-B568-29172AF55C8C}"/>
+              </a:ext>
+            </a:extLst>
+          </p:cNvPr>
           <p:cNvSpPr>
             <a:spLocks noGrp="1"/>
           </p:cNvSpPr>
@@ -962,29 +1020,34 @@
         </p:nvSpPr>
         <p:spPr>
           <a:xfrm>
-            <a:off x="722313" y="4406900"/>
-            <a:ext cx="7772400" cy="1362075"/>
+            <a:off x="831850" y="1709738"/>
+            <a:ext cx="10515600" cy="2852737"/>
           </a:xfrm>
         </p:spPr>
         <p:txBody>
-          <a:bodyPr anchor="t"/>
+          <a:bodyPr anchor="b"/>
           <a:lstStyle>
-            <a:lvl1pPr algn="l">
-              <a:defRPr sz="4000" b="1" cap="all"/>
+            <a:lvl1pPr>
+              <a:defRPr sz="6000"/>
             </a:lvl1pPr>
           </a:lstStyle>
           <a:p>
             <a:r>
-              <a:rPr lang="en-US" smtClean="0"/>
+              <a:rPr lang="en-US"/>
               <a:t>Click to edit Master title style</a:t>
             </a:r>
-            <a:endParaRPr lang="en-US"/>
           </a:p>
         </p:txBody>
       </p:sp>
       <p:sp>
         <p:nvSpPr>
-          <p:cNvPr id="3" name="Text Placeholder 2"/>
+          <p:cNvPr id="3" name="Text Placeholder 2">
+            <a:extLst>
+              <a:ext uri="{FF2B5EF4-FFF2-40B4-BE49-F238E27FC236}">
+                <a16:creationId xmlns:a16="http://schemas.microsoft.com/office/drawing/2014/main" id="{58E424BC-1957-B547-8EC0-539AF2638AAD}"/>
+              </a:ext>
+            </a:extLst>
+          </p:cNvPr>
           <p:cNvSpPr>
             <a:spLocks noGrp="1"/>
           </p:cNvSpPr>
@@ -994,16 +1057,16 @@
         </p:nvSpPr>
         <p:spPr>
           <a:xfrm>
-            <a:off x="722313" y="2906713"/>
-            <a:ext cx="7772400" cy="1500187"/>
+            <a:off x="831850" y="4589463"/>
+            <a:ext cx="10515600" cy="1500187"/>
           </a:xfrm>
         </p:spPr>
         <p:txBody>
-          <a:bodyPr anchor="b"/>
+          <a:bodyPr/>
           <a:lstStyle>
             <a:lvl1pPr marL="0" indent="0">
               <a:buNone/>
-              <a:defRPr sz="2000">
+              <a:defRPr sz="2400">
                 <a:solidFill>
                   <a:schemeClr val="tx1">
                     <a:tint val="75000"/>
@@ -1013,7 +1076,7 @@
             </a:lvl1pPr>
             <a:lvl2pPr marL="457200" indent="0">
               <a:buNone/>
-              <a:defRPr sz="1800">
+              <a:defRPr sz="2000">
                 <a:solidFill>
                   <a:schemeClr val="tx1">
                     <a:tint val="75000"/>
@@ -1023,7 +1086,7 @@
             </a:lvl2pPr>
             <a:lvl3pPr marL="914400" indent="0">
               <a:buNone/>
-              <a:defRPr sz="1600">
+              <a:defRPr sz="1800">
                 <a:solidFill>
                   <a:schemeClr val="tx1">
                     <a:tint val="75000"/>
@@ -1033,7 +1096,7 @@
             </a:lvl3pPr>
             <a:lvl4pPr marL="1371600" indent="0">
               <a:buNone/>
-              <a:defRPr sz="1400">
+              <a:defRPr sz="1600">
                 <a:solidFill>
                   <a:schemeClr val="tx1">
                     <a:tint val="75000"/>
@@ -1043,7 +1106,7 @@
             </a:lvl4pPr>
             <a:lvl5pPr marL="1828800" indent="0">
               <a:buNone/>
-              <a:defRPr sz="1400">
+              <a:defRPr sz="1600">
                 <a:solidFill>
                   <a:schemeClr val="tx1">
                     <a:tint val="75000"/>
@@ -1053,7 +1116,7 @@
             </a:lvl5pPr>
             <a:lvl6pPr marL="2286000" indent="0">
               <a:buNone/>
-              <a:defRPr sz="1400">
+              <a:defRPr sz="1600">
                 <a:solidFill>
                   <a:schemeClr val="tx1">
                     <a:tint val="75000"/>
@@ -1063,7 +1126,7 @@
             </a:lvl6pPr>
             <a:lvl7pPr marL="2743200" indent="0">
               <a:buNone/>
-              <a:defRPr sz="1400">
+              <a:defRPr sz="1600">
                 <a:solidFill>
                   <a:schemeClr val="tx1">
                     <a:tint val="75000"/>
@@ -1073,7 +1136,7 @@
             </a:lvl7pPr>
             <a:lvl8pPr marL="3200400" indent="0">
               <a:buNone/>
-              <a:defRPr sz="1400">
+              <a:defRPr sz="1600">
                 <a:solidFill>
                   <a:schemeClr val="tx1">
                     <a:tint val="75000"/>
@@ -1083,7 +1146,7 @@
             </a:lvl8pPr>
             <a:lvl9pPr marL="3657600" indent="0">
               <a:buNone/>
-              <a:defRPr sz="1400">
+              <a:defRPr sz="1600">
                 <a:solidFill>
                   <a:schemeClr val="tx1">
                     <a:tint val="75000"/>
@@ -1095,7 +1158,7 @@
           <a:p>
             <a:pPr lvl="0"/>
             <a:r>
-              <a:rPr lang="en-US" smtClean="0"/>
+              <a:rPr lang="en-US"/>
               <a:t>Click to edit Master text styles</a:t>
             </a:r>
           </a:p>
@@ -1103,7 +1166,13 @@
       </p:sp>
       <p:sp>
         <p:nvSpPr>
-          <p:cNvPr id="4" name="Date Placeholder 3"/>
+          <p:cNvPr id="4" name="Date Placeholder 3">
+            <a:extLst>
+              <a:ext uri="{FF2B5EF4-FFF2-40B4-BE49-F238E27FC236}">
+                <a16:creationId xmlns:a16="http://schemas.microsoft.com/office/drawing/2014/main" id="{CF163FCE-7B84-C840-8829-EF59B999173E}"/>
+              </a:ext>
+            </a:extLst>
+          </p:cNvPr>
           <p:cNvSpPr>
             <a:spLocks noGrp="1"/>
           </p:cNvSpPr>
@@ -1116,9 +1185,9 @@
           <a:bodyPr/>
           <a:lstStyle/>
           <a:p>
-            <a:fld id="{241EB5C9-1307-BA42-ABA2-0BC069CD8E7F}" type="datetimeFigureOut">
+            <a:fld id="{40C84C83-717C-4E47-AD04-EAD7706A69A9}" type="datetimeFigureOut">
               <a:rPr lang="en-US" smtClean="0"/>
-              <a:t>4/5/2019</a:t>
+              <a:t>2/25/21</a:t>
             </a:fld>
             <a:endParaRPr lang="en-US"/>
           </a:p>
@@ -1126,7 +1195,13 @@
       </p:sp>
       <p:sp>
         <p:nvSpPr>
-          <p:cNvPr id="5" name="Footer Placeholder 4"/>
+          <p:cNvPr id="5" name="Footer Placeholder 4">
+            <a:extLst>
+              <a:ext uri="{FF2B5EF4-FFF2-40B4-BE49-F238E27FC236}">
+                <a16:creationId xmlns:a16="http://schemas.microsoft.com/office/drawing/2014/main" id="{E162AA23-E6D6-B34A-BE59-FC9045159BCF}"/>
+              </a:ext>
+            </a:extLst>
+          </p:cNvPr>
           <p:cNvSpPr>
             <a:spLocks noGrp="1"/>
           </p:cNvSpPr>
@@ -1145,7 +1220,13 @@
       </p:sp>
       <p:sp>
         <p:nvSpPr>
-          <p:cNvPr id="6" name="Slide Number Placeholder 5"/>
+          <p:cNvPr id="6" name="Slide Number Placeholder 5">
+            <a:extLst>
+              <a:ext uri="{FF2B5EF4-FFF2-40B4-BE49-F238E27FC236}">
+                <a16:creationId xmlns:a16="http://schemas.microsoft.com/office/drawing/2014/main" id="{31DF0CC0-8370-3D44-B9B8-716E78A5D7E6}"/>
+              </a:ext>
+            </a:extLst>
+          </p:cNvPr>
           <p:cNvSpPr>
             <a:spLocks noGrp="1"/>
           </p:cNvSpPr>
@@ -1158,7 +1239,7 @@
           <a:bodyPr/>
           <a:lstStyle/>
           <a:p>
-            <a:fld id="{C5EF2332-01BF-834F-8236-50238282D533}" type="slidenum">
+            <a:fld id="{1C34DDE0-8D9E-9D49-A545-48CF20040F1D}" type="slidenum">
               <a:rPr lang="en-US" smtClean="0"/>
               <a:t>‹#›</a:t>
             </a:fld>
@@ -1169,7 +1250,7 @@
     </p:spTree>
     <p:extLst>
       <p:ext uri="{BB962C8B-B14F-4D97-AF65-F5344CB8AC3E}">
-        <p14:creationId xmlns:p14="http://schemas.microsoft.com/office/powerpoint/2010/main" val="1073069076"/>
+        <p14:creationId xmlns:p14="http://schemas.microsoft.com/office/powerpoint/2010/main" val="48602231"/>
       </p:ext>
     </p:extLst>
   </p:cSld>
@@ -1198,7 +1279,13 @@
       </p:grpSpPr>
       <p:sp>
         <p:nvSpPr>
-          <p:cNvPr id="2" name="Title 1"/>
+          <p:cNvPr id="2" name="Title 1">
+            <a:extLst>
+              <a:ext uri="{FF2B5EF4-FFF2-40B4-BE49-F238E27FC236}">
+                <a16:creationId xmlns:a16="http://schemas.microsoft.com/office/drawing/2014/main" id="{4B30DC29-212D-4946-88C2-FDB1A3725489}"/>
+              </a:ext>
+            </a:extLst>
+          </p:cNvPr>
           <p:cNvSpPr>
             <a:spLocks noGrp="1"/>
           </p:cNvSpPr>
@@ -1212,16 +1299,21 @@
           <a:lstStyle/>
           <a:p>
             <a:r>
-              <a:rPr lang="en-US" smtClean="0"/>
+              <a:rPr lang="en-US"/>
               <a:t>Click to edit Master title style</a:t>
             </a:r>
-            <a:endParaRPr lang="en-US"/>
           </a:p>
         </p:txBody>
       </p:sp>
       <p:sp>
         <p:nvSpPr>
-          <p:cNvPr id="3" name="Content Placeholder 2"/>
+          <p:cNvPr id="3" name="Content Placeholder 2">
+            <a:extLst>
+              <a:ext uri="{FF2B5EF4-FFF2-40B4-BE49-F238E27FC236}">
+                <a16:creationId xmlns:a16="http://schemas.microsoft.com/office/drawing/2014/main" id="{4B3E5580-A4D0-AD4D-9FE6-5B61217A0882}"/>
+              </a:ext>
+            </a:extLst>
+          </p:cNvPr>
           <p:cNvSpPr>
             <a:spLocks noGrp="1"/>
           </p:cNvSpPr>
@@ -1231,82 +1323,59 @@
         </p:nvSpPr>
         <p:spPr>
           <a:xfrm>
-            <a:off x="457200" y="1600200"/>
-            <a:ext cx="4038600" cy="4525963"/>
+            <a:off x="838200" y="1825625"/>
+            <a:ext cx="5181600" cy="4351338"/>
           </a:xfrm>
         </p:spPr>
         <p:txBody>
           <a:bodyPr/>
-          <a:lstStyle>
-            <a:lvl1pPr>
-              <a:defRPr sz="2800"/>
-            </a:lvl1pPr>
-            <a:lvl2pPr>
-              <a:defRPr sz="2400"/>
-            </a:lvl2pPr>
-            <a:lvl3pPr>
-              <a:defRPr sz="2000"/>
-            </a:lvl3pPr>
-            <a:lvl4pPr>
-              <a:defRPr sz="1800"/>
-            </a:lvl4pPr>
-            <a:lvl5pPr>
-              <a:defRPr sz="1800"/>
-            </a:lvl5pPr>
-            <a:lvl6pPr>
-              <a:defRPr sz="1800"/>
-            </a:lvl6pPr>
-            <a:lvl7pPr>
-              <a:defRPr sz="1800"/>
-            </a:lvl7pPr>
-            <a:lvl8pPr>
-              <a:defRPr sz="1800"/>
-            </a:lvl8pPr>
-            <a:lvl9pPr>
-              <a:defRPr sz="1800"/>
-            </a:lvl9pPr>
-          </a:lstStyle>
+          <a:lstStyle/>
           <a:p>
             <a:pPr lvl="0"/>
             <a:r>
-              <a:rPr lang="en-US" smtClean="0"/>
+              <a:rPr lang="en-US"/>
               <a:t>Click to edit Master text styles</a:t>
             </a:r>
           </a:p>
           <a:p>
             <a:pPr lvl="1"/>
             <a:r>
-              <a:rPr lang="en-US" smtClean="0"/>
+              <a:rPr lang="en-US"/>
               <a:t>Second level</a:t>
             </a:r>
           </a:p>
           <a:p>
             <a:pPr lvl="2"/>
             <a:r>
-              <a:rPr lang="en-US" smtClean="0"/>
+              <a:rPr lang="en-US"/>
               <a:t>Third level</a:t>
             </a:r>
           </a:p>
           <a:p>
             <a:pPr lvl="3"/>
             <a:r>
-              <a:rPr lang="en-US" smtClean="0"/>
+              <a:rPr lang="en-US"/>
               <a:t>Fourth level</a:t>
             </a:r>
           </a:p>
           <a:p>
             <a:pPr lvl="4"/>
             <a:r>
-              <a:rPr lang="en-US" smtClean="0"/>
+              <a:rPr lang="en-US"/>
               <a:t>Fifth level</a:t>
             </a:r>
-            <a:endParaRPr lang="en-US"/>
           </a:p>
         </p:txBody>
       </p:sp>
       <p:sp>
         <p:nvSpPr>
-          <p:cNvPr id="4" name="Content Placeholder 3"/>
+          <p:cNvPr id="4" name="Content Placeholder 3">
+            <a:extLst>
+              <a:ext uri="{FF2B5EF4-FFF2-40B4-BE49-F238E27FC236}">
+                <a16:creationId xmlns:a16="http://schemas.microsoft.com/office/drawing/2014/main" id="{73CA0321-F5F5-3D47-B2F3-538D0F9F83A7}"/>
+              </a:ext>
+            </a:extLst>
+          </p:cNvPr>
           <p:cNvSpPr>
             <a:spLocks noGrp="1"/>
           </p:cNvSpPr>
@@ -1316,82 +1385,59 @@
         </p:nvSpPr>
         <p:spPr>
           <a:xfrm>
-            <a:off x="4648200" y="1600200"/>
-            <a:ext cx="4038600" cy="4525963"/>
+            <a:off x="6172200" y="1825625"/>
+            <a:ext cx="5181600" cy="4351338"/>
           </a:xfrm>
         </p:spPr>
         <p:txBody>
           <a:bodyPr/>
-          <a:lstStyle>
-            <a:lvl1pPr>
-              <a:defRPr sz="2800"/>
-            </a:lvl1pPr>
-            <a:lvl2pPr>
-              <a:defRPr sz="2400"/>
-            </a:lvl2pPr>
-            <a:lvl3pPr>
-              <a:defRPr sz="2000"/>
-            </a:lvl3pPr>
-            <a:lvl4pPr>
-              <a:defRPr sz="1800"/>
-            </a:lvl4pPr>
-            <a:lvl5pPr>
-              <a:defRPr sz="1800"/>
-            </a:lvl5pPr>
-            <a:lvl6pPr>
-              <a:defRPr sz="1800"/>
-            </a:lvl6pPr>
-            <a:lvl7pPr>
-              <a:defRPr sz="1800"/>
-            </a:lvl7pPr>
-            <a:lvl8pPr>
-              <a:defRPr sz="1800"/>
-            </a:lvl8pPr>
-            <a:lvl9pPr>
-              <a:defRPr sz="1800"/>
-            </a:lvl9pPr>
-          </a:lstStyle>
+          <a:lstStyle/>
           <a:p>
             <a:pPr lvl="0"/>
             <a:r>
-              <a:rPr lang="en-US" smtClean="0"/>
+              <a:rPr lang="en-US"/>
               <a:t>Click to edit Master text styles</a:t>
             </a:r>
           </a:p>
           <a:p>
             <a:pPr lvl="1"/>
             <a:r>
-              <a:rPr lang="en-US" smtClean="0"/>
+              <a:rPr lang="en-US"/>
               <a:t>Second level</a:t>
             </a:r>
           </a:p>
           <a:p>
             <a:pPr lvl="2"/>
             <a:r>
-              <a:rPr lang="en-US" smtClean="0"/>
+              <a:rPr lang="en-US"/>
               <a:t>Third level</a:t>
             </a:r>
           </a:p>
           <a:p>
             <a:pPr lvl="3"/>
             <a:r>
-              <a:rPr lang="en-US" smtClean="0"/>
+              <a:rPr lang="en-US"/>
               <a:t>Fourth level</a:t>
             </a:r>
           </a:p>
           <a:p>
             <a:pPr lvl="4"/>
             <a:r>
-              <a:rPr lang="en-US" smtClean="0"/>
+              <a:rPr lang="en-US"/>
               <a:t>Fifth level</a:t>
             </a:r>
-            <a:endParaRPr lang="en-US"/>
           </a:p>
         </p:txBody>
       </p:sp>
       <p:sp>
         <p:nvSpPr>
-          <p:cNvPr id="5" name="Date Placeholder 4"/>
+          <p:cNvPr id="5" name="Date Placeholder 4">
+            <a:extLst>
+              <a:ext uri="{FF2B5EF4-FFF2-40B4-BE49-F238E27FC236}">
+                <a16:creationId xmlns:a16="http://schemas.microsoft.com/office/drawing/2014/main" id="{98D7786B-42E8-2D43-B4CF-943EBF945025}"/>
+              </a:ext>
+            </a:extLst>
+          </p:cNvPr>
           <p:cNvSpPr>
             <a:spLocks noGrp="1"/>
           </p:cNvSpPr>
@@ -1404,9 +1450,9 @@
           <a:bodyPr/>
           <a:lstStyle/>
           <a:p>
-            <a:fld id="{241EB5C9-1307-BA42-ABA2-0BC069CD8E7F}" type="datetimeFigureOut">
+            <a:fld id="{40C84C83-717C-4E47-AD04-EAD7706A69A9}" type="datetimeFigureOut">
               <a:rPr lang="en-US" smtClean="0"/>
-              <a:t>4/5/2019</a:t>
+              <a:t>2/25/21</a:t>
             </a:fld>
             <a:endParaRPr lang="en-US"/>
           </a:p>
@@ -1414,7 +1460,13 @@
       </p:sp>
       <p:sp>
         <p:nvSpPr>
-          <p:cNvPr id="6" name="Footer Placeholder 5"/>
+          <p:cNvPr id="6" name="Footer Placeholder 5">
+            <a:extLst>
+              <a:ext uri="{FF2B5EF4-FFF2-40B4-BE49-F238E27FC236}">
+                <a16:creationId xmlns:a16="http://schemas.microsoft.com/office/drawing/2014/main" id="{9EC83A34-70F7-1A45-930D-255C38F7DD12}"/>
+              </a:ext>
+            </a:extLst>
+          </p:cNvPr>
           <p:cNvSpPr>
             <a:spLocks noGrp="1"/>
           </p:cNvSpPr>
@@ -1433,7 +1485,13 @@
       </p:sp>
       <p:sp>
         <p:nvSpPr>
-          <p:cNvPr id="7" name="Slide Number Placeholder 6"/>
+          <p:cNvPr id="7" name="Slide Number Placeholder 6">
+            <a:extLst>
+              <a:ext uri="{FF2B5EF4-FFF2-40B4-BE49-F238E27FC236}">
+                <a16:creationId xmlns:a16="http://schemas.microsoft.com/office/drawing/2014/main" id="{B0F53BFC-60D3-BB48-96A5-B2D9DAC0124C}"/>
+              </a:ext>
+            </a:extLst>
+          </p:cNvPr>
           <p:cNvSpPr>
             <a:spLocks noGrp="1"/>
           </p:cNvSpPr>
@@ -1446,7 +1504,7 @@
           <a:bodyPr/>
           <a:lstStyle/>
           <a:p>
-            <a:fld id="{C5EF2332-01BF-834F-8236-50238282D533}" type="slidenum">
+            <a:fld id="{1C34DDE0-8D9E-9D49-A545-48CF20040F1D}" type="slidenum">
               <a:rPr lang="en-US" smtClean="0"/>
               <a:t>‹#›</a:t>
             </a:fld>
@@ -1457,7 +1515,7 @@
     </p:spTree>
     <p:extLst>
       <p:ext uri="{BB962C8B-B14F-4D97-AF65-F5344CB8AC3E}">
-        <p14:creationId xmlns:p14="http://schemas.microsoft.com/office/powerpoint/2010/main" val="2619886245"/>
+        <p14:creationId xmlns:p14="http://schemas.microsoft.com/office/powerpoint/2010/main" val="4110977301"/>
       </p:ext>
     </p:extLst>
   </p:cSld>
@@ -1486,7 +1544,13 @@
       </p:grpSpPr>
       <p:sp>
         <p:nvSpPr>
-          <p:cNvPr id="2" name="Title 1"/>
+          <p:cNvPr id="2" name="Title 1">
+            <a:extLst>
+              <a:ext uri="{FF2B5EF4-FFF2-40B4-BE49-F238E27FC236}">
+                <a16:creationId xmlns:a16="http://schemas.microsoft.com/office/drawing/2014/main" id="{BCBBA671-4710-C945-B91B-278AF18CE6CC}"/>
+              </a:ext>
+            </a:extLst>
+          </p:cNvPr>
           <p:cNvSpPr>
             <a:spLocks noGrp="1"/>
           </p:cNvSpPr>
@@ -1494,26 +1558,32 @@
             <p:ph type="title"/>
           </p:nvPr>
         </p:nvSpPr>
-        <p:spPr/>
+        <p:spPr>
+          <a:xfrm>
+            <a:off x="839788" y="365125"/>
+            <a:ext cx="10515600" cy="1325563"/>
+          </a:xfrm>
+        </p:spPr>
         <p:txBody>
           <a:bodyPr/>
-          <a:lstStyle>
-            <a:lvl1pPr>
-              <a:defRPr/>
-            </a:lvl1pPr>
-          </a:lstStyle>
+          <a:lstStyle/>
           <a:p>
             <a:r>
-              <a:rPr lang="en-US" smtClean="0"/>
+              <a:rPr lang="en-US"/>
               <a:t>Click to edit Master title style</a:t>
             </a:r>
-            <a:endParaRPr lang="en-US"/>
           </a:p>
         </p:txBody>
       </p:sp>
       <p:sp>
         <p:nvSpPr>
-          <p:cNvPr id="3" name="Text Placeholder 2"/>
+          <p:cNvPr id="3" name="Text Placeholder 2">
+            <a:extLst>
+              <a:ext uri="{FF2B5EF4-FFF2-40B4-BE49-F238E27FC236}">
+                <a16:creationId xmlns:a16="http://schemas.microsoft.com/office/drawing/2014/main" id="{13DDA9EF-FCD8-4D43-A360-18056E2C2999}"/>
+              </a:ext>
+            </a:extLst>
+          </p:cNvPr>
           <p:cNvSpPr>
             <a:spLocks noGrp="1"/>
           </p:cNvSpPr>
@@ -1523,8 +1593,8 @@
         </p:nvSpPr>
         <p:spPr>
           <a:xfrm>
-            <a:off x="457200" y="1535113"/>
-            <a:ext cx="4040188" cy="639762"/>
+            <a:off x="839788" y="1681163"/>
+            <a:ext cx="5157787" cy="823912"/>
           </a:xfrm>
         </p:spPr>
         <p:txBody>
@@ -1570,7 +1640,7 @@
           <a:p>
             <a:pPr lvl="0"/>
             <a:r>
-              <a:rPr lang="en-US" smtClean="0"/>
+              <a:rPr lang="en-US"/>
               <a:t>Click to edit Master text styles</a:t>
             </a:r>
           </a:p>
@@ -1578,7 +1648,13 @@
       </p:sp>
       <p:sp>
         <p:nvSpPr>
-          <p:cNvPr id="4" name="Content Placeholder 3"/>
+          <p:cNvPr id="4" name="Content Placeholder 3">
+            <a:extLst>
+              <a:ext uri="{FF2B5EF4-FFF2-40B4-BE49-F238E27FC236}">
+                <a16:creationId xmlns:a16="http://schemas.microsoft.com/office/drawing/2014/main" id="{AC658753-D33D-FA4D-A861-82010504B2B2}"/>
+              </a:ext>
+            </a:extLst>
+          </p:cNvPr>
           <p:cNvSpPr>
             <a:spLocks noGrp="1"/>
           </p:cNvSpPr>
@@ -1588,82 +1664,59 @@
         </p:nvSpPr>
         <p:spPr>
           <a:xfrm>
-            <a:off x="457200" y="2174875"/>
-            <a:ext cx="4040188" cy="3951288"/>
+            <a:off x="839788" y="2505075"/>
+            <a:ext cx="5157787" cy="3684588"/>
           </a:xfrm>
         </p:spPr>
         <p:txBody>
           <a:bodyPr/>
-          <a:lstStyle>
-            <a:lvl1pPr>
-              <a:defRPr sz="2400"/>
-            </a:lvl1pPr>
-            <a:lvl2pPr>
-              <a:defRPr sz="2000"/>
-            </a:lvl2pPr>
-            <a:lvl3pPr>
-              <a:defRPr sz="1800"/>
-            </a:lvl3pPr>
-            <a:lvl4pPr>
-              <a:defRPr sz="1600"/>
-            </a:lvl4pPr>
-            <a:lvl5pPr>
-              <a:defRPr sz="1600"/>
-            </a:lvl5pPr>
-            <a:lvl6pPr>
-              <a:defRPr sz="1600"/>
-            </a:lvl6pPr>
-            <a:lvl7pPr>
-              <a:defRPr sz="1600"/>
-            </a:lvl7pPr>
-            <a:lvl8pPr>
-              <a:defRPr sz="1600"/>
-            </a:lvl8pPr>
-            <a:lvl9pPr>
-              <a:defRPr sz="1600"/>
-            </a:lvl9pPr>
-          </a:lstStyle>
+          <a:lstStyle/>
           <a:p>
             <a:pPr lvl="0"/>
             <a:r>
-              <a:rPr lang="en-US" smtClean="0"/>
+              <a:rPr lang="en-US"/>
               <a:t>Click to edit Master text styles</a:t>
             </a:r>
           </a:p>
           <a:p>
             <a:pPr lvl="1"/>
             <a:r>
-              <a:rPr lang="en-US" smtClean="0"/>
+              <a:rPr lang="en-US"/>
               <a:t>Second level</a:t>
             </a:r>
           </a:p>
           <a:p>
             <a:pPr lvl="2"/>
             <a:r>
-              <a:rPr lang="en-US" smtClean="0"/>
+              <a:rPr lang="en-US"/>
               <a:t>Third level</a:t>
             </a:r>
           </a:p>
           <a:p>
             <a:pPr lvl="3"/>
             <a:r>
-              <a:rPr lang="en-US" smtClean="0"/>
+              <a:rPr lang="en-US"/>
               <a:t>Fourth level</a:t>
             </a:r>
           </a:p>
           <a:p>
             <a:pPr lvl="4"/>
             <a:r>
-              <a:rPr lang="en-US" smtClean="0"/>
+              <a:rPr lang="en-US"/>
               <a:t>Fifth level</a:t>
             </a:r>
-            <a:endParaRPr lang="en-US"/>
           </a:p>
         </p:txBody>
       </p:sp>
       <p:sp>
         <p:nvSpPr>
-          <p:cNvPr id="5" name="Text Placeholder 4"/>
+          <p:cNvPr id="5" name="Text Placeholder 4">
+            <a:extLst>
+              <a:ext uri="{FF2B5EF4-FFF2-40B4-BE49-F238E27FC236}">
+                <a16:creationId xmlns:a16="http://schemas.microsoft.com/office/drawing/2014/main" id="{C34310F8-AFD2-9C45-BBCA-74E63A249E5F}"/>
+              </a:ext>
+            </a:extLst>
+          </p:cNvPr>
           <p:cNvSpPr>
             <a:spLocks noGrp="1"/>
           </p:cNvSpPr>
@@ -1673,8 +1726,8 @@
         </p:nvSpPr>
         <p:spPr>
           <a:xfrm>
-            <a:off x="4645025" y="1535113"/>
-            <a:ext cx="4041775" cy="639762"/>
+            <a:off x="6172200" y="1681163"/>
+            <a:ext cx="5183188" cy="823912"/>
           </a:xfrm>
         </p:spPr>
         <p:txBody>
@@ -1720,7 +1773,7 @@
           <a:p>
             <a:pPr lvl="0"/>
             <a:r>
-              <a:rPr lang="en-US" smtClean="0"/>
+              <a:rPr lang="en-US"/>
               <a:t>Click to edit Master text styles</a:t>
             </a:r>
           </a:p>
@@ -1728,7 +1781,13 @@
       </p:sp>
       <p:sp>
         <p:nvSpPr>
-          <p:cNvPr id="6" name="Content Placeholder 5"/>
+          <p:cNvPr id="6" name="Content Placeholder 5">
+            <a:extLst>
+              <a:ext uri="{FF2B5EF4-FFF2-40B4-BE49-F238E27FC236}">
+                <a16:creationId xmlns:a16="http://schemas.microsoft.com/office/drawing/2014/main" id="{2A765311-48E1-C24F-8C18-78FD493512CB}"/>
+              </a:ext>
+            </a:extLst>
+          </p:cNvPr>
           <p:cNvSpPr>
             <a:spLocks noGrp="1"/>
           </p:cNvSpPr>
@@ -1738,82 +1797,59 @@
         </p:nvSpPr>
         <p:spPr>
           <a:xfrm>
-            <a:off x="4645025" y="2174875"/>
-            <a:ext cx="4041775" cy="3951288"/>
+            <a:off x="6172200" y="2505075"/>
+            <a:ext cx="5183188" cy="3684588"/>
           </a:xfrm>
         </p:spPr>
         <p:txBody>
           <a:bodyPr/>
-          <a:lstStyle>
-            <a:lvl1pPr>
-              <a:defRPr sz="2400"/>
-            </a:lvl1pPr>
-            <a:lvl2pPr>
-              <a:defRPr sz="2000"/>
-            </a:lvl2pPr>
-            <a:lvl3pPr>
-              <a:defRPr sz="1800"/>
-            </a:lvl3pPr>
-            <a:lvl4pPr>
-              <a:defRPr sz="1600"/>
-            </a:lvl4pPr>
-            <a:lvl5pPr>
-              <a:defRPr sz="1600"/>
-            </a:lvl5pPr>
-            <a:lvl6pPr>
-              <a:defRPr sz="1600"/>
-            </a:lvl6pPr>
-            <a:lvl7pPr>
-              <a:defRPr sz="1600"/>
-            </a:lvl7pPr>
-            <a:lvl8pPr>
-              <a:defRPr sz="1600"/>
-            </a:lvl8pPr>
-            <a:lvl9pPr>
-              <a:defRPr sz="1600"/>
-            </a:lvl9pPr>
-          </a:lstStyle>
+          <a:lstStyle/>
           <a:p>
             <a:pPr lvl="0"/>
             <a:r>
-              <a:rPr lang="en-US" smtClean="0"/>
+              <a:rPr lang="en-US"/>
               <a:t>Click to edit Master text styles</a:t>
             </a:r>
           </a:p>
           <a:p>
             <a:pPr lvl="1"/>
             <a:r>
-              <a:rPr lang="en-US" smtClean="0"/>
+              <a:rPr lang="en-US"/>
               <a:t>Second level</a:t>
             </a:r>
           </a:p>
           <a:p>
             <a:pPr lvl="2"/>
             <a:r>
-              <a:rPr lang="en-US" smtClean="0"/>
+              <a:rPr lang="en-US"/>
               <a:t>Third level</a:t>
             </a:r>
           </a:p>
           <a:p>
             <a:pPr lvl="3"/>
             <a:r>
-              <a:rPr lang="en-US" smtClean="0"/>
+              <a:rPr lang="en-US"/>
               <a:t>Fourth level</a:t>
             </a:r>
           </a:p>
           <a:p>
             <a:pPr lvl="4"/>
             <a:r>
-              <a:rPr lang="en-US" smtClean="0"/>
+              <a:rPr lang="en-US"/>
               <a:t>Fifth level</a:t>
             </a:r>
-            <a:endParaRPr lang="en-US"/>
           </a:p>
         </p:txBody>
       </p:sp>
       <p:sp>
         <p:nvSpPr>
-          <p:cNvPr id="7" name="Date Placeholder 6"/>
+          <p:cNvPr id="7" name="Date Placeholder 6">
+            <a:extLst>
+              <a:ext uri="{FF2B5EF4-FFF2-40B4-BE49-F238E27FC236}">
+                <a16:creationId xmlns:a16="http://schemas.microsoft.com/office/drawing/2014/main" id="{BF9D0A8F-ACE1-2F46-8C70-A065C895DB1F}"/>
+              </a:ext>
+            </a:extLst>
+          </p:cNvPr>
           <p:cNvSpPr>
             <a:spLocks noGrp="1"/>
           </p:cNvSpPr>
@@ -1826,9 +1862,9 @@
           <a:bodyPr/>
           <a:lstStyle/>
           <a:p>
-            <a:fld id="{241EB5C9-1307-BA42-ABA2-0BC069CD8E7F}" type="datetimeFigureOut">
+            <a:fld id="{40C84C83-717C-4E47-AD04-EAD7706A69A9}" type="datetimeFigureOut">
               <a:rPr lang="en-US" smtClean="0"/>
-              <a:t>4/5/2019</a:t>
+              <a:t>2/25/21</a:t>
             </a:fld>
             <a:endParaRPr lang="en-US"/>
           </a:p>
@@ -1836,7 +1872,13 @@
       </p:sp>
       <p:sp>
         <p:nvSpPr>
-          <p:cNvPr id="8" name="Footer Placeholder 7"/>
+          <p:cNvPr id="8" name="Footer Placeholder 7">
+            <a:extLst>
+              <a:ext uri="{FF2B5EF4-FFF2-40B4-BE49-F238E27FC236}">
+                <a16:creationId xmlns:a16="http://schemas.microsoft.com/office/drawing/2014/main" id="{8A90BFF7-F3E2-594D-8E75-CC7A7F3FA014}"/>
+              </a:ext>
+            </a:extLst>
+          </p:cNvPr>
           <p:cNvSpPr>
             <a:spLocks noGrp="1"/>
           </p:cNvSpPr>
@@ -1855,7 +1897,13 @@
       </p:sp>
       <p:sp>
         <p:nvSpPr>
-          <p:cNvPr id="9" name="Slide Number Placeholder 8"/>
+          <p:cNvPr id="9" name="Slide Number Placeholder 8">
+            <a:extLst>
+              <a:ext uri="{FF2B5EF4-FFF2-40B4-BE49-F238E27FC236}">
+                <a16:creationId xmlns:a16="http://schemas.microsoft.com/office/drawing/2014/main" id="{E5E30F4D-6472-EF45-BFD3-0BB5F06F10CA}"/>
+              </a:ext>
+            </a:extLst>
+          </p:cNvPr>
           <p:cNvSpPr>
             <a:spLocks noGrp="1"/>
           </p:cNvSpPr>
@@ -1868,7 +1916,7 @@
           <a:bodyPr/>
           <a:lstStyle/>
           <a:p>
-            <a:fld id="{C5EF2332-01BF-834F-8236-50238282D533}" type="slidenum">
+            <a:fld id="{1C34DDE0-8D9E-9D49-A545-48CF20040F1D}" type="slidenum">
               <a:rPr lang="en-US" smtClean="0"/>
               <a:t>‹#›</a:t>
             </a:fld>
@@ -1879,7 +1927,7 @@
     </p:spTree>
     <p:extLst>
       <p:ext uri="{BB962C8B-B14F-4D97-AF65-F5344CB8AC3E}">
-        <p14:creationId xmlns:p14="http://schemas.microsoft.com/office/powerpoint/2010/main" val="2535793967"/>
+        <p14:creationId xmlns:p14="http://schemas.microsoft.com/office/powerpoint/2010/main" val="631073377"/>
       </p:ext>
     </p:extLst>
   </p:cSld>
@@ -1908,7 +1956,13 @@
       </p:grpSpPr>
       <p:sp>
         <p:nvSpPr>
-          <p:cNvPr id="2" name="Title 1"/>
+          <p:cNvPr id="2" name="Title 1">
+            <a:extLst>
+              <a:ext uri="{FF2B5EF4-FFF2-40B4-BE49-F238E27FC236}">
+                <a16:creationId xmlns:a16="http://schemas.microsoft.com/office/drawing/2014/main" id="{F23A9DB8-17BE-F34A-8C74-7AEA2D56A0FC}"/>
+              </a:ext>
+            </a:extLst>
+          </p:cNvPr>
           <p:cNvSpPr>
             <a:spLocks noGrp="1"/>
           </p:cNvSpPr>
@@ -1922,16 +1976,21 @@
           <a:lstStyle/>
           <a:p>
             <a:r>
-              <a:rPr lang="en-US" smtClean="0"/>
+              <a:rPr lang="en-US"/>
               <a:t>Click to edit Master title style</a:t>
             </a:r>
-            <a:endParaRPr lang="en-US"/>
           </a:p>
         </p:txBody>
       </p:sp>
       <p:sp>
         <p:nvSpPr>
-          <p:cNvPr id="3" name="Date Placeholder 2"/>
+          <p:cNvPr id="3" name="Date Placeholder 2">
+            <a:extLst>
+              <a:ext uri="{FF2B5EF4-FFF2-40B4-BE49-F238E27FC236}">
+                <a16:creationId xmlns:a16="http://schemas.microsoft.com/office/drawing/2014/main" id="{F2A603E3-D290-4C40-A4FB-3D745A339242}"/>
+              </a:ext>
+            </a:extLst>
+          </p:cNvPr>
           <p:cNvSpPr>
             <a:spLocks noGrp="1"/>
           </p:cNvSpPr>
@@ -1944,9 +2003,9 @@
           <a:bodyPr/>
           <a:lstStyle/>
           <a:p>
-            <a:fld id="{241EB5C9-1307-BA42-ABA2-0BC069CD8E7F}" type="datetimeFigureOut">
+            <a:fld id="{40C84C83-717C-4E47-AD04-EAD7706A69A9}" type="datetimeFigureOut">
               <a:rPr lang="en-US" smtClean="0"/>
-              <a:t>4/5/2019</a:t>
+              <a:t>2/25/21</a:t>
             </a:fld>
             <a:endParaRPr lang="en-US"/>
           </a:p>
@@ -1954,7 +2013,13 @@
       </p:sp>
       <p:sp>
         <p:nvSpPr>
-          <p:cNvPr id="4" name="Footer Placeholder 3"/>
+          <p:cNvPr id="4" name="Footer Placeholder 3">
+            <a:extLst>
+              <a:ext uri="{FF2B5EF4-FFF2-40B4-BE49-F238E27FC236}">
+                <a16:creationId xmlns:a16="http://schemas.microsoft.com/office/drawing/2014/main" id="{C08A9869-E5B7-8643-A8C1-E625351B537C}"/>
+              </a:ext>
+            </a:extLst>
+          </p:cNvPr>
           <p:cNvSpPr>
             <a:spLocks noGrp="1"/>
           </p:cNvSpPr>
@@ -1973,7 +2038,13 @@
       </p:sp>
       <p:sp>
         <p:nvSpPr>
-          <p:cNvPr id="5" name="Slide Number Placeholder 4"/>
+          <p:cNvPr id="5" name="Slide Number Placeholder 4">
+            <a:extLst>
+              <a:ext uri="{FF2B5EF4-FFF2-40B4-BE49-F238E27FC236}">
+                <a16:creationId xmlns:a16="http://schemas.microsoft.com/office/drawing/2014/main" id="{C108E6A9-7A50-224C-A3E6-1DE6B8C6EA63}"/>
+              </a:ext>
+            </a:extLst>
+          </p:cNvPr>
           <p:cNvSpPr>
             <a:spLocks noGrp="1"/>
           </p:cNvSpPr>
@@ -1986,7 +2057,7 @@
           <a:bodyPr/>
           <a:lstStyle/>
           <a:p>
-            <a:fld id="{C5EF2332-01BF-834F-8236-50238282D533}" type="slidenum">
+            <a:fld id="{1C34DDE0-8D9E-9D49-A545-48CF20040F1D}" type="slidenum">
               <a:rPr lang="en-US" smtClean="0"/>
               <a:t>‹#›</a:t>
             </a:fld>
@@ -1997,7 +2068,7 @@
     </p:spTree>
     <p:extLst>
       <p:ext uri="{BB962C8B-B14F-4D97-AF65-F5344CB8AC3E}">
-        <p14:creationId xmlns:p14="http://schemas.microsoft.com/office/powerpoint/2010/main" val="3472721253"/>
+        <p14:creationId xmlns:p14="http://schemas.microsoft.com/office/powerpoint/2010/main" val="4052569989"/>
       </p:ext>
     </p:extLst>
   </p:cSld>
@@ -2026,7 +2097,13 @@
       </p:grpSpPr>
       <p:sp>
         <p:nvSpPr>
-          <p:cNvPr id="2" name="Date Placeholder 1"/>
+          <p:cNvPr id="2" name="Date Placeholder 1">
+            <a:extLst>
+              <a:ext uri="{FF2B5EF4-FFF2-40B4-BE49-F238E27FC236}">
+                <a16:creationId xmlns:a16="http://schemas.microsoft.com/office/drawing/2014/main" id="{81F759B7-2E2B-C44F-8330-2F5C20C42D96}"/>
+              </a:ext>
+            </a:extLst>
+          </p:cNvPr>
           <p:cNvSpPr>
             <a:spLocks noGrp="1"/>
           </p:cNvSpPr>
@@ -2039,9 +2116,9 @@
           <a:bodyPr/>
           <a:lstStyle/>
           <a:p>
-            <a:fld id="{241EB5C9-1307-BA42-ABA2-0BC069CD8E7F}" type="datetimeFigureOut">
+            <a:fld id="{40C84C83-717C-4E47-AD04-EAD7706A69A9}" type="datetimeFigureOut">
               <a:rPr lang="en-US" smtClean="0"/>
-              <a:t>4/5/2019</a:t>
+              <a:t>2/25/21</a:t>
             </a:fld>
             <a:endParaRPr lang="en-US"/>
           </a:p>
@@ -2049,7 +2126,13 @@
       </p:sp>
       <p:sp>
         <p:nvSpPr>
-          <p:cNvPr id="3" name="Footer Placeholder 2"/>
+          <p:cNvPr id="3" name="Footer Placeholder 2">
+            <a:extLst>
+              <a:ext uri="{FF2B5EF4-FFF2-40B4-BE49-F238E27FC236}">
+                <a16:creationId xmlns:a16="http://schemas.microsoft.com/office/drawing/2014/main" id="{517787B3-85BF-694F-A36F-362640913545}"/>
+              </a:ext>
+            </a:extLst>
+          </p:cNvPr>
           <p:cNvSpPr>
             <a:spLocks noGrp="1"/>
           </p:cNvSpPr>
@@ -2068,7 +2151,13 @@
       </p:sp>
       <p:sp>
         <p:nvSpPr>
-          <p:cNvPr id="4" name="Slide Number Placeholder 3"/>
+          <p:cNvPr id="4" name="Slide Number Placeholder 3">
+            <a:extLst>
+              <a:ext uri="{FF2B5EF4-FFF2-40B4-BE49-F238E27FC236}">
+                <a16:creationId xmlns:a16="http://schemas.microsoft.com/office/drawing/2014/main" id="{8FB8F665-B619-194A-BEB4-16FBBFCCB55F}"/>
+              </a:ext>
+            </a:extLst>
+          </p:cNvPr>
           <p:cNvSpPr>
             <a:spLocks noGrp="1"/>
           </p:cNvSpPr>
@@ -2081,7 +2170,7 @@
           <a:bodyPr/>
           <a:lstStyle/>
           <a:p>
-            <a:fld id="{C5EF2332-01BF-834F-8236-50238282D533}" type="slidenum">
+            <a:fld id="{1C34DDE0-8D9E-9D49-A545-48CF20040F1D}" type="slidenum">
               <a:rPr lang="en-US" smtClean="0"/>
               <a:t>‹#›</a:t>
             </a:fld>
@@ -2092,7 +2181,7 @@
     </p:spTree>
     <p:extLst>
       <p:ext uri="{BB962C8B-B14F-4D97-AF65-F5344CB8AC3E}">
-        <p14:creationId xmlns:p14="http://schemas.microsoft.com/office/powerpoint/2010/main" val="2130901097"/>
+        <p14:creationId xmlns:p14="http://schemas.microsoft.com/office/powerpoint/2010/main" val="1730105611"/>
       </p:ext>
     </p:extLst>
   </p:cSld>
@@ -2121,7 +2210,13 @@
       </p:grpSpPr>
       <p:sp>
         <p:nvSpPr>
-          <p:cNvPr id="2" name="Title 1"/>
+          <p:cNvPr id="2" name="Title 1">
+            <a:extLst>
+              <a:ext uri="{FF2B5EF4-FFF2-40B4-BE49-F238E27FC236}">
+                <a16:creationId xmlns:a16="http://schemas.microsoft.com/office/drawing/2014/main" id="{5D762FA8-E091-D249-A97C-FF210AF1B98A}"/>
+              </a:ext>
+            </a:extLst>
+          </p:cNvPr>
           <p:cNvSpPr>
             <a:spLocks noGrp="1"/>
           </p:cNvSpPr>
@@ -2131,29 +2226,34 @@
         </p:nvSpPr>
         <p:spPr>
           <a:xfrm>
-            <a:off x="457200" y="273050"/>
-            <a:ext cx="3008313" cy="1162050"/>
+            <a:off x="839788" y="457200"/>
+            <a:ext cx="3932237" cy="1600200"/>
           </a:xfrm>
         </p:spPr>
         <p:txBody>
           <a:bodyPr anchor="b"/>
           <a:lstStyle>
-            <a:lvl1pPr algn="l">
-              <a:defRPr sz="2000" b="1"/>
+            <a:lvl1pPr>
+              <a:defRPr sz="3200"/>
             </a:lvl1pPr>
           </a:lstStyle>
           <a:p>
             <a:r>
-              <a:rPr lang="en-US" smtClean="0"/>
+              <a:rPr lang="en-US"/>
               <a:t>Click to edit Master title style</a:t>
             </a:r>
-            <a:endParaRPr lang="en-US"/>
           </a:p>
         </p:txBody>
       </p:sp>
       <p:sp>
         <p:nvSpPr>
-          <p:cNvPr id="3" name="Content Placeholder 2"/>
+          <p:cNvPr id="3" name="Content Placeholder 2">
+            <a:extLst>
+              <a:ext uri="{FF2B5EF4-FFF2-40B4-BE49-F238E27FC236}">
+                <a16:creationId xmlns:a16="http://schemas.microsoft.com/office/drawing/2014/main" id="{2CC69001-C6D5-7847-AEE4-62622639E3E1}"/>
+              </a:ext>
+            </a:extLst>
+          </p:cNvPr>
           <p:cNvSpPr>
             <a:spLocks noGrp="1"/>
           </p:cNvSpPr>
@@ -2163,8 +2263,8 @@
         </p:nvSpPr>
         <p:spPr>
           <a:xfrm>
-            <a:off x="3575050" y="273050"/>
-            <a:ext cx="5111750" cy="5853113"/>
+            <a:off x="5183188" y="987425"/>
+            <a:ext cx="6172200" cy="4873625"/>
           </a:xfrm>
         </p:spPr>
         <p:txBody>
@@ -2201,44 +2301,49 @@
           <a:p>
             <a:pPr lvl="0"/>
             <a:r>
-              <a:rPr lang="en-US" smtClean="0"/>
+              <a:rPr lang="en-US"/>
               <a:t>Click to edit Master text styles</a:t>
             </a:r>
           </a:p>
           <a:p>
             <a:pPr lvl="1"/>
             <a:r>
-              <a:rPr lang="en-US" smtClean="0"/>
+              <a:rPr lang="en-US"/>
               <a:t>Second level</a:t>
             </a:r>
           </a:p>
           <a:p>
             <a:pPr lvl="2"/>
             <a:r>
-              <a:rPr lang="en-US" smtClean="0"/>
+              <a:rPr lang="en-US"/>
               <a:t>Third level</a:t>
             </a:r>
           </a:p>
           <a:p>
             <a:pPr lvl="3"/>
             <a:r>
-              <a:rPr lang="en-US" smtClean="0"/>
+              <a:rPr lang="en-US"/>
               <a:t>Fourth level</a:t>
             </a:r>
           </a:p>
           <a:p>
             <a:pPr lvl="4"/>
             <a:r>
-              <a:rPr lang="en-US" smtClean="0"/>
+              <a:rPr lang="en-US"/>
               <a:t>Fifth level</a:t>
             </a:r>
-            <a:endParaRPr lang="en-US"/>
           </a:p>
         </p:txBody>
       </p:sp>
       <p:sp>
         <p:nvSpPr>
-          <p:cNvPr id="4" name="Text Placeholder 3"/>
+          <p:cNvPr id="4" name="Text Placeholder 3">
+            <a:extLst>
+              <a:ext uri="{FF2B5EF4-FFF2-40B4-BE49-F238E27FC236}">
+                <a16:creationId xmlns:a16="http://schemas.microsoft.com/office/drawing/2014/main" id="{97CB4F7B-AAC1-9549-A2EC-F546B55A936B}"/>
+              </a:ext>
+            </a:extLst>
+          </p:cNvPr>
           <p:cNvSpPr>
             <a:spLocks noGrp="1"/>
           </p:cNvSpPr>
@@ -2248,8 +2353,8 @@
         </p:nvSpPr>
         <p:spPr>
           <a:xfrm>
-            <a:off x="457200" y="1435100"/>
-            <a:ext cx="3008313" cy="4691063"/>
+            <a:off x="839788" y="2057400"/>
+            <a:ext cx="3932237" cy="3811588"/>
           </a:xfrm>
         </p:spPr>
         <p:txBody>
@@ -2257,45 +2362,45 @@
           <a:lstStyle>
             <a:lvl1pPr marL="0" indent="0">
               <a:buNone/>
-              <a:defRPr sz="1400"/>
+              <a:defRPr sz="1600"/>
             </a:lvl1pPr>
             <a:lvl2pPr marL="457200" indent="0">
               <a:buNone/>
-              <a:defRPr sz="1200"/>
+              <a:defRPr sz="1400"/>
             </a:lvl2pPr>
             <a:lvl3pPr marL="914400" indent="0">
               <a:buNone/>
-              <a:defRPr sz="1000"/>
+              <a:defRPr sz="1200"/>
             </a:lvl3pPr>
             <a:lvl4pPr marL="1371600" indent="0">
               <a:buNone/>
-              <a:defRPr sz="900"/>
+              <a:defRPr sz="1000"/>
             </a:lvl4pPr>
             <a:lvl5pPr marL="1828800" indent="0">
               <a:buNone/>
-              <a:defRPr sz="900"/>
+              <a:defRPr sz="1000"/>
             </a:lvl5pPr>
             <a:lvl6pPr marL="2286000" indent="0">
               <a:buNone/>
-              <a:defRPr sz="900"/>
+              <a:defRPr sz="1000"/>
             </a:lvl6pPr>
             <a:lvl7pPr marL="2743200" indent="0">
               <a:buNone/>
-              <a:defRPr sz="900"/>
+              <a:defRPr sz="1000"/>
             </a:lvl7pPr>
             <a:lvl8pPr marL="3200400" indent="0">
               <a:buNone/>
-              <a:defRPr sz="900"/>
+              <a:defRPr sz="1000"/>
             </a:lvl8pPr>
             <a:lvl9pPr marL="3657600" indent="0">
               <a:buNone/>
-              <a:defRPr sz="900"/>
+              <a:defRPr sz="1000"/>
             </a:lvl9pPr>
           </a:lstStyle>
           <a:p>
             <a:pPr lvl="0"/>
             <a:r>
-              <a:rPr lang="en-US" smtClean="0"/>
+              <a:rPr lang="en-US"/>
               <a:t>Click to edit Master text styles</a:t>
             </a:r>
           </a:p>
@@ -2303,7 +2408,13 @@
       </p:sp>
       <p:sp>
         <p:nvSpPr>
-          <p:cNvPr id="5" name="Date Placeholder 4"/>
+          <p:cNvPr id="5" name="Date Placeholder 4">
+            <a:extLst>
+              <a:ext uri="{FF2B5EF4-FFF2-40B4-BE49-F238E27FC236}">
+                <a16:creationId xmlns:a16="http://schemas.microsoft.com/office/drawing/2014/main" id="{6FA8A538-49EB-CE41-8C99-35AB4B19BE07}"/>
+              </a:ext>
+            </a:extLst>
+          </p:cNvPr>
           <p:cNvSpPr>
             <a:spLocks noGrp="1"/>
           </p:cNvSpPr>
@@ -2316,9 +2427,9 @@
           <a:bodyPr/>
           <a:lstStyle/>
           <a:p>
-            <a:fld id="{241EB5C9-1307-BA42-ABA2-0BC069CD8E7F}" type="datetimeFigureOut">
+            <a:fld id="{40C84C83-717C-4E47-AD04-EAD7706A69A9}" type="datetimeFigureOut">
               <a:rPr lang="en-US" smtClean="0"/>
-              <a:t>4/5/2019</a:t>
+              <a:t>2/25/21</a:t>
             </a:fld>
             <a:endParaRPr lang="en-US"/>
           </a:p>
@@ -2326,7 +2437,13 @@
       </p:sp>
       <p:sp>
         <p:nvSpPr>
-          <p:cNvPr id="6" name="Footer Placeholder 5"/>
+          <p:cNvPr id="6" name="Footer Placeholder 5">
+            <a:extLst>
+              <a:ext uri="{FF2B5EF4-FFF2-40B4-BE49-F238E27FC236}">
+                <a16:creationId xmlns:a16="http://schemas.microsoft.com/office/drawing/2014/main" id="{5BD03D2F-3A6B-7E47-AB8C-77348B1B5C7E}"/>
+              </a:ext>
+            </a:extLst>
+          </p:cNvPr>
           <p:cNvSpPr>
             <a:spLocks noGrp="1"/>
           </p:cNvSpPr>
@@ -2345,7 +2462,13 @@
       </p:sp>
       <p:sp>
         <p:nvSpPr>
-          <p:cNvPr id="7" name="Slide Number Placeholder 6"/>
+          <p:cNvPr id="7" name="Slide Number Placeholder 6">
+            <a:extLst>
+              <a:ext uri="{FF2B5EF4-FFF2-40B4-BE49-F238E27FC236}">
+                <a16:creationId xmlns:a16="http://schemas.microsoft.com/office/drawing/2014/main" id="{305E3E02-4B5C-1D46-B24E-C44502AAD085}"/>
+              </a:ext>
+            </a:extLst>
+          </p:cNvPr>
           <p:cNvSpPr>
             <a:spLocks noGrp="1"/>
           </p:cNvSpPr>
@@ -2358,7 +2481,7 @@
           <a:bodyPr/>
           <a:lstStyle/>
           <a:p>
-            <a:fld id="{C5EF2332-01BF-834F-8236-50238282D533}" type="slidenum">
+            <a:fld id="{1C34DDE0-8D9E-9D49-A545-48CF20040F1D}" type="slidenum">
               <a:rPr lang="en-US" smtClean="0"/>
               <a:t>‹#›</a:t>
             </a:fld>
@@ -2369,7 +2492,7 @@
     </p:spTree>
     <p:extLst>
       <p:ext uri="{BB962C8B-B14F-4D97-AF65-F5344CB8AC3E}">
-        <p14:creationId xmlns:p14="http://schemas.microsoft.com/office/powerpoint/2010/main" val="3540895647"/>
+        <p14:creationId xmlns:p14="http://schemas.microsoft.com/office/powerpoint/2010/main" val="2044955830"/>
       </p:ext>
     </p:extLst>
   </p:cSld>
@@ -2398,7 +2521,13 @@
       </p:grpSpPr>
       <p:sp>
         <p:nvSpPr>
-          <p:cNvPr id="2" name="Title 1"/>
+          <p:cNvPr id="2" name="Title 1">
+            <a:extLst>
+              <a:ext uri="{FF2B5EF4-FFF2-40B4-BE49-F238E27FC236}">
+                <a16:creationId xmlns:a16="http://schemas.microsoft.com/office/drawing/2014/main" id="{B83870BB-FF63-D64C-B300-63C6692BA024}"/>
+              </a:ext>
+            </a:extLst>
+          </p:cNvPr>
           <p:cNvSpPr>
             <a:spLocks noGrp="1"/>
           </p:cNvSpPr>
@@ -2408,29 +2537,34 @@
         </p:nvSpPr>
         <p:spPr>
           <a:xfrm>
-            <a:off x="1792288" y="4800600"/>
-            <a:ext cx="5486400" cy="566738"/>
+            <a:off x="839788" y="457200"/>
+            <a:ext cx="3932237" cy="1600200"/>
           </a:xfrm>
         </p:spPr>
         <p:txBody>
           <a:bodyPr anchor="b"/>
           <a:lstStyle>
-            <a:lvl1pPr algn="l">
-              <a:defRPr sz="2000" b="1"/>
+            <a:lvl1pPr>
+              <a:defRPr sz="3200"/>
             </a:lvl1pPr>
           </a:lstStyle>
           <a:p>
             <a:r>
-              <a:rPr lang="en-US" smtClean="0"/>
+              <a:rPr lang="en-US"/>
               <a:t>Click to edit Master title style</a:t>
             </a:r>
-            <a:endParaRPr lang="en-US"/>
           </a:p>
         </p:txBody>
       </p:sp>
       <p:sp>
         <p:nvSpPr>
-          <p:cNvPr id="3" name="Picture Placeholder 2"/>
+          <p:cNvPr id="3" name="Picture Placeholder 2">
+            <a:extLst>
+              <a:ext uri="{FF2B5EF4-FFF2-40B4-BE49-F238E27FC236}">
+                <a16:creationId xmlns:a16="http://schemas.microsoft.com/office/drawing/2014/main" id="{4E031879-228E-2E4A-B157-FCF9AFA6FFF8}"/>
+              </a:ext>
+            </a:extLst>
+          </p:cNvPr>
           <p:cNvSpPr>
             <a:spLocks noGrp="1"/>
           </p:cNvSpPr>
@@ -2440,8 +2574,8 @@
         </p:nvSpPr>
         <p:spPr>
           <a:xfrm>
-            <a:off x="1792288" y="612775"/>
-            <a:ext cx="5486400" cy="4114800"/>
+            <a:off x="5183188" y="987425"/>
+            <a:ext cx="6172200" cy="4873625"/>
           </a:xfrm>
         </p:spPr>
         <p:txBody>
@@ -2491,7 +2625,13 @@
       </p:sp>
       <p:sp>
         <p:nvSpPr>
-          <p:cNvPr id="4" name="Text Placeholder 3"/>
+          <p:cNvPr id="4" name="Text Placeholder 3">
+            <a:extLst>
+              <a:ext uri="{FF2B5EF4-FFF2-40B4-BE49-F238E27FC236}">
+                <a16:creationId xmlns:a16="http://schemas.microsoft.com/office/drawing/2014/main" id="{19316E41-4B27-814B-8E04-1D692527FD27}"/>
+              </a:ext>
+            </a:extLst>
+          </p:cNvPr>
           <p:cNvSpPr>
             <a:spLocks noGrp="1"/>
           </p:cNvSpPr>
@@ -2501,8 +2641,8 @@
         </p:nvSpPr>
         <p:spPr>
           <a:xfrm>
-            <a:off x="1792288" y="5367338"/>
-            <a:ext cx="5486400" cy="804862"/>
+            <a:off x="839788" y="2057400"/>
+            <a:ext cx="3932237" cy="3811588"/>
           </a:xfrm>
         </p:spPr>
         <p:txBody>
@@ -2510,45 +2650,45 @@
           <a:lstStyle>
             <a:lvl1pPr marL="0" indent="0">
               <a:buNone/>
-              <a:defRPr sz="1400"/>
+              <a:defRPr sz="1600"/>
             </a:lvl1pPr>
             <a:lvl2pPr marL="457200" indent="0">
               <a:buNone/>
-              <a:defRPr sz="1200"/>
+              <a:defRPr sz="1400"/>
             </a:lvl2pPr>
             <a:lvl3pPr marL="914400" indent="0">
               <a:buNone/>
-              <a:defRPr sz="1000"/>
+              <a:defRPr sz="1200"/>
             </a:lvl3pPr>
             <a:lvl4pPr marL="1371600" indent="0">
               <a:buNone/>
-              <a:defRPr sz="900"/>
+              <a:defRPr sz="1000"/>
             </a:lvl4pPr>
             <a:lvl5pPr marL="1828800" indent="0">
               <a:buNone/>
-              <a:defRPr sz="900"/>
+              <a:defRPr sz="1000"/>
             </a:lvl5pPr>
             <a:lvl6pPr marL="2286000" indent="0">
               <a:buNone/>
-              <a:defRPr sz="900"/>
+              <a:defRPr sz="1000"/>
             </a:lvl6pPr>
             <a:lvl7pPr marL="2743200" indent="0">
               <a:buNone/>
-              <a:defRPr sz="900"/>
+              <a:defRPr sz="1000"/>
             </a:lvl7pPr>
             <a:lvl8pPr marL="3200400" indent="0">
               <a:buNone/>
-              <a:defRPr sz="900"/>
+              <a:defRPr sz="1000"/>
             </a:lvl8pPr>
             <a:lvl9pPr marL="3657600" indent="0">
               <a:buNone/>
-              <a:defRPr sz="900"/>
+              <a:defRPr sz="1000"/>
             </a:lvl9pPr>
           </a:lstStyle>
           <a:p>
             <a:pPr lvl="0"/>
             <a:r>
-              <a:rPr lang="en-US" smtClean="0"/>
+              <a:rPr lang="en-US"/>
               <a:t>Click to edit Master text styles</a:t>
             </a:r>
           </a:p>
@@ -2556,7 +2696,13 @@
       </p:sp>
       <p:sp>
         <p:nvSpPr>
-          <p:cNvPr id="5" name="Date Placeholder 4"/>
+          <p:cNvPr id="5" name="Date Placeholder 4">
+            <a:extLst>
+              <a:ext uri="{FF2B5EF4-FFF2-40B4-BE49-F238E27FC236}">
+                <a16:creationId xmlns:a16="http://schemas.microsoft.com/office/drawing/2014/main" id="{74D3FA3B-7BFF-A148-B006-7505B9B4D497}"/>
+              </a:ext>
+            </a:extLst>
+          </p:cNvPr>
           <p:cNvSpPr>
             <a:spLocks noGrp="1"/>
           </p:cNvSpPr>
@@ -2569,9 +2715,9 @@
           <a:bodyPr/>
           <a:lstStyle/>
           <a:p>
-            <a:fld id="{241EB5C9-1307-BA42-ABA2-0BC069CD8E7F}" type="datetimeFigureOut">
+            <a:fld id="{40C84C83-717C-4E47-AD04-EAD7706A69A9}" type="datetimeFigureOut">
               <a:rPr lang="en-US" smtClean="0"/>
-              <a:t>4/5/2019</a:t>
+              <a:t>2/25/21</a:t>
             </a:fld>
             <a:endParaRPr lang="en-US"/>
           </a:p>
@@ -2579,7 +2725,13 @@
       </p:sp>
       <p:sp>
         <p:nvSpPr>
-          <p:cNvPr id="6" name="Footer Placeholder 5"/>
+          <p:cNvPr id="6" name="Footer Placeholder 5">
+            <a:extLst>
+              <a:ext uri="{FF2B5EF4-FFF2-40B4-BE49-F238E27FC236}">
+                <a16:creationId xmlns:a16="http://schemas.microsoft.com/office/drawing/2014/main" id="{AB31F8B4-3CF6-FA4C-AA4D-14C017D6B135}"/>
+              </a:ext>
+            </a:extLst>
+          </p:cNvPr>
           <p:cNvSpPr>
             <a:spLocks noGrp="1"/>
           </p:cNvSpPr>
@@ -2598,7 +2750,13 @@
       </p:sp>
       <p:sp>
         <p:nvSpPr>
-          <p:cNvPr id="7" name="Slide Number Placeholder 6"/>
+          <p:cNvPr id="7" name="Slide Number Placeholder 6">
+            <a:extLst>
+              <a:ext uri="{FF2B5EF4-FFF2-40B4-BE49-F238E27FC236}">
+                <a16:creationId xmlns:a16="http://schemas.microsoft.com/office/drawing/2014/main" id="{55BECC93-1982-4A4F-A669-2E414F958D30}"/>
+              </a:ext>
+            </a:extLst>
+          </p:cNvPr>
           <p:cNvSpPr>
             <a:spLocks noGrp="1"/>
           </p:cNvSpPr>
@@ -2611,7 +2769,7 @@
           <a:bodyPr/>
           <a:lstStyle/>
           <a:p>
-            <a:fld id="{C5EF2332-01BF-834F-8236-50238282D533}" type="slidenum">
+            <a:fld id="{1C34DDE0-8D9E-9D49-A545-48CF20040F1D}" type="slidenum">
               <a:rPr lang="en-US" smtClean="0"/>
               <a:t>‹#›</a:t>
             </a:fld>
@@ -2622,7 +2780,7 @@
     </p:spTree>
     <p:extLst>
       <p:ext uri="{BB962C8B-B14F-4D97-AF65-F5344CB8AC3E}">
-        <p14:creationId xmlns:p14="http://schemas.microsoft.com/office/powerpoint/2010/main" val="3566899855"/>
+        <p14:creationId xmlns:p14="http://schemas.microsoft.com/office/powerpoint/2010/main" val="1733105964"/>
       </p:ext>
     </p:extLst>
   </p:cSld>
@@ -2656,7 +2814,13 @@
       </p:grpSpPr>
       <p:sp>
         <p:nvSpPr>
-          <p:cNvPr id="2" name="Title Placeholder 1"/>
+          <p:cNvPr id="2" name="Title Placeholder 1">
+            <a:extLst>
+              <a:ext uri="{FF2B5EF4-FFF2-40B4-BE49-F238E27FC236}">
+                <a16:creationId xmlns:a16="http://schemas.microsoft.com/office/drawing/2014/main" id="{4FA7DA20-5759-774D-B4BE-D36F18069629}"/>
+              </a:ext>
+            </a:extLst>
+          </p:cNvPr>
           <p:cNvSpPr>
             <a:spLocks noGrp="1"/>
           </p:cNvSpPr>
@@ -2666,8 +2830,8 @@
         </p:nvSpPr>
         <p:spPr>
           <a:xfrm>
-            <a:off x="457200" y="274638"/>
-            <a:ext cx="8229600" cy="1143000"/>
+            <a:off x="838200" y="365125"/>
+            <a:ext cx="10515600" cy="1325563"/>
           </a:xfrm>
           <a:prstGeom prst="rect">
             <a:avLst/>
@@ -2680,16 +2844,21 @@
           <a:lstStyle/>
           <a:p>
             <a:r>
-              <a:rPr lang="en-US" smtClean="0"/>
+              <a:rPr lang="en-US"/>
               <a:t>Click to edit Master title style</a:t>
             </a:r>
-            <a:endParaRPr lang="en-US"/>
           </a:p>
         </p:txBody>
       </p:sp>
       <p:sp>
         <p:nvSpPr>
-          <p:cNvPr id="3" name="Text Placeholder 2"/>
+          <p:cNvPr id="3" name="Text Placeholder 2">
+            <a:extLst>
+              <a:ext uri="{FF2B5EF4-FFF2-40B4-BE49-F238E27FC236}">
+                <a16:creationId xmlns:a16="http://schemas.microsoft.com/office/drawing/2014/main" id="{01396CF8-E1E5-384C-94CA-600A6C3EAEB5}"/>
+              </a:ext>
+            </a:extLst>
+          </p:cNvPr>
           <p:cNvSpPr>
             <a:spLocks noGrp="1"/>
           </p:cNvSpPr>
@@ -2699,8 +2868,8 @@
         </p:nvSpPr>
         <p:spPr>
           <a:xfrm>
-            <a:off x="457200" y="1600200"/>
-            <a:ext cx="8229600" cy="4525963"/>
+            <a:off x="838200" y="1825625"/>
+            <a:ext cx="10515600" cy="4351338"/>
           </a:xfrm>
           <a:prstGeom prst="rect">
             <a:avLst/>
@@ -2714,44 +2883,49 @@
           <a:p>
             <a:pPr lvl="0"/>
             <a:r>
-              <a:rPr lang="en-US" smtClean="0"/>
+              <a:rPr lang="en-US"/>
               <a:t>Click to edit Master text styles</a:t>
             </a:r>
           </a:p>
           <a:p>
             <a:pPr lvl="1"/>
             <a:r>
-              <a:rPr lang="en-US" smtClean="0"/>
+              <a:rPr lang="en-US"/>
               <a:t>Second level</a:t>
             </a:r>
           </a:p>
           <a:p>
             <a:pPr lvl="2"/>
             <a:r>
-              <a:rPr lang="en-US" smtClean="0"/>
+              <a:rPr lang="en-US"/>
               <a:t>Third level</a:t>
             </a:r>
           </a:p>
           <a:p>
             <a:pPr lvl="3"/>
             <a:r>
-              <a:rPr lang="en-US" smtClean="0"/>
+              <a:rPr lang="en-US"/>
               <a:t>Fourth level</a:t>
             </a:r>
           </a:p>
           <a:p>
             <a:pPr lvl="4"/>
             <a:r>
-              <a:rPr lang="en-US" smtClean="0"/>
+              <a:rPr lang="en-US"/>
               <a:t>Fifth level</a:t>
             </a:r>
-            <a:endParaRPr lang="en-US"/>
           </a:p>
         </p:txBody>
       </p:sp>
       <p:sp>
         <p:nvSpPr>
-          <p:cNvPr id="4" name="Date Placeholder 3"/>
+          <p:cNvPr id="4" name="Date Placeholder 3">
+            <a:extLst>
+              <a:ext uri="{FF2B5EF4-FFF2-40B4-BE49-F238E27FC236}">
+                <a16:creationId xmlns:a16="http://schemas.microsoft.com/office/drawing/2014/main" id="{B078A990-0624-2D44-ACB9-10BF1C7F8810}"/>
+              </a:ext>
+            </a:extLst>
+          </p:cNvPr>
           <p:cNvSpPr>
             <a:spLocks noGrp="1"/>
           </p:cNvSpPr>
@@ -2761,8 +2935,8 @@
         </p:nvSpPr>
         <p:spPr>
           <a:xfrm>
-            <a:off x="457200" y="6356350"/>
-            <a:ext cx="2133600" cy="365125"/>
+            <a:off x="838200" y="6356350"/>
+            <a:ext cx="2743200" cy="365125"/>
           </a:xfrm>
           <a:prstGeom prst="rect">
             <a:avLst/>
@@ -2782,9 +2956,9 @@
             </a:lvl1pPr>
           </a:lstStyle>
           <a:p>
-            <a:fld id="{241EB5C9-1307-BA42-ABA2-0BC069CD8E7F}" type="datetimeFigureOut">
+            <a:fld id="{40C84C83-717C-4E47-AD04-EAD7706A69A9}" type="datetimeFigureOut">
               <a:rPr lang="en-US" smtClean="0"/>
-              <a:t>4/5/2019</a:t>
+              <a:t>2/25/21</a:t>
             </a:fld>
             <a:endParaRPr lang="en-US"/>
           </a:p>
@@ -2792,7 +2966,13 @@
       </p:sp>
       <p:sp>
         <p:nvSpPr>
-          <p:cNvPr id="5" name="Footer Placeholder 4"/>
+          <p:cNvPr id="5" name="Footer Placeholder 4">
+            <a:extLst>
+              <a:ext uri="{FF2B5EF4-FFF2-40B4-BE49-F238E27FC236}">
+                <a16:creationId xmlns:a16="http://schemas.microsoft.com/office/drawing/2014/main" id="{F4B3290D-8E9F-6D4A-8011-98F86B9D0276}"/>
+              </a:ext>
+            </a:extLst>
+          </p:cNvPr>
           <p:cNvSpPr>
             <a:spLocks noGrp="1"/>
           </p:cNvSpPr>
@@ -2802,8 +2982,8 @@
         </p:nvSpPr>
         <p:spPr>
           <a:xfrm>
-            <a:off x="3124200" y="6356350"/>
-            <a:ext cx="2895600" cy="365125"/>
+            <a:off x="4038600" y="6356350"/>
+            <a:ext cx="4114800" cy="365125"/>
           </a:xfrm>
           <a:prstGeom prst="rect">
             <a:avLst/>
@@ -2829,7 +3009,13 @@
       </p:sp>
       <p:sp>
         <p:nvSpPr>
-          <p:cNvPr id="6" name="Slide Number Placeholder 5"/>
+          <p:cNvPr id="6" name="Slide Number Placeholder 5">
+            <a:extLst>
+              <a:ext uri="{FF2B5EF4-FFF2-40B4-BE49-F238E27FC236}">
+                <a16:creationId xmlns:a16="http://schemas.microsoft.com/office/drawing/2014/main" id="{B75632F9-0A28-4C40-B8AD-41101FB19EC6}"/>
+              </a:ext>
+            </a:extLst>
+          </p:cNvPr>
           <p:cNvSpPr>
             <a:spLocks noGrp="1"/>
           </p:cNvSpPr>
@@ -2839,8 +3025,8 @@
         </p:nvSpPr>
         <p:spPr>
           <a:xfrm>
-            <a:off x="6553200" y="6356350"/>
-            <a:ext cx="2133600" cy="365125"/>
+            <a:off x="8610600" y="6356350"/>
+            <a:ext cx="2743200" cy="365125"/>
           </a:xfrm>
           <a:prstGeom prst="rect">
             <a:avLst/>
@@ -2860,7 +3046,7 @@
             </a:lvl1pPr>
           </a:lstStyle>
           <a:p>
-            <a:fld id="{C5EF2332-01BF-834F-8236-50238282D533}" type="slidenum">
+            <a:fld id="{1C34DDE0-8D9E-9D49-A545-48CF20040F1D}" type="slidenum">
               <a:rPr lang="en-US" smtClean="0"/>
               <a:t>‹#›</a:t>
             </a:fld>
@@ -2871,7 +3057,7 @@
     </p:spTree>
     <p:extLst>
       <p:ext uri="{BB962C8B-B14F-4D97-AF65-F5344CB8AC3E}">
-        <p14:creationId xmlns:p14="http://schemas.microsoft.com/office/powerpoint/2010/main" val="3676200875"/>
+        <p14:creationId xmlns:p14="http://schemas.microsoft.com/office/powerpoint/2010/main" val="3198761812"/>
       </p:ext>
     </p:extLst>
   </p:cSld>
@@ -2891,7 +3077,10 @@
   </p:sldLayoutIdLst>
   <p:txStyles>
     <p:titleStyle>
-      <a:lvl1pPr algn="ctr" defTabSz="457200" rtl="0" eaLnBrk="1" latinLnBrk="0" hangingPunct="1">
+      <a:lvl1pPr algn="l" defTabSz="914400" rtl="0" eaLnBrk="1" latinLnBrk="0" hangingPunct="1">
+        <a:lnSpc>
+          <a:spcPct val="90000"/>
+        </a:lnSpc>
         <a:spcBef>
           <a:spcPct val="0"/>
         </a:spcBef>
@@ -2907,13 +3096,16 @@
       </a:lvl1pPr>
     </p:titleStyle>
     <p:bodyStyle>
-      <a:lvl1pPr marL="342900" indent="-342900" algn="l" defTabSz="457200" rtl="0" eaLnBrk="1" latinLnBrk="0" hangingPunct="1">
+      <a:lvl1pPr marL="228600" indent="-228600" algn="l" defTabSz="914400" rtl="0" eaLnBrk="1" latinLnBrk="0" hangingPunct="1">
+        <a:lnSpc>
+          <a:spcPct val="90000"/>
+        </a:lnSpc>
         <a:spcBef>
-          <a:spcPct val="20000"/>
+          <a:spcPts val="1000"/>
         </a:spcBef>
-        <a:buFont typeface="Arial"/>
+        <a:buFont typeface="Arial" panose="020B0604020202020204" pitchFamily="34" charset="0"/>
         <a:buChar char="•"/>
-        <a:defRPr sz="3200" kern="1200">
+        <a:defRPr sz="2800" kern="1200">
           <a:solidFill>
             <a:schemeClr val="tx1"/>
           </a:solidFill>
@@ -2922,26 +3114,14 @@
           <a:cs typeface="+mn-cs"/>
         </a:defRPr>
       </a:lvl1pPr>
-      <a:lvl2pPr marL="742950" indent="-285750" algn="l" defTabSz="457200" rtl="0" eaLnBrk="1" latinLnBrk="0" hangingPunct="1">
+      <a:lvl2pPr marL="685800" indent="-228600" algn="l" defTabSz="914400" rtl="0" eaLnBrk="1" latinLnBrk="0" hangingPunct="1">
+        <a:lnSpc>
+          <a:spcPct val="90000"/>
+        </a:lnSpc>
         <a:spcBef>
-          <a:spcPct val="20000"/>
+          <a:spcPts val="500"/>
         </a:spcBef>
-        <a:buFont typeface="Arial"/>
-        <a:buChar char="–"/>
-        <a:defRPr sz="2800" kern="1200">
-          <a:solidFill>
-            <a:schemeClr val="tx1"/>
-          </a:solidFill>
-          <a:latin typeface="+mn-lt"/>
-          <a:ea typeface="+mn-ea"/>
-          <a:cs typeface="+mn-cs"/>
-        </a:defRPr>
-      </a:lvl2pPr>
-      <a:lvl3pPr marL="1143000" indent="-228600" algn="l" defTabSz="457200" rtl="0" eaLnBrk="1" latinLnBrk="0" hangingPunct="1">
-        <a:spcBef>
-          <a:spcPct val="20000"/>
-        </a:spcBef>
-        <a:buFont typeface="Arial"/>
+        <a:buFont typeface="Arial" panose="020B0604020202020204" pitchFamily="34" charset="0"/>
         <a:buChar char="•"/>
         <a:defRPr sz="2400" kern="1200">
           <a:solidFill>
@@ -2951,42 +3131,15 @@
           <a:ea typeface="+mn-ea"/>
           <a:cs typeface="+mn-cs"/>
         </a:defRPr>
-      </a:lvl3pPr>
-      <a:lvl4pPr marL="1600200" indent="-228600" algn="l" defTabSz="457200" rtl="0" eaLnBrk="1" latinLnBrk="0" hangingPunct="1">
+      </a:lvl2pPr>
+      <a:lvl3pPr marL="1143000" indent="-228600" algn="l" defTabSz="914400" rtl="0" eaLnBrk="1" latinLnBrk="0" hangingPunct="1">
+        <a:lnSpc>
+          <a:spcPct val="90000"/>
+        </a:lnSpc>
         <a:spcBef>
-          <a:spcPct val="20000"/>
+          <a:spcPts val="500"/>
         </a:spcBef>
-        <a:buFont typeface="Arial"/>
-        <a:buChar char="–"/>
-        <a:defRPr sz="2000" kern="1200">
-          <a:solidFill>
-            <a:schemeClr val="tx1"/>
-          </a:solidFill>
-          <a:latin typeface="+mn-lt"/>
-          <a:ea typeface="+mn-ea"/>
-          <a:cs typeface="+mn-cs"/>
-        </a:defRPr>
-      </a:lvl4pPr>
-      <a:lvl5pPr marL="2057400" indent="-228600" algn="l" defTabSz="457200" rtl="0" eaLnBrk="1" latinLnBrk="0" hangingPunct="1">
-        <a:spcBef>
-          <a:spcPct val="20000"/>
-        </a:spcBef>
-        <a:buFont typeface="Arial"/>
-        <a:buChar char="»"/>
-        <a:defRPr sz="2000" kern="1200">
-          <a:solidFill>
-            <a:schemeClr val="tx1"/>
-          </a:solidFill>
-          <a:latin typeface="+mn-lt"/>
-          <a:ea typeface="+mn-ea"/>
-          <a:cs typeface="+mn-cs"/>
-        </a:defRPr>
-      </a:lvl5pPr>
-      <a:lvl6pPr marL="2514600" indent="-228600" algn="l" defTabSz="457200" rtl="0" eaLnBrk="1" latinLnBrk="0" hangingPunct="1">
-        <a:spcBef>
-          <a:spcPct val="20000"/>
-        </a:spcBef>
-        <a:buFont typeface="Arial"/>
+        <a:buFont typeface="Arial" panose="020B0604020202020204" pitchFamily="34" charset="0"/>
         <a:buChar char="•"/>
         <a:defRPr sz="2000" kern="1200">
           <a:solidFill>
@@ -2996,14 +3149,71 @@
           <a:ea typeface="+mn-ea"/>
           <a:cs typeface="+mn-cs"/>
         </a:defRPr>
+      </a:lvl3pPr>
+      <a:lvl4pPr marL="1600200" indent="-228600" algn="l" defTabSz="914400" rtl="0" eaLnBrk="1" latinLnBrk="0" hangingPunct="1">
+        <a:lnSpc>
+          <a:spcPct val="90000"/>
+        </a:lnSpc>
+        <a:spcBef>
+          <a:spcPts val="500"/>
+        </a:spcBef>
+        <a:buFont typeface="Arial" panose="020B0604020202020204" pitchFamily="34" charset="0"/>
+        <a:buChar char="•"/>
+        <a:defRPr sz="1800" kern="1200">
+          <a:solidFill>
+            <a:schemeClr val="tx1"/>
+          </a:solidFill>
+          <a:latin typeface="+mn-lt"/>
+          <a:ea typeface="+mn-ea"/>
+          <a:cs typeface="+mn-cs"/>
+        </a:defRPr>
+      </a:lvl4pPr>
+      <a:lvl5pPr marL="2057400" indent="-228600" algn="l" defTabSz="914400" rtl="0" eaLnBrk="1" latinLnBrk="0" hangingPunct="1">
+        <a:lnSpc>
+          <a:spcPct val="90000"/>
+        </a:lnSpc>
+        <a:spcBef>
+          <a:spcPts val="500"/>
+        </a:spcBef>
+        <a:buFont typeface="Arial" panose="020B0604020202020204" pitchFamily="34" charset="0"/>
+        <a:buChar char="•"/>
+        <a:defRPr sz="1800" kern="1200">
+          <a:solidFill>
+            <a:schemeClr val="tx1"/>
+          </a:solidFill>
+          <a:latin typeface="+mn-lt"/>
+          <a:ea typeface="+mn-ea"/>
+          <a:cs typeface="+mn-cs"/>
+        </a:defRPr>
+      </a:lvl5pPr>
+      <a:lvl6pPr marL="2514600" indent="-228600" algn="l" defTabSz="914400" rtl="0" eaLnBrk="1" latinLnBrk="0" hangingPunct="1">
+        <a:lnSpc>
+          <a:spcPct val="90000"/>
+        </a:lnSpc>
+        <a:spcBef>
+          <a:spcPts val="500"/>
+        </a:spcBef>
+        <a:buFont typeface="Arial" panose="020B0604020202020204" pitchFamily="34" charset="0"/>
+        <a:buChar char="•"/>
+        <a:defRPr sz="1800" kern="1200">
+          <a:solidFill>
+            <a:schemeClr val="tx1"/>
+          </a:solidFill>
+          <a:latin typeface="+mn-lt"/>
+          <a:ea typeface="+mn-ea"/>
+          <a:cs typeface="+mn-cs"/>
+        </a:defRPr>
       </a:lvl6pPr>
-      <a:lvl7pPr marL="2971800" indent="-228600" algn="l" defTabSz="457200" rtl="0" eaLnBrk="1" latinLnBrk="0" hangingPunct="1">
+      <a:lvl7pPr marL="2971800" indent="-228600" algn="l" defTabSz="914400" rtl="0" eaLnBrk="1" latinLnBrk="0" hangingPunct="1">
+        <a:lnSpc>
+          <a:spcPct val="90000"/>
+        </a:lnSpc>
         <a:spcBef>
-          <a:spcPct val="20000"/>
+          <a:spcPts val="500"/>
         </a:spcBef>
-        <a:buFont typeface="Arial"/>
+        <a:buFont typeface="Arial" panose="020B0604020202020204" pitchFamily="34" charset="0"/>
         <a:buChar char="•"/>
-        <a:defRPr sz="2000" kern="1200">
+        <a:defRPr sz="1800" kern="1200">
           <a:solidFill>
             <a:schemeClr val="tx1"/>
           </a:solidFill>
@@ -3012,13 +3222,16 @@
           <a:cs typeface="+mn-cs"/>
         </a:defRPr>
       </a:lvl7pPr>
-      <a:lvl8pPr marL="3429000" indent="-228600" algn="l" defTabSz="457200" rtl="0" eaLnBrk="1" latinLnBrk="0" hangingPunct="1">
+      <a:lvl8pPr marL="3429000" indent="-228600" algn="l" defTabSz="914400" rtl="0" eaLnBrk="1" latinLnBrk="0" hangingPunct="1">
+        <a:lnSpc>
+          <a:spcPct val="90000"/>
+        </a:lnSpc>
         <a:spcBef>
-          <a:spcPct val="20000"/>
+          <a:spcPts val="500"/>
         </a:spcBef>
-        <a:buFont typeface="Arial"/>
+        <a:buFont typeface="Arial" panose="020B0604020202020204" pitchFamily="34" charset="0"/>
         <a:buChar char="•"/>
-        <a:defRPr sz="2000" kern="1200">
+        <a:defRPr sz="1800" kern="1200">
           <a:solidFill>
             <a:schemeClr val="tx1"/>
           </a:solidFill>
@@ -3027,13 +3240,16 @@
           <a:cs typeface="+mn-cs"/>
         </a:defRPr>
       </a:lvl8pPr>
-      <a:lvl9pPr marL="3886200" indent="-228600" algn="l" defTabSz="457200" rtl="0" eaLnBrk="1" latinLnBrk="0" hangingPunct="1">
+      <a:lvl9pPr marL="3886200" indent="-228600" algn="l" defTabSz="914400" rtl="0" eaLnBrk="1" latinLnBrk="0" hangingPunct="1">
+        <a:lnSpc>
+          <a:spcPct val="90000"/>
+        </a:lnSpc>
         <a:spcBef>
-          <a:spcPct val="20000"/>
+          <a:spcPts val="500"/>
         </a:spcBef>
-        <a:buFont typeface="Arial"/>
+        <a:buFont typeface="Arial" panose="020B0604020202020204" pitchFamily="34" charset="0"/>
         <a:buChar char="•"/>
-        <a:defRPr sz="2000" kern="1200">
+        <a:defRPr sz="1800" kern="1200">
           <a:solidFill>
             <a:schemeClr val="tx1"/>
           </a:solidFill>
@@ -3047,7 +3263,7 @@
       <a:defPPr>
         <a:defRPr lang="en-US"/>
       </a:defPPr>
-      <a:lvl1pPr marL="0" algn="l" defTabSz="457200" rtl="0" eaLnBrk="1" latinLnBrk="0" hangingPunct="1">
+      <a:lvl1pPr marL="0" algn="l" defTabSz="914400" rtl="0" eaLnBrk="1" latinLnBrk="0" hangingPunct="1">
         <a:defRPr sz="1800" kern="1200">
           <a:solidFill>
             <a:schemeClr val="tx1"/>
@@ -3057,7 +3273,7 @@
           <a:cs typeface="+mn-cs"/>
         </a:defRPr>
       </a:lvl1pPr>
-      <a:lvl2pPr marL="457200" algn="l" defTabSz="457200" rtl="0" eaLnBrk="1" latinLnBrk="0" hangingPunct="1">
+      <a:lvl2pPr marL="457200" algn="l" defTabSz="914400" rtl="0" eaLnBrk="1" latinLnBrk="0" hangingPunct="1">
         <a:defRPr sz="1800" kern="1200">
           <a:solidFill>
             <a:schemeClr val="tx1"/>
@@ -3067,7 +3283,7 @@
           <a:cs typeface="+mn-cs"/>
         </a:defRPr>
       </a:lvl2pPr>
-      <a:lvl3pPr marL="914400" algn="l" defTabSz="457200" rtl="0" eaLnBrk="1" latinLnBrk="0" hangingPunct="1">
+      <a:lvl3pPr marL="914400" algn="l" defTabSz="914400" rtl="0" eaLnBrk="1" latinLnBrk="0" hangingPunct="1">
         <a:defRPr sz="1800" kern="1200">
           <a:solidFill>
             <a:schemeClr val="tx1"/>
@@ -3077,7 +3293,7 @@
           <a:cs typeface="+mn-cs"/>
         </a:defRPr>
       </a:lvl3pPr>
-      <a:lvl4pPr marL="1371600" algn="l" defTabSz="457200" rtl="0" eaLnBrk="1" latinLnBrk="0" hangingPunct="1">
+      <a:lvl4pPr marL="1371600" algn="l" defTabSz="914400" rtl="0" eaLnBrk="1" latinLnBrk="0" hangingPunct="1">
         <a:defRPr sz="1800" kern="1200">
           <a:solidFill>
             <a:schemeClr val="tx1"/>
@@ -3087,7 +3303,7 @@
           <a:cs typeface="+mn-cs"/>
         </a:defRPr>
       </a:lvl4pPr>
-      <a:lvl5pPr marL="1828800" algn="l" defTabSz="457200" rtl="0" eaLnBrk="1" latinLnBrk="0" hangingPunct="1">
+      <a:lvl5pPr marL="1828800" algn="l" defTabSz="914400" rtl="0" eaLnBrk="1" latinLnBrk="0" hangingPunct="1">
         <a:defRPr sz="1800" kern="1200">
           <a:solidFill>
             <a:schemeClr val="tx1"/>
@@ -3097,7 +3313,7 @@
           <a:cs typeface="+mn-cs"/>
         </a:defRPr>
       </a:lvl5pPr>
-      <a:lvl6pPr marL="2286000" algn="l" defTabSz="457200" rtl="0" eaLnBrk="1" latinLnBrk="0" hangingPunct="1">
+      <a:lvl6pPr marL="2286000" algn="l" defTabSz="914400" rtl="0" eaLnBrk="1" latinLnBrk="0" hangingPunct="1">
         <a:defRPr sz="1800" kern="1200">
           <a:solidFill>
             <a:schemeClr val="tx1"/>
@@ -3107,7 +3323,7 @@
           <a:cs typeface="+mn-cs"/>
         </a:defRPr>
       </a:lvl6pPr>
-      <a:lvl7pPr marL="2743200" algn="l" defTabSz="457200" rtl="0" eaLnBrk="1" latinLnBrk="0" hangingPunct="1">
+      <a:lvl7pPr marL="2743200" algn="l" defTabSz="914400" rtl="0" eaLnBrk="1" latinLnBrk="0" hangingPunct="1">
         <a:defRPr sz="1800" kern="1200">
           <a:solidFill>
             <a:schemeClr val="tx1"/>
@@ -3117,7 +3333,7 @@
           <a:cs typeface="+mn-cs"/>
         </a:defRPr>
       </a:lvl7pPr>
-      <a:lvl8pPr marL="3200400" algn="l" defTabSz="457200" rtl="0" eaLnBrk="1" latinLnBrk="0" hangingPunct="1">
+      <a:lvl8pPr marL="3200400" algn="l" defTabSz="914400" rtl="0" eaLnBrk="1" latinLnBrk="0" hangingPunct="1">
         <a:defRPr sz="1800" kern="1200">
           <a:solidFill>
             <a:schemeClr val="tx1"/>
@@ -3127,7 +3343,7 @@
           <a:cs typeface="+mn-cs"/>
         </a:defRPr>
       </a:lvl8pPr>
-      <a:lvl9pPr marL="3657600" algn="l" defTabSz="457200" rtl="0" eaLnBrk="1" latinLnBrk="0" hangingPunct="1">
+      <a:lvl9pPr marL="3657600" algn="l" defTabSz="914400" rtl="0" eaLnBrk="1" latinLnBrk="0" hangingPunct="1">
         <a:defRPr sz="1800" kern="1200">
           <a:solidFill>
             <a:schemeClr val="tx1"/>
@@ -3159,38 +3375,37 @@
           <a:chExt cx="0" cy="0"/>
         </a:xfrm>
       </p:grpSpPr>
-      <p:pic>
+      <p:pic xmlns:a="http://schemas.openxmlformats.org/drawingml/2006/main" xmlns:r="http://schemas.openxmlformats.org/officeDocument/2006/relationships" xmlns:p="http://schemas.openxmlformats.org/presentationml/2006/main">
         <p:nvPicPr>
-          <p:cNvPr descr="slides/slides_01.png" id="0" name="Picture 1"/>
+          <p:cNvPr id="2" name="" descr=""/>
           <p:cNvPicPr>
-            <a:picLocks noGrp="1" noChangeAspect="1"/>
+            <a:picLocks noGrp="1"/>
           </p:cNvPicPr>
-          <p:nvPr/>
+          <p:nvPr>
+            <p:ph/>
+          </p:nvPr>
         </p:nvPicPr>
         <p:blipFill>
-          <a:blip r:embed="rId2"/>
+          <a:blip cstate="print" r:embed="rId2"/>
           <a:stretch>
             <a:fillRect/>
           </a:stretch>
         </p:blipFill>
-        <p:spPr bwMode="auto">
-          <a:xfrm>
-            <a:off x="558800" y="1600200"/>
-            <a:ext cx="8039100" cy="4521200"/>
+        <p:spPr>
+          <a:xfrm>
+            <a:off x="0" y="0"/>
+            <a:ext cx="12192000" cy="6858000"/>
           </a:xfrm>
           <a:prstGeom prst="rect">
             <a:avLst/>
           </a:prstGeom>
-          <a:noFill/>
-          <a:ln w="9525">
-            <a:noFill/>
-            <a:headEnd/>
-            <a:tailEnd/>
-          </a:ln>
         </p:spPr>
       </p:pic>
     </p:spTree>
   </p:cSld>
+  <p:clrMapOvr>
+    <a:masterClrMapping/>
+  </p:clrMapOvr>
 </p:sld>
 </file>
 
@@ -3211,38 +3426,37 @@
           <a:chExt cx="0" cy="0"/>
         </a:xfrm>
       </p:grpSpPr>
-      <p:pic>
+      <p:pic xmlns:a="http://schemas.openxmlformats.org/drawingml/2006/main" xmlns:r="http://schemas.openxmlformats.org/officeDocument/2006/relationships" xmlns:p="http://schemas.openxmlformats.org/presentationml/2006/main">
         <p:nvPicPr>
-          <p:cNvPr descr="slides/slides_10.png" id="0" name="Picture 1"/>
+          <p:cNvPr id="2" name="" descr=""/>
           <p:cNvPicPr>
-            <a:picLocks noGrp="1" noChangeAspect="1"/>
+            <a:picLocks noGrp="1"/>
           </p:cNvPicPr>
-          <p:nvPr/>
+          <p:nvPr>
+            <p:ph/>
+          </p:nvPr>
         </p:nvPicPr>
         <p:blipFill>
-          <a:blip r:embed="rId2"/>
+          <a:blip cstate="print" r:embed="rId2"/>
           <a:stretch>
             <a:fillRect/>
           </a:stretch>
         </p:blipFill>
-        <p:spPr bwMode="auto">
-          <a:xfrm>
-            <a:off x="558800" y="1600200"/>
-            <a:ext cx="8039100" cy="4521200"/>
+        <p:spPr>
+          <a:xfrm>
+            <a:off x="0" y="0"/>
+            <a:ext cx="12192000" cy="6858000"/>
           </a:xfrm>
           <a:prstGeom prst="rect">
             <a:avLst/>
           </a:prstGeom>
-          <a:noFill/>
-          <a:ln w="9525">
-            <a:noFill/>
-            <a:headEnd/>
-            <a:tailEnd/>
-          </a:ln>
         </p:spPr>
       </p:pic>
     </p:spTree>
   </p:cSld>
+  <p:clrMapOvr>
+    <a:masterClrMapping/>
+  </p:clrMapOvr>
 </p:sld>
 </file>
 
@@ -3263,38 +3477,37 @@
           <a:chExt cx="0" cy="0"/>
         </a:xfrm>
       </p:grpSpPr>
-      <p:pic>
+      <p:pic xmlns:a="http://schemas.openxmlformats.org/drawingml/2006/main" xmlns:r="http://schemas.openxmlformats.org/officeDocument/2006/relationships" xmlns:p="http://schemas.openxmlformats.org/presentationml/2006/main">
         <p:nvPicPr>
-          <p:cNvPr descr="slides/slides_11.png" id="0" name="Picture 1"/>
+          <p:cNvPr id="2" name="" descr=""/>
           <p:cNvPicPr>
-            <a:picLocks noGrp="1" noChangeAspect="1"/>
+            <a:picLocks noGrp="1"/>
           </p:cNvPicPr>
-          <p:nvPr/>
+          <p:nvPr>
+            <p:ph/>
+          </p:nvPr>
         </p:nvPicPr>
         <p:blipFill>
-          <a:blip r:embed="rId2"/>
+          <a:blip cstate="print" r:embed="rId2"/>
           <a:stretch>
             <a:fillRect/>
           </a:stretch>
         </p:blipFill>
-        <p:spPr bwMode="auto">
-          <a:xfrm>
-            <a:off x="558800" y="1600200"/>
-            <a:ext cx="8039100" cy="4521200"/>
+        <p:spPr>
+          <a:xfrm>
+            <a:off x="0" y="0"/>
+            <a:ext cx="12192000" cy="6858000"/>
           </a:xfrm>
           <a:prstGeom prst="rect">
             <a:avLst/>
           </a:prstGeom>
-          <a:noFill/>
-          <a:ln w="9525">
-            <a:noFill/>
-            <a:headEnd/>
-            <a:tailEnd/>
-          </a:ln>
         </p:spPr>
       </p:pic>
     </p:spTree>
   </p:cSld>
+  <p:clrMapOvr>
+    <a:masterClrMapping/>
+  </p:clrMapOvr>
 </p:sld>
 </file>
 
@@ -3315,38 +3528,37 @@
           <a:chExt cx="0" cy="0"/>
         </a:xfrm>
       </p:grpSpPr>
-      <p:pic>
+      <p:pic xmlns:a="http://schemas.openxmlformats.org/drawingml/2006/main" xmlns:r="http://schemas.openxmlformats.org/officeDocument/2006/relationships" xmlns:p="http://schemas.openxmlformats.org/presentationml/2006/main">
         <p:nvPicPr>
-          <p:cNvPr descr="slides/slides_12.png" id="0" name="Picture 1"/>
+          <p:cNvPr id="2" name="" descr=""/>
           <p:cNvPicPr>
-            <a:picLocks noGrp="1" noChangeAspect="1"/>
+            <a:picLocks noGrp="1"/>
           </p:cNvPicPr>
-          <p:nvPr/>
+          <p:nvPr>
+            <p:ph/>
+          </p:nvPr>
         </p:nvPicPr>
         <p:blipFill>
-          <a:blip r:embed="rId2"/>
+          <a:blip cstate="print" r:embed="rId2"/>
           <a:stretch>
             <a:fillRect/>
           </a:stretch>
         </p:blipFill>
-        <p:spPr bwMode="auto">
-          <a:xfrm>
-            <a:off x="558800" y="1600200"/>
-            <a:ext cx="8039100" cy="4521200"/>
+        <p:spPr>
+          <a:xfrm>
+            <a:off x="0" y="0"/>
+            <a:ext cx="12192000" cy="6858000"/>
           </a:xfrm>
           <a:prstGeom prst="rect">
             <a:avLst/>
           </a:prstGeom>
-          <a:noFill/>
-          <a:ln w="9525">
-            <a:noFill/>
-            <a:headEnd/>
-            <a:tailEnd/>
-          </a:ln>
         </p:spPr>
       </p:pic>
     </p:spTree>
   </p:cSld>
+  <p:clrMapOvr>
+    <a:masterClrMapping/>
+  </p:clrMapOvr>
 </p:sld>
 </file>
 
@@ -3367,38 +3579,37 @@
           <a:chExt cx="0" cy="0"/>
         </a:xfrm>
       </p:grpSpPr>
-      <p:pic>
+      <p:pic xmlns:a="http://schemas.openxmlformats.org/drawingml/2006/main" xmlns:r="http://schemas.openxmlformats.org/officeDocument/2006/relationships" xmlns:p="http://schemas.openxmlformats.org/presentationml/2006/main">
         <p:nvPicPr>
-          <p:cNvPr descr="slides/slides_13.png" id="0" name="Picture 1"/>
+          <p:cNvPr id="2" name="" descr=""/>
           <p:cNvPicPr>
-            <a:picLocks noGrp="1" noChangeAspect="1"/>
+            <a:picLocks noGrp="1"/>
           </p:cNvPicPr>
-          <p:nvPr/>
+          <p:nvPr>
+            <p:ph/>
+          </p:nvPr>
         </p:nvPicPr>
         <p:blipFill>
-          <a:blip r:embed="rId2"/>
+          <a:blip cstate="print" r:embed="rId2"/>
           <a:stretch>
             <a:fillRect/>
           </a:stretch>
         </p:blipFill>
-        <p:spPr bwMode="auto">
-          <a:xfrm>
-            <a:off x="558800" y="1600200"/>
-            <a:ext cx="8039100" cy="4521200"/>
+        <p:spPr>
+          <a:xfrm>
+            <a:off x="0" y="0"/>
+            <a:ext cx="12192000" cy="6858000"/>
           </a:xfrm>
           <a:prstGeom prst="rect">
             <a:avLst/>
           </a:prstGeom>
-          <a:noFill/>
-          <a:ln w="9525">
-            <a:noFill/>
-            <a:headEnd/>
-            <a:tailEnd/>
-          </a:ln>
         </p:spPr>
       </p:pic>
     </p:spTree>
   </p:cSld>
+  <p:clrMapOvr>
+    <a:masterClrMapping/>
+  </p:clrMapOvr>
 </p:sld>
 </file>
 
@@ -3419,38 +3630,37 @@
           <a:chExt cx="0" cy="0"/>
         </a:xfrm>
       </p:grpSpPr>
-      <p:pic>
+      <p:pic xmlns:a="http://schemas.openxmlformats.org/drawingml/2006/main" xmlns:r="http://schemas.openxmlformats.org/officeDocument/2006/relationships" xmlns:p="http://schemas.openxmlformats.org/presentationml/2006/main">
         <p:nvPicPr>
-          <p:cNvPr descr="slides/slides_14.png" id="0" name="Picture 1"/>
+          <p:cNvPr id="2" name="" descr=""/>
           <p:cNvPicPr>
-            <a:picLocks noGrp="1" noChangeAspect="1"/>
+            <a:picLocks noGrp="1"/>
           </p:cNvPicPr>
-          <p:nvPr/>
+          <p:nvPr>
+            <p:ph/>
+          </p:nvPr>
         </p:nvPicPr>
         <p:blipFill>
-          <a:blip r:embed="rId2"/>
+          <a:blip cstate="print" r:embed="rId2"/>
           <a:stretch>
             <a:fillRect/>
           </a:stretch>
         </p:blipFill>
-        <p:spPr bwMode="auto">
-          <a:xfrm>
-            <a:off x="558800" y="1600200"/>
-            <a:ext cx="8039100" cy="4521200"/>
+        <p:spPr>
+          <a:xfrm>
+            <a:off x="0" y="0"/>
+            <a:ext cx="12192000" cy="6858000"/>
           </a:xfrm>
           <a:prstGeom prst="rect">
             <a:avLst/>
           </a:prstGeom>
-          <a:noFill/>
-          <a:ln w="9525">
-            <a:noFill/>
-            <a:headEnd/>
-            <a:tailEnd/>
-          </a:ln>
         </p:spPr>
       </p:pic>
     </p:spTree>
   </p:cSld>
+  <p:clrMapOvr>
+    <a:masterClrMapping/>
+  </p:clrMapOvr>
 </p:sld>
 </file>
 
@@ -3471,38 +3681,37 @@
           <a:chExt cx="0" cy="0"/>
         </a:xfrm>
       </p:grpSpPr>
-      <p:pic>
+      <p:pic xmlns:a="http://schemas.openxmlformats.org/drawingml/2006/main" xmlns:r="http://schemas.openxmlformats.org/officeDocument/2006/relationships" xmlns:p="http://schemas.openxmlformats.org/presentationml/2006/main">
         <p:nvPicPr>
-          <p:cNvPr descr="slides/slides_15.png" id="0" name="Picture 1"/>
+          <p:cNvPr id="2" name="" descr=""/>
           <p:cNvPicPr>
-            <a:picLocks noGrp="1" noChangeAspect="1"/>
+            <a:picLocks noGrp="1"/>
           </p:cNvPicPr>
-          <p:nvPr/>
+          <p:nvPr>
+            <p:ph/>
+          </p:nvPr>
         </p:nvPicPr>
         <p:blipFill>
-          <a:blip r:embed="rId2"/>
+          <a:blip cstate="print" r:embed="rId2"/>
           <a:stretch>
             <a:fillRect/>
           </a:stretch>
         </p:blipFill>
-        <p:spPr bwMode="auto">
-          <a:xfrm>
-            <a:off x="558800" y="1600200"/>
-            <a:ext cx="8039100" cy="4521200"/>
+        <p:spPr>
+          <a:xfrm>
+            <a:off x="0" y="0"/>
+            <a:ext cx="12192000" cy="6858000"/>
           </a:xfrm>
           <a:prstGeom prst="rect">
             <a:avLst/>
           </a:prstGeom>
-          <a:noFill/>
-          <a:ln w="9525">
-            <a:noFill/>
-            <a:headEnd/>
-            <a:tailEnd/>
-          </a:ln>
         </p:spPr>
       </p:pic>
     </p:spTree>
   </p:cSld>
+  <p:clrMapOvr>
+    <a:masterClrMapping/>
+  </p:clrMapOvr>
 </p:sld>
 </file>
 
@@ -3523,38 +3732,37 @@
           <a:chExt cx="0" cy="0"/>
         </a:xfrm>
       </p:grpSpPr>
-      <p:pic>
+      <p:pic xmlns:a="http://schemas.openxmlformats.org/drawingml/2006/main" xmlns:r="http://schemas.openxmlformats.org/officeDocument/2006/relationships" xmlns:p="http://schemas.openxmlformats.org/presentationml/2006/main">
         <p:nvPicPr>
-          <p:cNvPr descr="slides/slides_16.png" id="0" name="Picture 1"/>
+          <p:cNvPr id="2" name="" descr=""/>
           <p:cNvPicPr>
-            <a:picLocks noGrp="1" noChangeAspect="1"/>
+            <a:picLocks noGrp="1"/>
           </p:cNvPicPr>
-          <p:nvPr/>
+          <p:nvPr>
+            <p:ph/>
+          </p:nvPr>
         </p:nvPicPr>
         <p:blipFill>
-          <a:blip r:embed="rId2"/>
+          <a:blip cstate="print" r:embed="rId2"/>
           <a:stretch>
             <a:fillRect/>
           </a:stretch>
         </p:blipFill>
-        <p:spPr bwMode="auto">
-          <a:xfrm>
-            <a:off x="558800" y="1600200"/>
-            <a:ext cx="8039100" cy="4521200"/>
+        <p:spPr>
+          <a:xfrm>
+            <a:off x="0" y="0"/>
+            <a:ext cx="12192000" cy="6858000"/>
           </a:xfrm>
           <a:prstGeom prst="rect">
             <a:avLst/>
           </a:prstGeom>
-          <a:noFill/>
-          <a:ln w="9525">
-            <a:noFill/>
-            <a:headEnd/>
-            <a:tailEnd/>
-          </a:ln>
         </p:spPr>
       </p:pic>
     </p:spTree>
   </p:cSld>
+  <p:clrMapOvr>
+    <a:masterClrMapping/>
+  </p:clrMapOvr>
 </p:sld>
 </file>
 
@@ -3575,38 +3783,37 @@
           <a:chExt cx="0" cy="0"/>
         </a:xfrm>
       </p:grpSpPr>
-      <p:pic>
+      <p:pic xmlns:a="http://schemas.openxmlformats.org/drawingml/2006/main" xmlns:r="http://schemas.openxmlformats.org/officeDocument/2006/relationships" xmlns:p="http://schemas.openxmlformats.org/presentationml/2006/main">
         <p:nvPicPr>
-          <p:cNvPr descr="slides/slides_17.png" id="0" name="Picture 1"/>
+          <p:cNvPr id="2" name="" descr=""/>
           <p:cNvPicPr>
-            <a:picLocks noGrp="1" noChangeAspect="1"/>
+            <a:picLocks noGrp="1"/>
           </p:cNvPicPr>
-          <p:nvPr/>
+          <p:nvPr>
+            <p:ph/>
+          </p:nvPr>
         </p:nvPicPr>
         <p:blipFill>
-          <a:blip r:embed="rId2"/>
+          <a:blip cstate="print" r:embed="rId2"/>
           <a:stretch>
             <a:fillRect/>
           </a:stretch>
         </p:blipFill>
-        <p:spPr bwMode="auto">
-          <a:xfrm>
-            <a:off x="558800" y="1600200"/>
-            <a:ext cx="8039100" cy="4521200"/>
+        <p:spPr>
+          <a:xfrm>
+            <a:off x="0" y="0"/>
+            <a:ext cx="12192000" cy="6858000"/>
           </a:xfrm>
           <a:prstGeom prst="rect">
             <a:avLst/>
           </a:prstGeom>
-          <a:noFill/>
-          <a:ln w="9525">
-            <a:noFill/>
-            <a:headEnd/>
-            <a:tailEnd/>
-          </a:ln>
         </p:spPr>
       </p:pic>
     </p:spTree>
   </p:cSld>
+  <p:clrMapOvr>
+    <a:masterClrMapping/>
+  </p:clrMapOvr>
 </p:sld>
 </file>
 
@@ -3627,38 +3834,37 @@
           <a:chExt cx="0" cy="0"/>
         </a:xfrm>
       </p:grpSpPr>
-      <p:pic>
+      <p:pic xmlns:a="http://schemas.openxmlformats.org/drawingml/2006/main" xmlns:r="http://schemas.openxmlformats.org/officeDocument/2006/relationships" xmlns:p="http://schemas.openxmlformats.org/presentationml/2006/main">
         <p:nvPicPr>
-          <p:cNvPr descr="slides/slides_18.png" id="0" name="Picture 1"/>
+          <p:cNvPr id="2" name="" descr=""/>
           <p:cNvPicPr>
-            <a:picLocks noGrp="1" noChangeAspect="1"/>
+            <a:picLocks noGrp="1"/>
           </p:cNvPicPr>
-          <p:nvPr/>
+          <p:nvPr>
+            <p:ph/>
+          </p:nvPr>
         </p:nvPicPr>
         <p:blipFill>
-          <a:blip r:embed="rId2"/>
+          <a:blip cstate="print" r:embed="rId2"/>
           <a:stretch>
             <a:fillRect/>
           </a:stretch>
         </p:blipFill>
-        <p:spPr bwMode="auto">
-          <a:xfrm>
-            <a:off x="558800" y="1600200"/>
-            <a:ext cx="8039100" cy="4521200"/>
+        <p:spPr>
+          <a:xfrm>
+            <a:off x="0" y="0"/>
+            <a:ext cx="12192000" cy="6858000"/>
           </a:xfrm>
           <a:prstGeom prst="rect">
             <a:avLst/>
           </a:prstGeom>
-          <a:noFill/>
-          <a:ln w="9525">
-            <a:noFill/>
-            <a:headEnd/>
-            <a:tailEnd/>
-          </a:ln>
         </p:spPr>
       </p:pic>
     </p:spTree>
   </p:cSld>
+  <p:clrMapOvr>
+    <a:masterClrMapping/>
+  </p:clrMapOvr>
 </p:sld>
 </file>
 
@@ -3679,38 +3885,37 @@
           <a:chExt cx="0" cy="0"/>
         </a:xfrm>
       </p:grpSpPr>
-      <p:pic>
+      <p:pic xmlns:a="http://schemas.openxmlformats.org/drawingml/2006/main" xmlns:r="http://schemas.openxmlformats.org/officeDocument/2006/relationships" xmlns:p="http://schemas.openxmlformats.org/presentationml/2006/main">
         <p:nvPicPr>
-          <p:cNvPr descr="slides/slides_19.png" id="0" name="Picture 1"/>
+          <p:cNvPr id="2" name="" descr=""/>
           <p:cNvPicPr>
-            <a:picLocks noGrp="1" noChangeAspect="1"/>
+            <a:picLocks noGrp="1"/>
           </p:cNvPicPr>
-          <p:nvPr/>
+          <p:nvPr>
+            <p:ph/>
+          </p:nvPr>
         </p:nvPicPr>
         <p:blipFill>
-          <a:blip r:embed="rId2"/>
+          <a:blip cstate="print" r:embed="rId2"/>
           <a:stretch>
             <a:fillRect/>
           </a:stretch>
         </p:blipFill>
-        <p:spPr bwMode="auto">
-          <a:xfrm>
-            <a:off x="558800" y="1600200"/>
-            <a:ext cx="8039100" cy="4521200"/>
+        <p:spPr>
+          <a:xfrm>
+            <a:off x="0" y="0"/>
+            <a:ext cx="12192000" cy="6858000"/>
           </a:xfrm>
           <a:prstGeom prst="rect">
             <a:avLst/>
           </a:prstGeom>
-          <a:noFill/>
-          <a:ln w="9525">
-            <a:noFill/>
-            <a:headEnd/>
-            <a:tailEnd/>
-          </a:ln>
         </p:spPr>
       </p:pic>
     </p:spTree>
   </p:cSld>
+  <p:clrMapOvr>
+    <a:masterClrMapping/>
+  </p:clrMapOvr>
 </p:sld>
 </file>
 
@@ -3731,38 +3936,37 @@
           <a:chExt cx="0" cy="0"/>
         </a:xfrm>
       </p:grpSpPr>
-      <p:pic>
+      <p:pic xmlns:a="http://schemas.openxmlformats.org/drawingml/2006/main" xmlns:r="http://schemas.openxmlformats.org/officeDocument/2006/relationships" xmlns:p="http://schemas.openxmlformats.org/presentationml/2006/main">
         <p:nvPicPr>
-          <p:cNvPr descr="slides/slides_02.png" id="0" name="Picture 1"/>
+          <p:cNvPr id="2" name="" descr=""/>
           <p:cNvPicPr>
-            <a:picLocks noGrp="1" noChangeAspect="1"/>
+            <a:picLocks noGrp="1"/>
           </p:cNvPicPr>
-          <p:nvPr/>
+          <p:nvPr>
+            <p:ph/>
+          </p:nvPr>
         </p:nvPicPr>
         <p:blipFill>
-          <a:blip r:embed="rId2"/>
+          <a:blip cstate="print" r:embed="rId2"/>
           <a:stretch>
             <a:fillRect/>
           </a:stretch>
         </p:blipFill>
-        <p:spPr bwMode="auto">
-          <a:xfrm>
-            <a:off x="558800" y="1600200"/>
-            <a:ext cx="8039100" cy="4521200"/>
+        <p:spPr>
+          <a:xfrm>
+            <a:off x="0" y="0"/>
+            <a:ext cx="12192000" cy="6858000"/>
           </a:xfrm>
           <a:prstGeom prst="rect">
             <a:avLst/>
           </a:prstGeom>
-          <a:noFill/>
-          <a:ln w="9525">
-            <a:noFill/>
-            <a:headEnd/>
-            <a:tailEnd/>
-          </a:ln>
         </p:spPr>
       </p:pic>
     </p:spTree>
   </p:cSld>
+  <p:clrMapOvr>
+    <a:masterClrMapping/>
+  </p:clrMapOvr>
 </p:sld>
 </file>
 
@@ -3783,38 +3987,37 @@
           <a:chExt cx="0" cy="0"/>
         </a:xfrm>
       </p:grpSpPr>
-      <p:pic>
+      <p:pic xmlns:a="http://schemas.openxmlformats.org/drawingml/2006/main" xmlns:r="http://schemas.openxmlformats.org/officeDocument/2006/relationships" xmlns:p="http://schemas.openxmlformats.org/presentationml/2006/main">
         <p:nvPicPr>
-          <p:cNvPr descr="slides/slides_20.png" id="0" name="Picture 1"/>
+          <p:cNvPr id="2" name="" descr=""/>
           <p:cNvPicPr>
-            <a:picLocks noGrp="1" noChangeAspect="1"/>
+            <a:picLocks noGrp="1"/>
           </p:cNvPicPr>
-          <p:nvPr/>
+          <p:nvPr>
+            <p:ph/>
+          </p:nvPr>
         </p:nvPicPr>
         <p:blipFill>
-          <a:blip r:embed="rId2"/>
+          <a:blip cstate="print" r:embed="rId2"/>
           <a:stretch>
             <a:fillRect/>
           </a:stretch>
         </p:blipFill>
-        <p:spPr bwMode="auto">
-          <a:xfrm>
-            <a:off x="558800" y="1600200"/>
-            <a:ext cx="8039100" cy="4521200"/>
+        <p:spPr>
+          <a:xfrm>
+            <a:off x="0" y="0"/>
+            <a:ext cx="12192000" cy="6858000"/>
           </a:xfrm>
           <a:prstGeom prst="rect">
             <a:avLst/>
           </a:prstGeom>
-          <a:noFill/>
-          <a:ln w="9525">
-            <a:noFill/>
-            <a:headEnd/>
-            <a:tailEnd/>
-          </a:ln>
         </p:spPr>
       </p:pic>
     </p:spTree>
   </p:cSld>
+  <p:clrMapOvr>
+    <a:masterClrMapping/>
+  </p:clrMapOvr>
 </p:sld>
 </file>
 
@@ -3835,38 +4038,37 @@
           <a:chExt cx="0" cy="0"/>
         </a:xfrm>
       </p:grpSpPr>
-      <p:pic>
+      <p:pic xmlns:a="http://schemas.openxmlformats.org/drawingml/2006/main" xmlns:r="http://schemas.openxmlformats.org/officeDocument/2006/relationships" xmlns:p="http://schemas.openxmlformats.org/presentationml/2006/main">
         <p:nvPicPr>
-          <p:cNvPr descr="slides/slides_21.png" id="0" name="Picture 1"/>
+          <p:cNvPr id="2" name="" descr=""/>
           <p:cNvPicPr>
-            <a:picLocks noGrp="1" noChangeAspect="1"/>
+            <a:picLocks noGrp="1"/>
           </p:cNvPicPr>
-          <p:nvPr/>
+          <p:nvPr>
+            <p:ph/>
+          </p:nvPr>
         </p:nvPicPr>
         <p:blipFill>
-          <a:blip r:embed="rId2"/>
+          <a:blip cstate="print" r:embed="rId2"/>
           <a:stretch>
             <a:fillRect/>
           </a:stretch>
         </p:blipFill>
-        <p:spPr bwMode="auto">
-          <a:xfrm>
-            <a:off x="558800" y="1600200"/>
-            <a:ext cx="8039100" cy="4521200"/>
+        <p:spPr>
+          <a:xfrm>
+            <a:off x="0" y="0"/>
+            <a:ext cx="12192000" cy="6858000"/>
           </a:xfrm>
           <a:prstGeom prst="rect">
             <a:avLst/>
           </a:prstGeom>
-          <a:noFill/>
-          <a:ln w="9525">
-            <a:noFill/>
-            <a:headEnd/>
-            <a:tailEnd/>
-          </a:ln>
         </p:spPr>
       </p:pic>
     </p:spTree>
   </p:cSld>
+  <p:clrMapOvr>
+    <a:masterClrMapping/>
+  </p:clrMapOvr>
 </p:sld>
 </file>
 
@@ -3887,38 +4089,37 @@
           <a:chExt cx="0" cy="0"/>
         </a:xfrm>
       </p:grpSpPr>
-      <p:pic>
+      <p:pic xmlns:a="http://schemas.openxmlformats.org/drawingml/2006/main" xmlns:r="http://schemas.openxmlformats.org/officeDocument/2006/relationships" xmlns:p="http://schemas.openxmlformats.org/presentationml/2006/main">
         <p:nvPicPr>
-          <p:cNvPr descr="slides/slides_22.png" id="0" name="Picture 1"/>
+          <p:cNvPr id="2" name="" descr=""/>
           <p:cNvPicPr>
-            <a:picLocks noGrp="1" noChangeAspect="1"/>
+            <a:picLocks noGrp="1"/>
           </p:cNvPicPr>
-          <p:nvPr/>
+          <p:nvPr>
+            <p:ph/>
+          </p:nvPr>
         </p:nvPicPr>
         <p:blipFill>
-          <a:blip r:embed="rId2"/>
+          <a:blip cstate="print" r:embed="rId2"/>
           <a:stretch>
             <a:fillRect/>
           </a:stretch>
         </p:blipFill>
-        <p:spPr bwMode="auto">
-          <a:xfrm>
-            <a:off x="558800" y="1600200"/>
-            <a:ext cx="8039100" cy="4521200"/>
+        <p:spPr>
+          <a:xfrm>
+            <a:off x="0" y="0"/>
+            <a:ext cx="12192000" cy="6858000"/>
           </a:xfrm>
           <a:prstGeom prst="rect">
             <a:avLst/>
           </a:prstGeom>
-          <a:noFill/>
-          <a:ln w="9525">
-            <a:noFill/>
-            <a:headEnd/>
-            <a:tailEnd/>
-          </a:ln>
         </p:spPr>
       </p:pic>
     </p:spTree>
   </p:cSld>
+  <p:clrMapOvr>
+    <a:masterClrMapping/>
+  </p:clrMapOvr>
 </p:sld>
 </file>
 
@@ -3939,38 +4140,37 @@
           <a:chExt cx="0" cy="0"/>
         </a:xfrm>
       </p:grpSpPr>
-      <p:pic>
+      <p:pic xmlns:a="http://schemas.openxmlformats.org/drawingml/2006/main" xmlns:r="http://schemas.openxmlformats.org/officeDocument/2006/relationships" xmlns:p="http://schemas.openxmlformats.org/presentationml/2006/main">
         <p:nvPicPr>
-          <p:cNvPr descr="slides/slides_23.png" id="0" name="Picture 1"/>
+          <p:cNvPr id="2" name="" descr=""/>
           <p:cNvPicPr>
-            <a:picLocks noGrp="1" noChangeAspect="1"/>
+            <a:picLocks noGrp="1"/>
           </p:cNvPicPr>
-          <p:nvPr/>
+          <p:nvPr>
+            <p:ph/>
+          </p:nvPr>
         </p:nvPicPr>
         <p:blipFill>
-          <a:blip r:embed="rId2"/>
+          <a:blip cstate="print" r:embed="rId2"/>
           <a:stretch>
             <a:fillRect/>
           </a:stretch>
         </p:blipFill>
-        <p:spPr bwMode="auto">
-          <a:xfrm>
-            <a:off x="558800" y="1600200"/>
-            <a:ext cx="8039100" cy="4521200"/>
+        <p:spPr>
+          <a:xfrm>
+            <a:off x="0" y="0"/>
+            <a:ext cx="12192000" cy="6858000"/>
           </a:xfrm>
           <a:prstGeom prst="rect">
             <a:avLst/>
           </a:prstGeom>
-          <a:noFill/>
-          <a:ln w="9525">
-            <a:noFill/>
-            <a:headEnd/>
-            <a:tailEnd/>
-          </a:ln>
         </p:spPr>
       </p:pic>
     </p:spTree>
   </p:cSld>
+  <p:clrMapOvr>
+    <a:masterClrMapping/>
+  </p:clrMapOvr>
 </p:sld>
 </file>
 
@@ -3991,38 +4191,37 @@
           <a:chExt cx="0" cy="0"/>
         </a:xfrm>
       </p:grpSpPr>
-      <p:pic>
+      <p:pic xmlns:a="http://schemas.openxmlformats.org/drawingml/2006/main" xmlns:r="http://schemas.openxmlformats.org/officeDocument/2006/relationships" xmlns:p="http://schemas.openxmlformats.org/presentationml/2006/main">
         <p:nvPicPr>
-          <p:cNvPr descr="slides/slides_24.png" id="0" name="Picture 1"/>
+          <p:cNvPr id="2" name="" descr=""/>
           <p:cNvPicPr>
-            <a:picLocks noGrp="1" noChangeAspect="1"/>
+            <a:picLocks noGrp="1"/>
           </p:cNvPicPr>
-          <p:nvPr/>
+          <p:nvPr>
+            <p:ph/>
+          </p:nvPr>
         </p:nvPicPr>
         <p:blipFill>
-          <a:blip r:embed="rId2"/>
+          <a:blip cstate="print" r:embed="rId2"/>
           <a:stretch>
             <a:fillRect/>
           </a:stretch>
         </p:blipFill>
-        <p:spPr bwMode="auto">
-          <a:xfrm>
-            <a:off x="558800" y="1600200"/>
-            <a:ext cx="8039100" cy="4521200"/>
+        <p:spPr>
+          <a:xfrm>
+            <a:off x="0" y="0"/>
+            <a:ext cx="12192000" cy="6858000"/>
           </a:xfrm>
           <a:prstGeom prst="rect">
             <a:avLst/>
           </a:prstGeom>
-          <a:noFill/>
-          <a:ln w="9525">
-            <a:noFill/>
-            <a:headEnd/>
-            <a:tailEnd/>
-          </a:ln>
         </p:spPr>
       </p:pic>
     </p:spTree>
   </p:cSld>
+  <p:clrMapOvr>
+    <a:masterClrMapping/>
+  </p:clrMapOvr>
 </p:sld>
 </file>
 
@@ -4043,38 +4242,37 @@
           <a:chExt cx="0" cy="0"/>
         </a:xfrm>
       </p:grpSpPr>
-      <p:pic>
+      <p:pic xmlns:a="http://schemas.openxmlformats.org/drawingml/2006/main" xmlns:r="http://schemas.openxmlformats.org/officeDocument/2006/relationships" xmlns:p="http://schemas.openxmlformats.org/presentationml/2006/main">
         <p:nvPicPr>
-          <p:cNvPr descr="slides/slides_25.png" id="0" name="Picture 1"/>
+          <p:cNvPr id="2" name="" descr=""/>
           <p:cNvPicPr>
-            <a:picLocks noGrp="1" noChangeAspect="1"/>
+            <a:picLocks noGrp="1"/>
           </p:cNvPicPr>
-          <p:nvPr/>
+          <p:nvPr>
+            <p:ph/>
+          </p:nvPr>
         </p:nvPicPr>
         <p:blipFill>
-          <a:blip r:embed="rId2"/>
+          <a:blip cstate="print" r:embed="rId2"/>
           <a:stretch>
             <a:fillRect/>
           </a:stretch>
         </p:blipFill>
-        <p:spPr bwMode="auto">
-          <a:xfrm>
-            <a:off x="558800" y="1600200"/>
-            <a:ext cx="8039100" cy="4521200"/>
+        <p:spPr>
+          <a:xfrm>
+            <a:off x="0" y="0"/>
+            <a:ext cx="12192000" cy="6858000"/>
           </a:xfrm>
           <a:prstGeom prst="rect">
             <a:avLst/>
           </a:prstGeom>
-          <a:noFill/>
-          <a:ln w="9525">
-            <a:noFill/>
-            <a:headEnd/>
-            <a:tailEnd/>
-          </a:ln>
         </p:spPr>
       </p:pic>
     </p:spTree>
   </p:cSld>
+  <p:clrMapOvr>
+    <a:masterClrMapping/>
+  </p:clrMapOvr>
 </p:sld>
 </file>
 
@@ -4095,38 +4293,37 @@
           <a:chExt cx="0" cy="0"/>
         </a:xfrm>
       </p:grpSpPr>
-      <p:pic>
+      <p:pic xmlns:a="http://schemas.openxmlformats.org/drawingml/2006/main" xmlns:r="http://schemas.openxmlformats.org/officeDocument/2006/relationships" xmlns:p="http://schemas.openxmlformats.org/presentationml/2006/main">
         <p:nvPicPr>
-          <p:cNvPr descr="slides/slides_26.png" id="0" name="Picture 1"/>
+          <p:cNvPr id="2" name="" descr=""/>
           <p:cNvPicPr>
-            <a:picLocks noGrp="1" noChangeAspect="1"/>
+            <a:picLocks noGrp="1"/>
           </p:cNvPicPr>
-          <p:nvPr/>
+          <p:nvPr>
+            <p:ph/>
+          </p:nvPr>
         </p:nvPicPr>
         <p:blipFill>
-          <a:blip r:embed="rId2"/>
+          <a:blip cstate="print" r:embed="rId2"/>
           <a:stretch>
             <a:fillRect/>
           </a:stretch>
         </p:blipFill>
-        <p:spPr bwMode="auto">
-          <a:xfrm>
-            <a:off x="558800" y="1600200"/>
-            <a:ext cx="8039100" cy="4521200"/>
+        <p:spPr>
+          <a:xfrm>
+            <a:off x="0" y="0"/>
+            <a:ext cx="12192000" cy="6858000"/>
           </a:xfrm>
           <a:prstGeom prst="rect">
             <a:avLst/>
           </a:prstGeom>
-          <a:noFill/>
-          <a:ln w="9525">
-            <a:noFill/>
-            <a:headEnd/>
-            <a:tailEnd/>
-          </a:ln>
         </p:spPr>
       </p:pic>
     </p:spTree>
   </p:cSld>
+  <p:clrMapOvr>
+    <a:masterClrMapping/>
+  </p:clrMapOvr>
 </p:sld>
 </file>
 
@@ -4147,38 +4344,37 @@
           <a:chExt cx="0" cy="0"/>
         </a:xfrm>
       </p:grpSpPr>
-      <p:pic>
+      <p:pic xmlns:a="http://schemas.openxmlformats.org/drawingml/2006/main" xmlns:r="http://schemas.openxmlformats.org/officeDocument/2006/relationships" xmlns:p="http://schemas.openxmlformats.org/presentationml/2006/main">
         <p:nvPicPr>
-          <p:cNvPr descr="slides/slides_27.png" id="0" name="Picture 1"/>
+          <p:cNvPr id="2" name="" descr=""/>
           <p:cNvPicPr>
-            <a:picLocks noGrp="1" noChangeAspect="1"/>
+            <a:picLocks noGrp="1"/>
           </p:cNvPicPr>
-          <p:nvPr/>
+          <p:nvPr>
+            <p:ph/>
+          </p:nvPr>
         </p:nvPicPr>
         <p:blipFill>
-          <a:blip r:embed="rId2"/>
+          <a:blip cstate="print" r:embed="rId2"/>
           <a:stretch>
             <a:fillRect/>
           </a:stretch>
         </p:blipFill>
-        <p:spPr bwMode="auto">
-          <a:xfrm>
-            <a:off x="558800" y="1600200"/>
-            <a:ext cx="8039100" cy="4521200"/>
+        <p:spPr>
+          <a:xfrm>
+            <a:off x="0" y="0"/>
+            <a:ext cx="12192000" cy="6858000"/>
           </a:xfrm>
           <a:prstGeom prst="rect">
             <a:avLst/>
           </a:prstGeom>
-          <a:noFill/>
-          <a:ln w="9525">
-            <a:noFill/>
-            <a:headEnd/>
-            <a:tailEnd/>
-          </a:ln>
         </p:spPr>
       </p:pic>
     </p:spTree>
   </p:cSld>
+  <p:clrMapOvr>
+    <a:masterClrMapping/>
+  </p:clrMapOvr>
 </p:sld>
 </file>
 
@@ -4199,38 +4395,37 @@
           <a:chExt cx="0" cy="0"/>
         </a:xfrm>
       </p:grpSpPr>
-      <p:pic>
+      <p:pic xmlns:a="http://schemas.openxmlformats.org/drawingml/2006/main" xmlns:r="http://schemas.openxmlformats.org/officeDocument/2006/relationships" xmlns:p="http://schemas.openxmlformats.org/presentationml/2006/main">
         <p:nvPicPr>
-          <p:cNvPr descr="slides/slides_28.png" id="0" name="Picture 1"/>
+          <p:cNvPr id="2" name="" descr=""/>
           <p:cNvPicPr>
-            <a:picLocks noGrp="1" noChangeAspect="1"/>
+            <a:picLocks noGrp="1"/>
           </p:cNvPicPr>
-          <p:nvPr/>
+          <p:nvPr>
+            <p:ph/>
+          </p:nvPr>
         </p:nvPicPr>
         <p:blipFill>
-          <a:blip r:embed="rId2"/>
+          <a:blip cstate="print" r:embed="rId2"/>
           <a:stretch>
             <a:fillRect/>
           </a:stretch>
         </p:blipFill>
-        <p:spPr bwMode="auto">
-          <a:xfrm>
-            <a:off x="558800" y="1600200"/>
-            <a:ext cx="8039100" cy="4521200"/>
+        <p:spPr>
+          <a:xfrm>
+            <a:off x="0" y="0"/>
+            <a:ext cx="12192000" cy="6858000"/>
           </a:xfrm>
           <a:prstGeom prst="rect">
             <a:avLst/>
           </a:prstGeom>
-          <a:noFill/>
-          <a:ln w="9525">
-            <a:noFill/>
-            <a:headEnd/>
-            <a:tailEnd/>
-          </a:ln>
         </p:spPr>
       </p:pic>
     </p:spTree>
   </p:cSld>
+  <p:clrMapOvr>
+    <a:masterClrMapping/>
+  </p:clrMapOvr>
 </p:sld>
 </file>
 
@@ -4251,38 +4446,37 @@
           <a:chExt cx="0" cy="0"/>
         </a:xfrm>
       </p:grpSpPr>
-      <p:pic>
+      <p:pic xmlns:a="http://schemas.openxmlformats.org/drawingml/2006/main" xmlns:r="http://schemas.openxmlformats.org/officeDocument/2006/relationships" xmlns:p="http://schemas.openxmlformats.org/presentationml/2006/main">
         <p:nvPicPr>
-          <p:cNvPr descr="slides/slides_29.png" id="0" name="Picture 1"/>
+          <p:cNvPr id="2" name="" descr=""/>
           <p:cNvPicPr>
-            <a:picLocks noGrp="1" noChangeAspect="1"/>
+            <a:picLocks noGrp="1"/>
           </p:cNvPicPr>
-          <p:nvPr/>
+          <p:nvPr>
+            <p:ph/>
+          </p:nvPr>
         </p:nvPicPr>
         <p:blipFill>
-          <a:blip r:embed="rId2"/>
+          <a:blip cstate="print" r:embed="rId2"/>
           <a:stretch>
             <a:fillRect/>
           </a:stretch>
         </p:blipFill>
-        <p:spPr bwMode="auto">
-          <a:xfrm>
-            <a:off x="558800" y="1600200"/>
-            <a:ext cx="8039100" cy="4521200"/>
+        <p:spPr>
+          <a:xfrm>
+            <a:off x="0" y="0"/>
+            <a:ext cx="12192000" cy="6858000"/>
           </a:xfrm>
           <a:prstGeom prst="rect">
             <a:avLst/>
           </a:prstGeom>
-          <a:noFill/>
-          <a:ln w="9525">
-            <a:noFill/>
-            <a:headEnd/>
-            <a:tailEnd/>
-          </a:ln>
         </p:spPr>
       </p:pic>
     </p:spTree>
   </p:cSld>
+  <p:clrMapOvr>
+    <a:masterClrMapping/>
+  </p:clrMapOvr>
 </p:sld>
 </file>
 
@@ -4303,38 +4497,37 @@
           <a:chExt cx="0" cy="0"/>
         </a:xfrm>
       </p:grpSpPr>
-      <p:pic>
+      <p:pic xmlns:a="http://schemas.openxmlformats.org/drawingml/2006/main" xmlns:r="http://schemas.openxmlformats.org/officeDocument/2006/relationships" xmlns:p="http://schemas.openxmlformats.org/presentationml/2006/main">
         <p:nvPicPr>
-          <p:cNvPr descr="slides/slides_03.png" id="0" name="Picture 1"/>
+          <p:cNvPr id="2" name="" descr=""/>
           <p:cNvPicPr>
-            <a:picLocks noGrp="1" noChangeAspect="1"/>
+            <a:picLocks noGrp="1"/>
           </p:cNvPicPr>
-          <p:nvPr/>
+          <p:nvPr>
+            <p:ph/>
+          </p:nvPr>
         </p:nvPicPr>
         <p:blipFill>
-          <a:blip r:embed="rId2"/>
+          <a:blip cstate="print" r:embed="rId2"/>
           <a:stretch>
             <a:fillRect/>
           </a:stretch>
         </p:blipFill>
-        <p:spPr bwMode="auto">
-          <a:xfrm>
-            <a:off x="558800" y="1600200"/>
-            <a:ext cx="8039100" cy="4521200"/>
+        <p:spPr>
+          <a:xfrm>
+            <a:off x="0" y="0"/>
+            <a:ext cx="12192000" cy="6858000"/>
           </a:xfrm>
           <a:prstGeom prst="rect">
             <a:avLst/>
           </a:prstGeom>
-          <a:noFill/>
-          <a:ln w="9525">
-            <a:noFill/>
-            <a:headEnd/>
-            <a:tailEnd/>
-          </a:ln>
         </p:spPr>
       </p:pic>
     </p:spTree>
   </p:cSld>
+  <p:clrMapOvr>
+    <a:masterClrMapping/>
+  </p:clrMapOvr>
 </p:sld>
 </file>
 
@@ -4355,38 +4548,37 @@
           <a:chExt cx="0" cy="0"/>
         </a:xfrm>
       </p:grpSpPr>
-      <p:pic>
+      <p:pic xmlns:a="http://schemas.openxmlformats.org/drawingml/2006/main" xmlns:r="http://schemas.openxmlformats.org/officeDocument/2006/relationships" xmlns:p="http://schemas.openxmlformats.org/presentationml/2006/main">
         <p:nvPicPr>
-          <p:cNvPr descr="slides/slides_30.png" id="0" name="Picture 1"/>
+          <p:cNvPr id="2" name="" descr=""/>
           <p:cNvPicPr>
-            <a:picLocks noGrp="1" noChangeAspect="1"/>
+            <a:picLocks noGrp="1"/>
           </p:cNvPicPr>
-          <p:nvPr/>
+          <p:nvPr>
+            <p:ph/>
+          </p:nvPr>
         </p:nvPicPr>
         <p:blipFill>
-          <a:blip r:embed="rId2"/>
+          <a:blip cstate="print" r:embed="rId2"/>
           <a:stretch>
             <a:fillRect/>
           </a:stretch>
         </p:blipFill>
-        <p:spPr bwMode="auto">
-          <a:xfrm>
-            <a:off x="558800" y="1600200"/>
-            <a:ext cx="8039100" cy="4521200"/>
+        <p:spPr>
+          <a:xfrm>
+            <a:off x="0" y="0"/>
+            <a:ext cx="12192000" cy="6858000"/>
           </a:xfrm>
           <a:prstGeom prst="rect">
             <a:avLst/>
           </a:prstGeom>
-          <a:noFill/>
-          <a:ln w="9525">
-            <a:noFill/>
-            <a:headEnd/>
-            <a:tailEnd/>
-          </a:ln>
         </p:spPr>
       </p:pic>
     </p:spTree>
   </p:cSld>
+  <p:clrMapOvr>
+    <a:masterClrMapping/>
+  </p:clrMapOvr>
 </p:sld>
 </file>
 
@@ -4407,38 +4599,37 @@
           <a:chExt cx="0" cy="0"/>
         </a:xfrm>
       </p:grpSpPr>
-      <p:pic>
+      <p:pic xmlns:a="http://schemas.openxmlformats.org/drawingml/2006/main" xmlns:r="http://schemas.openxmlformats.org/officeDocument/2006/relationships" xmlns:p="http://schemas.openxmlformats.org/presentationml/2006/main">
         <p:nvPicPr>
-          <p:cNvPr descr="slides/slides_31.png" id="0" name="Picture 1"/>
+          <p:cNvPr id="2" name="" descr=""/>
           <p:cNvPicPr>
-            <a:picLocks noGrp="1" noChangeAspect="1"/>
+            <a:picLocks noGrp="1"/>
           </p:cNvPicPr>
-          <p:nvPr/>
+          <p:nvPr>
+            <p:ph/>
+          </p:nvPr>
         </p:nvPicPr>
         <p:blipFill>
-          <a:blip r:embed="rId2"/>
+          <a:blip cstate="print" r:embed="rId2"/>
           <a:stretch>
             <a:fillRect/>
           </a:stretch>
         </p:blipFill>
-        <p:spPr bwMode="auto">
-          <a:xfrm>
-            <a:off x="558800" y="1600200"/>
-            <a:ext cx="8039100" cy="4521200"/>
+        <p:spPr>
+          <a:xfrm>
+            <a:off x="0" y="0"/>
+            <a:ext cx="12192000" cy="6858000"/>
           </a:xfrm>
           <a:prstGeom prst="rect">
             <a:avLst/>
           </a:prstGeom>
-          <a:noFill/>
-          <a:ln w="9525">
-            <a:noFill/>
-            <a:headEnd/>
-            <a:tailEnd/>
-          </a:ln>
         </p:spPr>
       </p:pic>
     </p:spTree>
   </p:cSld>
+  <p:clrMapOvr>
+    <a:masterClrMapping/>
+  </p:clrMapOvr>
 </p:sld>
 </file>
 
@@ -4459,38 +4650,37 @@
           <a:chExt cx="0" cy="0"/>
         </a:xfrm>
       </p:grpSpPr>
-      <p:pic>
+      <p:pic xmlns:a="http://schemas.openxmlformats.org/drawingml/2006/main" xmlns:r="http://schemas.openxmlformats.org/officeDocument/2006/relationships" xmlns:p="http://schemas.openxmlformats.org/presentationml/2006/main">
         <p:nvPicPr>
-          <p:cNvPr descr="slides/slides_32.png" id="0" name="Picture 1"/>
+          <p:cNvPr id="2" name="" descr=""/>
           <p:cNvPicPr>
-            <a:picLocks noGrp="1" noChangeAspect="1"/>
+            <a:picLocks noGrp="1"/>
           </p:cNvPicPr>
-          <p:nvPr/>
+          <p:nvPr>
+            <p:ph/>
+          </p:nvPr>
         </p:nvPicPr>
         <p:blipFill>
-          <a:blip r:embed="rId2"/>
+          <a:blip cstate="print" r:embed="rId2"/>
           <a:stretch>
             <a:fillRect/>
           </a:stretch>
         </p:blipFill>
-        <p:spPr bwMode="auto">
-          <a:xfrm>
-            <a:off x="558800" y="1600200"/>
-            <a:ext cx="8039100" cy="4521200"/>
+        <p:spPr>
+          <a:xfrm>
+            <a:off x="0" y="0"/>
+            <a:ext cx="12192000" cy="6858000"/>
           </a:xfrm>
           <a:prstGeom prst="rect">
             <a:avLst/>
           </a:prstGeom>
-          <a:noFill/>
-          <a:ln w="9525">
-            <a:noFill/>
-            <a:headEnd/>
-            <a:tailEnd/>
-          </a:ln>
         </p:spPr>
       </p:pic>
     </p:spTree>
   </p:cSld>
+  <p:clrMapOvr>
+    <a:masterClrMapping/>
+  </p:clrMapOvr>
 </p:sld>
 </file>
 
@@ -4511,38 +4701,37 @@
           <a:chExt cx="0" cy="0"/>
         </a:xfrm>
       </p:grpSpPr>
-      <p:pic>
+      <p:pic xmlns:a="http://schemas.openxmlformats.org/drawingml/2006/main" xmlns:r="http://schemas.openxmlformats.org/officeDocument/2006/relationships" xmlns:p="http://schemas.openxmlformats.org/presentationml/2006/main">
         <p:nvPicPr>
-          <p:cNvPr descr="slides/slides_33.png" id="0" name="Picture 1"/>
+          <p:cNvPr id="2" name="" descr=""/>
           <p:cNvPicPr>
-            <a:picLocks noGrp="1" noChangeAspect="1"/>
+            <a:picLocks noGrp="1"/>
           </p:cNvPicPr>
-          <p:nvPr/>
+          <p:nvPr>
+            <p:ph/>
+          </p:nvPr>
         </p:nvPicPr>
         <p:blipFill>
-          <a:blip r:embed="rId2"/>
+          <a:blip cstate="print" r:embed="rId2"/>
           <a:stretch>
             <a:fillRect/>
           </a:stretch>
         </p:blipFill>
-        <p:spPr bwMode="auto">
-          <a:xfrm>
-            <a:off x="558800" y="1600200"/>
-            <a:ext cx="8039100" cy="4521200"/>
+        <p:spPr>
+          <a:xfrm>
+            <a:off x="0" y="0"/>
+            <a:ext cx="12192000" cy="6858000"/>
           </a:xfrm>
           <a:prstGeom prst="rect">
             <a:avLst/>
           </a:prstGeom>
-          <a:noFill/>
-          <a:ln w="9525">
-            <a:noFill/>
-            <a:headEnd/>
-            <a:tailEnd/>
-          </a:ln>
         </p:spPr>
       </p:pic>
     </p:spTree>
   </p:cSld>
+  <p:clrMapOvr>
+    <a:masterClrMapping/>
+  </p:clrMapOvr>
 </p:sld>
 </file>
 
@@ -4563,38 +4752,37 @@
           <a:chExt cx="0" cy="0"/>
         </a:xfrm>
       </p:grpSpPr>
-      <p:pic>
+      <p:pic xmlns:a="http://schemas.openxmlformats.org/drawingml/2006/main" xmlns:r="http://schemas.openxmlformats.org/officeDocument/2006/relationships" xmlns:p="http://schemas.openxmlformats.org/presentationml/2006/main">
         <p:nvPicPr>
-          <p:cNvPr descr="slides/slides_34.png" id="0" name="Picture 1"/>
+          <p:cNvPr id="2" name="" descr=""/>
           <p:cNvPicPr>
-            <a:picLocks noGrp="1" noChangeAspect="1"/>
+            <a:picLocks noGrp="1"/>
           </p:cNvPicPr>
-          <p:nvPr/>
+          <p:nvPr>
+            <p:ph/>
+          </p:nvPr>
         </p:nvPicPr>
         <p:blipFill>
-          <a:blip r:embed="rId2"/>
+          <a:blip cstate="print" r:embed="rId2"/>
           <a:stretch>
             <a:fillRect/>
           </a:stretch>
         </p:blipFill>
-        <p:spPr bwMode="auto">
-          <a:xfrm>
-            <a:off x="558800" y="1600200"/>
-            <a:ext cx="8039100" cy="4521200"/>
+        <p:spPr>
+          <a:xfrm>
+            <a:off x="0" y="0"/>
+            <a:ext cx="12192000" cy="6858000"/>
           </a:xfrm>
           <a:prstGeom prst="rect">
             <a:avLst/>
           </a:prstGeom>
-          <a:noFill/>
-          <a:ln w="9525">
-            <a:noFill/>
-            <a:headEnd/>
-            <a:tailEnd/>
-          </a:ln>
         </p:spPr>
       </p:pic>
     </p:spTree>
   </p:cSld>
+  <p:clrMapOvr>
+    <a:masterClrMapping/>
+  </p:clrMapOvr>
 </p:sld>
 </file>
 
@@ -4615,38 +4803,37 @@
           <a:chExt cx="0" cy="0"/>
         </a:xfrm>
       </p:grpSpPr>
-      <p:pic>
+      <p:pic xmlns:a="http://schemas.openxmlformats.org/drawingml/2006/main" xmlns:r="http://schemas.openxmlformats.org/officeDocument/2006/relationships" xmlns:p="http://schemas.openxmlformats.org/presentationml/2006/main">
         <p:nvPicPr>
-          <p:cNvPr descr="slides/slides_35.png" id="0" name="Picture 1"/>
+          <p:cNvPr id="2" name="" descr=""/>
           <p:cNvPicPr>
-            <a:picLocks noGrp="1" noChangeAspect="1"/>
+            <a:picLocks noGrp="1"/>
           </p:cNvPicPr>
-          <p:nvPr/>
+          <p:nvPr>
+            <p:ph/>
+          </p:nvPr>
         </p:nvPicPr>
         <p:blipFill>
-          <a:blip r:embed="rId2"/>
+          <a:blip cstate="print" r:embed="rId2"/>
           <a:stretch>
             <a:fillRect/>
           </a:stretch>
         </p:blipFill>
-        <p:spPr bwMode="auto">
-          <a:xfrm>
-            <a:off x="558800" y="1600200"/>
-            <a:ext cx="8039100" cy="4521200"/>
+        <p:spPr>
+          <a:xfrm>
+            <a:off x="0" y="0"/>
+            <a:ext cx="12192000" cy="6858000"/>
           </a:xfrm>
           <a:prstGeom prst="rect">
             <a:avLst/>
           </a:prstGeom>
-          <a:noFill/>
-          <a:ln w="9525">
-            <a:noFill/>
-            <a:headEnd/>
-            <a:tailEnd/>
-          </a:ln>
         </p:spPr>
       </p:pic>
     </p:spTree>
   </p:cSld>
+  <p:clrMapOvr>
+    <a:masterClrMapping/>
+  </p:clrMapOvr>
 </p:sld>
 </file>
 
@@ -4667,38 +4854,37 @@
           <a:chExt cx="0" cy="0"/>
         </a:xfrm>
       </p:grpSpPr>
-      <p:pic>
+      <p:pic xmlns:a="http://schemas.openxmlformats.org/drawingml/2006/main" xmlns:r="http://schemas.openxmlformats.org/officeDocument/2006/relationships" xmlns:p="http://schemas.openxmlformats.org/presentationml/2006/main">
         <p:nvPicPr>
-          <p:cNvPr descr="slides/slides_36.png" id="0" name="Picture 1"/>
+          <p:cNvPr id="2" name="" descr=""/>
           <p:cNvPicPr>
-            <a:picLocks noGrp="1" noChangeAspect="1"/>
+            <a:picLocks noGrp="1"/>
           </p:cNvPicPr>
-          <p:nvPr/>
+          <p:nvPr>
+            <p:ph/>
+          </p:nvPr>
         </p:nvPicPr>
         <p:blipFill>
-          <a:blip r:embed="rId2"/>
+          <a:blip cstate="print" r:embed="rId2"/>
           <a:stretch>
             <a:fillRect/>
           </a:stretch>
         </p:blipFill>
-        <p:spPr bwMode="auto">
-          <a:xfrm>
-            <a:off x="558800" y="1600200"/>
-            <a:ext cx="8039100" cy="4521200"/>
+        <p:spPr>
+          <a:xfrm>
+            <a:off x="0" y="0"/>
+            <a:ext cx="12192000" cy="6858000"/>
           </a:xfrm>
           <a:prstGeom prst="rect">
             <a:avLst/>
           </a:prstGeom>
-          <a:noFill/>
-          <a:ln w="9525">
-            <a:noFill/>
-            <a:headEnd/>
-            <a:tailEnd/>
-          </a:ln>
         </p:spPr>
       </p:pic>
     </p:spTree>
   </p:cSld>
+  <p:clrMapOvr>
+    <a:masterClrMapping/>
+  </p:clrMapOvr>
 </p:sld>
 </file>
 
@@ -4719,38 +4905,37 @@
           <a:chExt cx="0" cy="0"/>
         </a:xfrm>
       </p:grpSpPr>
-      <p:pic>
+      <p:pic xmlns:a="http://schemas.openxmlformats.org/drawingml/2006/main" xmlns:r="http://schemas.openxmlformats.org/officeDocument/2006/relationships" xmlns:p="http://schemas.openxmlformats.org/presentationml/2006/main">
         <p:nvPicPr>
-          <p:cNvPr descr="slides/slides_37.png" id="0" name="Picture 1"/>
+          <p:cNvPr id="2" name="" descr=""/>
           <p:cNvPicPr>
-            <a:picLocks noGrp="1" noChangeAspect="1"/>
+            <a:picLocks noGrp="1"/>
           </p:cNvPicPr>
-          <p:nvPr/>
+          <p:nvPr>
+            <p:ph/>
+          </p:nvPr>
         </p:nvPicPr>
         <p:blipFill>
-          <a:blip r:embed="rId2"/>
+          <a:blip cstate="print" r:embed="rId2"/>
           <a:stretch>
             <a:fillRect/>
           </a:stretch>
         </p:blipFill>
-        <p:spPr bwMode="auto">
-          <a:xfrm>
-            <a:off x="558800" y="1600200"/>
-            <a:ext cx="8039100" cy="4521200"/>
+        <p:spPr>
+          <a:xfrm>
+            <a:off x="0" y="0"/>
+            <a:ext cx="12192000" cy="6858000"/>
           </a:xfrm>
           <a:prstGeom prst="rect">
             <a:avLst/>
           </a:prstGeom>
-          <a:noFill/>
-          <a:ln w="9525">
-            <a:noFill/>
-            <a:headEnd/>
-            <a:tailEnd/>
-          </a:ln>
         </p:spPr>
       </p:pic>
     </p:spTree>
   </p:cSld>
+  <p:clrMapOvr>
+    <a:masterClrMapping/>
+  </p:clrMapOvr>
 </p:sld>
 </file>
 
@@ -4771,38 +4956,37 @@
           <a:chExt cx="0" cy="0"/>
         </a:xfrm>
       </p:grpSpPr>
-      <p:pic>
+      <p:pic xmlns:a="http://schemas.openxmlformats.org/drawingml/2006/main" xmlns:r="http://schemas.openxmlformats.org/officeDocument/2006/relationships" xmlns:p="http://schemas.openxmlformats.org/presentationml/2006/main">
         <p:nvPicPr>
-          <p:cNvPr descr="slides/slides_38.png" id="0" name="Picture 1"/>
+          <p:cNvPr id="2" name="" descr=""/>
           <p:cNvPicPr>
-            <a:picLocks noGrp="1" noChangeAspect="1"/>
+            <a:picLocks noGrp="1"/>
           </p:cNvPicPr>
-          <p:nvPr/>
+          <p:nvPr>
+            <p:ph/>
+          </p:nvPr>
         </p:nvPicPr>
         <p:blipFill>
-          <a:blip r:embed="rId2"/>
+          <a:blip cstate="print" r:embed="rId2"/>
           <a:stretch>
             <a:fillRect/>
           </a:stretch>
         </p:blipFill>
-        <p:spPr bwMode="auto">
-          <a:xfrm>
-            <a:off x="558800" y="1600200"/>
-            <a:ext cx="8039100" cy="4521200"/>
+        <p:spPr>
+          <a:xfrm>
+            <a:off x="0" y="0"/>
+            <a:ext cx="12192000" cy="6858000"/>
           </a:xfrm>
           <a:prstGeom prst="rect">
             <a:avLst/>
           </a:prstGeom>
-          <a:noFill/>
-          <a:ln w="9525">
-            <a:noFill/>
-            <a:headEnd/>
-            <a:tailEnd/>
-          </a:ln>
         </p:spPr>
       </p:pic>
     </p:spTree>
   </p:cSld>
+  <p:clrMapOvr>
+    <a:masterClrMapping/>
+  </p:clrMapOvr>
 </p:sld>
 </file>
 
@@ -4823,38 +5007,37 @@
           <a:chExt cx="0" cy="0"/>
         </a:xfrm>
       </p:grpSpPr>
-      <p:pic>
+      <p:pic xmlns:a="http://schemas.openxmlformats.org/drawingml/2006/main" xmlns:r="http://schemas.openxmlformats.org/officeDocument/2006/relationships" xmlns:p="http://schemas.openxmlformats.org/presentationml/2006/main">
         <p:nvPicPr>
-          <p:cNvPr descr="slides/slides_39.png" id="0" name="Picture 1"/>
+          <p:cNvPr id="2" name="" descr=""/>
           <p:cNvPicPr>
-            <a:picLocks noGrp="1" noChangeAspect="1"/>
+            <a:picLocks noGrp="1"/>
           </p:cNvPicPr>
-          <p:nvPr/>
+          <p:nvPr>
+            <p:ph/>
+          </p:nvPr>
         </p:nvPicPr>
         <p:blipFill>
-          <a:blip r:embed="rId2"/>
+          <a:blip cstate="print" r:embed="rId2"/>
           <a:stretch>
             <a:fillRect/>
           </a:stretch>
         </p:blipFill>
-        <p:spPr bwMode="auto">
-          <a:xfrm>
-            <a:off x="558800" y="1600200"/>
-            <a:ext cx="8039100" cy="4521200"/>
+        <p:spPr>
+          <a:xfrm>
+            <a:off x="0" y="0"/>
+            <a:ext cx="12192000" cy="6858000"/>
           </a:xfrm>
           <a:prstGeom prst="rect">
             <a:avLst/>
           </a:prstGeom>
-          <a:noFill/>
-          <a:ln w="9525">
-            <a:noFill/>
-            <a:headEnd/>
-            <a:tailEnd/>
-          </a:ln>
         </p:spPr>
       </p:pic>
     </p:spTree>
   </p:cSld>
+  <p:clrMapOvr>
+    <a:masterClrMapping/>
+  </p:clrMapOvr>
 </p:sld>
 </file>
 
@@ -4875,38 +5058,37 @@
           <a:chExt cx="0" cy="0"/>
         </a:xfrm>
       </p:grpSpPr>
-      <p:pic>
+      <p:pic xmlns:a="http://schemas.openxmlformats.org/drawingml/2006/main" xmlns:r="http://schemas.openxmlformats.org/officeDocument/2006/relationships" xmlns:p="http://schemas.openxmlformats.org/presentationml/2006/main">
         <p:nvPicPr>
-          <p:cNvPr descr="slides/slides_04.png" id="0" name="Picture 1"/>
+          <p:cNvPr id="2" name="" descr=""/>
           <p:cNvPicPr>
-            <a:picLocks noGrp="1" noChangeAspect="1"/>
+            <a:picLocks noGrp="1"/>
           </p:cNvPicPr>
-          <p:nvPr/>
+          <p:nvPr>
+            <p:ph/>
+          </p:nvPr>
         </p:nvPicPr>
         <p:blipFill>
-          <a:blip r:embed="rId2"/>
+          <a:blip cstate="print" r:embed="rId2"/>
           <a:stretch>
             <a:fillRect/>
           </a:stretch>
         </p:blipFill>
-        <p:spPr bwMode="auto">
-          <a:xfrm>
-            <a:off x="558800" y="1600200"/>
-            <a:ext cx="8039100" cy="4521200"/>
+        <p:spPr>
+          <a:xfrm>
+            <a:off x="0" y="0"/>
+            <a:ext cx="12192000" cy="6858000"/>
           </a:xfrm>
           <a:prstGeom prst="rect">
             <a:avLst/>
           </a:prstGeom>
-          <a:noFill/>
-          <a:ln w="9525">
-            <a:noFill/>
-            <a:headEnd/>
-            <a:tailEnd/>
-          </a:ln>
         </p:spPr>
       </p:pic>
     </p:spTree>
   </p:cSld>
+  <p:clrMapOvr>
+    <a:masterClrMapping/>
+  </p:clrMapOvr>
 </p:sld>
 </file>
 
@@ -4927,38 +5109,37 @@
           <a:chExt cx="0" cy="0"/>
         </a:xfrm>
       </p:grpSpPr>
-      <p:pic>
+      <p:pic xmlns:a="http://schemas.openxmlformats.org/drawingml/2006/main" xmlns:r="http://schemas.openxmlformats.org/officeDocument/2006/relationships" xmlns:p="http://schemas.openxmlformats.org/presentationml/2006/main">
         <p:nvPicPr>
-          <p:cNvPr descr="slides/slides_40.png" id="0" name="Picture 1"/>
+          <p:cNvPr id="2" name="" descr=""/>
           <p:cNvPicPr>
-            <a:picLocks noGrp="1" noChangeAspect="1"/>
+            <a:picLocks noGrp="1"/>
           </p:cNvPicPr>
-          <p:nvPr/>
+          <p:nvPr>
+            <p:ph/>
+          </p:nvPr>
         </p:nvPicPr>
         <p:blipFill>
-          <a:blip r:embed="rId2"/>
+          <a:blip cstate="print" r:embed="rId2"/>
           <a:stretch>
             <a:fillRect/>
           </a:stretch>
         </p:blipFill>
-        <p:spPr bwMode="auto">
-          <a:xfrm>
-            <a:off x="558800" y="1600200"/>
-            <a:ext cx="8039100" cy="4521200"/>
+        <p:spPr>
+          <a:xfrm>
+            <a:off x="0" y="0"/>
+            <a:ext cx="12192000" cy="6858000"/>
           </a:xfrm>
           <a:prstGeom prst="rect">
             <a:avLst/>
           </a:prstGeom>
-          <a:noFill/>
-          <a:ln w="9525">
-            <a:noFill/>
-            <a:headEnd/>
-            <a:tailEnd/>
-          </a:ln>
         </p:spPr>
       </p:pic>
     </p:spTree>
   </p:cSld>
+  <p:clrMapOvr>
+    <a:masterClrMapping/>
+  </p:clrMapOvr>
 </p:sld>
 </file>
 
@@ -4979,38 +5160,37 @@
           <a:chExt cx="0" cy="0"/>
         </a:xfrm>
       </p:grpSpPr>
-      <p:pic>
+      <p:pic xmlns:a="http://schemas.openxmlformats.org/drawingml/2006/main" xmlns:r="http://schemas.openxmlformats.org/officeDocument/2006/relationships" xmlns:p="http://schemas.openxmlformats.org/presentationml/2006/main">
         <p:nvPicPr>
-          <p:cNvPr descr="slides/slides_41.png" id="0" name="Picture 1"/>
+          <p:cNvPr id="2" name="" descr=""/>
           <p:cNvPicPr>
-            <a:picLocks noGrp="1" noChangeAspect="1"/>
+            <a:picLocks noGrp="1"/>
           </p:cNvPicPr>
-          <p:nvPr/>
+          <p:nvPr>
+            <p:ph/>
+          </p:nvPr>
         </p:nvPicPr>
         <p:blipFill>
-          <a:blip r:embed="rId2"/>
+          <a:blip cstate="print" r:embed="rId2"/>
           <a:stretch>
             <a:fillRect/>
           </a:stretch>
         </p:blipFill>
-        <p:spPr bwMode="auto">
-          <a:xfrm>
-            <a:off x="558800" y="1600200"/>
-            <a:ext cx="8039100" cy="4521200"/>
+        <p:spPr>
+          <a:xfrm>
+            <a:off x="0" y="0"/>
+            <a:ext cx="12192000" cy="6858000"/>
           </a:xfrm>
           <a:prstGeom prst="rect">
             <a:avLst/>
           </a:prstGeom>
-          <a:noFill/>
-          <a:ln w="9525">
-            <a:noFill/>
-            <a:headEnd/>
-            <a:tailEnd/>
-          </a:ln>
         </p:spPr>
       </p:pic>
     </p:spTree>
   </p:cSld>
+  <p:clrMapOvr>
+    <a:masterClrMapping/>
+  </p:clrMapOvr>
 </p:sld>
 </file>
 
@@ -5031,38 +5211,37 @@
           <a:chExt cx="0" cy="0"/>
         </a:xfrm>
       </p:grpSpPr>
-      <p:pic>
+      <p:pic xmlns:a="http://schemas.openxmlformats.org/drawingml/2006/main" xmlns:r="http://schemas.openxmlformats.org/officeDocument/2006/relationships" xmlns:p="http://schemas.openxmlformats.org/presentationml/2006/main">
         <p:nvPicPr>
-          <p:cNvPr descr="slides/slides_42.png" id="0" name="Picture 1"/>
+          <p:cNvPr id="2" name="" descr=""/>
           <p:cNvPicPr>
-            <a:picLocks noGrp="1" noChangeAspect="1"/>
+            <a:picLocks noGrp="1"/>
           </p:cNvPicPr>
-          <p:nvPr/>
+          <p:nvPr>
+            <p:ph/>
+          </p:nvPr>
         </p:nvPicPr>
         <p:blipFill>
-          <a:blip r:embed="rId2"/>
+          <a:blip cstate="print" r:embed="rId2"/>
           <a:stretch>
             <a:fillRect/>
           </a:stretch>
         </p:blipFill>
-        <p:spPr bwMode="auto">
-          <a:xfrm>
-            <a:off x="558800" y="1600200"/>
-            <a:ext cx="8039100" cy="4521200"/>
+        <p:spPr>
+          <a:xfrm>
+            <a:off x="0" y="0"/>
+            <a:ext cx="12192000" cy="6858000"/>
           </a:xfrm>
           <a:prstGeom prst="rect">
             <a:avLst/>
           </a:prstGeom>
-          <a:noFill/>
-          <a:ln w="9525">
-            <a:noFill/>
-            <a:headEnd/>
-            <a:tailEnd/>
-          </a:ln>
         </p:spPr>
       </p:pic>
     </p:spTree>
   </p:cSld>
+  <p:clrMapOvr>
+    <a:masterClrMapping/>
+  </p:clrMapOvr>
 </p:sld>
 </file>
 
@@ -5083,38 +5262,37 @@
           <a:chExt cx="0" cy="0"/>
         </a:xfrm>
       </p:grpSpPr>
-      <p:pic>
+      <p:pic xmlns:a="http://schemas.openxmlformats.org/drawingml/2006/main" xmlns:r="http://schemas.openxmlformats.org/officeDocument/2006/relationships" xmlns:p="http://schemas.openxmlformats.org/presentationml/2006/main">
         <p:nvPicPr>
-          <p:cNvPr descr="slides/slides_43.png" id="0" name="Picture 1"/>
+          <p:cNvPr id="2" name="" descr=""/>
           <p:cNvPicPr>
-            <a:picLocks noGrp="1" noChangeAspect="1"/>
+            <a:picLocks noGrp="1"/>
           </p:cNvPicPr>
-          <p:nvPr/>
+          <p:nvPr>
+            <p:ph/>
+          </p:nvPr>
         </p:nvPicPr>
         <p:blipFill>
-          <a:blip r:embed="rId2"/>
+          <a:blip cstate="print" r:embed="rId2"/>
           <a:stretch>
             <a:fillRect/>
           </a:stretch>
         </p:blipFill>
-        <p:spPr bwMode="auto">
-          <a:xfrm>
-            <a:off x="558800" y="1600200"/>
-            <a:ext cx="8039100" cy="4521200"/>
+        <p:spPr>
+          <a:xfrm>
+            <a:off x="0" y="0"/>
+            <a:ext cx="12192000" cy="6858000"/>
           </a:xfrm>
           <a:prstGeom prst="rect">
             <a:avLst/>
           </a:prstGeom>
-          <a:noFill/>
-          <a:ln w="9525">
-            <a:noFill/>
-            <a:headEnd/>
-            <a:tailEnd/>
-          </a:ln>
         </p:spPr>
       </p:pic>
     </p:spTree>
   </p:cSld>
+  <p:clrMapOvr>
+    <a:masterClrMapping/>
+  </p:clrMapOvr>
 </p:sld>
 </file>
 
@@ -5135,38 +5313,37 @@
           <a:chExt cx="0" cy="0"/>
         </a:xfrm>
       </p:grpSpPr>
-      <p:pic>
+      <p:pic xmlns:a="http://schemas.openxmlformats.org/drawingml/2006/main" xmlns:r="http://schemas.openxmlformats.org/officeDocument/2006/relationships" xmlns:p="http://schemas.openxmlformats.org/presentationml/2006/main">
         <p:nvPicPr>
-          <p:cNvPr descr="slides/slides_44.png" id="0" name="Picture 1"/>
+          <p:cNvPr id="2" name="" descr=""/>
           <p:cNvPicPr>
-            <a:picLocks noGrp="1" noChangeAspect="1"/>
+            <a:picLocks noGrp="1"/>
           </p:cNvPicPr>
-          <p:nvPr/>
+          <p:nvPr>
+            <p:ph/>
+          </p:nvPr>
         </p:nvPicPr>
         <p:blipFill>
-          <a:blip r:embed="rId2"/>
+          <a:blip cstate="print" r:embed="rId2"/>
           <a:stretch>
             <a:fillRect/>
           </a:stretch>
         </p:blipFill>
-        <p:spPr bwMode="auto">
-          <a:xfrm>
-            <a:off x="558800" y="1600200"/>
-            <a:ext cx="8039100" cy="4521200"/>
+        <p:spPr>
+          <a:xfrm>
+            <a:off x="0" y="0"/>
+            <a:ext cx="12192000" cy="6858000"/>
           </a:xfrm>
           <a:prstGeom prst="rect">
             <a:avLst/>
           </a:prstGeom>
-          <a:noFill/>
-          <a:ln w="9525">
-            <a:noFill/>
-            <a:headEnd/>
-            <a:tailEnd/>
-          </a:ln>
         </p:spPr>
       </p:pic>
     </p:spTree>
   </p:cSld>
+  <p:clrMapOvr>
+    <a:masterClrMapping/>
+  </p:clrMapOvr>
 </p:sld>
 </file>
 
@@ -5187,38 +5364,37 @@
           <a:chExt cx="0" cy="0"/>
         </a:xfrm>
       </p:grpSpPr>
-      <p:pic>
+      <p:pic xmlns:a="http://schemas.openxmlformats.org/drawingml/2006/main" xmlns:r="http://schemas.openxmlformats.org/officeDocument/2006/relationships" xmlns:p="http://schemas.openxmlformats.org/presentationml/2006/main">
         <p:nvPicPr>
-          <p:cNvPr descr="slides/slides_45.png" id="0" name="Picture 1"/>
+          <p:cNvPr id="2" name="" descr=""/>
           <p:cNvPicPr>
-            <a:picLocks noGrp="1" noChangeAspect="1"/>
+            <a:picLocks noGrp="1"/>
           </p:cNvPicPr>
-          <p:nvPr/>
+          <p:nvPr>
+            <p:ph/>
+          </p:nvPr>
         </p:nvPicPr>
         <p:blipFill>
-          <a:blip r:embed="rId2"/>
+          <a:blip cstate="print" r:embed="rId2"/>
           <a:stretch>
             <a:fillRect/>
           </a:stretch>
         </p:blipFill>
-        <p:spPr bwMode="auto">
-          <a:xfrm>
-            <a:off x="558800" y="1600200"/>
-            <a:ext cx="8039100" cy="4521200"/>
+        <p:spPr>
+          <a:xfrm>
+            <a:off x="0" y="0"/>
+            <a:ext cx="12192000" cy="6858000"/>
           </a:xfrm>
           <a:prstGeom prst="rect">
             <a:avLst/>
           </a:prstGeom>
-          <a:noFill/>
-          <a:ln w="9525">
-            <a:noFill/>
-            <a:headEnd/>
-            <a:tailEnd/>
-          </a:ln>
         </p:spPr>
       </p:pic>
     </p:spTree>
   </p:cSld>
+  <p:clrMapOvr>
+    <a:masterClrMapping/>
+  </p:clrMapOvr>
 </p:sld>
 </file>
 
@@ -5239,38 +5415,37 @@
           <a:chExt cx="0" cy="0"/>
         </a:xfrm>
       </p:grpSpPr>
-      <p:pic>
+      <p:pic xmlns:a="http://schemas.openxmlformats.org/drawingml/2006/main" xmlns:r="http://schemas.openxmlformats.org/officeDocument/2006/relationships" xmlns:p="http://schemas.openxmlformats.org/presentationml/2006/main">
         <p:nvPicPr>
-          <p:cNvPr descr="slides/slides_46.png" id="0" name="Picture 1"/>
+          <p:cNvPr id="2" name="" descr=""/>
           <p:cNvPicPr>
-            <a:picLocks noGrp="1" noChangeAspect="1"/>
+            <a:picLocks noGrp="1"/>
           </p:cNvPicPr>
-          <p:nvPr/>
+          <p:nvPr>
+            <p:ph/>
+          </p:nvPr>
         </p:nvPicPr>
         <p:blipFill>
-          <a:blip r:embed="rId2"/>
+          <a:blip cstate="print" r:embed="rId2"/>
           <a:stretch>
             <a:fillRect/>
           </a:stretch>
         </p:blipFill>
-        <p:spPr bwMode="auto">
-          <a:xfrm>
-            <a:off x="558800" y="1600200"/>
-            <a:ext cx="8039100" cy="4521200"/>
+        <p:spPr>
+          <a:xfrm>
+            <a:off x="0" y="0"/>
+            <a:ext cx="12192000" cy="6858000"/>
           </a:xfrm>
           <a:prstGeom prst="rect">
             <a:avLst/>
           </a:prstGeom>
-          <a:noFill/>
-          <a:ln w="9525">
-            <a:noFill/>
-            <a:headEnd/>
-            <a:tailEnd/>
-          </a:ln>
         </p:spPr>
       </p:pic>
     </p:spTree>
   </p:cSld>
+  <p:clrMapOvr>
+    <a:masterClrMapping/>
+  </p:clrMapOvr>
 </p:sld>
 </file>
 
@@ -5291,38 +5466,37 @@
           <a:chExt cx="0" cy="0"/>
         </a:xfrm>
       </p:grpSpPr>
-      <p:pic>
+      <p:pic xmlns:a="http://schemas.openxmlformats.org/drawingml/2006/main" xmlns:r="http://schemas.openxmlformats.org/officeDocument/2006/relationships" xmlns:p="http://schemas.openxmlformats.org/presentationml/2006/main">
         <p:nvPicPr>
-          <p:cNvPr descr="slides/slides_47.png" id="0" name="Picture 1"/>
+          <p:cNvPr id="2" name="" descr=""/>
           <p:cNvPicPr>
-            <a:picLocks noGrp="1" noChangeAspect="1"/>
+            <a:picLocks noGrp="1"/>
           </p:cNvPicPr>
-          <p:nvPr/>
+          <p:nvPr>
+            <p:ph/>
+          </p:nvPr>
         </p:nvPicPr>
         <p:blipFill>
-          <a:blip r:embed="rId2"/>
+          <a:blip cstate="print" r:embed="rId2"/>
           <a:stretch>
             <a:fillRect/>
           </a:stretch>
         </p:blipFill>
-        <p:spPr bwMode="auto">
-          <a:xfrm>
-            <a:off x="558800" y="1600200"/>
-            <a:ext cx="8039100" cy="4521200"/>
+        <p:spPr>
+          <a:xfrm>
+            <a:off x="0" y="0"/>
+            <a:ext cx="12192000" cy="6858000"/>
           </a:xfrm>
           <a:prstGeom prst="rect">
             <a:avLst/>
           </a:prstGeom>
-          <a:noFill/>
-          <a:ln w="9525">
-            <a:noFill/>
-            <a:headEnd/>
-            <a:tailEnd/>
-          </a:ln>
         </p:spPr>
       </p:pic>
     </p:spTree>
   </p:cSld>
+  <p:clrMapOvr>
+    <a:masterClrMapping/>
+  </p:clrMapOvr>
 </p:sld>
 </file>
 
@@ -5343,38 +5517,37 @@
           <a:chExt cx="0" cy="0"/>
         </a:xfrm>
       </p:grpSpPr>
-      <p:pic>
+      <p:pic xmlns:a="http://schemas.openxmlformats.org/drawingml/2006/main" xmlns:r="http://schemas.openxmlformats.org/officeDocument/2006/relationships" xmlns:p="http://schemas.openxmlformats.org/presentationml/2006/main">
         <p:nvPicPr>
-          <p:cNvPr descr="slides/slides_48.png" id="0" name="Picture 1"/>
+          <p:cNvPr id="2" name="" descr=""/>
           <p:cNvPicPr>
-            <a:picLocks noGrp="1" noChangeAspect="1"/>
+            <a:picLocks noGrp="1"/>
           </p:cNvPicPr>
-          <p:nvPr/>
+          <p:nvPr>
+            <p:ph/>
+          </p:nvPr>
         </p:nvPicPr>
         <p:blipFill>
-          <a:blip r:embed="rId2"/>
+          <a:blip cstate="print" r:embed="rId2"/>
           <a:stretch>
             <a:fillRect/>
           </a:stretch>
         </p:blipFill>
-        <p:spPr bwMode="auto">
-          <a:xfrm>
-            <a:off x="558800" y="1600200"/>
-            <a:ext cx="8039100" cy="4521200"/>
+        <p:spPr>
+          <a:xfrm>
+            <a:off x="0" y="0"/>
+            <a:ext cx="12192000" cy="6858000"/>
           </a:xfrm>
           <a:prstGeom prst="rect">
             <a:avLst/>
           </a:prstGeom>
-          <a:noFill/>
-          <a:ln w="9525">
-            <a:noFill/>
-            <a:headEnd/>
-            <a:tailEnd/>
-          </a:ln>
         </p:spPr>
       </p:pic>
     </p:spTree>
   </p:cSld>
+  <p:clrMapOvr>
+    <a:masterClrMapping/>
+  </p:clrMapOvr>
 </p:sld>
 </file>
 
@@ -5395,38 +5568,37 @@
           <a:chExt cx="0" cy="0"/>
         </a:xfrm>
       </p:grpSpPr>
-      <p:pic>
+      <p:pic xmlns:a="http://schemas.openxmlformats.org/drawingml/2006/main" xmlns:r="http://schemas.openxmlformats.org/officeDocument/2006/relationships" xmlns:p="http://schemas.openxmlformats.org/presentationml/2006/main">
         <p:nvPicPr>
-          <p:cNvPr descr="slides/slides_49.png" id="0" name="Picture 1"/>
+          <p:cNvPr id="2" name="" descr=""/>
           <p:cNvPicPr>
-            <a:picLocks noGrp="1" noChangeAspect="1"/>
+            <a:picLocks noGrp="1"/>
           </p:cNvPicPr>
-          <p:nvPr/>
+          <p:nvPr>
+            <p:ph/>
+          </p:nvPr>
         </p:nvPicPr>
         <p:blipFill>
-          <a:blip r:embed="rId2"/>
+          <a:blip cstate="print" r:embed="rId2"/>
           <a:stretch>
             <a:fillRect/>
           </a:stretch>
         </p:blipFill>
-        <p:spPr bwMode="auto">
-          <a:xfrm>
-            <a:off x="558800" y="1600200"/>
-            <a:ext cx="8039100" cy="4521200"/>
+        <p:spPr>
+          <a:xfrm>
+            <a:off x="0" y="0"/>
+            <a:ext cx="12192000" cy="6858000"/>
           </a:xfrm>
           <a:prstGeom prst="rect">
             <a:avLst/>
           </a:prstGeom>
-          <a:noFill/>
-          <a:ln w="9525">
-            <a:noFill/>
-            <a:headEnd/>
-            <a:tailEnd/>
-          </a:ln>
         </p:spPr>
       </p:pic>
     </p:spTree>
   </p:cSld>
+  <p:clrMapOvr>
+    <a:masterClrMapping/>
+  </p:clrMapOvr>
 </p:sld>
 </file>
 
@@ -5447,38 +5619,88 @@
           <a:chExt cx="0" cy="0"/>
         </a:xfrm>
       </p:grpSpPr>
-      <p:pic>
+      <p:pic xmlns:a="http://schemas.openxmlformats.org/drawingml/2006/main" xmlns:r="http://schemas.openxmlformats.org/officeDocument/2006/relationships" xmlns:p="http://schemas.openxmlformats.org/presentationml/2006/main">
         <p:nvPicPr>
-          <p:cNvPr descr="slides/slides_05.png" id="0" name="Picture 1"/>
+          <p:cNvPr id="2" name="" descr=""/>
           <p:cNvPicPr>
-            <a:picLocks noGrp="1" noChangeAspect="1"/>
+            <a:picLocks noGrp="1"/>
           </p:cNvPicPr>
-          <p:nvPr/>
+          <p:nvPr>
+            <p:ph/>
+          </p:nvPr>
         </p:nvPicPr>
         <p:blipFill>
-          <a:blip r:embed="rId2"/>
+          <a:blip cstate="print" r:embed="rId2"/>
           <a:stretch>
             <a:fillRect/>
           </a:stretch>
         </p:blipFill>
-        <p:spPr bwMode="auto">
-          <a:xfrm>
-            <a:off x="558800" y="1600200"/>
-            <a:ext cx="8039100" cy="4521200"/>
+        <p:spPr>
+          <a:xfrm>
+            <a:off x="0" y="0"/>
+            <a:ext cx="12192000" cy="6858000"/>
           </a:xfrm>
           <a:prstGeom prst="rect">
             <a:avLst/>
           </a:prstGeom>
-          <a:noFill/>
-          <a:ln w="9525">
-            <a:noFill/>
-            <a:headEnd/>
-            <a:tailEnd/>
-          </a:ln>
         </p:spPr>
       </p:pic>
     </p:spTree>
   </p:cSld>
+  <p:clrMapOvr>
+    <a:masterClrMapping/>
+  </p:clrMapOvr>
+</p:sld>
+</file>
+
+<file path=ppt/slides/slide50.xml><?xml version="1.0" encoding="utf-8"?>
+<p:sld xmlns:a="http://schemas.openxmlformats.org/drawingml/2006/main" xmlns:r="http://schemas.openxmlformats.org/officeDocument/2006/relationships" xmlns:p="http://schemas.openxmlformats.org/presentationml/2006/main">
+  <p:cSld>
+    <p:spTree>
+      <p:nvGrpSpPr>
+        <p:cNvPr id="1" name=""/>
+        <p:cNvGrpSpPr/>
+        <p:nvPr/>
+      </p:nvGrpSpPr>
+      <p:grpSpPr>
+        <a:xfrm>
+          <a:off x="0" y="0"/>
+          <a:ext cx="0" cy="0"/>
+          <a:chOff x="0" y="0"/>
+          <a:chExt cx="0" cy="0"/>
+        </a:xfrm>
+      </p:grpSpPr>
+      <p:pic xmlns:a="http://schemas.openxmlformats.org/drawingml/2006/main" xmlns:r="http://schemas.openxmlformats.org/officeDocument/2006/relationships" xmlns:p="http://schemas.openxmlformats.org/presentationml/2006/main">
+        <p:nvPicPr>
+          <p:cNvPr id="2" name="" descr=""/>
+          <p:cNvPicPr>
+            <a:picLocks noGrp="1"/>
+          </p:cNvPicPr>
+          <p:nvPr>
+            <p:ph/>
+          </p:nvPr>
+        </p:nvPicPr>
+        <p:blipFill>
+          <a:blip cstate="print" r:embed="rId2"/>
+          <a:stretch>
+            <a:fillRect/>
+          </a:stretch>
+        </p:blipFill>
+        <p:spPr>
+          <a:xfrm>
+            <a:off x="0" y="0"/>
+            <a:ext cx="12192000" cy="6858000"/>
+          </a:xfrm>
+          <a:prstGeom prst="rect">
+            <a:avLst/>
+          </a:prstGeom>
+        </p:spPr>
+      </p:pic>
+    </p:spTree>
+  </p:cSld>
+  <p:clrMapOvr>
+    <a:masterClrMapping/>
+  </p:clrMapOvr>
 </p:sld>
 </file>
 
@@ -5499,38 +5721,37 @@
           <a:chExt cx="0" cy="0"/>
         </a:xfrm>
       </p:grpSpPr>
-      <p:pic>
+      <p:pic xmlns:a="http://schemas.openxmlformats.org/drawingml/2006/main" xmlns:r="http://schemas.openxmlformats.org/officeDocument/2006/relationships" xmlns:p="http://schemas.openxmlformats.org/presentationml/2006/main">
         <p:nvPicPr>
-          <p:cNvPr descr="slides/slides_06.png" id="0" name="Picture 1"/>
+          <p:cNvPr id="2" name="" descr=""/>
           <p:cNvPicPr>
-            <a:picLocks noGrp="1" noChangeAspect="1"/>
+            <a:picLocks noGrp="1"/>
           </p:cNvPicPr>
-          <p:nvPr/>
+          <p:nvPr>
+            <p:ph/>
+          </p:nvPr>
         </p:nvPicPr>
         <p:blipFill>
-          <a:blip r:embed="rId2"/>
+          <a:blip cstate="print" r:embed="rId2"/>
           <a:stretch>
             <a:fillRect/>
           </a:stretch>
         </p:blipFill>
-        <p:spPr bwMode="auto">
-          <a:xfrm>
-            <a:off x="558800" y="1600200"/>
-            <a:ext cx="8039100" cy="4521200"/>
+        <p:spPr>
+          <a:xfrm>
+            <a:off x="0" y="0"/>
+            <a:ext cx="12192000" cy="6858000"/>
           </a:xfrm>
           <a:prstGeom prst="rect">
             <a:avLst/>
           </a:prstGeom>
-          <a:noFill/>
-          <a:ln w="9525">
-            <a:noFill/>
-            <a:headEnd/>
-            <a:tailEnd/>
-          </a:ln>
         </p:spPr>
       </p:pic>
     </p:spTree>
   </p:cSld>
+  <p:clrMapOvr>
+    <a:masterClrMapping/>
+  </p:clrMapOvr>
 </p:sld>
 </file>
 
@@ -5551,38 +5772,37 @@
           <a:chExt cx="0" cy="0"/>
         </a:xfrm>
       </p:grpSpPr>
-      <p:pic>
+      <p:pic xmlns:a="http://schemas.openxmlformats.org/drawingml/2006/main" xmlns:r="http://schemas.openxmlformats.org/officeDocument/2006/relationships" xmlns:p="http://schemas.openxmlformats.org/presentationml/2006/main">
         <p:nvPicPr>
-          <p:cNvPr descr="slides/slides_07.png" id="0" name="Picture 1"/>
+          <p:cNvPr id="2" name="" descr=""/>
           <p:cNvPicPr>
-            <a:picLocks noGrp="1" noChangeAspect="1"/>
+            <a:picLocks noGrp="1"/>
           </p:cNvPicPr>
-          <p:nvPr/>
+          <p:nvPr>
+            <p:ph/>
+          </p:nvPr>
         </p:nvPicPr>
         <p:blipFill>
-          <a:blip r:embed="rId2"/>
+          <a:blip cstate="print" r:embed="rId2"/>
           <a:stretch>
             <a:fillRect/>
           </a:stretch>
         </p:blipFill>
-        <p:spPr bwMode="auto">
-          <a:xfrm>
-            <a:off x="558800" y="1600200"/>
-            <a:ext cx="8039100" cy="4521200"/>
+        <p:spPr>
+          <a:xfrm>
+            <a:off x="0" y="0"/>
+            <a:ext cx="12192000" cy="6858000"/>
           </a:xfrm>
           <a:prstGeom prst="rect">
             <a:avLst/>
           </a:prstGeom>
-          <a:noFill/>
-          <a:ln w="9525">
-            <a:noFill/>
-            <a:headEnd/>
-            <a:tailEnd/>
-          </a:ln>
         </p:spPr>
       </p:pic>
     </p:spTree>
   </p:cSld>
+  <p:clrMapOvr>
+    <a:masterClrMapping/>
+  </p:clrMapOvr>
 </p:sld>
 </file>
 
@@ -5603,38 +5823,37 @@
           <a:chExt cx="0" cy="0"/>
         </a:xfrm>
       </p:grpSpPr>
-      <p:pic>
+      <p:pic xmlns:a="http://schemas.openxmlformats.org/drawingml/2006/main" xmlns:r="http://schemas.openxmlformats.org/officeDocument/2006/relationships" xmlns:p="http://schemas.openxmlformats.org/presentationml/2006/main">
         <p:nvPicPr>
-          <p:cNvPr descr="slides/slides_08.png" id="0" name="Picture 1"/>
+          <p:cNvPr id="2" name="" descr=""/>
           <p:cNvPicPr>
-            <a:picLocks noGrp="1" noChangeAspect="1"/>
+            <a:picLocks noGrp="1"/>
           </p:cNvPicPr>
-          <p:nvPr/>
+          <p:nvPr>
+            <p:ph/>
+          </p:nvPr>
         </p:nvPicPr>
         <p:blipFill>
-          <a:blip r:embed="rId2"/>
+          <a:blip cstate="print" r:embed="rId2"/>
           <a:stretch>
             <a:fillRect/>
           </a:stretch>
         </p:blipFill>
-        <p:spPr bwMode="auto">
-          <a:xfrm>
-            <a:off x="558800" y="1600200"/>
-            <a:ext cx="8039100" cy="4521200"/>
+        <p:spPr>
+          <a:xfrm>
+            <a:off x="0" y="0"/>
+            <a:ext cx="12192000" cy="6858000"/>
           </a:xfrm>
           <a:prstGeom prst="rect">
             <a:avLst/>
           </a:prstGeom>
-          <a:noFill/>
-          <a:ln w="9525">
-            <a:noFill/>
-            <a:headEnd/>
-            <a:tailEnd/>
-          </a:ln>
         </p:spPr>
       </p:pic>
     </p:spTree>
   </p:cSld>
+  <p:clrMapOvr>
+    <a:masterClrMapping/>
+  </p:clrMapOvr>
 </p:sld>
 </file>
 
@@ -5655,38 +5874,37 @@
           <a:chExt cx="0" cy="0"/>
         </a:xfrm>
       </p:grpSpPr>
-      <p:pic>
+      <p:pic xmlns:a="http://schemas.openxmlformats.org/drawingml/2006/main" xmlns:r="http://schemas.openxmlformats.org/officeDocument/2006/relationships" xmlns:p="http://schemas.openxmlformats.org/presentationml/2006/main">
         <p:nvPicPr>
-          <p:cNvPr descr="slides/slides_09.png" id="0" name="Picture 1"/>
+          <p:cNvPr id="2" name="" descr=""/>
           <p:cNvPicPr>
-            <a:picLocks noGrp="1" noChangeAspect="1"/>
+            <a:picLocks noGrp="1"/>
           </p:cNvPicPr>
-          <p:nvPr/>
+          <p:nvPr>
+            <p:ph/>
+          </p:nvPr>
         </p:nvPicPr>
         <p:blipFill>
-          <a:blip r:embed="rId2"/>
+          <a:blip cstate="print" r:embed="rId2"/>
           <a:stretch>
             <a:fillRect/>
           </a:stretch>
         </p:blipFill>
-        <p:spPr bwMode="auto">
-          <a:xfrm>
-            <a:off x="558800" y="1600200"/>
-            <a:ext cx="8039100" cy="4521200"/>
+        <p:spPr>
+          <a:xfrm>
+            <a:off x="0" y="0"/>
+            <a:ext cx="12192000" cy="6858000"/>
           </a:xfrm>
           <a:prstGeom prst="rect">
             <a:avLst/>
           </a:prstGeom>
-          <a:noFill/>
-          <a:ln w="9525">
-            <a:noFill/>
-            <a:headEnd/>
-            <a:tailEnd/>
-          </a:ln>
         </p:spPr>
       </p:pic>
     </p:spTree>
   </p:cSld>
+  <p:clrMapOvr>
+    <a:masterClrMapping/>
+  </p:clrMapOvr>
 </p:sld>
 </file>
 
@@ -5701,44 +5919,44 @@
         <a:sysClr val="window" lastClr="FFFFFF"/>
       </a:lt1>
       <a:dk2>
-        <a:srgbClr val="1F497D"/>
+        <a:srgbClr val="44546A"/>
       </a:dk2>
       <a:lt2>
-        <a:srgbClr val="EEECE1"/>
+        <a:srgbClr val="E7E6E6"/>
       </a:lt2>
       <a:accent1>
-        <a:srgbClr val="4F81BD"/>
+        <a:srgbClr val="4472C4"/>
       </a:accent1>
       <a:accent2>
-        <a:srgbClr val="C0504D"/>
+        <a:srgbClr val="ED7D31"/>
       </a:accent2>
       <a:accent3>
-        <a:srgbClr val="9BBB59"/>
+        <a:srgbClr val="A5A5A5"/>
       </a:accent3>
       <a:accent4>
-        <a:srgbClr val="8064A2"/>
+        <a:srgbClr val="FFC000"/>
       </a:accent4>
       <a:accent5>
-        <a:srgbClr val="4BACC6"/>
+        <a:srgbClr val="5B9BD5"/>
       </a:accent5>
       <a:accent6>
-        <a:srgbClr val="F79646"/>
+        <a:srgbClr val="70AD47"/>
       </a:accent6>
       <a:hlink>
-        <a:srgbClr val="0000FF"/>
+        <a:srgbClr val="0563C1"/>
       </a:hlink>
       <a:folHlink>
-        <a:srgbClr val="800080"/>
+        <a:srgbClr val="954F72"/>
       </a:folHlink>
     </a:clrScheme>
     <a:fontScheme name="Office">
       <a:majorFont>
-        <a:latin typeface="Calibri"/>
+        <a:latin typeface="Calibri Light" panose="020F0302020204030204"/>
         <a:ea typeface=""/>
         <a:cs typeface=""/>
-        <a:font script="Jpan" typeface="ＭＳ Ｐゴシック"/>
+        <a:font script="Jpan" typeface="游ゴシック Light"/>
         <a:font script="Hang" typeface="맑은 고딕"/>
-        <a:font script="Hans" typeface="宋体"/>
+        <a:font script="Hans" typeface="等线 Light"/>
         <a:font script="Hant" typeface="新細明體"/>
         <a:font script="Arab" typeface="Times New Roman"/>
         <a:font script="Hebr" typeface="Times New Roman"/>
@@ -5766,14 +5984,31 @@
         <a:font script="Viet" typeface="Times New Roman"/>
         <a:font script="Uigh" typeface="Microsoft Uighur"/>
         <a:font script="Geor" typeface="Sylfaen"/>
+        <a:font script="Armn" typeface="Arial"/>
+        <a:font script="Bugi" typeface="Leelawadee UI"/>
+        <a:font script="Bopo" typeface="Microsoft JhengHei"/>
+        <a:font script="Java" typeface="Javanese Text"/>
+        <a:font script="Lisu" typeface="Segoe UI"/>
+        <a:font script="Mymr" typeface="Myanmar Text"/>
+        <a:font script="Nkoo" typeface="Ebrima"/>
+        <a:font script="Olck" typeface="Nirmala UI"/>
+        <a:font script="Osma" typeface="Ebrima"/>
+        <a:font script="Phag" typeface="Phagspa"/>
+        <a:font script="Syrn" typeface="Estrangelo Edessa"/>
+        <a:font script="Syrj" typeface="Estrangelo Edessa"/>
+        <a:font script="Syre" typeface="Estrangelo Edessa"/>
+        <a:font script="Sora" typeface="Nirmala UI"/>
+        <a:font script="Tale" typeface="Microsoft Tai Le"/>
+        <a:font script="Talu" typeface="Microsoft New Tai Lue"/>
+        <a:font script="Tfng" typeface="Ebrima"/>
       </a:majorFont>
       <a:minorFont>
-        <a:latin typeface="Calibri"/>
+        <a:latin typeface="Calibri" panose="020F0502020204030204"/>
         <a:ea typeface=""/>
         <a:cs typeface=""/>
-        <a:font script="Jpan" typeface="ＭＳ Ｐゴシック"/>
+        <a:font script="Jpan" typeface="游ゴシック"/>
         <a:font script="Hang" typeface="맑은 고딕"/>
-        <a:font script="Hans" typeface="宋体"/>
+        <a:font script="Hans" typeface="等线"/>
         <a:font script="Hant" typeface="新細明體"/>
         <a:font script="Arab" typeface="Arial"/>
         <a:font script="Hebr" typeface="Arial"/>
@@ -5801,6 +6036,23 @@
         <a:font script="Viet" typeface="Arial"/>
         <a:font script="Uigh" typeface="Microsoft Uighur"/>
         <a:font script="Geor" typeface="Sylfaen"/>
+        <a:font script="Armn" typeface="Arial"/>
+        <a:font script="Bugi" typeface="Leelawadee UI"/>
+        <a:font script="Bopo" typeface="Microsoft JhengHei"/>
+        <a:font script="Java" typeface="Javanese Text"/>
+        <a:font script="Lisu" typeface="Segoe UI"/>
+        <a:font script="Mymr" typeface="Myanmar Text"/>
+        <a:font script="Nkoo" typeface="Ebrima"/>
+        <a:font script="Olck" typeface="Nirmala UI"/>
+        <a:font script="Osma" typeface="Ebrima"/>
+        <a:font script="Phag" typeface="Phagspa"/>
+        <a:font script="Syrn" typeface="Estrangelo Edessa"/>
+        <a:font script="Syrj" typeface="Estrangelo Edessa"/>
+        <a:font script="Syre" typeface="Estrangelo Edessa"/>
+        <a:font script="Sora" typeface="Nirmala UI"/>
+        <a:font script="Tale" typeface="Microsoft Tai Le"/>
+        <a:font script="Talu" typeface="Microsoft New Tai Lue"/>
+        <a:font script="Tfng" typeface="Ebrima"/>
       </a:minorFont>
     </a:fontScheme>
     <a:fmtScheme name="Office">
@@ -5812,200 +6064,141 @@
           <a:gsLst>
             <a:gs pos="0">
               <a:schemeClr val="phClr">
-                <a:tint val="50000"/>
-                <a:satMod val="300000"/>
+                <a:lumMod val="110000"/>
+                <a:satMod val="105000"/>
+                <a:tint val="67000"/>
               </a:schemeClr>
             </a:gs>
-            <a:gs pos="35000">
+            <a:gs pos="50000">
               <a:schemeClr val="phClr">
-                <a:tint val="37000"/>
-                <a:satMod val="300000"/>
+                <a:lumMod val="105000"/>
+                <a:satMod val="103000"/>
+                <a:tint val="73000"/>
               </a:schemeClr>
             </a:gs>
             <a:gs pos="100000">
               <a:schemeClr val="phClr">
-                <a:tint val="15000"/>
-                <a:satMod val="350000"/>
+                <a:lumMod val="105000"/>
+                <a:satMod val="109000"/>
+                <a:tint val="81000"/>
               </a:schemeClr>
             </a:gs>
           </a:gsLst>
-          <a:lin ang="16200000" scaled="1"/>
+          <a:lin ang="5400000" scaled="0"/>
         </a:gradFill>
         <a:gradFill rotWithShape="1">
           <a:gsLst>
             <a:gs pos="0">
               <a:schemeClr val="phClr">
-                <a:tint val="100000"/>
+                <a:satMod val="103000"/>
+                <a:lumMod val="102000"/>
+                <a:tint val="94000"/>
+              </a:schemeClr>
+            </a:gs>
+            <a:gs pos="50000">
+              <a:schemeClr val="phClr">
+                <a:satMod val="110000"/>
+                <a:lumMod val="100000"/>
                 <a:shade val="100000"/>
-                <a:satMod val="130000"/>
               </a:schemeClr>
             </a:gs>
             <a:gs pos="100000">
               <a:schemeClr val="phClr">
-                <a:tint val="50000"/>
-                <a:shade val="100000"/>
-                <a:satMod val="350000"/>
+                <a:lumMod val="99000"/>
+                <a:satMod val="120000"/>
+                <a:shade val="78000"/>
               </a:schemeClr>
             </a:gs>
           </a:gsLst>
-          <a:lin ang="16200000" scaled="0"/>
+          <a:lin ang="5400000" scaled="0"/>
         </a:gradFill>
       </a:fillStyleLst>
       <a:lnStyleLst>
-        <a:ln w="9525" cap="flat" cmpd="sng" algn="ctr">
-          <a:solidFill>
-            <a:schemeClr val="phClr">
-              <a:shade val="95000"/>
-              <a:satMod val="105000"/>
-            </a:schemeClr>
-          </a:solidFill>
-          <a:prstDash val="solid"/>
-        </a:ln>
-        <a:ln w="25400" cap="flat" cmpd="sng" algn="ctr">
+        <a:ln w="6350" cap="flat" cmpd="sng" algn="ctr">
           <a:solidFill>
             <a:schemeClr val="phClr"/>
           </a:solidFill>
           <a:prstDash val="solid"/>
+          <a:miter lim="800000"/>
         </a:ln>
-        <a:ln w="38100" cap="flat" cmpd="sng" algn="ctr">
+        <a:ln w="12700" cap="flat" cmpd="sng" algn="ctr">
           <a:solidFill>
             <a:schemeClr val="phClr"/>
           </a:solidFill>
           <a:prstDash val="solid"/>
+          <a:miter lim="800000"/>
+        </a:ln>
+        <a:ln w="19050" cap="flat" cmpd="sng" algn="ctr">
+          <a:solidFill>
+            <a:schemeClr val="phClr"/>
+          </a:solidFill>
+          <a:prstDash val="solid"/>
+          <a:miter lim="800000"/>
         </a:ln>
       </a:lnStyleLst>
       <a:effectStyleLst>
         <a:effectStyle>
+          <a:effectLst/>
+        </a:effectStyle>
+        <a:effectStyle>
+          <a:effectLst/>
+        </a:effectStyle>
+        <a:effectStyle>
           <a:effectLst>
-            <a:outerShdw blurRad="40000" dist="20000" dir="5400000" rotWithShape="0">
+            <a:outerShdw blurRad="57150" dist="19050" dir="5400000" algn="ctr" rotWithShape="0">
               <a:srgbClr val="000000">
-                <a:alpha val="38000"/>
+                <a:alpha val="63000"/>
               </a:srgbClr>
             </a:outerShdw>
           </a:effectLst>
-        </a:effectStyle>
-        <a:effectStyle>
-          <a:effectLst>
-            <a:outerShdw blurRad="40000" dist="23000" dir="5400000" rotWithShape="0">
-              <a:srgbClr val="000000">
-                <a:alpha val="35000"/>
-              </a:srgbClr>
-            </a:outerShdw>
-          </a:effectLst>
-        </a:effectStyle>
-        <a:effectStyle>
-          <a:effectLst>
-            <a:outerShdw blurRad="40000" dist="23000" dir="5400000" rotWithShape="0">
-              <a:srgbClr val="000000">
-                <a:alpha val="35000"/>
-              </a:srgbClr>
-            </a:outerShdw>
-          </a:effectLst>
-          <a:scene3d>
-            <a:camera prst="orthographicFront">
-              <a:rot lat="0" lon="0" rev="0"/>
-            </a:camera>
-            <a:lightRig rig="threePt" dir="t">
-              <a:rot lat="0" lon="0" rev="1200000"/>
-            </a:lightRig>
-          </a:scene3d>
-          <a:sp3d>
-            <a:bevelT w="63500" h="25400"/>
-          </a:sp3d>
         </a:effectStyle>
       </a:effectStyleLst>
       <a:bgFillStyleLst>
         <a:solidFill>
           <a:schemeClr val="phClr"/>
         </a:solidFill>
+        <a:solidFill>
+          <a:schemeClr val="phClr">
+            <a:tint val="95000"/>
+            <a:satMod val="170000"/>
+          </a:schemeClr>
+        </a:solidFill>
         <a:gradFill rotWithShape="1">
           <a:gsLst>
             <a:gs pos="0">
               <a:schemeClr val="phClr">
-                <a:tint val="40000"/>
-                <a:satMod val="350000"/>
+                <a:tint val="93000"/>
+                <a:satMod val="150000"/>
+                <a:shade val="98000"/>
+                <a:lumMod val="102000"/>
               </a:schemeClr>
             </a:gs>
-            <a:gs pos="40000">
+            <a:gs pos="50000">
               <a:schemeClr val="phClr">
-                <a:tint val="45000"/>
-                <a:shade val="99000"/>
-                <a:satMod val="350000"/>
+                <a:tint val="98000"/>
+                <a:satMod val="130000"/>
+                <a:shade val="90000"/>
+                <a:lumMod val="103000"/>
               </a:schemeClr>
             </a:gs>
             <a:gs pos="100000">
               <a:schemeClr val="phClr">
-                <a:shade val="20000"/>
-                <a:satMod val="255000"/>
+                <a:shade val="63000"/>
+                <a:satMod val="120000"/>
               </a:schemeClr>
             </a:gs>
           </a:gsLst>
-          <a:path path="circle">
-            <a:fillToRect l="50000" t="-80000" r="50000" b="180000"/>
-          </a:path>
-        </a:gradFill>
-        <a:gradFill rotWithShape="1">
-          <a:gsLst>
-            <a:gs pos="0">
-              <a:schemeClr val="phClr">
-                <a:tint val="80000"/>
-                <a:satMod val="300000"/>
-              </a:schemeClr>
-            </a:gs>
-            <a:gs pos="100000">
-              <a:schemeClr val="phClr">
-                <a:shade val="30000"/>
-                <a:satMod val="200000"/>
-              </a:schemeClr>
-            </a:gs>
-          </a:gsLst>
-          <a:path path="circle">
-            <a:fillToRect l="50000" t="50000" r="50000" b="50000"/>
-          </a:path>
+          <a:lin ang="5400000" scaled="0"/>
         </a:gradFill>
       </a:bgFillStyleLst>
     </a:fmtScheme>
   </a:themeElements>
-  <a:objectDefaults>
-    <a:spDef>
-      <a:spPr/>
-      <a:bodyPr/>
-      <a:lstStyle/>
-      <a:style>
-        <a:lnRef idx="1">
-          <a:schemeClr val="accent1"/>
-        </a:lnRef>
-        <a:fillRef idx="3">
-          <a:schemeClr val="accent1"/>
-        </a:fillRef>
-        <a:effectRef idx="2">
-          <a:schemeClr val="accent1"/>
-        </a:effectRef>
-        <a:fontRef idx="minor">
-          <a:schemeClr val="lt1"/>
-        </a:fontRef>
-      </a:style>
-    </a:spDef>
-    <a:lnDef>
-      <a:spPr/>
-      <a:bodyPr/>
-      <a:lstStyle/>
-      <a:style>
-        <a:lnRef idx="2">
-          <a:schemeClr val="accent1"/>
-        </a:lnRef>
-        <a:fillRef idx="0">
-          <a:schemeClr val="accent1"/>
-        </a:fillRef>
-        <a:effectRef idx="1">
-          <a:schemeClr val="accent1"/>
-        </a:effectRef>
-        <a:fontRef idx="minor">
-          <a:schemeClr val="tx1"/>
-        </a:fontRef>
-      </a:style>
-    </a:lnDef>
-  </a:objectDefaults>
+  <a:objectDefaults/>
   <a:extraClrSchemeLst/>
+  <a:extLst>
+    <a:ext uri="{05A4C25C-085E-4340-85A3-A5531E510DB2}">
+      <thm15:themeFamily xmlns:thm15="http://schemas.microsoft.com/office/thememl/2012/main" name="Office Theme" id="{62F939B6-93AF-4DB8-9C6B-D6C7DFDC589F}" vid="{4A3C46E8-61CC-4603-A589-7422A47A8E4A}"/>
+    </a:ext>
+  </a:extLst>
 </a:theme>
 </file>
--- a/Presentation/Slides-day-1.pptx
+++ b/Presentation/Slides-day-1.pptx
@@ -54,7 +54,6 @@
     <p:sldId id="302" r:id="rId52"/>
     <p:sldId id="303" r:id="rId53"/>
     <p:sldId id="304" r:id="rId54"/>
-    <p:sldId id="305" r:id="rId55"/>
   </p:sldIdLst>
   <p:sldSz cx="12192000" cy="6858000"/>
   <p:notesSz cx="6858000" cy="9144000"/>
@@ -5653,57 +5652,6 @@
 </p:sld>
 </file>
 
-<file path=ppt/slides/slide50.xml><?xml version="1.0" encoding="utf-8"?>
-<p:sld xmlns:a="http://schemas.openxmlformats.org/drawingml/2006/main" xmlns:r="http://schemas.openxmlformats.org/officeDocument/2006/relationships" xmlns:p="http://schemas.openxmlformats.org/presentationml/2006/main">
-  <p:cSld>
-    <p:spTree>
-      <p:nvGrpSpPr>
-        <p:cNvPr id="1" name=""/>
-        <p:cNvGrpSpPr/>
-        <p:nvPr/>
-      </p:nvGrpSpPr>
-      <p:grpSpPr>
-        <a:xfrm>
-          <a:off x="0" y="0"/>
-          <a:ext cx="0" cy="0"/>
-          <a:chOff x="0" y="0"/>
-          <a:chExt cx="0" cy="0"/>
-        </a:xfrm>
-      </p:grpSpPr>
-      <p:pic xmlns:a="http://schemas.openxmlformats.org/drawingml/2006/main" xmlns:r="http://schemas.openxmlformats.org/officeDocument/2006/relationships" xmlns:p="http://schemas.openxmlformats.org/presentationml/2006/main">
-        <p:nvPicPr>
-          <p:cNvPr id="2" name="" descr=""/>
-          <p:cNvPicPr>
-            <a:picLocks noGrp="1"/>
-          </p:cNvPicPr>
-          <p:nvPr>
-            <p:ph/>
-          </p:nvPr>
-        </p:nvPicPr>
-        <p:blipFill>
-          <a:blip cstate="print" r:embed="rId2"/>
-          <a:stretch>
-            <a:fillRect/>
-          </a:stretch>
-        </p:blipFill>
-        <p:spPr>
-          <a:xfrm>
-            <a:off x="0" y="0"/>
-            <a:ext cx="12192000" cy="6858000"/>
-          </a:xfrm>
-          <a:prstGeom prst="rect">
-            <a:avLst/>
-          </a:prstGeom>
-        </p:spPr>
-      </p:pic>
-    </p:spTree>
-  </p:cSld>
-  <p:clrMapOvr>
-    <a:masterClrMapping/>
-  </p:clrMapOvr>
-</p:sld>
-</file>
-
 <file path=ppt/slides/slide6.xml><?xml version="1.0" encoding="utf-8"?>
 <p:sld xmlns:a="http://schemas.openxmlformats.org/drawingml/2006/main" xmlns:r="http://schemas.openxmlformats.org/officeDocument/2006/relationships" xmlns:p="http://schemas.openxmlformats.org/presentationml/2006/main">
   <p:cSld>

--- a/Presentation/Slides-day-1.pptx
+++ b/Presentation/Slides-day-1.pptx
@@ -54,6 +54,7 @@
     <p:sldId id="302" r:id="rId52"/>
     <p:sldId id="303" r:id="rId53"/>
     <p:sldId id="304" r:id="rId54"/>
+    <p:sldId id="305" r:id="rId55"/>
   </p:sldIdLst>
   <p:sldSz cx="12192000" cy="6858000"/>
   <p:notesSz cx="6858000" cy="9144000"/>
@@ -5652,6 +5653,57 @@
 </p:sld>
 </file>
 
+<file path=ppt/slides/slide50.xml><?xml version="1.0" encoding="utf-8"?>
+<p:sld xmlns:a="http://schemas.openxmlformats.org/drawingml/2006/main" xmlns:r="http://schemas.openxmlformats.org/officeDocument/2006/relationships" xmlns:p="http://schemas.openxmlformats.org/presentationml/2006/main">
+  <p:cSld>
+    <p:spTree>
+      <p:nvGrpSpPr>
+        <p:cNvPr id="1" name=""/>
+        <p:cNvGrpSpPr/>
+        <p:nvPr/>
+      </p:nvGrpSpPr>
+      <p:grpSpPr>
+        <a:xfrm>
+          <a:off x="0" y="0"/>
+          <a:ext cx="0" cy="0"/>
+          <a:chOff x="0" y="0"/>
+          <a:chExt cx="0" cy="0"/>
+        </a:xfrm>
+      </p:grpSpPr>
+      <p:pic xmlns:a="http://schemas.openxmlformats.org/drawingml/2006/main" xmlns:r="http://schemas.openxmlformats.org/officeDocument/2006/relationships" xmlns:p="http://schemas.openxmlformats.org/presentationml/2006/main">
+        <p:nvPicPr>
+          <p:cNvPr id="2" name="" descr=""/>
+          <p:cNvPicPr>
+            <a:picLocks noGrp="1"/>
+          </p:cNvPicPr>
+          <p:nvPr>
+            <p:ph/>
+          </p:nvPr>
+        </p:nvPicPr>
+        <p:blipFill>
+          <a:blip cstate="print" r:embed="rId2"/>
+          <a:stretch>
+            <a:fillRect/>
+          </a:stretch>
+        </p:blipFill>
+        <p:spPr>
+          <a:xfrm>
+            <a:off x="0" y="0"/>
+            <a:ext cx="12192000" cy="6858000"/>
+          </a:xfrm>
+          <a:prstGeom prst="rect">
+            <a:avLst/>
+          </a:prstGeom>
+        </p:spPr>
+      </p:pic>
+    </p:spTree>
+  </p:cSld>
+  <p:clrMapOvr>
+    <a:masterClrMapping/>
+  </p:clrMapOvr>
+</p:sld>
+</file>
+
 <file path=ppt/slides/slide6.xml><?xml version="1.0" encoding="utf-8"?>
 <p:sld xmlns:a="http://schemas.openxmlformats.org/drawingml/2006/main" xmlns:r="http://schemas.openxmlformats.org/officeDocument/2006/relationships" xmlns:p="http://schemas.openxmlformats.org/presentationml/2006/main">
   <p:cSld>
